--- a/Presentation/CQRS.pptx
+++ b/Presentation/CQRS.pptx
@@ -11391,52 +11391,6 @@
           </a:p>
         </p:txBody>
       </p:sp>
-      <p:sp>
-        <p:nvSpPr>
-          <p:cNvPr id="11" name="TextBox 10"/>
-          <p:cNvSpPr txBox="1"/>
-          <p:nvPr/>
-        </p:nvSpPr>
-        <p:spPr>
-          <a:xfrm>
-            <a:off x="0" y="0"/>
-            <a:ext cx="762000" cy="369332"/>
-          </a:xfrm>
-          <a:prstGeom prst="rect">
-            <a:avLst/>
-          </a:prstGeom>
-          <a:noFill/>
-        </p:spPr>
-        <p:txBody>
-          <a:bodyPr wrap="square" rtlCol="0">
-            <a:spAutoFit/>
-          </a:bodyPr>
-          <a:lstStyle/>
-          <a:p>
-            <a:r>
-              <a:rPr lang="en-US" dirty="0" smtClean="0">
-                <a:solidFill>
-                  <a:schemeClr val="accent1">
-                    <a:lumMod val="60000"/>
-                    <a:lumOff val="40000"/>
-                  </a:schemeClr>
-                </a:solidFill>
-                <a:latin typeface="Berlin Sans FB" pitchFamily="34" charset="0"/>
-              </a:rPr>
-              <a:t>demo</a:t>
-            </a:r>
-            <a:endParaRPr lang="en-US" dirty="0">
-              <a:solidFill>
-                <a:schemeClr val="accent1">
-                  <a:lumMod val="60000"/>
-                  <a:lumOff val="40000"/>
-                </a:schemeClr>
-              </a:solidFill>
-              <a:latin typeface="Berlin Sans FB" pitchFamily="34" charset="0"/>
-            </a:endParaRPr>
-          </a:p>
-        </p:txBody>
-      </p:sp>
     </p:spTree>
     <p:extLst>
       <p:ext uri="{BB962C8B-B14F-4D97-AF65-F5344CB8AC3E}">
@@ -11544,7 +11498,6 @@
               <a:rPr lang="en-US" dirty="0"/>
               <a:t>Replace 3nf DB altogether and load aggregates from events</a:t>
             </a:r>
-            <a:endParaRPr lang="en-US" dirty="0"/>
           </a:p>
         </p:txBody>
       </p:sp>
@@ -11754,6 +11707,52 @@
           </a:graphicData>
         </a:graphic>
       </p:graphicFrame>
+      <p:sp>
+        <p:nvSpPr>
+          <p:cNvPr id="4" name="TextBox 3"/>
+          <p:cNvSpPr txBox="1"/>
+          <p:nvPr/>
+        </p:nvSpPr>
+        <p:spPr>
+          <a:xfrm>
+            <a:off x="0" y="0"/>
+            <a:ext cx="762000" cy="369332"/>
+          </a:xfrm>
+          <a:prstGeom prst="rect">
+            <a:avLst/>
+          </a:prstGeom>
+          <a:noFill/>
+        </p:spPr>
+        <p:txBody>
+          <a:bodyPr wrap="square" rtlCol="0">
+            <a:spAutoFit/>
+          </a:bodyPr>
+          <a:lstStyle/>
+          <a:p>
+            <a:r>
+              <a:rPr lang="en-US" dirty="0" smtClean="0">
+                <a:solidFill>
+                  <a:schemeClr val="accent1">
+                    <a:lumMod val="60000"/>
+                    <a:lumOff val="40000"/>
+                  </a:schemeClr>
+                </a:solidFill>
+                <a:latin typeface="Berlin Sans FB" pitchFamily="34" charset="0"/>
+              </a:rPr>
+              <a:t>demo</a:t>
+            </a:r>
+            <a:endParaRPr lang="en-US" dirty="0">
+              <a:solidFill>
+                <a:schemeClr val="accent1">
+                  <a:lumMod val="60000"/>
+                  <a:lumOff val="40000"/>
+                </a:schemeClr>
+              </a:solidFill>
+              <a:latin typeface="Berlin Sans FB" pitchFamily="34" charset="0"/>
+            </a:endParaRPr>
+          </a:p>
+        </p:txBody>
+      </p:sp>
     </p:spTree>
     <p:extLst>
       <p:ext uri="{BB962C8B-B14F-4D97-AF65-F5344CB8AC3E}">
@@ -11857,11 +11856,7 @@
             </a:r>
             <a:r>
               <a:rPr lang="en-US" smtClean="0"/>
-              <a:t>change </a:t>
-            </a:r>
-            <a:r>
-              <a:rPr lang="en-US" smtClean="0"/>
-              <a:t>them</a:t>
+              <a:t>change them</a:t>
             </a:r>
             <a:endParaRPr lang="en-US" dirty="0" smtClean="0"/>
           </a:p>
@@ -12128,11 +12123,7 @@
           <a:p>
             <a:r>
               <a:rPr lang="en-US" dirty="0" smtClean="0"/>
-              <a:t>Presentation </a:t>
-            </a:r>
-            <a:r>
-              <a:rPr lang="en-US" dirty="0" smtClean="0"/>
-              <a:t>located at </a:t>
+              <a:t>Presentation located at </a:t>
             </a:r>
             <a:r>
               <a:rPr lang="en-US" dirty="0" smtClean="0">

--- a/Presentation/CQRS.pptx
+++ b/Presentation/CQRS.pptx
@@ -5489,7 +5489,7 @@
           <a:p>
             <a:fld id="{53325EAB-CC1D-44DE-870B-60C4521F5D72}" type="datetimeFigureOut">
               <a:rPr lang="en-US" smtClean="0"/>
-              <a:t>3/8/2012</a:t>
+              <a:t>3/9/2012</a:t>
             </a:fld>
             <a:endParaRPr lang="en-US"/>
           </a:p>
@@ -6015,7 +6015,7 @@
             <a:fld id="{F2C9E58D-73E8-4C3A-87F4-C0B220249DB4}" type="datetimeFigureOut">
               <a:rPr lang="en-US" smtClean="0"/>
               <a:pPr/>
-              <a:t>3/8/2012</a:t>
+              <a:t>3/9/2012</a:t>
             </a:fld>
             <a:endParaRPr lang="en-US"/>
           </a:p>
@@ -6182,7 +6182,7 @@
             <a:fld id="{F2C9E58D-73E8-4C3A-87F4-C0B220249DB4}" type="datetimeFigureOut">
               <a:rPr lang="en-US" smtClean="0"/>
               <a:pPr/>
-              <a:t>3/8/2012</a:t>
+              <a:t>3/9/2012</a:t>
             </a:fld>
             <a:endParaRPr lang="en-US"/>
           </a:p>
@@ -6359,7 +6359,7 @@
             <a:fld id="{F2C9E58D-73E8-4C3A-87F4-C0B220249DB4}" type="datetimeFigureOut">
               <a:rPr lang="en-US" smtClean="0"/>
               <a:pPr/>
-              <a:t>3/8/2012</a:t>
+              <a:t>3/9/2012</a:t>
             </a:fld>
             <a:endParaRPr lang="en-US"/>
           </a:p>
@@ -6526,7 +6526,7 @@
             <a:fld id="{F2C9E58D-73E8-4C3A-87F4-C0B220249DB4}" type="datetimeFigureOut">
               <a:rPr lang="en-US" smtClean="0"/>
               <a:pPr/>
-              <a:t>3/8/2012</a:t>
+              <a:t>3/9/2012</a:t>
             </a:fld>
             <a:endParaRPr lang="en-US"/>
           </a:p>
@@ -6770,7 +6770,7 @@
             <a:fld id="{F2C9E58D-73E8-4C3A-87F4-C0B220249DB4}" type="datetimeFigureOut">
               <a:rPr lang="en-US" smtClean="0"/>
               <a:pPr/>
-              <a:t>3/8/2012</a:t>
+              <a:t>3/9/2012</a:t>
             </a:fld>
             <a:endParaRPr lang="en-US"/>
           </a:p>
@@ -7036,7 +7036,7 @@
             <a:fld id="{F2C9E58D-73E8-4C3A-87F4-C0B220249DB4}" type="datetimeFigureOut">
               <a:rPr lang="en-US" smtClean="0"/>
               <a:pPr/>
-              <a:t>3/8/2012</a:t>
+              <a:t>3/9/2012</a:t>
             </a:fld>
             <a:endParaRPr lang="en-US"/>
           </a:p>
@@ -7416,7 +7416,7 @@
             <a:fld id="{F2C9E58D-73E8-4C3A-87F4-C0B220249DB4}" type="datetimeFigureOut">
               <a:rPr lang="en-US" smtClean="0"/>
               <a:pPr/>
-              <a:t>3/8/2012</a:t>
+              <a:t>3/9/2012</a:t>
             </a:fld>
             <a:endParaRPr lang="en-US"/>
           </a:p>
@@ -7568,7 +7568,7 @@
             <a:fld id="{F2C9E58D-73E8-4C3A-87F4-C0B220249DB4}" type="datetimeFigureOut">
               <a:rPr lang="en-US" smtClean="0"/>
               <a:pPr/>
-              <a:t>3/8/2012</a:t>
+              <a:t>3/9/2012</a:t>
             </a:fld>
             <a:endParaRPr lang="en-US"/>
           </a:p>
@@ -7660,7 +7660,7 @@
             <a:fld id="{F2C9E58D-73E8-4C3A-87F4-C0B220249DB4}" type="datetimeFigureOut">
               <a:rPr lang="en-US" smtClean="0"/>
               <a:pPr/>
-              <a:t>3/8/2012</a:t>
+              <a:t>3/9/2012</a:t>
             </a:fld>
             <a:endParaRPr lang="en-US"/>
           </a:p>
@@ -7923,7 +7923,7 @@
             <a:fld id="{F2C9E58D-73E8-4C3A-87F4-C0B220249DB4}" type="datetimeFigureOut">
               <a:rPr lang="en-US" smtClean="0"/>
               <a:pPr/>
-              <a:t>3/8/2012</a:t>
+              <a:t>3/9/2012</a:t>
             </a:fld>
             <a:endParaRPr lang="en-US"/>
           </a:p>
@@ -8213,7 +8213,7 @@
             <a:fld id="{F2C9E58D-73E8-4C3A-87F4-C0B220249DB4}" type="datetimeFigureOut">
               <a:rPr lang="en-US" smtClean="0"/>
               <a:pPr/>
-              <a:t>3/8/2012</a:t>
+              <a:t>3/9/2012</a:t>
             </a:fld>
             <a:endParaRPr lang="en-US"/>
           </a:p>
@@ -8986,7 +8986,7 @@
             <a:fld id="{F2C9E58D-73E8-4C3A-87F4-C0B220249DB4}" type="datetimeFigureOut">
               <a:rPr lang="en-US" smtClean="0"/>
               <a:pPr/>
-              <a:t>3/8/2012</a:t>
+              <a:t>3/9/2012</a:t>
             </a:fld>
             <a:endParaRPr lang="en-US"/>
           </a:p>
@@ -10491,469 +10491,9 @@
   <p:timing>
     <p:tnLst>
       <p:par>
-        <p:cTn id="1" dur="indefinite" restart="never" nodeType="tmRoot">
-          <p:childTnLst>
-            <p:seq concurrent="1" nextAc="seek">
-              <p:cTn id="2" dur="indefinite" nodeType="mainSeq">
-                <p:childTnLst>
-                  <p:par>
-                    <p:cTn id="3" fill="hold">
-                      <p:stCondLst>
-                        <p:cond delay="indefinite"/>
-                      </p:stCondLst>
-                      <p:childTnLst>
-                        <p:par>
-                          <p:cTn id="4" fill="hold">
-                            <p:stCondLst>
-                              <p:cond delay="0"/>
-                            </p:stCondLst>
-                            <p:childTnLst>
-                              <p:par>
-                                <p:cTn id="5" presetID="10" presetClass="entr" presetSubtype="0" fill="hold" grpId="0" nodeType="clickEffect">
-                                  <p:stCondLst>
-                                    <p:cond delay="0"/>
-                                  </p:stCondLst>
-                                  <p:childTnLst>
-                                    <p:set>
-                                      <p:cBhvr>
-                                        <p:cTn id="6" dur="1" fill="hold">
-                                          <p:stCondLst>
-                                            <p:cond delay="0"/>
-                                          </p:stCondLst>
-                                        </p:cTn>
-                                        <p:tgtEl>
-                                          <p:spTgt spid="2">
-                                            <p:txEl>
-                                              <p:pRg st="0" end="0"/>
-                                            </p:txEl>
-                                          </p:spTgt>
-                                        </p:tgtEl>
-                                        <p:attrNameLst>
-                                          <p:attrName>style.visibility</p:attrName>
-                                        </p:attrNameLst>
-                                      </p:cBhvr>
-                                      <p:to>
-                                        <p:strVal val="visible"/>
-                                      </p:to>
-                                    </p:set>
-                                    <p:animEffect transition="in" filter="fade">
-                                      <p:cBhvr>
-                                        <p:cTn id="7" dur="500"/>
-                                        <p:tgtEl>
-                                          <p:spTgt spid="2">
-                                            <p:txEl>
-                                              <p:pRg st="0" end="0"/>
-                                            </p:txEl>
-                                          </p:spTgt>
-                                        </p:tgtEl>
-                                      </p:cBhvr>
-                                    </p:animEffect>
-                                  </p:childTnLst>
-                                </p:cTn>
-                              </p:par>
-                            </p:childTnLst>
-                          </p:cTn>
-                        </p:par>
-                      </p:childTnLst>
-                    </p:cTn>
-                  </p:par>
-                  <p:par>
-                    <p:cTn id="8" fill="hold">
-                      <p:stCondLst>
-                        <p:cond delay="indefinite"/>
-                      </p:stCondLst>
-                      <p:childTnLst>
-                        <p:par>
-                          <p:cTn id="9" fill="hold">
-                            <p:stCondLst>
-                              <p:cond delay="0"/>
-                            </p:stCondLst>
-                            <p:childTnLst>
-                              <p:par>
-                                <p:cTn id="10" presetID="10" presetClass="entr" presetSubtype="0" fill="hold" grpId="0" nodeType="clickEffect">
-                                  <p:stCondLst>
-                                    <p:cond delay="0"/>
-                                  </p:stCondLst>
-                                  <p:childTnLst>
-                                    <p:set>
-                                      <p:cBhvr>
-                                        <p:cTn id="11" dur="1" fill="hold">
-                                          <p:stCondLst>
-                                            <p:cond delay="0"/>
-                                          </p:stCondLst>
-                                        </p:cTn>
-                                        <p:tgtEl>
-                                          <p:spTgt spid="2">
-                                            <p:txEl>
-                                              <p:pRg st="1" end="1"/>
-                                            </p:txEl>
-                                          </p:spTgt>
-                                        </p:tgtEl>
-                                        <p:attrNameLst>
-                                          <p:attrName>style.visibility</p:attrName>
-                                        </p:attrNameLst>
-                                      </p:cBhvr>
-                                      <p:to>
-                                        <p:strVal val="visible"/>
-                                      </p:to>
-                                    </p:set>
-                                    <p:animEffect transition="in" filter="fade">
-                                      <p:cBhvr>
-                                        <p:cTn id="12" dur="500"/>
-                                        <p:tgtEl>
-                                          <p:spTgt spid="2">
-                                            <p:txEl>
-                                              <p:pRg st="1" end="1"/>
-                                            </p:txEl>
-                                          </p:spTgt>
-                                        </p:tgtEl>
-                                      </p:cBhvr>
-                                    </p:animEffect>
-                                  </p:childTnLst>
-                                </p:cTn>
-                              </p:par>
-                            </p:childTnLst>
-                          </p:cTn>
-                        </p:par>
-                      </p:childTnLst>
-                    </p:cTn>
-                  </p:par>
-                  <p:par>
-                    <p:cTn id="13" fill="hold">
-                      <p:stCondLst>
-                        <p:cond delay="indefinite"/>
-                      </p:stCondLst>
-                      <p:childTnLst>
-                        <p:par>
-                          <p:cTn id="14" fill="hold">
-                            <p:stCondLst>
-                              <p:cond delay="0"/>
-                            </p:stCondLst>
-                            <p:childTnLst>
-                              <p:par>
-                                <p:cTn id="15" presetID="10" presetClass="entr" presetSubtype="0" fill="hold" grpId="0" nodeType="clickEffect">
-                                  <p:stCondLst>
-                                    <p:cond delay="0"/>
-                                  </p:stCondLst>
-                                  <p:childTnLst>
-                                    <p:set>
-                                      <p:cBhvr>
-                                        <p:cTn id="16" dur="1" fill="hold">
-                                          <p:stCondLst>
-                                            <p:cond delay="0"/>
-                                          </p:stCondLst>
-                                        </p:cTn>
-                                        <p:tgtEl>
-                                          <p:spTgt spid="2">
-                                            <p:txEl>
-                                              <p:pRg st="2" end="2"/>
-                                            </p:txEl>
-                                          </p:spTgt>
-                                        </p:tgtEl>
-                                        <p:attrNameLst>
-                                          <p:attrName>style.visibility</p:attrName>
-                                        </p:attrNameLst>
-                                      </p:cBhvr>
-                                      <p:to>
-                                        <p:strVal val="visible"/>
-                                      </p:to>
-                                    </p:set>
-                                    <p:animEffect transition="in" filter="fade">
-                                      <p:cBhvr>
-                                        <p:cTn id="17" dur="500"/>
-                                        <p:tgtEl>
-                                          <p:spTgt spid="2">
-                                            <p:txEl>
-                                              <p:pRg st="2" end="2"/>
-                                            </p:txEl>
-                                          </p:spTgt>
-                                        </p:tgtEl>
-                                      </p:cBhvr>
-                                    </p:animEffect>
-                                  </p:childTnLst>
-                                </p:cTn>
-                              </p:par>
-                            </p:childTnLst>
-                          </p:cTn>
-                        </p:par>
-                      </p:childTnLst>
-                    </p:cTn>
-                  </p:par>
-                  <p:par>
-                    <p:cTn id="18" fill="hold">
-                      <p:stCondLst>
-                        <p:cond delay="indefinite"/>
-                      </p:stCondLst>
-                      <p:childTnLst>
-                        <p:par>
-                          <p:cTn id="19" fill="hold">
-                            <p:stCondLst>
-                              <p:cond delay="0"/>
-                            </p:stCondLst>
-                            <p:childTnLst>
-                              <p:par>
-                                <p:cTn id="20" presetID="10" presetClass="entr" presetSubtype="0" fill="hold" grpId="0" nodeType="clickEffect">
-                                  <p:stCondLst>
-                                    <p:cond delay="0"/>
-                                  </p:stCondLst>
-                                  <p:childTnLst>
-                                    <p:set>
-                                      <p:cBhvr>
-                                        <p:cTn id="21" dur="1" fill="hold">
-                                          <p:stCondLst>
-                                            <p:cond delay="0"/>
-                                          </p:stCondLst>
-                                        </p:cTn>
-                                        <p:tgtEl>
-                                          <p:spTgt spid="2">
-                                            <p:txEl>
-                                              <p:pRg st="3" end="3"/>
-                                            </p:txEl>
-                                          </p:spTgt>
-                                        </p:tgtEl>
-                                        <p:attrNameLst>
-                                          <p:attrName>style.visibility</p:attrName>
-                                        </p:attrNameLst>
-                                      </p:cBhvr>
-                                      <p:to>
-                                        <p:strVal val="visible"/>
-                                      </p:to>
-                                    </p:set>
-                                    <p:animEffect transition="in" filter="fade">
-                                      <p:cBhvr>
-                                        <p:cTn id="22" dur="500"/>
-                                        <p:tgtEl>
-                                          <p:spTgt spid="2">
-                                            <p:txEl>
-                                              <p:pRg st="3" end="3"/>
-                                            </p:txEl>
-                                          </p:spTgt>
-                                        </p:tgtEl>
-                                      </p:cBhvr>
-                                    </p:animEffect>
-                                  </p:childTnLst>
-                                </p:cTn>
-                              </p:par>
-                              <p:par>
-                                <p:cTn id="23" presetID="10" presetClass="entr" presetSubtype="0" fill="hold" grpId="0" nodeType="withEffect">
-                                  <p:stCondLst>
-                                    <p:cond delay="0"/>
-                                  </p:stCondLst>
-                                  <p:childTnLst>
-                                    <p:set>
-                                      <p:cBhvr>
-                                        <p:cTn id="24" dur="1" fill="hold">
-                                          <p:stCondLst>
-                                            <p:cond delay="0"/>
-                                          </p:stCondLst>
-                                        </p:cTn>
-                                        <p:tgtEl>
-                                          <p:spTgt spid="2">
-                                            <p:txEl>
-                                              <p:pRg st="4" end="4"/>
-                                            </p:txEl>
-                                          </p:spTgt>
-                                        </p:tgtEl>
-                                        <p:attrNameLst>
-                                          <p:attrName>style.visibility</p:attrName>
-                                        </p:attrNameLst>
-                                      </p:cBhvr>
-                                      <p:to>
-                                        <p:strVal val="visible"/>
-                                      </p:to>
-                                    </p:set>
-                                    <p:animEffect transition="in" filter="fade">
-                                      <p:cBhvr>
-                                        <p:cTn id="25" dur="500"/>
-                                        <p:tgtEl>
-                                          <p:spTgt spid="2">
-                                            <p:txEl>
-                                              <p:pRg st="4" end="4"/>
-                                            </p:txEl>
-                                          </p:spTgt>
-                                        </p:tgtEl>
-                                      </p:cBhvr>
-                                    </p:animEffect>
-                                  </p:childTnLst>
-                                </p:cTn>
-                              </p:par>
-                            </p:childTnLst>
-                          </p:cTn>
-                        </p:par>
-                      </p:childTnLst>
-                    </p:cTn>
-                  </p:par>
-                  <p:par>
-                    <p:cTn id="26" fill="hold">
-                      <p:stCondLst>
-                        <p:cond delay="indefinite"/>
-                      </p:stCondLst>
-                      <p:childTnLst>
-                        <p:par>
-                          <p:cTn id="27" fill="hold">
-                            <p:stCondLst>
-                              <p:cond delay="0"/>
-                            </p:stCondLst>
-                            <p:childTnLst>
-                              <p:par>
-                                <p:cTn id="28" presetID="10" presetClass="entr" presetSubtype="0" fill="hold" grpId="0" nodeType="clickEffect">
-                                  <p:stCondLst>
-                                    <p:cond delay="0"/>
-                                  </p:stCondLst>
-                                  <p:childTnLst>
-                                    <p:set>
-                                      <p:cBhvr>
-                                        <p:cTn id="29" dur="1" fill="hold">
-                                          <p:stCondLst>
-                                            <p:cond delay="0"/>
-                                          </p:stCondLst>
-                                        </p:cTn>
-                                        <p:tgtEl>
-                                          <p:spTgt spid="2">
-                                            <p:txEl>
-                                              <p:pRg st="5" end="5"/>
-                                            </p:txEl>
-                                          </p:spTgt>
-                                        </p:tgtEl>
-                                        <p:attrNameLst>
-                                          <p:attrName>style.visibility</p:attrName>
-                                        </p:attrNameLst>
-                                      </p:cBhvr>
-                                      <p:to>
-                                        <p:strVal val="visible"/>
-                                      </p:to>
-                                    </p:set>
-                                    <p:animEffect transition="in" filter="fade">
-                                      <p:cBhvr>
-                                        <p:cTn id="30" dur="500"/>
-                                        <p:tgtEl>
-                                          <p:spTgt spid="2">
-                                            <p:txEl>
-                                              <p:pRg st="5" end="5"/>
-                                            </p:txEl>
-                                          </p:spTgt>
-                                        </p:tgtEl>
-                                      </p:cBhvr>
-                                    </p:animEffect>
-                                  </p:childTnLst>
-                                </p:cTn>
-                              </p:par>
-                              <p:par>
-                                <p:cTn id="31" presetID="10" presetClass="entr" presetSubtype="0" fill="hold" grpId="0" nodeType="withEffect">
-                                  <p:stCondLst>
-                                    <p:cond delay="0"/>
-                                  </p:stCondLst>
-                                  <p:childTnLst>
-                                    <p:set>
-                                      <p:cBhvr>
-                                        <p:cTn id="32" dur="1" fill="hold">
-                                          <p:stCondLst>
-                                            <p:cond delay="0"/>
-                                          </p:stCondLst>
-                                        </p:cTn>
-                                        <p:tgtEl>
-                                          <p:spTgt spid="2">
-                                            <p:txEl>
-                                              <p:pRg st="6" end="6"/>
-                                            </p:txEl>
-                                          </p:spTgt>
-                                        </p:tgtEl>
-                                        <p:attrNameLst>
-                                          <p:attrName>style.visibility</p:attrName>
-                                        </p:attrNameLst>
-                                      </p:cBhvr>
-                                      <p:to>
-                                        <p:strVal val="visible"/>
-                                      </p:to>
-                                    </p:set>
-                                    <p:animEffect transition="in" filter="fade">
-                                      <p:cBhvr>
-                                        <p:cTn id="33" dur="500"/>
-                                        <p:tgtEl>
-                                          <p:spTgt spid="2">
-                                            <p:txEl>
-                                              <p:pRg st="6" end="6"/>
-                                            </p:txEl>
-                                          </p:spTgt>
-                                        </p:tgtEl>
-                                      </p:cBhvr>
-                                    </p:animEffect>
-                                  </p:childTnLst>
-                                </p:cTn>
-                              </p:par>
-                              <p:par>
-                                <p:cTn id="34" presetID="10" presetClass="entr" presetSubtype="0" fill="hold" grpId="0" nodeType="withEffect">
-                                  <p:stCondLst>
-                                    <p:cond delay="0"/>
-                                  </p:stCondLst>
-                                  <p:childTnLst>
-                                    <p:set>
-                                      <p:cBhvr>
-                                        <p:cTn id="35" dur="1" fill="hold">
-                                          <p:stCondLst>
-                                            <p:cond delay="0"/>
-                                          </p:stCondLst>
-                                        </p:cTn>
-                                        <p:tgtEl>
-                                          <p:spTgt spid="2">
-                                            <p:txEl>
-                                              <p:pRg st="7" end="7"/>
-                                            </p:txEl>
-                                          </p:spTgt>
-                                        </p:tgtEl>
-                                        <p:attrNameLst>
-                                          <p:attrName>style.visibility</p:attrName>
-                                        </p:attrNameLst>
-                                      </p:cBhvr>
-                                      <p:to>
-                                        <p:strVal val="visible"/>
-                                      </p:to>
-                                    </p:set>
-                                    <p:animEffect transition="in" filter="fade">
-                                      <p:cBhvr>
-                                        <p:cTn id="36" dur="500"/>
-                                        <p:tgtEl>
-                                          <p:spTgt spid="2">
-                                            <p:txEl>
-                                              <p:pRg st="7" end="7"/>
-                                            </p:txEl>
-                                          </p:spTgt>
-                                        </p:tgtEl>
-                                      </p:cBhvr>
-                                    </p:animEffect>
-                                  </p:childTnLst>
-                                </p:cTn>
-                              </p:par>
-                            </p:childTnLst>
-                          </p:cTn>
-                        </p:par>
-                      </p:childTnLst>
-                    </p:cTn>
-                  </p:par>
-                </p:childTnLst>
-              </p:cTn>
-              <p:prevCondLst>
-                <p:cond evt="onPrev" delay="0">
-                  <p:tgtEl>
-                    <p:sldTgt/>
-                  </p:tgtEl>
-                </p:cond>
-              </p:prevCondLst>
-              <p:nextCondLst>
-                <p:cond evt="onNext" delay="0">
-                  <p:tgtEl>
-                    <p:sldTgt/>
-                  </p:tgtEl>
-                </p:cond>
-              </p:nextCondLst>
-            </p:seq>
-          </p:childTnLst>
-        </p:cTn>
+        <p:cTn id="1" dur="indefinite" restart="never" nodeType="tmRoot"/>
       </p:par>
     </p:tnLst>
-    <p:bldLst>
-      <p:bldP spid="2" grpId="0" build="p"/>
-    </p:bldLst>
   </p:timing>
 </p:sld>
 </file>
@@ -13247,8 +12787,8 @@
         </p:blipFill>
         <p:spPr bwMode="auto">
           <a:xfrm>
-            <a:off x="802819" y="222590"/>
-            <a:ext cx="7538362" cy="6412820"/>
+            <a:off x="1264634" y="615452"/>
+            <a:ext cx="6614733" cy="5627096"/>
           </a:xfrm>
           <a:prstGeom prst="rect">
             <a:avLst/>

--- a/Presentation/CQRS.pptx
+++ b/Presentation/CQRS.pptx
@@ -5,30 +5,36 @@
     <p:sldMasterId id="2147484476" r:id="rId1"/>
   </p:sldMasterIdLst>
   <p:notesMasterIdLst>
-    <p:notesMasterId r:id="rId23"/>
+    <p:notesMasterId r:id="rId29"/>
   </p:notesMasterIdLst>
   <p:sldIdLst>
     <p:sldId id="288" r:id="rId2"/>
     <p:sldId id="330" r:id="rId3"/>
-    <p:sldId id="291" r:id="rId4"/>
-    <p:sldId id="311" r:id="rId5"/>
-    <p:sldId id="294" r:id="rId6"/>
-    <p:sldId id="310" r:id="rId7"/>
-    <p:sldId id="293" r:id="rId8"/>
-    <p:sldId id="331" r:id="rId9"/>
-    <p:sldId id="337" r:id="rId10"/>
-    <p:sldId id="338" r:id="rId11"/>
-    <p:sldId id="336" r:id="rId12"/>
-    <p:sldId id="308" r:id="rId13"/>
-    <p:sldId id="307" r:id="rId14"/>
-    <p:sldId id="335" r:id="rId15"/>
-    <p:sldId id="339" r:id="rId16"/>
-    <p:sldId id="332" r:id="rId17"/>
-    <p:sldId id="315" r:id="rId18"/>
-    <p:sldId id="316" r:id="rId19"/>
-    <p:sldId id="340" r:id="rId20"/>
-    <p:sldId id="334" r:id="rId21"/>
-    <p:sldId id="326" r:id="rId22"/>
+    <p:sldId id="341" r:id="rId4"/>
+    <p:sldId id="346" r:id="rId5"/>
+    <p:sldId id="291" r:id="rId6"/>
+    <p:sldId id="311" r:id="rId7"/>
+    <p:sldId id="345" r:id="rId8"/>
+    <p:sldId id="294" r:id="rId9"/>
+    <p:sldId id="310" r:id="rId10"/>
+    <p:sldId id="293" r:id="rId11"/>
+    <p:sldId id="331" r:id="rId12"/>
+    <p:sldId id="337" r:id="rId13"/>
+    <p:sldId id="338" r:id="rId14"/>
+    <p:sldId id="336" r:id="rId15"/>
+    <p:sldId id="342" r:id="rId16"/>
+    <p:sldId id="308" r:id="rId17"/>
+    <p:sldId id="307" r:id="rId18"/>
+    <p:sldId id="335" r:id="rId19"/>
+    <p:sldId id="339" r:id="rId20"/>
+    <p:sldId id="332" r:id="rId21"/>
+    <p:sldId id="344" r:id="rId22"/>
+    <p:sldId id="315" r:id="rId23"/>
+    <p:sldId id="316" r:id="rId24"/>
+    <p:sldId id="340" r:id="rId25"/>
+    <p:sldId id="334" r:id="rId26"/>
+    <p:sldId id="326" r:id="rId27"/>
+    <p:sldId id="343" r:id="rId28"/>
   </p:sldIdLst>
   <p:sldSz cx="9144000" cy="6858000" type="screen4x3"/>
   <p:notesSz cx="6858000" cy="9144000"/>
@@ -9913,6 +9919,725 @@
         </p:nvSpPr>
         <p:spPr/>
         <p:txBody>
+          <a:bodyPr>
+            <a:normAutofit/>
+          </a:bodyPr>
+          <a:lstStyle/>
+          <a:p>
+            <a:r>
+              <a:rPr lang="en-US" dirty="0" smtClean="0"/>
+              <a:t>How does it work?</a:t>
+            </a:r>
+            <a:endParaRPr lang="en-US" dirty="0"/>
+          </a:p>
+        </p:txBody>
+      </p:sp>
+      <p:pic>
+        <p:nvPicPr>
+          <p:cNvPr id="6" name="Picture 2"/>
+          <p:cNvPicPr>
+            <a:picLocks noGrp="1" noChangeAspect="1" noChangeArrowheads="1"/>
+          </p:cNvPicPr>
+          <p:nvPr>
+            <p:ph idx="1"/>
+          </p:nvPr>
+        </p:nvPicPr>
+        <p:blipFill rotWithShape="1">
+          <a:blip r:embed="rId2">
+            <a:extLst>
+              <a:ext uri="{28A0092B-C50C-407E-A947-70E740481C1C}">
+                <a14:useLocalDpi xmlns:a14="http://schemas.microsoft.com/office/drawing/2010/main" val="0"/>
+              </a:ext>
+            </a:extLst>
+          </a:blip>
+          <a:srcRect l="-851" t="-7324" r="-2831"/>
+          <a:stretch/>
+        </p:blipFill>
+        <p:spPr bwMode="auto">
+          <a:xfrm>
+            <a:off x="1585475" y="1935163"/>
+            <a:ext cx="5973050" cy="4465637"/>
+          </a:xfrm>
+          <a:prstGeom prst="rect">
+            <a:avLst/>
+          </a:prstGeom>
+          <a:noFill/>
+          <a:ln>
+            <a:noFill/>
+          </a:ln>
+          <a:effectLst/>
+          <a:extLst>
+            <a:ext uri="{909E8E84-426E-40DD-AFC4-6F175D3DCCD1}">
+              <a14:hiddenFill xmlns:a14="http://schemas.microsoft.com/office/drawing/2010/main">
+                <a:solidFill>
+                  <a:schemeClr val="accent1"/>
+                </a:solidFill>
+              </a14:hiddenFill>
+            </a:ext>
+            <a:ext uri="{91240B29-F687-4F45-9708-019B960494DF}">
+              <a14:hiddenLine xmlns:a14="http://schemas.microsoft.com/office/drawing/2010/main" w="9525">
+                <a:solidFill>
+                  <a:schemeClr val="tx1"/>
+                </a:solidFill>
+                <a:miter lim="800000"/>
+                <a:headEnd/>
+                <a:tailEnd/>
+              </a14:hiddenLine>
+            </a:ext>
+            <a:ext uri="{AF507438-7753-43E0-B8FC-AC1667EBCBE1}">
+              <a14:hiddenEffects xmlns:a14="http://schemas.microsoft.com/office/drawing/2010/main">
+                <a:effectLst>
+                  <a:outerShdw dist="35921" dir="2700000" algn="ctr" rotWithShape="0">
+                    <a:schemeClr val="bg2"/>
+                  </a:outerShdw>
+                </a:effectLst>
+              </a14:hiddenEffects>
+            </a:ext>
+          </a:extLst>
+        </p:spPr>
+      </p:pic>
+      <p:grpSp>
+        <p:nvGrpSpPr>
+          <p:cNvPr id="8" name="Group 7"/>
+          <p:cNvGrpSpPr/>
+          <p:nvPr/>
+        </p:nvGrpSpPr>
+        <p:grpSpPr>
+          <a:xfrm>
+            <a:off x="609600" y="2306200"/>
+            <a:ext cx="914400" cy="1219200"/>
+            <a:chOff x="609600" y="2438400"/>
+            <a:chExt cx="914400" cy="1219200"/>
+          </a:xfrm>
+          <a:solidFill>
+            <a:srgbClr val="0070C0"/>
+          </a:solidFill>
+        </p:grpSpPr>
+        <p:sp>
+          <p:nvSpPr>
+            <p:cNvPr id="4" name="Flowchart: Magnetic Disk 3"/>
+            <p:cNvSpPr/>
+            <p:nvPr/>
+          </p:nvSpPr>
+          <p:spPr>
+            <a:xfrm>
+              <a:off x="609600" y="2438400"/>
+              <a:ext cx="914400" cy="1219200"/>
+            </a:xfrm>
+            <a:prstGeom prst="flowChartMagneticDisk">
+              <a:avLst/>
+            </a:prstGeom>
+            <a:grpFill/>
+          </p:spPr>
+          <p:style>
+            <a:lnRef idx="2">
+              <a:schemeClr val="accent1">
+                <a:shade val="50000"/>
+              </a:schemeClr>
+            </a:lnRef>
+            <a:fillRef idx="1">
+              <a:schemeClr val="accent1"/>
+            </a:fillRef>
+            <a:effectRef idx="0">
+              <a:schemeClr val="accent1"/>
+            </a:effectRef>
+            <a:fontRef idx="minor">
+              <a:schemeClr val="lt1"/>
+            </a:fontRef>
+          </p:style>
+          <p:txBody>
+            <a:bodyPr rtlCol="0" anchor="ctr"/>
+            <a:lstStyle/>
+            <a:p>
+              <a:pPr algn="ctr"/>
+              <a:endParaRPr lang="en-US" b="1">
+                <a:ln w="12700">
+                  <a:solidFill>
+                    <a:schemeClr val="tx2">
+                      <a:satMod val="155000"/>
+                    </a:schemeClr>
+                  </a:solidFill>
+                  <a:prstDash val="solid"/>
+                </a:ln>
+                <a:solidFill>
+                  <a:schemeClr val="bg2">
+                    <a:tint val="85000"/>
+                    <a:satMod val="155000"/>
+                  </a:schemeClr>
+                </a:solidFill>
+                <a:effectLst>
+                  <a:outerShdw blurRad="41275" dist="20320" dir="1800000" algn="tl" rotWithShape="0">
+                    <a:srgbClr val="000000">
+                      <a:alpha val="40000"/>
+                    </a:srgbClr>
+                  </a:outerShdw>
+                </a:effectLst>
+              </a:endParaRPr>
+            </a:p>
+          </p:txBody>
+        </p:sp>
+        <p:sp>
+          <p:nvSpPr>
+            <p:cNvPr id="7" name="TextBox 6"/>
+            <p:cNvSpPr txBox="1"/>
+            <p:nvPr/>
+          </p:nvSpPr>
+          <p:spPr>
+            <a:xfrm>
+              <a:off x="685800" y="2877236"/>
+              <a:ext cx="762000" cy="646331"/>
+            </a:xfrm>
+            <a:prstGeom prst="rect">
+              <a:avLst/>
+            </a:prstGeom>
+            <a:grpFill/>
+          </p:spPr>
+          <p:txBody>
+            <a:bodyPr wrap="square" rtlCol="0">
+              <a:spAutoFit/>
+            </a:bodyPr>
+            <a:lstStyle/>
+            <a:p>
+              <a:pPr algn="ctr"/>
+              <a:r>
+                <a:rPr lang="en-US" dirty="0" smtClean="0">
+                  <a:solidFill>
+                    <a:schemeClr val="bg1"/>
+                  </a:solidFill>
+                </a:rPr>
+                <a:t>Event Log</a:t>
+              </a:r>
+              <a:endParaRPr lang="en-US" dirty="0">
+                <a:solidFill>
+                  <a:schemeClr val="bg1"/>
+                </a:solidFill>
+              </a:endParaRPr>
+            </a:p>
+          </p:txBody>
+        </p:sp>
+      </p:grpSp>
+    </p:spTree>
+    <p:extLst>
+      <p:ext uri="{BB962C8B-B14F-4D97-AF65-F5344CB8AC3E}">
+        <p14:creationId xmlns:p14="http://schemas.microsoft.com/office/powerpoint/2010/main" val="2892169437"/>
+      </p:ext>
+    </p:extLst>
+  </p:cSld>
+  <p:clrMapOvr>
+    <a:masterClrMapping/>
+  </p:clrMapOvr>
+  <mc:AlternateContent xmlns:mc="http://schemas.openxmlformats.org/markup-compatibility/2006" xmlns:p14="http://schemas.microsoft.com/office/powerpoint/2010/main">
+    <mc:Choice Requires="p14">
+      <p:transition spd="slow" p14:dur="2000"/>
+    </mc:Choice>
+    <mc:Fallback xmlns="">
+      <p:transition spd="slow"/>
+    </mc:Fallback>
+  </mc:AlternateContent>
+  <p:timing>
+    <p:tnLst>
+      <p:par>
+        <p:cTn id="1" dur="indefinite" restart="never" nodeType="tmRoot"/>
+      </p:par>
+    </p:tnLst>
+  </p:timing>
+</p:sld>
+</file>
+
+<file path=ppt/slides/slide11.xml><?xml version="1.0" encoding="utf-8"?>
+<p:sld xmlns:a="http://schemas.openxmlformats.org/drawingml/2006/main" xmlns:r="http://schemas.openxmlformats.org/officeDocument/2006/relationships" xmlns:p="http://schemas.openxmlformats.org/presentationml/2006/main">
+  <p:cSld>
+    <p:spTree>
+      <p:nvGrpSpPr>
+        <p:cNvPr id="1" name=""/>
+        <p:cNvGrpSpPr/>
+        <p:nvPr/>
+      </p:nvGrpSpPr>
+      <p:grpSpPr>
+        <a:xfrm>
+          <a:off x="0" y="0"/>
+          <a:ext cx="0" cy="0"/>
+          <a:chOff x="0" y="0"/>
+          <a:chExt cx="0" cy="0"/>
+        </a:xfrm>
+      </p:grpSpPr>
+      <p:pic>
+        <p:nvPicPr>
+          <p:cNvPr id="7" name="Picture 2"/>
+          <p:cNvPicPr>
+            <a:picLocks noChangeAspect="1" noChangeArrowheads="1"/>
+          </p:cNvPicPr>
+          <p:nvPr/>
+        </p:nvPicPr>
+        <p:blipFill rotWithShape="1">
+          <a:blip r:embed="rId2">
+            <a:extLst>
+              <a:ext uri="{28A0092B-C50C-407E-A947-70E740481C1C}">
+                <a14:useLocalDpi xmlns:a14="http://schemas.microsoft.com/office/drawing/2010/main" val="0"/>
+              </a:ext>
+            </a:extLst>
+          </a:blip>
+          <a:srcRect l="-851" t="-7324" r="-2831"/>
+          <a:stretch/>
+        </p:blipFill>
+        <p:spPr bwMode="auto">
+          <a:xfrm>
+            <a:off x="1585475" y="1935163"/>
+            <a:ext cx="5973050" cy="4465637"/>
+          </a:xfrm>
+          <a:prstGeom prst="rect">
+            <a:avLst/>
+          </a:prstGeom>
+          <a:noFill/>
+          <a:ln>
+            <a:noFill/>
+          </a:ln>
+          <a:effectLst/>
+          <a:extLst>
+            <a:ext uri="{909E8E84-426E-40DD-AFC4-6F175D3DCCD1}">
+              <a14:hiddenFill xmlns:a14="http://schemas.microsoft.com/office/drawing/2010/main">
+                <a:solidFill>
+                  <a:schemeClr val="accent1"/>
+                </a:solidFill>
+              </a14:hiddenFill>
+            </a:ext>
+            <a:ext uri="{91240B29-F687-4F45-9708-019B960494DF}">
+              <a14:hiddenLine xmlns:a14="http://schemas.microsoft.com/office/drawing/2010/main" w="9525">
+                <a:solidFill>
+                  <a:schemeClr val="tx1"/>
+                </a:solidFill>
+                <a:miter lim="800000"/>
+                <a:headEnd/>
+                <a:tailEnd/>
+              </a14:hiddenLine>
+            </a:ext>
+            <a:ext uri="{AF507438-7753-43E0-B8FC-AC1667EBCBE1}">
+              <a14:hiddenEffects xmlns:a14="http://schemas.microsoft.com/office/drawing/2010/main">
+                <a:effectLst>
+                  <a:outerShdw dist="35921" dir="2700000" algn="ctr" rotWithShape="0">
+                    <a:schemeClr val="bg2"/>
+                  </a:outerShdw>
+                </a:effectLst>
+              </a14:hiddenEffects>
+            </a:ext>
+          </a:extLst>
+        </p:spPr>
+      </p:pic>
+      <p:sp>
+        <p:nvSpPr>
+          <p:cNvPr id="2" name="Title 1"/>
+          <p:cNvSpPr>
+            <a:spLocks noGrp="1"/>
+          </p:cNvSpPr>
+          <p:nvPr>
+            <p:ph type="title"/>
+          </p:nvPr>
+        </p:nvSpPr>
+        <p:spPr/>
+        <p:txBody>
+          <a:bodyPr>
+            <a:noAutofit/>
+          </a:bodyPr>
+          <a:lstStyle/>
+          <a:p>
+            <a:r>
+              <a:rPr lang="en-US" sz="5400" dirty="0" smtClean="0"/>
+              <a:t>Commands</a:t>
+            </a:r>
+            <a:endParaRPr lang="en-US" sz="5400" dirty="0"/>
+          </a:p>
+        </p:txBody>
+      </p:sp>
+      <p:grpSp>
+        <p:nvGrpSpPr>
+          <p:cNvPr id="8" name="Group 7"/>
+          <p:cNvGrpSpPr/>
+          <p:nvPr/>
+        </p:nvGrpSpPr>
+        <p:grpSpPr>
+          <a:xfrm>
+            <a:off x="609600" y="2306200"/>
+            <a:ext cx="914400" cy="1219200"/>
+            <a:chOff x="609600" y="2438400"/>
+            <a:chExt cx="914400" cy="1219200"/>
+          </a:xfrm>
+          <a:solidFill>
+            <a:srgbClr val="0070C0"/>
+          </a:solidFill>
+        </p:grpSpPr>
+        <p:sp>
+          <p:nvSpPr>
+            <p:cNvPr id="9" name="Flowchart: Magnetic Disk 8"/>
+            <p:cNvSpPr/>
+            <p:nvPr/>
+          </p:nvSpPr>
+          <p:spPr>
+            <a:xfrm>
+              <a:off x="609600" y="2438400"/>
+              <a:ext cx="914400" cy="1219200"/>
+            </a:xfrm>
+            <a:prstGeom prst="flowChartMagneticDisk">
+              <a:avLst/>
+            </a:prstGeom>
+            <a:grpFill/>
+          </p:spPr>
+          <p:style>
+            <a:lnRef idx="2">
+              <a:schemeClr val="accent1">
+                <a:shade val="50000"/>
+              </a:schemeClr>
+            </a:lnRef>
+            <a:fillRef idx="1">
+              <a:schemeClr val="accent1"/>
+            </a:fillRef>
+            <a:effectRef idx="0">
+              <a:schemeClr val="accent1"/>
+            </a:effectRef>
+            <a:fontRef idx="minor">
+              <a:schemeClr val="lt1"/>
+            </a:fontRef>
+          </p:style>
+          <p:txBody>
+            <a:bodyPr rtlCol="0" anchor="ctr"/>
+            <a:lstStyle/>
+            <a:p>
+              <a:pPr algn="ctr"/>
+              <a:endParaRPr lang="en-US" b="1">
+                <a:ln w="12700">
+                  <a:solidFill>
+                    <a:schemeClr val="tx2">
+                      <a:satMod val="155000"/>
+                    </a:schemeClr>
+                  </a:solidFill>
+                  <a:prstDash val="solid"/>
+                </a:ln>
+                <a:solidFill>
+                  <a:schemeClr val="bg2">
+                    <a:tint val="85000"/>
+                    <a:satMod val="155000"/>
+                  </a:schemeClr>
+                </a:solidFill>
+                <a:effectLst>
+                  <a:outerShdw blurRad="41275" dist="20320" dir="1800000" algn="tl" rotWithShape="0">
+                    <a:srgbClr val="000000">
+                      <a:alpha val="40000"/>
+                    </a:srgbClr>
+                  </a:outerShdw>
+                </a:effectLst>
+              </a:endParaRPr>
+            </a:p>
+          </p:txBody>
+        </p:sp>
+        <p:sp>
+          <p:nvSpPr>
+            <p:cNvPr id="10" name="TextBox 9"/>
+            <p:cNvSpPr txBox="1"/>
+            <p:nvPr/>
+          </p:nvSpPr>
+          <p:spPr>
+            <a:xfrm>
+              <a:off x="685800" y="2877236"/>
+              <a:ext cx="762000" cy="646331"/>
+            </a:xfrm>
+            <a:prstGeom prst="rect">
+              <a:avLst/>
+            </a:prstGeom>
+            <a:grpFill/>
+          </p:spPr>
+          <p:txBody>
+            <a:bodyPr wrap="square" rtlCol="0">
+              <a:spAutoFit/>
+            </a:bodyPr>
+            <a:lstStyle/>
+            <a:p>
+              <a:pPr algn="ctr"/>
+              <a:r>
+                <a:rPr lang="en-US" dirty="0" smtClean="0">
+                  <a:solidFill>
+                    <a:schemeClr val="bg1"/>
+                  </a:solidFill>
+                </a:rPr>
+                <a:t>Event Log</a:t>
+              </a:r>
+              <a:endParaRPr lang="en-US" dirty="0">
+                <a:solidFill>
+                  <a:schemeClr val="bg1"/>
+                </a:solidFill>
+              </a:endParaRPr>
+            </a:p>
+          </p:txBody>
+        </p:sp>
+      </p:grpSp>
+      <p:sp>
+        <p:nvSpPr>
+          <p:cNvPr id="6" name="Oval 5"/>
+          <p:cNvSpPr/>
+          <p:nvPr/>
+        </p:nvSpPr>
+        <p:spPr>
+          <a:xfrm rot="19779125">
+            <a:off x="1419922" y="1826792"/>
+            <a:ext cx="2795592" cy="3664158"/>
+          </a:xfrm>
+          <a:prstGeom prst="ellipse">
+            <a:avLst/>
+          </a:prstGeom>
+          <a:noFill/>
+          <a:ln>
+            <a:solidFill>
+              <a:srgbClr val="FF0000"/>
+            </a:solidFill>
+          </a:ln>
+        </p:spPr>
+        <p:style>
+          <a:lnRef idx="2">
+            <a:schemeClr val="accent1">
+              <a:shade val="50000"/>
+            </a:schemeClr>
+          </a:lnRef>
+          <a:fillRef idx="1">
+            <a:schemeClr val="accent1"/>
+          </a:fillRef>
+          <a:effectRef idx="0">
+            <a:schemeClr val="accent1"/>
+          </a:effectRef>
+          <a:fontRef idx="minor">
+            <a:schemeClr val="lt1"/>
+          </a:fontRef>
+        </p:style>
+        <p:txBody>
+          <a:bodyPr rtlCol="0" anchor="ctr"/>
+          <a:lstStyle/>
+          <a:p>
+            <a:pPr algn="ctr"/>
+            <a:endParaRPr lang="en-US"/>
+          </a:p>
+        </p:txBody>
+      </p:sp>
+      <p:sp>
+        <p:nvSpPr>
+          <p:cNvPr id="11" name="TextBox 10"/>
+          <p:cNvSpPr txBox="1"/>
+          <p:nvPr/>
+        </p:nvSpPr>
+        <p:spPr>
+          <a:xfrm>
+            <a:off x="0" y="0"/>
+            <a:ext cx="762000" cy="369332"/>
+          </a:xfrm>
+          <a:prstGeom prst="rect">
+            <a:avLst/>
+          </a:prstGeom>
+          <a:noFill/>
+        </p:spPr>
+        <p:txBody>
+          <a:bodyPr wrap="square" rtlCol="0">
+            <a:spAutoFit/>
+          </a:bodyPr>
+          <a:lstStyle/>
+          <a:p>
+            <a:r>
+              <a:rPr lang="en-US" dirty="0" smtClean="0">
+                <a:solidFill>
+                  <a:schemeClr val="accent1">
+                    <a:lumMod val="60000"/>
+                    <a:lumOff val="40000"/>
+                  </a:schemeClr>
+                </a:solidFill>
+                <a:latin typeface="Berlin Sans FB" pitchFamily="34" charset="0"/>
+              </a:rPr>
+              <a:t>demo</a:t>
+            </a:r>
+            <a:endParaRPr lang="en-US" dirty="0">
+              <a:solidFill>
+                <a:schemeClr val="accent1">
+                  <a:lumMod val="60000"/>
+                  <a:lumOff val="40000"/>
+                </a:schemeClr>
+              </a:solidFill>
+              <a:latin typeface="Berlin Sans FB" pitchFamily="34" charset="0"/>
+            </a:endParaRPr>
+          </a:p>
+        </p:txBody>
+      </p:sp>
+    </p:spTree>
+    <p:extLst>
+      <p:ext uri="{BB962C8B-B14F-4D97-AF65-F5344CB8AC3E}">
+        <p14:creationId xmlns:p14="http://schemas.microsoft.com/office/powerpoint/2010/main" val="4282295654"/>
+      </p:ext>
+    </p:extLst>
+  </p:cSld>
+  <p:clrMapOvr>
+    <a:masterClrMapping/>
+  </p:clrMapOvr>
+  <mc:AlternateContent xmlns:mc="http://schemas.openxmlformats.org/markup-compatibility/2006" xmlns:p14="http://schemas.microsoft.com/office/powerpoint/2010/main">
+    <mc:Choice Requires="p14">
+      <p:transition spd="slow" p14:dur="2000"/>
+    </mc:Choice>
+    <mc:Fallback xmlns="">
+      <p:transition spd="slow"/>
+    </mc:Fallback>
+  </mc:AlternateContent>
+  <p:timing>
+    <p:tnLst>
+      <p:par>
+        <p:cTn id="1" dur="indefinite" restart="never" nodeType="tmRoot"/>
+      </p:par>
+    </p:tnLst>
+  </p:timing>
+</p:sld>
+</file>
+
+<file path=ppt/slides/slide12.xml><?xml version="1.0" encoding="utf-8"?>
+<p:sld xmlns:a="http://schemas.openxmlformats.org/drawingml/2006/main" xmlns:r="http://schemas.openxmlformats.org/officeDocument/2006/relationships" xmlns:p="http://schemas.openxmlformats.org/presentationml/2006/main">
+  <p:cSld>
+    <p:spTree>
+      <p:nvGrpSpPr>
+        <p:cNvPr id="1" name=""/>
+        <p:cNvGrpSpPr/>
+        <p:nvPr/>
+      </p:nvGrpSpPr>
+      <p:grpSpPr>
+        <a:xfrm>
+          <a:off x="0" y="0"/>
+          <a:ext cx="0" cy="0"/>
+          <a:chOff x="0" y="0"/>
+          <a:chExt cx="0" cy="0"/>
+        </a:xfrm>
+      </p:grpSpPr>
+      <p:sp>
+        <p:nvSpPr>
+          <p:cNvPr id="3" name="Title 2"/>
+          <p:cNvSpPr>
+            <a:spLocks noGrp="1"/>
+          </p:cNvSpPr>
+          <p:nvPr>
+            <p:ph type="title"/>
+          </p:nvPr>
+        </p:nvSpPr>
+        <p:spPr/>
+        <p:txBody>
+          <a:bodyPr/>
+          <a:lstStyle/>
+          <a:p>
+            <a:r>
+              <a:rPr lang="en-US" dirty="0" smtClean="0"/>
+              <a:t>Benefits:</a:t>
+            </a:r>
+            <a:endParaRPr lang="en-US" dirty="0"/>
+          </a:p>
+        </p:txBody>
+      </p:sp>
+      <p:sp>
+        <p:nvSpPr>
+          <p:cNvPr id="2" name="Content Placeholder 1"/>
+          <p:cNvSpPr>
+            <a:spLocks noGrp="1"/>
+          </p:cNvSpPr>
+          <p:nvPr>
+            <p:ph idx="1"/>
+          </p:nvPr>
+        </p:nvSpPr>
+        <p:spPr/>
+        <p:txBody>
+          <a:bodyPr>
+            <a:normAutofit/>
+          </a:bodyPr>
+          <a:lstStyle/>
+          <a:p>
+            <a:r>
+              <a:rPr lang="en-US" dirty="0" smtClean="0"/>
+              <a:t>Requires discussion and analysis with business</a:t>
+            </a:r>
+          </a:p>
+          <a:p>
+            <a:pPr lvl="1"/>
+            <a:r>
+              <a:rPr lang="en-US" dirty="0" smtClean="0"/>
+              <a:t>Development gains greater understanding of domain</a:t>
+            </a:r>
+          </a:p>
+          <a:p>
+            <a:pPr lvl="1"/>
+            <a:r>
+              <a:rPr lang="en-US" dirty="0" smtClean="0"/>
+              <a:t>UI is modeled after actual business workflow</a:t>
+            </a:r>
+          </a:p>
+          <a:p>
+            <a:pPr lvl="1"/>
+            <a:r>
+              <a:rPr lang="en-US" dirty="0" smtClean="0"/>
+              <a:t>UI is more intuitive for new users</a:t>
+            </a:r>
+          </a:p>
+          <a:p>
+            <a:pPr lvl="1"/>
+            <a:r>
+              <a:rPr lang="en-US" dirty="0" smtClean="0"/>
+              <a:t>Removes dependency on users being trained to use the system</a:t>
+            </a:r>
+            <a:endParaRPr lang="en-US" dirty="0"/>
+          </a:p>
+        </p:txBody>
+      </p:sp>
+    </p:spTree>
+    <p:extLst>
+      <p:ext uri="{BB962C8B-B14F-4D97-AF65-F5344CB8AC3E}">
+        <p14:creationId xmlns:p14="http://schemas.microsoft.com/office/powerpoint/2010/main" val="3577022792"/>
+      </p:ext>
+    </p:extLst>
+  </p:cSld>
+  <p:clrMapOvr>
+    <a:masterClrMapping/>
+  </p:clrMapOvr>
+  <mc:AlternateContent xmlns:mc="http://schemas.openxmlformats.org/markup-compatibility/2006" xmlns:p14="http://schemas.microsoft.com/office/powerpoint/2010/main">
+    <mc:Choice Requires="p14">
+      <p:transition spd="slow" p14:dur="2000"/>
+    </mc:Choice>
+    <mc:Fallback xmlns="">
+      <p:transition spd="slow"/>
+    </mc:Fallback>
+  </mc:AlternateContent>
+  <p:timing>
+    <p:tnLst>
+      <p:par>
+        <p:cTn id="1" dur="indefinite" restart="never" nodeType="tmRoot"/>
+      </p:par>
+    </p:tnLst>
+  </p:timing>
+</p:sld>
+</file>
+
+<file path=ppt/slides/slide13.xml><?xml version="1.0" encoding="utf-8"?>
+<p:sld xmlns:a="http://schemas.openxmlformats.org/drawingml/2006/main" xmlns:r="http://schemas.openxmlformats.org/officeDocument/2006/relationships" xmlns:p="http://schemas.openxmlformats.org/presentationml/2006/main">
+  <p:cSld>
+    <p:spTree>
+      <p:nvGrpSpPr>
+        <p:cNvPr id="1" name=""/>
+        <p:cNvGrpSpPr/>
+        <p:nvPr/>
+      </p:nvGrpSpPr>
+      <p:grpSpPr>
+        <a:xfrm>
+          <a:off x="0" y="0"/>
+          <a:ext cx="0" cy="0"/>
+          <a:chOff x="0" y="0"/>
+          <a:chExt cx="0" cy="0"/>
+        </a:xfrm>
+      </p:grpSpPr>
+      <p:sp>
+        <p:nvSpPr>
+          <p:cNvPr id="3" name="Title 2"/>
+          <p:cNvSpPr>
+            <a:spLocks noGrp="1"/>
+          </p:cNvSpPr>
+          <p:nvPr>
+            <p:ph type="title"/>
+          </p:nvPr>
+        </p:nvSpPr>
+        <p:spPr/>
+        <p:txBody>
           <a:bodyPr/>
           <a:lstStyle/>
           <a:p>
@@ -10002,7 +10727,7 @@
 </p:sld>
 </file>
 
-<file path=ppt/slides/slide11.xml><?xml version="1.0" encoding="utf-8"?>
+<file path=ppt/slides/slide14.xml><?xml version="1.0" encoding="utf-8"?>
 <p:sld xmlns:a="http://schemas.openxmlformats.org/drawingml/2006/main" xmlns:r="http://schemas.openxmlformats.org/officeDocument/2006/relationships" xmlns:p="http://schemas.openxmlformats.org/presentationml/2006/main">
   <p:cSld>
     <p:spTree>
@@ -10346,7 +11071,85 @@
 </p:sld>
 </file>
 
-<file path=ppt/slides/slide12.xml><?xml version="1.0" encoding="utf-8"?>
+<file path=ppt/slides/slide15.xml><?xml version="1.0" encoding="utf-8"?>
+<p:sld xmlns:a="http://schemas.openxmlformats.org/drawingml/2006/main" xmlns:r="http://schemas.openxmlformats.org/officeDocument/2006/relationships" xmlns:p="http://schemas.openxmlformats.org/presentationml/2006/main">
+  <p:cSld>
+    <p:spTree>
+      <p:nvGrpSpPr>
+        <p:cNvPr id="1" name=""/>
+        <p:cNvGrpSpPr/>
+        <p:nvPr/>
+      </p:nvGrpSpPr>
+      <p:grpSpPr>
+        <a:xfrm>
+          <a:off x="0" y="0"/>
+          <a:ext cx="0" cy="0"/>
+          <a:chOff x="0" y="0"/>
+          <a:chExt cx="0" cy="0"/>
+        </a:xfrm>
+      </p:grpSpPr>
+      <p:pic>
+        <p:nvPicPr>
+          <p:cNvPr id="2051" name="Picture 3" descr="C:\Users\hansenr\Desktop\10379589.jpg"/>
+          <p:cNvPicPr>
+            <a:picLocks noChangeAspect="1" noChangeArrowheads="1"/>
+          </p:cNvPicPr>
+          <p:nvPr/>
+        </p:nvPicPr>
+        <p:blipFill>
+          <a:blip r:embed="rId2">
+            <a:extLst>
+              <a:ext uri="{28A0092B-C50C-407E-A947-70E740481C1C}">
+                <a14:useLocalDpi xmlns:a14="http://schemas.microsoft.com/office/drawing/2010/main" val="0"/>
+              </a:ext>
+            </a:extLst>
+          </a:blip>
+          <a:srcRect/>
+          <a:stretch>
+            <a:fillRect/>
+          </a:stretch>
+        </p:blipFill>
+        <p:spPr bwMode="auto">
+          <a:xfrm>
+            <a:off x="2786063" y="1643063"/>
+            <a:ext cx="3571875" cy="3571875"/>
+          </a:xfrm>
+          <a:prstGeom prst="rect">
+            <a:avLst/>
+          </a:prstGeom>
+          <a:noFill/>
+          <a:extLst>
+            <a:ext uri="{909E8E84-426E-40DD-AFC4-6F175D3DCCD1}">
+              <a14:hiddenFill xmlns:a14="http://schemas.microsoft.com/office/drawing/2010/main">
+                <a:solidFill>
+                  <a:srgbClr val="FFFFFF"/>
+                </a:solidFill>
+              </a14:hiddenFill>
+            </a:ext>
+          </a:extLst>
+        </p:spPr>
+      </p:pic>
+    </p:spTree>
+    <p:extLst>
+      <p:ext uri="{BB962C8B-B14F-4D97-AF65-F5344CB8AC3E}">
+        <p14:creationId xmlns:p14="http://schemas.microsoft.com/office/powerpoint/2010/main" val="1994598091"/>
+      </p:ext>
+    </p:extLst>
+  </p:cSld>
+  <p:clrMapOvr>
+    <a:masterClrMapping/>
+  </p:clrMapOvr>
+  <p:timing>
+    <p:tnLst>
+      <p:par>
+        <p:cTn id="1" dur="indefinite" restart="never" nodeType="tmRoot"/>
+      </p:par>
+    </p:tnLst>
+  </p:timing>
+</p:sld>
+</file>
+
+<file path=ppt/slides/slide16.xml><?xml version="1.0" encoding="utf-8"?>
 <p:sld xmlns:a="http://schemas.openxmlformats.org/drawingml/2006/main" xmlns:r="http://schemas.openxmlformats.org/officeDocument/2006/relationships" xmlns:p="http://schemas.openxmlformats.org/presentationml/2006/main">
   <p:cSld>
     <p:spTree>
@@ -10498,7 +11301,7 @@
 </p:sld>
 </file>
 
-<file path=ppt/slides/slide13.xml><?xml version="1.0" encoding="utf-8"?>
+<file path=ppt/slides/slide17.xml><?xml version="1.0" encoding="utf-8"?>
 <p:sld xmlns:a="http://schemas.openxmlformats.org/drawingml/2006/main" xmlns:r="http://schemas.openxmlformats.org/officeDocument/2006/relationships" xmlns:p="http://schemas.openxmlformats.org/presentationml/2006/main">
   <p:cSld>
     <p:spTree>
@@ -10661,7 +11464,7 @@
 </p:sld>
 </file>
 
-<file path=ppt/slides/slide14.xml><?xml version="1.0" encoding="utf-8"?>
+<file path=ppt/slides/slide18.xml><?xml version="1.0" encoding="utf-8"?>
 <p:sld xmlns:a="http://schemas.openxmlformats.org/drawingml/2006/main" xmlns:r="http://schemas.openxmlformats.org/officeDocument/2006/relationships" xmlns:p="http://schemas.openxmlformats.org/presentationml/2006/main">
   <p:cSld>
     <p:spTree>
@@ -10959,7 +11762,7 @@
 </p:sld>
 </file>
 
-<file path=ppt/slides/slide15.xml><?xml version="1.0" encoding="utf-8"?>
+<file path=ppt/slides/slide19.xml><?xml version="1.0" encoding="utf-8"?>
 <p:sld xmlns:a="http://schemas.openxmlformats.org/drawingml/2006/main" xmlns:r="http://schemas.openxmlformats.org/officeDocument/2006/relationships" xmlns:p="http://schemas.openxmlformats.org/presentationml/2006/main">
   <p:cSld>
     <p:spTree>
@@ -11069,7 +11872,75 @@
 </p:sld>
 </file>
 
-<file path=ppt/slides/slide16.xml><?xml version="1.0" encoding="utf-8"?>
+<file path=ppt/slides/slide2.xml><?xml version="1.0" encoding="utf-8"?>
+<p:sld xmlns:a="http://schemas.openxmlformats.org/drawingml/2006/main" xmlns:r="http://schemas.openxmlformats.org/officeDocument/2006/relationships" xmlns:p="http://schemas.openxmlformats.org/presentationml/2006/main">
+  <p:cSld>
+    <p:spTree>
+      <p:nvGrpSpPr>
+        <p:cNvPr id="1" name=""/>
+        <p:cNvGrpSpPr/>
+        <p:nvPr/>
+      </p:nvGrpSpPr>
+      <p:grpSpPr>
+        <a:xfrm>
+          <a:off x="0" y="0"/>
+          <a:ext cx="0" cy="0"/>
+          <a:chOff x="0" y="0"/>
+          <a:chExt cx="0" cy="0"/>
+        </a:xfrm>
+      </p:grpSpPr>
+      <p:sp>
+        <p:nvSpPr>
+          <p:cNvPr id="2" name="Title 1"/>
+          <p:cNvSpPr>
+            <a:spLocks noGrp="1"/>
+          </p:cNvSpPr>
+          <p:nvPr>
+            <p:ph type="title"/>
+          </p:nvPr>
+        </p:nvSpPr>
+        <p:spPr/>
+        <p:txBody>
+          <a:bodyPr/>
+          <a:lstStyle/>
+          <a:p>
+            <a:r>
+              <a:rPr lang="en-US" dirty="0" smtClean="0"/>
+              <a:t>Sponsors</a:t>
+            </a:r>
+            <a:endParaRPr lang="en-US" dirty="0"/>
+          </a:p>
+        </p:txBody>
+      </p:sp>
+    </p:spTree>
+    <p:extLst>
+      <p:ext uri="{BB962C8B-B14F-4D97-AF65-F5344CB8AC3E}">
+        <p14:creationId xmlns:p14="http://schemas.microsoft.com/office/powerpoint/2010/main" val="4263277224"/>
+      </p:ext>
+    </p:extLst>
+  </p:cSld>
+  <p:clrMapOvr>
+    <a:masterClrMapping/>
+  </p:clrMapOvr>
+  <mc:AlternateContent xmlns:mc="http://schemas.openxmlformats.org/markup-compatibility/2006" xmlns:p14="http://schemas.microsoft.com/office/powerpoint/2010/main">
+    <mc:Choice Requires="p14">
+      <p:transition spd="slow" p14:dur="2000"/>
+    </mc:Choice>
+    <mc:Fallback xmlns="">
+      <p:transition spd="slow"/>
+    </mc:Fallback>
+  </mc:AlternateContent>
+  <p:timing>
+    <p:tnLst>
+      <p:par>
+        <p:cTn id="1" dur="indefinite" restart="never" nodeType="tmRoot"/>
+      </p:par>
+    </p:tnLst>
+  </p:timing>
+</p:sld>
+</file>
+
+<file path=ppt/slides/slide20.xml><?xml version="1.0" encoding="utf-8"?>
 <p:sld xmlns:a="http://schemas.openxmlformats.org/drawingml/2006/main" xmlns:r="http://schemas.openxmlformats.org/officeDocument/2006/relationships" xmlns:p="http://schemas.openxmlformats.org/presentationml/2006/main">
   <p:cSld>
     <p:spTree>
@@ -11137,7 +12008,85 @@
 </p:sld>
 </file>
 
-<file path=ppt/slides/slide17.xml><?xml version="1.0" encoding="utf-8"?>
+<file path=ppt/slides/slide21.xml><?xml version="1.0" encoding="utf-8"?>
+<p:sld xmlns:a="http://schemas.openxmlformats.org/drawingml/2006/main" xmlns:r="http://schemas.openxmlformats.org/officeDocument/2006/relationships" xmlns:p="http://schemas.openxmlformats.org/presentationml/2006/main">
+  <p:cSld>
+    <p:spTree>
+      <p:nvGrpSpPr>
+        <p:cNvPr id="1" name=""/>
+        <p:cNvGrpSpPr/>
+        <p:nvPr/>
+      </p:nvGrpSpPr>
+      <p:grpSpPr>
+        <a:xfrm>
+          <a:off x="0" y="0"/>
+          <a:ext cx="0" cy="0"/>
+          <a:chOff x="0" y="0"/>
+          <a:chExt cx="0" cy="0"/>
+        </a:xfrm>
+      </p:grpSpPr>
+      <p:pic>
+        <p:nvPicPr>
+          <p:cNvPr id="4098" name="Picture 2" descr="C:\Users\hansenr\Desktop\15533439.jpg"/>
+          <p:cNvPicPr>
+            <a:picLocks noChangeAspect="1" noChangeArrowheads="1"/>
+          </p:cNvPicPr>
+          <p:nvPr/>
+        </p:nvPicPr>
+        <p:blipFill>
+          <a:blip r:embed="rId2">
+            <a:extLst>
+              <a:ext uri="{28A0092B-C50C-407E-A947-70E740481C1C}">
+                <a14:useLocalDpi xmlns:a14="http://schemas.microsoft.com/office/drawing/2010/main" val="0"/>
+              </a:ext>
+            </a:extLst>
+          </a:blip>
+          <a:srcRect/>
+          <a:stretch>
+            <a:fillRect/>
+          </a:stretch>
+        </p:blipFill>
+        <p:spPr bwMode="auto">
+          <a:xfrm>
+            <a:off x="2786063" y="1643063"/>
+            <a:ext cx="3571875" cy="3571875"/>
+          </a:xfrm>
+          <a:prstGeom prst="rect">
+            <a:avLst/>
+          </a:prstGeom>
+          <a:noFill/>
+          <a:extLst>
+            <a:ext uri="{909E8E84-426E-40DD-AFC4-6F175D3DCCD1}">
+              <a14:hiddenFill xmlns:a14="http://schemas.microsoft.com/office/drawing/2010/main">
+                <a:solidFill>
+                  <a:srgbClr val="FFFFFF"/>
+                </a:solidFill>
+              </a14:hiddenFill>
+            </a:ext>
+          </a:extLst>
+        </p:spPr>
+      </p:pic>
+    </p:spTree>
+    <p:extLst>
+      <p:ext uri="{BB962C8B-B14F-4D97-AF65-F5344CB8AC3E}">
+        <p14:creationId xmlns:p14="http://schemas.microsoft.com/office/powerpoint/2010/main" val="4024320437"/>
+      </p:ext>
+    </p:extLst>
+  </p:cSld>
+  <p:clrMapOvr>
+    <a:masterClrMapping/>
+  </p:clrMapOvr>
+  <p:timing>
+    <p:tnLst>
+      <p:par>
+        <p:cTn id="1" dur="indefinite" restart="never" nodeType="tmRoot"/>
+      </p:par>
+    </p:tnLst>
+  </p:timing>
+</p:sld>
+</file>
+
+<file path=ppt/slides/slide22.xml><?xml version="1.0" encoding="utf-8"?>
 <p:sld xmlns:a="http://schemas.openxmlformats.org/drawingml/2006/main" xmlns:r="http://schemas.openxmlformats.org/officeDocument/2006/relationships" xmlns:p="http://schemas.openxmlformats.org/presentationml/2006/main">
   <p:cSld>
     <p:spTree>
@@ -11206,7 +12155,7 @@
 </p:sld>
 </file>
 
-<file path=ppt/slides/slide18.xml><?xml version="1.0" encoding="utf-8"?>
+<file path=ppt/slides/slide23.xml><?xml version="1.0" encoding="utf-8"?>
 <p:sld xmlns:a="http://schemas.openxmlformats.org/drawingml/2006/main" xmlns:r="http://schemas.openxmlformats.org/officeDocument/2006/relationships" xmlns:p="http://schemas.openxmlformats.org/presentationml/2006/main">
   <p:cSld>
     <p:spTree>
@@ -11321,7 +12270,7 @@
 </p:sld>
 </file>
 
-<file path=ppt/slides/slide19.xml><?xml version="1.0" encoding="utf-8"?>
+<file path=ppt/slides/slide24.xml><?xml version="1.0" encoding="utf-8"?>
 <p:sld xmlns:a="http://schemas.openxmlformats.org/drawingml/2006/main" xmlns:r="http://schemas.openxmlformats.org/officeDocument/2006/relationships" xmlns:p="http://schemas.openxmlformats.org/presentationml/2006/main">
   <p:cSld>
     <p:spTree>
@@ -11430,75 +12379,7 @@
 </p:sld>
 </file>
 
-<file path=ppt/slides/slide2.xml><?xml version="1.0" encoding="utf-8"?>
-<p:sld xmlns:a="http://schemas.openxmlformats.org/drawingml/2006/main" xmlns:r="http://schemas.openxmlformats.org/officeDocument/2006/relationships" xmlns:p="http://schemas.openxmlformats.org/presentationml/2006/main">
-  <p:cSld>
-    <p:spTree>
-      <p:nvGrpSpPr>
-        <p:cNvPr id="1" name=""/>
-        <p:cNvGrpSpPr/>
-        <p:nvPr/>
-      </p:nvGrpSpPr>
-      <p:grpSpPr>
-        <a:xfrm>
-          <a:off x="0" y="0"/>
-          <a:ext cx="0" cy="0"/>
-          <a:chOff x="0" y="0"/>
-          <a:chExt cx="0" cy="0"/>
-        </a:xfrm>
-      </p:grpSpPr>
-      <p:sp>
-        <p:nvSpPr>
-          <p:cNvPr id="2" name="Title 1"/>
-          <p:cNvSpPr>
-            <a:spLocks noGrp="1"/>
-          </p:cNvSpPr>
-          <p:nvPr>
-            <p:ph type="title"/>
-          </p:nvPr>
-        </p:nvSpPr>
-        <p:spPr/>
-        <p:txBody>
-          <a:bodyPr/>
-          <a:lstStyle/>
-          <a:p>
-            <a:r>
-              <a:rPr lang="en-US" dirty="0" smtClean="0"/>
-              <a:t>Sponsors</a:t>
-            </a:r>
-            <a:endParaRPr lang="en-US" dirty="0"/>
-          </a:p>
-        </p:txBody>
-      </p:sp>
-    </p:spTree>
-    <p:extLst>
-      <p:ext uri="{BB962C8B-B14F-4D97-AF65-F5344CB8AC3E}">
-        <p14:creationId xmlns:p14="http://schemas.microsoft.com/office/powerpoint/2010/main" val="4263277224"/>
-      </p:ext>
-    </p:extLst>
-  </p:cSld>
-  <p:clrMapOvr>
-    <a:masterClrMapping/>
-  </p:clrMapOvr>
-  <mc:AlternateContent xmlns:mc="http://schemas.openxmlformats.org/markup-compatibility/2006" xmlns:p14="http://schemas.microsoft.com/office/powerpoint/2010/main">
-    <mc:Choice Requires="p14">
-      <p:transition spd="slow" p14:dur="2000"/>
-    </mc:Choice>
-    <mc:Fallback xmlns="">
-      <p:transition spd="slow"/>
-    </mc:Fallback>
-  </mc:AlternateContent>
-  <p:timing>
-    <p:tnLst>
-      <p:par>
-        <p:cTn id="1" dur="indefinite" restart="never" nodeType="tmRoot"/>
-      </p:par>
-    </p:tnLst>
-  </p:timing>
-</p:sld>
-</file>
-
-<file path=ppt/slides/slide20.xml><?xml version="1.0" encoding="utf-8"?>
+<file path=ppt/slides/slide25.xml><?xml version="1.0" encoding="utf-8"?>
 <p:sld xmlns:a="http://schemas.openxmlformats.org/drawingml/2006/main" xmlns:r="http://schemas.openxmlformats.org/officeDocument/2006/relationships" xmlns:p="http://schemas.openxmlformats.org/presentationml/2006/main">
   <p:cSld>
     <p:spTree>
@@ -11606,7 +12487,7 @@
 </p:sld>
 </file>
 
-<file path=ppt/slides/slide21.xml><?xml version="1.0" encoding="utf-8"?>
+<file path=ppt/slides/slide26.xml><?xml version="1.0" encoding="utf-8"?>
 <p:sld xmlns:a="http://schemas.openxmlformats.org/drawingml/2006/main" xmlns:r="http://schemas.openxmlformats.org/officeDocument/2006/relationships" xmlns:p="http://schemas.openxmlformats.org/presentationml/2006/main">
   <p:cSld>
     <p:spTree>
@@ -11730,7 +12611,241 @@
 </p:sld>
 </file>
 
+<file path=ppt/slides/slide27.xml><?xml version="1.0" encoding="utf-8"?>
+<p:sld xmlns:a="http://schemas.openxmlformats.org/drawingml/2006/main" xmlns:r="http://schemas.openxmlformats.org/officeDocument/2006/relationships" xmlns:p="http://schemas.openxmlformats.org/presentationml/2006/main">
+  <p:cSld>
+    <p:spTree>
+      <p:nvGrpSpPr>
+        <p:cNvPr id="1" name=""/>
+        <p:cNvGrpSpPr/>
+        <p:nvPr/>
+      </p:nvGrpSpPr>
+      <p:grpSpPr>
+        <a:xfrm>
+          <a:off x="0" y="0"/>
+          <a:ext cx="0" cy="0"/>
+          <a:chOff x="0" y="0"/>
+          <a:chExt cx="0" cy="0"/>
+        </a:xfrm>
+      </p:grpSpPr>
+      <p:pic>
+        <p:nvPicPr>
+          <p:cNvPr id="3077" name="Picture 5" descr="C:\Users\hansenr\Desktop\13414633.jpg"/>
+          <p:cNvPicPr>
+            <a:picLocks noChangeAspect="1" noChangeArrowheads="1"/>
+          </p:cNvPicPr>
+          <p:nvPr/>
+        </p:nvPicPr>
+        <p:blipFill>
+          <a:blip r:embed="rId2">
+            <a:extLst>
+              <a:ext uri="{28A0092B-C50C-407E-A947-70E740481C1C}">
+                <a14:useLocalDpi xmlns:a14="http://schemas.microsoft.com/office/drawing/2010/main" val="0"/>
+              </a:ext>
+            </a:extLst>
+          </a:blip>
+          <a:srcRect/>
+          <a:stretch>
+            <a:fillRect/>
+          </a:stretch>
+        </p:blipFill>
+        <p:spPr bwMode="auto">
+          <a:xfrm>
+            <a:off x="2786063" y="1643063"/>
+            <a:ext cx="3571875" cy="3571875"/>
+          </a:xfrm>
+          <a:prstGeom prst="rect">
+            <a:avLst/>
+          </a:prstGeom>
+          <a:noFill/>
+          <a:extLst>
+            <a:ext uri="{909E8E84-426E-40DD-AFC4-6F175D3DCCD1}">
+              <a14:hiddenFill xmlns:a14="http://schemas.microsoft.com/office/drawing/2010/main">
+                <a:solidFill>
+                  <a:srgbClr val="FFFFFF"/>
+                </a:solidFill>
+              </a14:hiddenFill>
+            </a:ext>
+          </a:extLst>
+        </p:spPr>
+      </p:pic>
+    </p:spTree>
+    <p:extLst>
+      <p:ext uri="{BB962C8B-B14F-4D97-AF65-F5344CB8AC3E}">
+        <p14:creationId xmlns:p14="http://schemas.microsoft.com/office/powerpoint/2010/main" val="3264549702"/>
+      </p:ext>
+    </p:extLst>
+  </p:cSld>
+  <p:clrMapOvr>
+    <a:masterClrMapping/>
+  </p:clrMapOvr>
+  <p:timing>
+    <p:tnLst>
+      <p:par>
+        <p:cTn id="1" dur="indefinite" restart="never" nodeType="tmRoot"/>
+      </p:par>
+    </p:tnLst>
+  </p:timing>
+</p:sld>
+</file>
+
 <file path=ppt/slides/slide3.xml><?xml version="1.0" encoding="utf-8"?>
+<p:sld xmlns:a="http://schemas.openxmlformats.org/drawingml/2006/main" xmlns:r="http://schemas.openxmlformats.org/officeDocument/2006/relationships" xmlns:p="http://schemas.openxmlformats.org/presentationml/2006/main">
+  <p:cSld>
+    <p:spTree>
+      <p:nvGrpSpPr>
+        <p:cNvPr id="1" name=""/>
+        <p:cNvGrpSpPr/>
+        <p:nvPr/>
+      </p:nvGrpSpPr>
+      <p:grpSpPr>
+        <a:xfrm>
+          <a:off x="0" y="0"/>
+          <a:ext cx="0" cy="0"/>
+          <a:chOff x="0" y="0"/>
+          <a:chExt cx="0" cy="0"/>
+        </a:xfrm>
+      </p:grpSpPr>
+      <p:pic>
+        <p:nvPicPr>
+          <p:cNvPr id="1036" name="Picture 12" descr="C:\Users\hansenr\Desktop\crashwhileucrash-480x360.jpg"/>
+          <p:cNvPicPr>
+            <a:picLocks noChangeAspect="1" noChangeArrowheads="1"/>
+          </p:cNvPicPr>
+          <p:nvPr/>
+        </p:nvPicPr>
+        <p:blipFill>
+          <a:blip r:embed="rId2">
+            <a:extLst>
+              <a:ext uri="{28A0092B-C50C-407E-A947-70E740481C1C}">
+                <a14:useLocalDpi xmlns:a14="http://schemas.microsoft.com/office/drawing/2010/main" val="0"/>
+              </a:ext>
+            </a:extLst>
+          </a:blip>
+          <a:srcRect/>
+          <a:stretch>
+            <a:fillRect/>
+          </a:stretch>
+        </p:blipFill>
+        <p:spPr bwMode="auto">
+          <a:xfrm>
+            <a:off x="1143000" y="857250"/>
+            <a:ext cx="6858000" cy="5143500"/>
+          </a:xfrm>
+          <a:prstGeom prst="rect">
+            <a:avLst/>
+          </a:prstGeom>
+          <a:noFill/>
+          <a:extLst>
+            <a:ext uri="{909E8E84-426E-40DD-AFC4-6F175D3DCCD1}">
+              <a14:hiddenFill xmlns:a14="http://schemas.microsoft.com/office/drawing/2010/main">
+                <a:solidFill>
+                  <a:srgbClr val="FFFFFF"/>
+                </a:solidFill>
+              </a14:hiddenFill>
+            </a:ext>
+          </a:extLst>
+        </p:spPr>
+      </p:pic>
+    </p:spTree>
+    <p:extLst>
+      <p:ext uri="{BB962C8B-B14F-4D97-AF65-F5344CB8AC3E}">
+        <p14:creationId xmlns:p14="http://schemas.microsoft.com/office/powerpoint/2010/main" val="231591953"/>
+      </p:ext>
+    </p:extLst>
+  </p:cSld>
+  <p:clrMapOvr>
+    <a:masterClrMapping/>
+  </p:clrMapOvr>
+  <p:timing>
+    <p:tnLst>
+      <p:par>
+        <p:cTn id="1" dur="indefinite" restart="never" nodeType="tmRoot"/>
+      </p:par>
+    </p:tnLst>
+  </p:timing>
+</p:sld>
+</file>
+
+<file path=ppt/slides/slide4.xml><?xml version="1.0" encoding="utf-8"?>
+<p:sld xmlns:a="http://schemas.openxmlformats.org/drawingml/2006/main" xmlns:r="http://schemas.openxmlformats.org/officeDocument/2006/relationships" xmlns:p="http://schemas.openxmlformats.org/presentationml/2006/main">
+  <p:cSld>
+    <p:spTree>
+      <p:nvGrpSpPr>
+        <p:cNvPr id="1" name=""/>
+        <p:cNvGrpSpPr/>
+        <p:nvPr/>
+      </p:nvGrpSpPr>
+      <p:grpSpPr>
+        <a:xfrm>
+          <a:off x="0" y="0"/>
+          <a:ext cx="0" cy="0"/>
+          <a:chOff x="0" y="0"/>
+          <a:chExt cx="0" cy="0"/>
+        </a:xfrm>
+      </p:grpSpPr>
+      <p:pic>
+        <p:nvPicPr>
+          <p:cNvPr id="6146" name="Picture 2" descr="C:\Users\hansenr\Desktop\yo-dawg-xhibit-9.jpg"/>
+          <p:cNvPicPr>
+            <a:picLocks noChangeAspect="1" noChangeArrowheads="1"/>
+          </p:cNvPicPr>
+          <p:nvPr/>
+        </p:nvPicPr>
+        <p:blipFill>
+          <a:blip r:embed="rId2">
+            <a:extLst>
+              <a:ext uri="{28A0092B-C50C-407E-A947-70E740481C1C}">
+                <a14:useLocalDpi xmlns:a14="http://schemas.microsoft.com/office/drawing/2010/main" val="0"/>
+              </a:ext>
+            </a:extLst>
+          </a:blip>
+          <a:srcRect/>
+          <a:stretch>
+            <a:fillRect/>
+          </a:stretch>
+        </p:blipFill>
+        <p:spPr bwMode="auto">
+          <a:xfrm>
+            <a:off x="1000125" y="749632"/>
+            <a:ext cx="7143750" cy="5358737"/>
+          </a:xfrm>
+          <a:prstGeom prst="rect">
+            <a:avLst/>
+          </a:prstGeom>
+          <a:noFill/>
+          <a:extLst>
+            <a:ext uri="{909E8E84-426E-40DD-AFC4-6F175D3DCCD1}">
+              <a14:hiddenFill xmlns:a14="http://schemas.microsoft.com/office/drawing/2010/main">
+                <a:solidFill>
+                  <a:srgbClr val="FFFFFF"/>
+                </a:solidFill>
+              </a14:hiddenFill>
+            </a:ext>
+          </a:extLst>
+        </p:spPr>
+      </p:pic>
+    </p:spTree>
+    <p:extLst>
+      <p:ext uri="{BB962C8B-B14F-4D97-AF65-F5344CB8AC3E}">
+        <p14:creationId xmlns:p14="http://schemas.microsoft.com/office/powerpoint/2010/main" val="3565009756"/>
+      </p:ext>
+    </p:extLst>
+  </p:cSld>
+  <p:clrMapOvr>
+    <a:masterClrMapping/>
+  </p:clrMapOvr>
+  <p:timing>
+    <p:tnLst>
+      <p:par>
+        <p:cTn id="1" dur="indefinite" restart="never" nodeType="tmRoot"/>
+      </p:par>
+    </p:tnLst>
+  </p:timing>
+</p:sld>
+</file>
+
+<file path=ppt/slides/slide5.xml><?xml version="1.0" encoding="utf-8"?>
 <p:sld xmlns:a="http://schemas.openxmlformats.org/drawingml/2006/main" xmlns:r="http://schemas.openxmlformats.org/officeDocument/2006/relationships" xmlns:p="http://schemas.openxmlformats.org/presentationml/2006/main">
   <p:cSld>
     <p:spTree>
@@ -12119,7 +13234,7 @@
 </p:sld>
 </file>
 
-<file path=ppt/slides/slide4.xml><?xml version="1.0" encoding="utf-8"?>
+<file path=ppt/slides/slide6.xml><?xml version="1.0" encoding="utf-8"?>
 <p:sld xmlns:a="http://schemas.openxmlformats.org/drawingml/2006/main" xmlns:r="http://schemas.openxmlformats.org/officeDocument/2006/relationships" xmlns:p="http://schemas.openxmlformats.org/presentationml/2006/main">
   <p:cSld>
     <p:spTree>
@@ -12747,7 +13862,85 @@
 </p:sld>
 </file>
 
-<file path=ppt/slides/slide5.xml><?xml version="1.0" encoding="utf-8"?>
+<file path=ppt/slides/slide7.xml><?xml version="1.0" encoding="utf-8"?>
+<p:sld xmlns:a="http://schemas.openxmlformats.org/drawingml/2006/main" xmlns:r="http://schemas.openxmlformats.org/officeDocument/2006/relationships" xmlns:p="http://schemas.openxmlformats.org/presentationml/2006/main">
+  <p:cSld>
+    <p:spTree>
+      <p:nvGrpSpPr>
+        <p:cNvPr id="1" name=""/>
+        <p:cNvGrpSpPr/>
+        <p:nvPr/>
+      </p:nvGrpSpPr>
+      <p:grpSpPr>
+        <a:xfrm>
+          <a:off x="0" y="0"/>
+          <a:ext cx="0" cy="0"/>
+          <a:chOff x="0" y="0"/>
+          <a:chExt cx="0" cy="0"/>
+        </a:xfrm>
+      </p:grpSpPr>
+      <p:pic>
+        <p:nvPicPr>
+          <p:cNvPr id="5122" name="Picture 2" descr="C:\Users\hansenr\Desktop\10413121.jpg"/>
+          <p:cNvPicPr>
+            <a:picLocks noChangeAspect="1" noChangeArrowheads="1"/>
+          </p:cNvPicPr>
+          <p:nvPr/>
+        </p:nvPicPr>
+        <p:blipFill>
+          <a:blip r:embed="rId2">
+            <a:extLst>
+              <a:ext uri="{28A0092B-C50C-407E-A947-70E740481C1C}">
+                <a14:useLocalDpi xmlns:a14="http://schemas.microsoft.com/office/drawing/2010/main" val="0"/>
+              </a:ext>
+            </a:extLst>
+          </a:blip>
+          <a:srcRect/>
+          <a:stretch>
+            <a:fillRect/>
+          </a:stretch>
+        </p:blipFill>
+        <p:spPr bwMode="auto">
+          <a:xfrm>
+            <a:off x="2786063" y="1643063"/>
+            <a:ext cx="3571875" cy="3571875"/>
+          </a:xfrm>
+          <a:prstGeom prst="rect">
+            <a:avLst/>
+          </a:prstGeom>
+          <a:noFill/>
+          <a:extLst>
+            <a:ext uri="{909E8E84-426E-40DD-AFC4-6F175D3DCCD1}">
+              <a14:hiddenFill xmlns:a14="http://schemas.microsoft.com/office/drawing/2010/main">
+                <a:solidFill>
+                  <a:srgbClr val="FFFFFF"/>
+                </a:solidFill>
+              </a14:hiddenFill>
+            </a:ext>
+          </a:extLst>
+        </p:spPr>
+      </p:pic>
+    </p:spTree>
+    <p:extLst>
+      <p:ext uri="{BB962C8B-B14F-4D97-AF65-F5344CB8AC3E}">
+        <p14:creationId xmlns:p14="http://schemas.microsoft.com/office/powerpoint/2010/main" val="2784380815"/>
+      </p:ext>
+    </p:extLst>
+  </p:cSld>
+  <p:clrMapOvr>
+    <a:masterClrMapping/>
+  </p:clrMapOvr>
+  <p:timing>
+    <p:tnLst>
+      <p:par>
+        <p:cTn id="1" dur="indefinite" restart="never" nodeType="tmRoot"/>
+      </p:par>
+    </p:tnLst>
+  </p:timing>
+</p:sld>
+</file>
+
+<file path=ppt/slides/slide8.xml><?xml version="1.0" encoding="utf-8"?>
 <p:sld xmlns:a="http://schemas.openxmlformats.org/drawingml/2006/main" xmlns:r="http://schemas.openxmlformats.org/officeDocument/2006/relationships" xmlns:p="http://schemas.openxmlformats.org/presentationml/2006/main">
   <p:cSld>
     <p:spTree>
@@ -12856,7 +14049,7 @@
 </p:sld>
 </file>
 
-<file path=ppt/slides/slide6.xml><?xml version="1.0" encoding="utf-8"?>
+<file path=ppt/slides/slide9.xml><?xml version="1.0" encoding="utf-8"?>
 <p:sld xmlns:a="http://schemas.openxmlformats.org/drawingml/2006/main" xmlns:r="http://schemas.openxmlformats.org/officeDocument/2006/relationships" xmlns:p="http://schemas.openxmlformats.org/presentationml/2006/main">
   <p:cSld>
     <p:spTree>
@@ -13682,725 +14875,6 @@
     <p:extLst>
       <p:ext uri="{BB962C8B-B14F-4D97-AF65-F5344CB8AC3E}">
         <p14:creationId xmlns:p14="http://schemas.microsoft.com/office/powerpoint/2010/main" val="481785143"/>
-      </p:ext>
-    </p:extLst>
-  </p:cSld>
-  <p:clrMapOvr>
-    <a:masterClrMapping/>
-  </p:clrMapOvr>
-  <mc:AlternateContent xmlns:mc="http://schemas.openxmlformats.org/markup-compatibility/2006" xmlns:p14="http://schemas.microsoft.com/office/powerpoint/2010/main">
-    <mc:Choice Requires="p14">
-      <p:transition spd="slow" p14:dur="2000"/>
-    </mc:Choice>
-    <mc:Fallback xmlns="">
-      <p:transition spd="slow"/>
-    </mc:Fallback>
-  </mc:AlternateContent>
-  <p:timing>
-    <p:tnLst>
-      <p:par>
-        <p:cTn id="1" dur="indefinite" restart="never" nodeType="tmRoot"/>
-      </p:par>
-    </p:tnLst>
-  </p:timing>
-</p:sld>
-</file>
-
-<file path=ppt/slides/slide7.xml><?xml version="1.0" encoding="utf-8"?>
-<p:sld xmlns:a="http://schemas.openxmlformats.org/drawingml/2006/main" xmlns:r="http://schemas.openxmlformats.org/officeDocument/2006/relationships" xmlns:p="http://schemas.openxmlformats.org/presentationml/2006/main">
-  <p:cSld>
-    <p:spTree>
-      <p:nvGrpSpPr>
-        <p:cNvPr id="1" name=""/>
-        <p:cNvGrpSpPr/>
-        <p:nvPr/>
-      </p:nvGrpSpPr>
-      <p:grpSpPr>
-        <a:xfrm>
-          <a:off x="0" y="0"/>
-          <a:ext cx="0" cy="0"/>
-          <a:chOff x="0" y="0"/>
-          <a:chExt cx="0" cy="0"/>
-        </a:xfrm>
-      </p:grpSpPr>
-      <p:sp>
-        <p:nvSpPr>
-          <p:cNvPr id="3" name="Title 2"/>
-          <p:cNvSpPr>
-            <a:spLocks noGrp="1"/>
-          </p:cNvSpPr>
-          <p:nvPr>
-            <p:ph type="title"/>
-          </p:nvPr>
-        </p:nvSpPr>
-        <p:spPr/>
-        <p:txBody>
-          <a:bodyPr>
-            <a:normAutofit/>
-          </a:bodyPr>
-          <a:lstStyle/>
-          <a:p>
-            <a:r>
-              <a:rPr lang="en-US" dirty="0" smtClean="0"/>
-              <a:t>How does it work?</a:t>
-            </a:r>
-            <a:endParaRPr lang="en-US" dirty="0"/>
-          </a:p>
-        </p:txBody>
-      </p:sp>
-      <p:pic>
-        <p:nvPicPr>
-          <p:cNvPr id="6" name="Picture 2"/>
-          <p:cNvPicPr>
-            <a:picLocks noGrp="1" noChangeAspect="1" noChangeArrowheads="1"/>
-          </p:cNvPicPr>
-          <p:nvPr>
-            <p:ph idx="1"/>
-          </p:nvPr>
-        </p:nvPicPr>
-        <p:blipFill rotWithShape="1">
-          <a:blip r:embed="rId2">
-            <a:extLst>
-              <a:ext uri="{28A0092B-C50C-407E-A947-70E740481C1C}">
-                <a14:useLocalDpi xmlns:a14="http://schemas.microsoft.com/office/drawing/2010/main" val="0"/>
-              </a:ext>
-            </a:extLst>
-          </a:blip>
-          <a:srcRect l="-851" t="-7324" r="-2831"/>
-          <a:stretch/>
-        </p:blipFill>
-        <p:spPr bwMode="auto">
-          <a:xfrm>
-            <a:off x="1585475" y="1935163"/>
-            <a:ext cx="5973050" cy="4465637"/>
-          </a:xfrm>
-          <a:prstGeom prst="rect">
-            <a:avLst/>
-          </a:prstGeom>
-          <a:noFill/>
-          <a:ln>
-            <a:noFill/>
-          </a:ln>
-          <a:effectLst/>
-          <a:extLst>
-            <a:ext uri="{909E8E84-426E-40DD-AFC4-6F175D3DCCD1}">
-              <a14:hiddenFill xmlns:a14="http://schemas.microsoft.com/office/drawing/2010/main">
-                <a:solidFill>
-                  <a:schemeClr val="accent1"/>
-                </a:solidFill>
-              </a14:hiddenFill>
-            </a:ext>
-            <a:ext uri="{91240B29-F687-4F45-9708-019B960494DF}">
-              <a14:hiddenLine xmlns:a14="http://schemas.microsoft.com/office/drawing/2010/main" w="9525">
-                <a:solidFill>
-                  <a:schemeClr val="tx1"/>
-                </a:solidFill>
-                <a:miter lim="800000"/>
-                <a:headEnd/>
-                <a:tailEnd/>
-              </a14:hiddenLine>
-            </a:ext>
-            <a:ext uri="{AF507438-7753-43E0-B8FC-AC1667EBCBE1}">
-              <a14:hiddenEffects xmlns:a14="http://schemas.microsoft.com/office/drawing/2010/main">
-                <a:effectLst>
-                  <a:outerShdw dist="35921" dir="2700000" algn="ctr" rotWithShape="0">
-                    <a:schemeClr val="bg2"/>
-                  </a:outerShdw>
-                </a:effectLst>
-              </a14:hiddenEffects>
-            </a:ext>
-          </a:extLst>
-        </p:spPr>
-      </p:pic>
-      <p:grpSp>
-        <p:nvGrpSpPr>
-          <p:cNvPr id="8" name="Group 7"/>
-          <p:cNvGrpSpPr/>
-          <p:nvPr/>
-        </p:nvGrpSpPr>
-        <p:grpSpPr>
-          <a:xfrm>
-            <a:off x="609600" y="2306200"/>
-            <a:ext cx="914400" cy="1219200"/>
-            <a:chOff x="609600" y="2438400"/>
-            <a:chExt cx="914400" cy="1219200"/>
-          </a:xfrm>
-          <a:solidFill>
-            <a:srgbClr val="0070C0"/>
-          </a:solidFill>
-        </p:grpSpPr>
-        <p:sp>
-          <p:nvSpPr>
-            <p:cNvPr id="4" name="Flowchart: Magnetic Disk 3"/>
-            <p:cNvSpPr/>
-            <p:nvPr/>
-          </p:nvSpPr>
-          <p:spPr>
-            <a:xfrm>
-              <a:off x="609600" y="2438400"/>
-              <a:ext cx="914400" cy="1219200"/>
-            </a:xfrm>
-            <a:prstGeom prst="flowChartMagneticDisk">
-              <a:avLst/>
-            </a:prstGeom>
-            <a:grpFill/>
-          </p:spPr>
-          <p:style>
-            <a:lnRef idx="2">
-              <a:schemeClr val="accent1">
-                <a:shade val="50000"/>
-              </a:schemeClr>
-            </a:lnRef>
-            <a:fillRef idx="1">
-              <a:schemeClr val="accent1"/>
-            </a:fillRef>
-            <a:effectRef idx="0">
-              <a:schemeClr val="accent1"/>
-            </a:effectRef>
-            <a:fontRef idx="minor">
-              <a:schemeClr val="lt1"/>
-            </a:fontRef>
-          </p:style>
-          <p:txBody>
-            <a:bodyPr rtlCol="0" anchor="ctr"/>
-            <a:lstStyle/>
-            <a:p>
-              <a:pPr algn="ctr"/>
-              <a:endParaRPr lang="en-US" b="1">
-                <a:ln w="12700">
-                  <a:solidFill>
-                    <a:schemeClr val="tx2">
-                      <a:satMod val="155000"/>
-                    </a:schemeClr>
-                  </a:solidFill>
-                  <a:prstDash val="solid"/>
-                </a:ln>
-                <a:solidFill>
-                  <a:schemeClr val="bg2">
-                    <a:tint val="85000"/>
-                    <a:satMod val="155000"/>
-                  </a:schemeClr>
-                </a:solidFill>
-                <a:effectLst>
-                  <a:outerShdw blurRad="41275" dist="20320" dir="1800000" algn="tl" rotWithShape="0">
-                    <a:srgbClr val="000000">
-                      <a:alpha val="40000"/>
-                    </a:srgbClr>
-                  </a:outerShdw>
-                </a:effectLst>
-              </a:endParaRPr>
-            </a:p>
-          </p:txBody>
-        </p:sp>
-        <p:sp>
-          <p:nvSpPr>
-            <p:cNvPr id="7" name="TextBox 6"/>
-            <p:cNvSpPr txBox="1"/>
-            <p:nvPr/>
-          </p:nvSpPr>
-          <p:spPr>
-            <a:xfrm>
-              <a:off x="685800" y="2877236"/>
-              <a:ext cx="762000" cy="646331"/>
-            </a:xfrm>
-            <a:prstGeom prst="rect">
-              <a:avLst/>
-            </a:prstGeom>
-            <a:grpFill/>
-          </p:spPr>
-          <p:txBody>
-            <a:bodyPr wrap="square" rtlCol="0">
-              <a:spAutoFit/>
-            </a:bodyPr>
-            <a:lstStyle/>
-            <a:p>
-              <a:pPr algn="ctr"/>
-              <a:r>
-                <a:rPr lang="en-US" dirty="0" smtClean="0">
-                  <a:solidFill>
-                    <a:schemeClr val="bg1"/>
-                  </a:solidFill>
-                </a:rPr>
-                <a:t>Event Log</a:t>
-              </a:r>
-              <a:endParaRPr lang="en-US" dirty="0">
-                <a:solidFill>
-                  <a:schemeClr val="bg1"/>
-                </a:solidFill>
-              </a:endParaRPr>
-            </a:p>
-          </p:txBody>
-        </p:sp>
-      </p:grpSp>
-    </p:spTree>
-    <p:extLst>
-      <p:ext uri="{BB962C8B-B14F-4D97-AF65-F5344CB8AC3E}">
-        <p14:creationId xmlns:p14="http://schemas.microsoft.com/office/powerpoint/2010/main" val="2892169437"/>
-      </p:ext>
-    </p:extLst>
-  </p:cSld>
-  <p:clrMapOvr>
-    <a:masterClrMapping/>
-  </p:clrMapOvr>
-  <mc:AlternateContent xmlns:mc="http://schemas.openxmlformats.org/markup-compatibility/2006" xmlns:p14="http://schemas.microsoft.com/office/powerpoint/2010/main">
-    <mc:Choice Requires="p14">
-      <p:transition spd="slow" p14:dur="2000"/>
-    </mc:Choice>
-    <mc:Fallback xmlns="">
-      <p:transition spd="slow"/>
-    </mc:Fallback>
-  </mc:AlternateContent>
-  <p:timing>
-    <p:tnLst>
-      <p:par>
-        <p:cTn id="1" dur="indefinite" restart="never" nodeType="tmRoot"/>
-      </p:par>
-    </p:tnLst>
-  </p:timing>
-</p:sld>
-</file>
-
-<file path=ppt/slides/slide8.xml><?xml version="1.0" encoding="utf-8"?>
-<p:sld xmlns:a="http://schemas.openxmlformats.org/drawingml/2006/main" xmlns:r="http://schemas.openxmlformats.org/officeDocument/2006/relationships" xmlns:p="http://schemas.openxmlformats.org/presentationml/2006/main">
-  <p:cSld>
-    <p:spTree>
-      <p:nvGrpSpPr>
-        <p:cNvPr id="1" name=""/>
-        <p:cNvGrpSpPr/>
-        <p:nvPr/>
-      </p:nvGrpSpPr>
-      <p:grpSpPr>
-        <a:xfrm>
-          <a:off x="0" y="0"/>
-          <a:ext cx="0" cy="0"/>
-          <a:chOff x="0" y="0"/>
-          <a:chExt cx="0" cy="0"/>
-        </a:xfrm>
-      </p:grpSpPr>
-      <p:pic>
-        <p:nvPicPr>
-          <p:cNvPr id="7" name="Picture 2"/>
-          <p:cNvPicPr>
-            <a:picLocks noChangeAspect="1" noChangeArrowheads="1"/>
-          </p:cNvPicPr>
-          <p:nvPr/>
-        </p:nvPicPr>
-        <p:blipFill rotWithShape="1">
-          <a:blip r:embed="rId2">
-            <a:extLst>
-              <a:ext uri="{28A0092B-C50C-407E-A947-70E740481C1C}">
-                <a14:useLocalDpi xmlns:a14="http://schemas.microsoft.com/office/drawing/2010/main" val="0"/>
-              </a:ext>
-            </a:extLst>
-          </a:blip>
-          <a:srcRect l="-851" t="-7324" r="-2831"/>
-          <a:stretch/>
-        </p:blipFill>
-        <p:spPr bwMode="auto">
-          <a:xfrm>
-            <a:off x="1585475" y="1935163"/>
-            <a:ext cx="5973050" cy="4465637"/>
-          </a:xfrm>
-          <a:prstGeom prst="rect">
-            <a:avLst/>
-          </a:prstGeom>
-          <a:noFill/>
-          <a:ln>
-            <a:noFill/>
-          </a:ln>
-          <a:effectLst/>
-          <a:extLst>
-            <a:ext uri="{909E8E84-426E-40DD-AFC4-6F175D3DCCD1}">
-              <a14:hiddenFill xmlns:a14="http://schemas.microsoft.com/office/drawing/2010/main">
-                <a:solidFill>
-                  <a:schemeClr val="accent1"/>
-                </a:solidFill>
-              </a14:hiddenFill>
-            </a:ext>
-            <a:ext uri="{91240B29-F687-4F45-9708-019B960494DF}">
-              <a14:hiddenLine xmlns:a14="http://schemas.microsoft.com/office/drawing/2010/main" w="9525">
-                <a:solidFill>
-                  <a:schemeClr val="tx1"/>
-                </a:solidFill>
-                <a:miter lim="800000"/>
-                <a:headEnd/>
-                <a:tailEnd/>
-              </a14:hiddenLine>
-            </a:ext>
-            <a:ext uri="{AF507438-7753-43E0-B8FC-AC1667EBCBE1}">
-              <a14:hiddenEffects xmlns:a14="http://schemas.microsoft.com/office/drawing/2010/main">
-                <a:effectLst>
-                  <a:outerShdw dist="35921" dir="2700000" algn="ctr" rotWithShape="0">
-                    <a:schemeClr val="bg2"/>
-                  </a:outerShdw>
-                </a:effectLst>
-              </a14:hiddenEffects>
-            </a:ext>
-          </a:extLst>
-        </p:spPr>
-      </p:pic>
-      <p:sp>
-        <p:nvSpPr>
-          <p:cNvPr id="2" name="Title 1"/>
-          <p:cNvSpPr>
-            <a:spLocks noGrp="1"/>
-          </p:cNvSpPr>
-          <p:nvPr>
-            <p:ph type="title"/>
-          </p:nvPr>
-        </p:nvSpPr>
-        <p:spPr/>
-        <p:txBody>
-          <a:bodyPr>
-            <a:noAutofit/>
-          </a:bodyPr>
-          <a:lstStyle/>
-          <a:p>
-            <a:r>
-              <a:rPr lang="en-US" sz="5400" dirty="0" smtClean="0"/>
-              <a:t>Commands</a:t>
-            </a:r>
-            <a:endParaRPr lang="en-US" sz="5400" dirty="0"/>
-          </a:p>
-        </p:txBody>
-      </p:sp>
-      <p:grpSp>
-        <p:nvGrpSpPr>
-          <p:cNvPr id="8" name="Group 7"/>
-          <p:cNvGrpSpPr/>
-          <p:nvPr/>
-        </p:nvGrpSpPr>
-        <p:grpSpPr>
-          <a:xfrm>
-            <a:off x="609600" y="2306200"/>
-            <a:ext cx="914400" cy="1219200"/>
-            <a:chOff x="609600" y="2438400"/>
-            <a:chExt cx="914400" cy="1219200"/>
-          </a:xfrm>
-          <a:solidFill>
-            <a:srgbClr val="0070C0"/>
-          </a:solidFill>
-        </p:grpSpPr>
-        <p:sp>
-          <p:nvSpPr>
-            <p:cNvPr id="9" name="Flowchart: Magnetic Disk 8"/>
-            <p:cNvSpPr/>
-            <p:nvPr/>
-          </p:nvSpPr>
-          <p:spPr>
-            <a:xfrm>
-              <a:off x="609600" y="2438400"/>
-              <a:ext cx="914400" cy="1219200"/>
-            </a:xfrm>
-            <a:prstGeom prst="flowChartMagneticDisk">
-              <a:avLst/>
-            </a:prstGeom>
-            <a:grpFill/>
-          </p:spPr>
-          <p:style>
-            <a:lnRef idx="2">
-              <a:schemeClr val="accent1">
-                <a:shade val="50000"/>
-              </a:schemeClr>
-            </a:lnRef>
-            <a:fillRef idx="1">
-              <a:schemeClr val="accent1"/>
-            </a:fillRef>
-            <a:effectRef idx="0">
-              <a:schemeClr val="accent1"/>
-            </a:effectRef>
-            <a:fontRef idx="minor">
-              <a:schemeClr val="lt1"/>
-            </a:fontRef>
-          </p:style>
-          <p:txBody>
-            <a:bodyPr rtlCol="0" anchor="ctr"/>
-            <a:lstStyle/>
-            <a:p>
-              <a:pPr algn="ctr"/>
-              <a:endParaRPr lang="en-US" b="1">
-                <a:ln w="12700">
-                  <a:solidFill>
-                    <a:schemeClr val="tx2">
-                      <a:satMod val="155000"/>
-                    </a:schemeClr>
-                  </a:solidFill>
-                  <a:prstDash val="solid"/>
-                </a:ln>
-                <a:solidFill>
-                  <a:schemeClr val="bg2">
-                    <a:tint val="85000"/>
-                    <a:satMod val="155000"/>
-                  </a:schemeClr>
-                </a:solidFill>
-                <a:effectLst>
-                  <a:outerShdw blurRad="41275" dist="20320" dir="1800000" algn="tl" rotWithShape="0">
-                    <a:srgbClr val="000000">
-                      <a:alpha val="40000"/>
-                    </a:srgbClr>
-                  </a:outerShdw>
-                </a:effectLst>
-              </a:endParaRPr>
-            </a:p>
-          </p:txBody>
-        </p:sp>
-        <p:sp>
-          <p:nvSpPr>
-            <p:cNvPr id="10" name="TextBox 9"/>
-            <p:cNvSpPr txBox="1"/>
-            <p:nvPr/>
-          </p:nvSpPr>
-          <p:spPr>
-            <a:xfrm>
-              <a:off x="685800" y="2877236"/>
-              <a:ext cx="762000" cy="646331"/>
-            </a:xfrm>
-            <a:prstGeom prst="rect">
-              <a:avLst/>
-            </a:prstGeom>
-            <a:grpFill/>
-          </p:spPr>
-          <p:txBody>
-            <a:bodyPr wrap="square" rtlCol="0">
-              <a:spAutoFit/>
-            </a:bodyPr>
-            <a:lstStyle/>
-            <a:p>
-              <a:pPr algn="ctr"/>
-              <a:r>
-                <a:rPr lang="en-US" dirty="0" smtClean="0">
-                  <a:solidFill>
-                    <a:schemeClr val="bg1"/>
-                  </a:solidFill>
-                </a:rPr>
-                <a:t>Event Log</a:t>
-              </a:r>
-              <a:endParaRPr lang="en-US" dirty="0">
-                <a:solidFill>
-                  <a:schemeClr val="bg1"/>
-                </a:solidFill>
-              </a:endParaRPr>
-            </a:p>
-          </p:txBody>
-        </p:sp>
-      </p:grpSp>
-      <p:sp>
-        <p:nvSpPr>
-          <p:cNvPr id="6" name="Oval 5"/>
-          <p:cNvSpPr/>
-          <p:nvPr/>
-        </p:nvSpPr>
-        <p:spPr>
-          <a:xfrm rot="19779125">
-            <a:off x="1419922" y="1826792"/>
-            <a:ext cx="2795592" cy="3664158"/>
-          </a:xfrm>
-          <a:prstGeom prst="ellipse">
-            <a:avLst/>
-          </a:prstGeom>
-          <a:noFill/>
-          <a:ln>
-            <a:solidFill>
-              <a:srgbClr val="FF0000"/>
-            </a:solidFill>
-          </a:ln>
-        </p:spPr>
-        <p:style>
-          <a:lnRef idx="2">
-            <a:schemeClr val="accent1">
-              <a:shade val="50000"/>
-            </a:schemeClr>
-          </a:lnRef>
-          <a:fillRef idx="1">
-            <a:schemeClr val="accent1"/>
-          </a:fillRef>
-          <a:effectRef idx="0">
-            <a:schemeClr val="accent1"/>
-          </a:effectRef>
-          <a:fontRef idx="minor">
-            <a:schemeClr val="lt1"/>
-          </a:fontRef>
-        </p:style>
-        <p:txBody>
-          <a:bodyPr rtlCol="0" anchor="ctr"/>
-          <a:lstStyle/>
-          <a:p>
-            <a:pPr algn="ctr"/>
-            <a:endParaRPr lang="en-US"/>
-          </a:p>
-        </p:txBody>
-      </p:sp>
-      <p:sp>
-        <p:nvSpPr>
-          <p:cNvPr id="11" name="TextBox 10"/>
-          <p:cNvSpPr txBox="1"/>
-          <p:nvPr/>
-        </p:nvSpPr>
-        <p:spPr>
-          <a:xfrm>
-            <a:off x="0" y="0"/>
-            <a:ext cx="762000" cy="369332"/>
-          </a:xfrm>
-          <a:prstGeom prst="rect">
-            <a:avLst/>
-          </a:prstGeom>
-          <a:noFill/>
-        </p:spPr>
-        <p:txBody>
-          <a:bodyPr wrap="square" rtlCol="0">
-            <a:spAutoFit/>
-          </a:bodyPr>
-          <a:lstStyle/>
-          <a:p>
-            <a:r>
-              <a:rPr lang="en-US" dirty="0" smtClean="0">
-                <a:solidFill>
-                  <a:schemeClr val="accent1">
-                    <a:lumMod val="60000"/>
-                    <a:lumOff val="40000"/>
-                  </a:schemeClr>
-                </a:solidFill>
-                <a:latin typeface="Berlin Sans FB" pitchFamily="34" charset="0"/>
-              </a:rPr>
-              <a:t>demo</a:t>
-            </a:r>
-            <a:endParaRPr lang="en-US" dirty="0">
-              <a:solidFill>
-                <a:schemeClr val="accent1">
-                  <a:lumMod val="60000"/>
-                  <a:lumOff val="40000"/>
-                </a:schemeClr>
-              </a:solidFill>
-              <a:latin typeface="Berlin Sans FB" pitchFamily="34" charset="0"/>
-            </a:endParaRPr>
-          </a:p>
-        </p:txBody>
-      </p:sp>
-    </p:spTree>
-    <p:extLst>
-      <p:ext uri="{BB962C8B-B14F-4D97-AF65-F5344CB8AC3E}">
-        <p14:creationId xmlns:p14="http://schemas.microsoft.com/office/powerpoint/2010/main" val="4282295654"/>
-      </p:ext>
-    </p:extLst>
-  </p:cSld>
-  <p:clrMapOvr>
-    <a:masterClrMapping/>
-  </p:clrMapOvr>
-  <mc:AlternateContent xmlns:mc="http://schemas.openxmlformats.org/markup-compatibility/2006" xmlns:p14="http://schemas.microsoft.com/office/powerpoint/2010/main">
-    <mc:Choice Requires="p14">
-      <p:transition spd="slow" p14:dur="2000"/>
-    </mc:Choice>
-    <mc:Fallback xmlns="">
-      <p:transition spd="slow"/>
-    </mc:Fallback>
-  </mc:AlternateContent>
-  <p:timing>
-    <p:tnLst>
-      <p:par>
-        <p:cTn id="1" dur="indefinite" restart="never" nodeType="tmRoot"/>
-      </p:par>
-    </p:tnLst>
-  </p:timing>
-</p:sld>
-</file>
-
-<file path=ppt/slides/slide9.xml><?xml version="1.0" encoding="utf-8"?>
-<p:sld xmlns:a="http://schemas.openxmlformats.org/drawingml/2006/main" xmlns:r="http://schemas.openxmlformats.org/officeDocument/2006/relationships" xmlns:p="http://schemas.openxmlformats.org/presentationml/2006/main">
-  <p:cSld>
-    <p:spTree>
-      <p:nvGrpSpPr>
-        <p:cNvPr id="1" name=""/>
-        <p:cNvGrpSpPr/>
-        <p:nvPr/>
-      </p:nvGrpSpPr>
-      <p:grpSpPr>
-        <a:xfrm>
-          <a:off x="0" y="0"/>
-          <a:ext cx="0" cy="0"/>
-          <a:chOff x="0" y="0"/>
-          <a:chExt cx="0" cy="0"/>
-        </a:xfrm>
-      </p:grpSpPr>
-      <p:sp>
-        <p:nvSpPr>
-          <p:cNvPr id="3" name="Title 2"/>
-          <p:cNvSpPr>
-            <a:spLocks noGrp="1"/>
-          </p:cNvSpPr>
-          <p:nvPr>
-            <p:ph type="title"/>
-          </p:nvPr>
-        </p:nvSpPr>
-        <p:spPr/>
-        <p:txBody>
-          <a:bodyPr/>
-          <a:lstStyle/>
-          <a:p>
-            <a:r>
-              <a:rPr lang="en-US" dirty="0" smtClean="0"/>
-              <a:t>Benefits:</a:t>
-            </a:r>
-            <a:endParaRPr lang="en-US" dirty="0"/>
-          </a:p>
-        </p:txBody>
-      </p:sp>
-      <p:sp>
-        <p:nvSpPr>
-          <p:cNvPr id="2" name="Content Placeholder 1"/>
-          <p:cNvSpPr>
-            <a:spLocks noGrp="1"/>
-          </p:cNvSpPr>
-          <p:nvPr>
-            <p:ph idx="1"/>
-          </p:nvPr>
-        </p:nvSpPr>
-        <p:spPr/>
-        <p:txBody>
-          <a:bodyPr>
-            <a:normAutofit/>
-          </a:bodyPr>
-          <a:lstStyle/>
-          <a:p>
-            <a:r>
-              <a:rPr lang="en-US" dirty="0" smtClean="0"/>
-              <a:t>Requires discussion and analysis with business</a:t>
-            </a:r>
-          </a:p>
-          <a:p>
-            <a:pPr lvl="1"/>
-            <a:r>
-              <a:rPr lang="en-US" dirty="0" smtClean="0"/>
-              <a:t>Development gains greater understanding of domain</a:t>
-            </a:r>
-          </a:p>
-          <a:p>
-            <a:pPr lvl="1"/>
-            <a:r>
-              <a:rPr lang="en-US" dirty="0" smtClean="0"/>
-              <a:t>UI is modeled after actual business workflow</a:t>
-            </a:r>
-          </a:p>
-          <a:p>
-            <a:pPr lvl="1"/>
-            <a:r>
-              <a:rPr lang="en-US" dirty="0" smtClean="0"/>
-              <a:t>UI is more intuitive for new users</a:t>
-            </a:r>
-          </a:p>
-          <a:p>
-            <a:pPr lvl="1"/>
-            <a:r>
-              <a:rPr lang="en-US" dirty="0" smtClean="0"/>
-              <a:t>Removes dependency on users being trained to use the system</a:t>
-            </a:r>
-            <a:endParaRPr lang="en-US" dirty="0"/>
-          </a:p>
-        </p:txBody>
-      </p:sp>
-    </p:spTree>
-    <p:extLst>
-      <p:ext uri="{BB962C8B-B14F-4D97-AF65-F5344CB8AC3E}">
-        <p14:creationId xmlns:p14="http://schemas.microsoft.com/office/powerpoint/2010/main" val="3577022792"/>
       </p:ext>
     </p:extLst>
   </p:cSld>

--- a/Presentation/CQRS.pptx
+++ b/Presentation/CQRS.pptx
@@ -5,36 +5,37 @@
     <p:sldMasterId id="2147484476" r:id="rId1"/>
   </p:sldMasterIdLst>
   <p:notesMasterIdLst>
-    <p:notesMasterId r:id="rId29"/>
+    <p:notesMasterId r:id="rId30"/>
   </p:notesMasterIdLst>
   <p:sldIdLst>
     <p:sldId id="288" r:id="rId2"/>
     <p:sldId id="330" r:id="rId3"/>
-    <p:sldId id="341" r:id="rId4"/>
-    <p:sldId id="346" r:id="rId5"/>
-    <p:sldId id="291" r:id="rId6"/>
-    <p:sldId id="311" r:id="rId7"/>
-    <p:sldId id="345" r:id="rId8"/>
-    <p:sldId id="294" r:id="rId9"/>
-    <p:sldId id="310" r:id="rId10"/>
-    <p:sldId id="293" r:id="rId11"/>
-    <p:sldId id="331" r:id="rId12"/>
-    <p:sldId id="337" r:id="rId13"/>
-    <p:sldId id="338" r:id="rId14"/>
-    <p:sldId id="336" r:id="rId15"/>
-    <p:sldId id="342" r:id="rId16"/>
-    <p:sldId id="308" r:id="rId17"/>
-    <p:sldId id="307" r:id="rId18"/>
-    <p:sldId id="335" r:id="rId19"/>
-    <p:sldId id="339" r:id="rId20"/>
-    <p:sldId id="332" r:id="rId21"/>
-    <p:sldId id="344" r:id="rId22"/>
-    <p:sldId id="315" r:id="rId23"/>
-    <p:sldId id="316" r:id="rId24"/>
-    <p:sldId id="340" r:id="rId25"/>
-    <p:sldId id="334" r:id="rId26"/>
-    <p:sldId id="326" r:id="rId27"/>
-    <p:sldId id="343" r:id="rId28"/>
+    <p:sldId id="349" r:id="rId4"/>
+    <p:sldId id="341" r:id="rId5"/>
+    <p:sldId id="346" r:id="rId6"/>
+    <p:sldId id="291" r:id="rId7"/>
+    <p:sldId id="311" r:id="rId8"/>
+    <p:sldId id="345" r:id="rId9"/>
+    <p:sldId id="294" r:id="rId10"/>
+    <p:sldId id="310" r:id="rId11"/>
+    <p:sldId id="293" r:id="rId12"/>
+    <p:sldId id="331" r:id="rId13"/>
+    <p:sldId id="337" r:id="rId14"/>
+    <p:sldId id="338" r:id="rId15"/>
+    <p:sldId id="336" r:id="rId16"/>
+    <p:sldId id="342" r:id="rId17"/>
+    <p:sldId id="308" r:id="rId18"/>
+    <p:sldId id="307" r:id="rId19"/>
+    <p:sldId id="335" r:id="rId20"/>
+    <p:sldId id="339" r:id="rId21"/>
+    <p:sldId id="332" r:id="rId22"/>
+    <p:sldId id="344" r:id="rId23"/>
+    <p:sldId id="315" r:id="rId24"/>
+    <p:sldId id="316" r:id="rId25"/>
+    <p:sldId id="340" r:id="rId26"/>
+    <p:sldId id="334" r:id="rId27"/>
+    <p:sldId id="326" r:id="rId28"/>
+    <p:sldId id="343" r:id="rId29"/>
   </p:sldIdLst>
   <p:sldSz cx="9144000" cy="6858000" type="screen4x3"/>
   <p:notesSz cx="6858000" cy="9144000"/>
@@ -9909,6 +9910,902 @@
       </p:grpSpPr>
       <p:sp>
         <p:nvSpPr>
+          <p:cNvPr id="2" name="Flowchart: Magnetic Disk 1"/>
+          <p:cNvSpPr/>
+          <p:nvPr/>
+        </p:nvSpPr>
+        <p:spPr>
+          <a:xfrm>
+            <a:off x="3429000" y="76200"/>
+            <a:ext cx="2362200" cy="1219200"/>
+          </a:xfrm>
+          <a:prstGeom prst="flowChartMagneticDisk">
+            <a:avLst/>
+          </a:prstGeom>
+        </p:spPr>
+        <p:style>
+          <a:lnRef idx="2">
+            <a:schemeClr val="accent1">
+              <a:shade val="50000"/>
+            </a:schemeClr>
+          </a:lnRef>
+          <a:fillRef idx="1">
+            <a:schemeClr val="accent1"/>
+          </a:fillRef>
+          <a:effectRef idx="0">
+            <a:schemeClr val="accent1"/>
+          </a:effectRef>
+          <a:fontRef idx="minor">
+            <a:schemeClr val="lt1"/>
+          </a:fontRef>
+        </p:style>
+        <p:txBody>
+          <a:bodyPr rtlCol="0" anchor="ctr"/>
+          <a:lstStyle/>
+          <a:p>
+            <a:pPr algn="ctr"/>
+            <a:r>
+              <a:rPr lang="en-US" dirty="0" smtClean="0"/>
+              <a:t>Data         Storage</a:t>
+            </a:r>
+            <a:endParaRPr lang="en-US" dirty="0"/>
+          </a:p>
+        </p:txBody>
+      </p:sp>
+      <p:sp>
+        <p:nvSpPr>
+          <p:cNvPr id="3" name="Rectangle 2"/>
+          <p:cNvSpPr/>
+          <p:nvPr/>
+        </p:nvSpPr>
+        <p:spPr>
+          <a:xfrm>
+            <a:off x="228600" y="1459832"/>
+            <a:ext cx="3505200" cy="990600"/>
+          </a:xfrm>
+          <a:prstGeom prst="rect">
+            <a:avLst/>
+          </a:prstGeom>
+          <a:noFill/>
+        </p:spPr>
+        <p:style>
+          <a:lnRef idx="2">
+            <a:schemeClr val="accent1">
+              <a:shade val="50000"/>
+            </a:schemeClr>
+          </a:lnRef>
+          <a:fillRef idx="1">
+            <a:schemeClr val="accent1"/>
+          </a:fillRef>
+          <a:effectRef idx="0">
+            <a:schemeClr val="accent1"/>
+          </a:effectRef>
+          <a:fontRef idx="minor">
+            <a:schemeClr val="lt1"/>
+          </a:fontRef>
+        </p:style>
+        <p:txBody>
+          <a:bodyPr rtlCol="0" anchor="ctr"/>
+          <a:lstStyle/>
+          <a:p>
+            <a:pPr algn="ctr"/>
+            <a:endParaRPr lang="en-US"/>
+          </a:p>
+        </p:txBody>
+      </p:sp>
+      <p:sp>
+        <p:nvSpPr>
+          <p:cNvPr id="4" name="Rectangle 3"/>
+          <p:cNvSpPr/>
+          <p:nvPr/>
+        </p:nvSpPr>
+        <p:spPr>
+          <a:xfrm>
+            <a:off x="228600" y="2526632"/>
+            <a:ext cx="3505200" cy="457200"/>
+          </a:xfrm>
+          <a:prstGeom prst="rect">
+            <a:avLst/>
+          </a:prstGeom>
+        </p:spPr>
+        <p:style>
+          <a:lnRef idx="2">
+            <a:schemeClr val="accent1">
+              <a:shade val="50000"/>
+            </a:schemeClr>
+          </a:lnRef>
+          <a:fillRef idx="1">
+            <a:schemeClr val="accent1"/>
+          </a:fillRef>
+          <a:effectRef idx="0">
+            <a:schemeClr val="accent1"/>
+          </a:effectRef>
+          <a:fontRef idx="minor">
+            <a:schemeClr val="lt1"/>
+          </a:fontRef>
+        </p:style>
+        <p:txBody>
+          <a:bodyPr rtlCol="0" anchor="ctr"/>
+          <a:lstStyle/>
+          <a:p>
+            <a:pPr algn="ctr"/>
+            <a:r>
+              <a:rPr lang="en-US" dirty="0" smtClean="0"/>
+              <a:t>Application Services</a:t>
+            </a:r>
+            <a:endParaRPr lang="en-US" dirty="0"/>
+          </a:p>
+        </p:txBody>
+      </p:sp>
+      <p:sp>
+        <p:nvSpPr>
+          <p:cNvPr id="5" name="Rectangle 4"/>
+          <p:cNvSpPr/>
+          <p:nvPr/>
+        </p:nvSpPr>
+        <p:spPr>
+          <a:xfrm>
+            <a:off x="685800" y="1536032"/>
+            <a:ext cx="1143000" cy="762000"/>
+          </a:xfrm>
+          <a:prstGeom prst="rect">
+            <a:avLst/>
+          </a:prstGeom>
+        </p:spPr>
+        <p:style>
+          <a:lnRef idx="2">
+            <a:schemeClr val="accent1">
+              <a:shade val="50000"/>
+            </a:schemeClr>
+          </a:lnRef>
+          <a:fillRef idx="1">
+            <a:schemeClr val="accent1"/>
+          </a:fillRef>
+          <a:effectRef idx="0">
+            <a:schemeClr val="accent1"/>
+          </a:effectRef>
+          <a:fontRef idx="minor">
+            <a:schemeClr val="lt1"/>
+          </a:fontRef>
+        </p:style>
+        <p:txBody>
+          <a:bodyPr rtlCol="0" anchor="ctr"/>
+          <a:lstStyle/>
+          <a:p>
+            <a:pPr algn="ctr"/>
+            <a:r>
+              <a:rPr lang="en-US" dirty="0" smtClean="0"/>
+              <a:t>Domain Object</a:t>
+            </a:r>
+            <a:endParaRPr lang="en-US" dirty="0"/>
+          </a:p>
+        </p:txBody>
+      </p:sp>
+      <p:sp>
+        <p:nvSpPr>
+          <p:cNvPr id="6" name="Cloud 5"/>
+          <p:cNvSpPr/>
+          <p:nvPr/>
+        </p:nvSpPr>
+        <p:spPr>
+          <a:xfrm>
+            <a:off x="152400" y="3593432"/>
+            <a:ext cx="3733800" cy="1447800"/>
+          </a:xfrm>
+          <a:prstGeom prst="cloud">
+            <a:avLst/>
+          </a:prstGeom>
+        </p:spPr>
+        <p:style>
+          <a:lnRef idx="2">
+            <a:schemeClr val="accent1">
+              <a:shade val="50000"/>
+            </a:schemeClr>
+          </a:lnRef>
+          <a:fillRef idx="1">
+            <a:schemeClr val="accent1"/>
+          </a:fillRef>
+          <a:effectRef idx="0">
+            <a:schemeClr val="accent1"/>
+          </a:effectRef>
+          <a:fontRef idx="minor">
+            <a:schemeClr val="lt1"/>
+          </a:fontRef>
+        </p:style>
+        <p:txBody>
+          <a:bodyPr rtlCol="0" anchor="ctr"/>
+          <a:lstStyle/>
+          <a:p>
+            <a:pPr algn="ctr"/>
+            <a:endParaRPr lang="en-US"/>
+          </a:p>
+        </p:txBody>
+      </p:sp>
+      <p:sp>
+        <p:nvSpPr>
+          <p:cNvPr id="7" name="Rectangle 6"/>
+          <p:cNvSpPr/>
+          <p:nvPr/>
+        </p:nvSpPr>
+        <p:spPr>
+          <a:xfrm>
+            <a:off x="228600" y="3060032"/>
+            <a:ext cx="3505200" cy="457200"/>
+          </a:xfrm>
+          <a:prstGeom prst="rect">
+            <a:avLst/>
+          </a:prstGeom>
+        </p:spPr>
+        <p:style>
+          <a:lnRef idx="2">
+            <a:schemeClr val="accent1">
+              <a:shade val="50000"/>
+            </a:schemeClr>
+          </a:lnRef>
+          <a:fillRef idx="1">
+            <a:schemeClr val="accent1"/>
+          </a:fillRef>
+          <a:effectRef idx="0">
+            <a:schemeClr val="accent1"/>
+          </a:effectRef>
+          <a:fontRef idx="minor">
+            <a:schemeClr val="lt1"/>
+          </a:fontRef>
+        </p:style>
+        <p:txBody>
+          <a:bodyPr rtlCol="0" anchor="ctr"/>
+          <a:lstStyle/>
+          <a:p>
+            <a:pPr algn="ctr"/>
+            <a:r>
+              <a:rPr lang="en-US" dirty="0" smtClean="0"/>
+              <a:t>Remote Facade</a:t>
+            </a:r>
+            <a:endParaRPr lang="en-US" dirty="0"/>
+          </a:p>
+        </p:txBody>
+      </p:sp>
+      <p:sp>
+        <p:nvSpPr>
+          <p:cNvPr id="8" name="Rectangle 7"/>
+          <p:cNvSpPr/>
+          <p:nvPr/>
+        </p:nvSpPr>
+        <p:spPr>
+          <a:xfrm>
+            <a:off x="2057400" y="1536032"/>
+            <a:ext cx="1143000" cy="762000"/>
+          </a:xfrm>
+          <a:prstGeom prst="rect">
+            <a:avLst/>
+          </a:prstGeom>
+        </p:spPr>
+        <p:style>
+          <a:lnRef idx="2">
+            <a:schemeClr val="accent1">
+              <a:shade val="50000"/>
+            </a:schemeClr>
+          </a:lnRef>
+          <a:fillRef idx="1">
+            <a:schemeClr val="accent1"/>
+          </a:fillRef>
+          <a:effectRef idx="0">
+            <a:schemeClr val="accent1"/>
+          </a:effectRef>
+          <a:fontRef idx="minor">
+            <a:schemeClr val="lt1"/>
+          </a:fontRef>
+        </p:style>
+        <p:txBody>
+          <a:bodyPr rtlCol="0" anchor="ctr"/>
+          <a:lstStyle/>
+          <a:p>
+            <a:pPr algn="ctr"/>
+            <a:r>
+              <a:rPr lang="en-US" dirty="0" smtClean="0"/>
+              <a:t>Domain Object</a:t>
+            </a:r>
+            <a:endParaRPr lang="en-US" dirty="0"/>
+          </a:p>
+        </p:txBody>
+      </p:sp>
+      <p:sp>
+        <p:nvSpPr>
+          <p:cNvPr id="9" name="Rectangle 8"/>
+          <p:cNvSpPr/>
+          <p:nvPr/>
+        </p:nvSpPr>
+        <p:spPr>
+          <a:xfrm>
+            <a:off x="1219200" y="6256420"/>
+            <a:ext cx="6553200" cy="449180"/>
+          </a:xfrm>
+          <a:prstGeom prst="rect">
+            <a:avLst/>
+          </a:prstGeom>
+        </p:spPr>
+        <p:style>
+          <a:lnRef idx="2">
+            <a:schemeClr val="accent1">
+              <a:shade val="50000"/>
+            </a:schemeClr>
+          </a:lnRef>
+          <a:fillRef idx="1">
+            <a:schemeClr val="accent1"/>
+          </a:fillRef>
+          <a:effectRef idx="0">
+            <a:schemeClr val="accent1"/>
+          </a:effectRef>
+          <a:fontRef idx="minor">
+            <a:schemeClr val="lt1"/>
+          </a:fontRef>
+        </p:style>
+        <p:txBody>
+          <a:bodyPr rtlCol="0" anchor="ctr"/>
+          <a:lstStyle/>
+          <a:p>
+            <a:pPr lvl="3"/>
+            <a:r>
+              <a:rPr lang="en-US" dirty="0" smtClean="0"/>
+              <a:t>Client        			</a:t>
+            </a:r>
+            <a:r>
+              <a:rPr lang="en-US" dirty="0" err="1" smtClean="0"/>
+              <a:t>Client</a:t>
+            </a:r>
+            <a:endParaRPr lang="en-US" dirty="0"/>
+          </a:p>
+        </p:txBody>
+      </p:sp>
+      <p:sp>
+        <p:nvSpPr>
+          <p:cNvPr id="10" name="Up-Down Arrow 9"/>
+          <p:cNvSpPr/>
+          <p:nvPr/>
+        </p:nvSpPr>
+        <p:spPr>
+          <a:xfrm>
+            <a:off x="2667000" y="5105400"/>
+            <a:ext cx="762000" cy="1066800"/>
+          </a:xfrm>
+          <a:prstGeom prst="upDownArrow">
+            <a:avLst/>
+          </a:prstGeom>
+        </p:spPr>
+        <p:style>
+          <a:lnRef idx="2">
+            <a:schemeClr val="accent1">
+              <a:shade val="50000"/>
+            </a:schemeClr>
+          </a:lnRef>
+          <a:fillRef idx="1">
+            <a:schemeClr val="accent1"/>
+          </a:fillRef>
+          <a:effectRef idx="0">
+            <a:schemeClr val="accent1"/>
+          </a:effectRef>
+          <a:fontRef idx="minor">
+            <a:schemeClr val="lt1"/>
+          </a:fontRef>
+        </p:style>
+        <p:txBody>
+          <a:bodyPr rtlCol="0" anchor="ctr"/>
+          <a:lstStyle/>
+          <a:p>
+            <a:pPr algn="ctr"/>
+            <a:endParaRPr lang="en-US"/>
+          </a:p>
+        </p:txBody>
+      </p:sp>
+      <p:sp>
+        <p:nvSpPr>
+          <p:cNvPr id="11" name="Line Callout 1 10"/>
+          <p:cNvSpPr/>
+          <p:nvPr/>
+        </p:nvSpPr>
+        <p:spPr>
+          <a:xfrm>
+            <a:off x="228600" y="5105400"/>
+            <a:ext cx="2209800" cy="990600"/>
+          </a:xfrm>
+          <a:prstGeom prst="borderCallout1">
+            <a:avLst>
+              <a:gd name="adj1" fmla="val -1230"/>
+              <a:gd name="adj2" fmla="val 100868"/>
+              <a:gd name="adj3" fmla="val 72883"/>
+              <a:gd name="adj4" fmla="val 117918"/>
+            </a:avLst>
+          </a:prstGeom>
+        </p:spPr>
+        <p:style>
+          <a:lnRef idx="2">
+            <a:schemeClr val="accent1">
+              <a:shade val="50000"/>
+            </a:schemeClr>
+          </a:lnRef>
+          <a:fillRef idx="1">
+            <a:schemeClr val="accent1"/>
+          </a:fillRef>
+          <a:effectRef idx="0">
+            <a:schemeClr val="accent1"/>
+          </a:effectRef>
+          <a:fontRef idx="minor">
+            <a:schemeClr val="lt1"/>
+          </a:fontRef>
+        </p:style>
+        <p:txBody>
+          <a:bodyPr rtlCol="0" anchor="ctr"/>
+          <a:lstStyle/>
+          <a:p>
+            <a:pPr algn="ctr"/>
+            <a:r>
+              <a:rPr lang="en-US" b="1" dirty="0" smtClean="0"/>
+              <a:t>Message Sent</a:t>
+            </a:r>
+          </a:p>
+          <a:p>
+            <a:pPr algn="ctr"/>
+            <a:r>
+              <a:rPr lang="en-US" b="1" dirty="0" err="1" smtClean="0"/>
+              <a:t>Ack</a:t>
+            </a:r>
+            <a:r>
+              <a:rPr lang="en-US" b="1" dirty="0" smtClean="0"/>
+              <a:t>/</a:t>
+            </a:r>
+            <a:r>
+              <a:rPr lang="en-US" b="1" dirty="0" err="1" smtClean="0"/>
+              <a:t>Nak</a:t>
+            </a:r>
+            <a:r>
+              <a:rPr lang="en-US" b="1" dirty="0" smtClean="0"/>
+              <a:t> Response</a:t>
+            </a:r>
+            <a:endParaRPr lang="en-US" b="1" dirty="0"/>
+          </a:p>
+        </p:txBody>
+      </p:sp>
+      <p:sp>
+        <p:nvSpPr>
+          <p:cNvPr id="13" name="Cloud 12"/>
+          <p:cNvSpPr/>
+          <p:nvPr/>
+        </p:nvSpPr>
+        <p:spPr>
+          <a:xfrm>
+            <a:off x="5257800" y="3505200"/>
+            <a:ext cx="3733800" cy="1447800"/>
+          </a:xfrm>
+          <a:prstGeom prst="cloud">
+            <a:avLst/>
+          </a:prstGeom>
+        </p:spPr>
+        <p:style>
+          <a:lnRef idx="2">
+            <a:schemeClr val="accent1">
+              <a:shade val="50000"/>
+            </a:schemeClr>
+          </a:lnRef>
+          <a:fillRef idx="1">
+            <a:schemeClr val="accent1"/>
+          </a:fillRef>
+          <a:effectRef idx="0">
+            <a:schemeClr val="accent1"/>
+          </a:effectRef>
+          <a:fontRef idx="minor">
+            <a:schemeClr val="lt1"/>
+          </a:fontRef>
+        </p:style>
+        <p:txBody>
+          <a:bodyPr rtlCol="0" anchor="ctr"/>
+          <a:lstStyle/>
+          <a:p>
+            <a:pPr algn="ctr"/>
+            <a:endParaRPr lang="en-US"/>
+          </a:p>
+        </p:txBody>
+      </p:sp>
+      <p:sp>
+        <p:nvSpPr>
+          <p:cNvPr id="14" name="Rectangle 13"/>
+          <p:cNvSpPr/>
+          <p:nvPr/>
+        </p:nvSpPr>
+        <p:spPr>
+          <a:xfrm>
+            <a:off x="5334000" y="2438400"/>
+            <a:ext cx="3505200" cy="457200"/>
+          </a:xfrm>
+          <a:prstGeom prst="rect">
+            <a:avLst/>
+          </a:prstGeom>
+        </p:spPr>
+        <p:style>
+          <a:lnRef idx="2">
+            <a:schemeClr val="accent1">
+              <a:shade val="50000"/>
+            </a:schemeClr>
+          </a:lnRef>
+          <a:fillRef idx="1">
+            <a:schemeClr val="accent1"/>
+          </a:fillRef>
+          <a:effectRef idx="0">
+            <a:schemeClr val="accent1"/>
+          </a:effectRef>
+          <a:fontRef idx="minor">
+            <a:schemeClr val="lt1"/>
+          </a:fontRef>
+        </p:style>
+        <p:txBody>
+          <a:bodyPr rtlCol="0" anchor="ctr"/>
+          <a:lstStyle/>
+          <a:p>
+            <a:pPr algn="ctr"/>
+            <a:r>
+              <a:rPr lang="en-US" dirty="0" smtClean="0"/>
+              <a:t>Thin Read Layer (Direct to DTO)</a:t>
+            </a:r>
+            <a:endParaRPr lang="en-US" dirty="0"/>
+          </a:p>
+        </p:txBody>
+      </p:sp>
+      <p:sp>
+        <p:nvSpPr>
+          <p:cNvPr id="15" name="Rectangle 14"/>
+          <p:cNvSpPr/>
+          <p:nvPr/>
+        </p:nvSpPr>
+        <p:spPr>
+          <a:xfrm>
+            <a:off x="5334000" y="2971800"/>
+            <a:ext cx="3505200" cy="457200"/>
+          </a:xfrm>
+          <a:prstGeom prst="rect">
+            <a:avLst/>
+          </a:prstGeom>
+        </p:spPr>
+        <p:style>
+          <a:lnRef idx="2">
+            <a:schemeClr val="accent1">
+              <a:shade val="50000"/>
+            </a:schemeClr>
+          </a:lnRef>
+          <a:fillRef idx="1">
+            <a:schemeClr val="accent1"/>
+          </a:fillRef>
+          <a:effectRef idx="0">
+            <a:schemeClr val="accent1"/>
+          </a:effectRef>
+          <a:fontRef idx="minor">
+            <a:schemeClr val="lt1"/>
+          </a:fontRef>
+        </p:style>
+        <p:txBody>
+          <a:bodyPr rtlCol="0" anchor="ctr"/>
+          <a:lstStyle/>
+          <a:p>
+            <a:pPr algn="ctr"/>
+            <a:r>
+              <a:rPr lang="en-US" dirty="0" smtClean="0"/>
+              <a:t>Remote Facade</a:t>
+            </a:r>
+            <a:endParaRPr lang="en-US" dirty="0"/>
+          </a:p>
+        </p:txBody>
+      </p:sp>
+      <p:sp>
+        <p:nvSpPr>
+          <p:cNvPr id="17" name="Up-Down Arrow 16"/>
+          <p:cNvSpPr/>
+          <p:nvPr/>
+        </p:nvSpPr>
+        <p:spPr>
+          <a:xfrm>
+            <a:off x="5410200" y="5105400"/>
+            <a:ext cx="762000" cy="1066800"/>
+          </a:xfrm>
+          <a:prstGeom prst="upDownArrow">
+            <a:avLst/>
+          </a:prstGeom>
+        </p:spPr>
+        <p:style>
+          <a:lnRef idx="2">
+            <a:schemeClr val="accent1">
+              <a:shade val="50000"/>
+            </a:schemeClr>
+          </a:lnRef>
+          <a:fillRef idx="1">
+            <a:schemeClr val="accent1"/>
+          </a:fillRef>
+          <a:effectRef idx="0">
+            <a:schemeClr val="accent1"/>
+          </a:effectRef>
+          <a:fontRef idx="minor">
+            <a:schemeClr val="lt1"/>
+          </a:fontRef>
+        </p:style>
+        <p:txBody>
+          <a:bodyPr rtlCol="0" anchor="ctr"/>
+          <a:lstStyle/>
+          <a:p>
+            <a:pPr algn="ctr"/>
+            <a:endParaRPr lang="en-US"/>
+          </a:p>
+        </p:txBody>
+      </p:sp>
+      <p:sp>
+        <p:nvSpPr>
+          <p:cNvPr id="18" name="Line Callout 1 17"/>
+          <p:cNvSpPr/>
+          <p:nvPr/>
+        </p:nvSpPr>
+        <p:spPr>
+          <a:xfrm>
+            <a:off x="6781800" y="5029200"/>
+            <a:ext cx="2209800" cy="1066800"/>
+          </a:xfrm>
+          <a:prstGeom prst="borderCallout1">
+            <a:avLst>
+              <a:gd name="adj1" fmla="val 1607"/>
+              <a:gd name="adj2" fmla="val -57"/>
+              <a:gd name="adj3" fmla="val 69355"/>
+              <a:gd name="adj4" fmla="val -33666"/>
+            </a:avLst>
+          </a:prstGeom>
+        </p:spPr>
+        <p:style>
+          <a:lnRef idx="2">
+            <a:schemeClr val="accent1">
+              <a:shade val="50000"/>
+            </a:schemeClr>
+          </a:lnRef>
+          <a:fillRef idx="1">
+            <a:schemeClr val="accent1"/>
+          </a:fillRef>
+          <a:effectRef idx="0">
+            <a:schemeClr val="accent1"/>
+          </a:effectRef>
+          <a:fontRef idx="minor">
+            <a:schemeClr val="lt1"/>
+          </a:fontRef>
+        </p:style>
+        <p:txBody>
+          <a:bodyPr rtlCol="0" anchor="ctr"/>
+          <a:lstStyle/>
+          <a:p>
+            <a:pPr algn="ctr"/>
+            <a:r>
+              <a:rPr lang="en-US" b="1" dirty="0" smtClean="0"/>
+              <a:t>Request DTO</a:t>
+            </a:r>
+          </a:p>
+          <a:p>
+            <a:pPr algn="ctr"/>
+            <a:r>
+              <a:rPr lang="en-US" b="1" dirty="0" smtClean="0"/>
+              <a:t>DTO returned</a:t>
+            </a:r>
+            <a:endParaRPr lang="en-US" b="1" dirty="0"/>
+          </a:p>
+        </p:txBody>
+      </p:sp>
+      <p:cxnSp>
+        <p:nvCxnSpPr>
+          <p:cNvPr id="20" name="Straight Connector 19"/>
+          <p:cNvCxnSpPr/>
+          <p:nvPr/>
+        </p:nvCxnSpPr>
+        <p:spPr>
+          <a:xfrm rot="16200000" flipH="1">
+            <a:off x="1087916" y="3390900"/>
+            <a:ext cx="6858000" cy="76200"/>
+          </a:xfrm>
+          <a:prstGeom prst="line">
+            <a:avLst/>
+          </a:prstGeom>
+          <a:ln w="69850">
+            <a:solidFill>
+              <a:srgbClr val="C00000"/>
+            </a:solidFill>
+            <a:prstDash val="sysDash"/>
+          </a:ln>
+        </p:spPr>
+        <p:style>
+          <a:lnRef idx="1">
+            <a:schemeClr val="accent1"/>
+          </a:lnRef>
+          <a:fillRef idx="0">
+            <a:schemeClr val="accent1"/>
+          </a:fillRef>
+          <a:effectRef idx="0">
+            <a:schemeClr val="accent1"/>
+          </a:effectRef>
+          <a:fontRef idx="minor">
+            <a:schemeClr val="tx1"/>
+          </a:fontRef>
+        </p:style>
+      </p:cxnSp>
+      <p:sp>
+        <p:nvSpPr>
+          <p:cNvPr id="23" name="Rounded Rectangle 22"/>
+          <p:cNvSpPr/>
+          <p:nvPr/>
+        </p:nvSpPr>
+        <p:spPr>
+          <a:xfrm>
+            <a:off x="304800" y="152400"/>
+            <a:ext cx="2971800" cy="1066800"/>
+          </a:xfrm>
+          <a:prstGeom prst="roundRect">
+            <a:avLst/>
+          </a:prstGeom>
+        </p:spPr>
+        <p:style>
+          <a:lnRef idx="2">
+            <a:schemeClr val="accent2">
+              <a:shade val="50000"/>
+            </a:schemeClr>
+          </a:lnRef>
+          <a:fillRef idx="1">
+            <a:schemeClr val="accent2"/>
+          </a:fillRef>
+          <a:effectRef idx="0">
+            <a:schemeClr val="accent2"/>
+          </a:effectRef>
+          <a:fontRef idx="minor">
+            <a:schemeClr val="lt1"/>
+          </a:fontRef>
+        </p:style>
+        <p:txBody>
+          <a:bodyPr rtlCol="0" anchor="ctr"/>
+          <a:lstStyle/>
+          <a:p>
+            <a:pPr algn="ctr"/>
+            <a:r>
+              <a:rPr lang="en-US" dirty="0" smtClean="0"/>
+              <a:t>Write (Command)</a:t>
+            </a:r>
+            <a:endParaRPr lang="en-US" dirty="0"/>
+          </a:p>
+        </p:txBody>
+      </p:sp>
+      <p:sp>
+        <p:nvSpPr>
+          <p:cNvPr id="24" name="Rounded Rectangle 23"/>
+          <p:cNvSpPr/>
+          <p:nvPr/>
+        </p:nvSpPr>
+        <p:spPr>
+          <a:xfrm>
+            <a:off x="5943600" y="152400"/>
+            <a:ext cx="2971800" cy="1066800"/>
+          </a:xfrm>
+          <a:prstGeom prst="roundRect">
+            <a:avLst/>
+          </a:prstGeom>
+        </p:spPr>
+        <p:style>
+          <a:lnRef idx="2">
+            <a:schemeClr val="accent2">
+              <a:shade val="50000"/>
+            </a:schemeClr>
+          </a:lnRef>
+          <a:fillRef idx="1">
+            <a:schemeClr val="accent2"/>
+          </a:fillRef>
+          <a:effectRef idx="0">
+            <a:schemeClr val="accent2"/>
+          </a:effectRef>
+          <a:fontRef idx="minor">
+            <a:schemeClr val="lt1"/>
+          </a:fontRef>
+        </p:style>
+        <p:txBody>
+          <a:bodyPr rtlCol="0" anchor="ctr"/>
+          <a:lstStyle/>
+          <a:p>
+            <a:pPr algn="ctr"/>
+            <a:r>
+              <a:rPr lang="en-US" dirty="0" smtClean="0"/>
+              <a:t>Read (Query)</a:t>
+            </a:r>
+            <a:endParaRPr lang="en-US" dirty="0"/>
+          </a:p>
+        </p:txBody>
+      </p:sp>
+      <p:sp>
+        <p:nvSpPr>
+          <p:cNvPr id="21" name="TextBox 20"/>
+          <p:cNvSpPr txBox="1"/>
+          <p:nvPr/>
+        </p:nvSpPr>
+        <p:spPr>
+          <a:xfrm>
+            <a:off x="0" y="0"/>
+            <a:ext cx="762000" cy="369332"/>
+          </a:xfrm>
+          <a:prstGeom prst="rect">
+            <a:avLst/>
+          </a:prstGeom>
+          <a:noFill/>
+        </p:spPr>
+        <p:txBody>
+          <a:bodyPr wrap="square" rtlCol="0">
+            <a:spAutoFit/>
+          </a:bodyPr>
+          <a:lstStyle/>
+          <a:p>
+            <a:r>
+              <a:rPr lang="en-US" dirty="0" smtClean="0">
+                <a:solidFill>
+                  <a:schemeClr val="accent1">
+                    <a:lumMod val="60000"/>
+                    <a:lumOff val="40000"/>
+                  </a:schemeClr>
+                </a:solidFill>
+                <a:latin typeface="Berlin Sans FB" pitchFamily="34" charset="0"/>
+              </a:rPr>
+              <a:t>demo</a:t>
+            </a:r>
+            <a:endParaRPr lang="en-US" dirty="0">
+              <a:solidFill>
+                <a:schemeClr val="accent1">
+                  <a:lumMod val="60000"/>
+                  <a:lumOff val="40000"/>
+                </a:schemeClr>
+              </a:solidFill>
+              <a:latin typeface="Berlin Sans FB" pitchFamily="34" charset="0"/>
+            </a:endParaRPr>
+          </a:p>
+        </p:txBody>
+      </p:sp>
+    </p:spTree>
+    <p:extLst>
+      <p:ext uri="{BB962C8B-B14F-4D97-AF65-F5344CB8AC3E}">
+        <p14:creationId xmlns:p14="http://schemas.microsoft.com/office/powerpoint/2010/main" val="481785143"/>
+      </p:ext>
+    </p:extLst>
+  </p:cSld>
+  <p:clrMapOvr>
+    <a:masterClrMapping/>
+  </p:clrMapOvr>
+  <mc:AlternateContent xmlns:mc="http://schemas.openxmlformats.org/markup-compatibility/2006" xmlns:p14="http://schemas.microsoft.com/office/powerpoint/2010/main">
+    <mc:Choice Requires="p14">
+      <p:transition spd="slow" p14:dur="2000"/>
+    </mc:Choice>
+    <mc:Fallback xmlns="">
+      <p:transition spd="slow"/>
+    </mc:Fallback>
+  </mc:AlternateContent>
+  <p:timing>
+    <p:tnLst>
+      <p:par>
+        <p:cTn id="1" dur="indefinite" restart="never" nodeType="tmRoot"/>
+      </p:par>
+    </p:tnLst>
+  </p:timing>
+</p:sld>
+</file>
+
+<file path=ppt/slides/slide11.xml><?xml version="1.0" encoding="utf-8"?>
+<p:sld xmlns:a="http://schemas.openxmlformats.org/drawingml/2006/main" xmlns:r="http://schemas.openxmlformats.org/officeDocument/2006/relationships" xmlns:p="http://schemas.openxmlformats.org/presentationml/2006/main">
+  <p:cSld>
+    <p:spTree>
+      <p:nvGrpSpPr>
+        <p:cNvPr id="1" name=""/>
+        <p:cNvGrpSpPr/>
+        <p:nvPr/>
+      </p:nvGrpSpPr>
+      <p:grpSpPr>
+        <a:xfrm>
+          <a:off x="0" y="0"/>
+          <a:ext cx="0" cy="0"/>
+          <a:chOff x="0" y="0"/>
+          <a:chExt cx="0" cy="0"/>
+        </a:xfrm>
+      </p:grpSpPr>
+      <p:sp>
+        <p:nvSpPr>
           <p:cNvPr id="3" name="Title 2"/>
           <p:cNvSpPr>
             <a:spLocks noGrp="1"/>
@@ -10144,7 +11041,7 @@
 </p:sld>
 </file>
 
-<file path=ppt/slides/slide11.xml><?xml version="1.0" encoding="utf-8"?>
+<file path=ppt/slides/slide12.xml><?xml version="1.0" encoding="utf-8"?>
 <p:sld xmlns:a="http://schemas.openxmlformats.org/drawingml/2006/main" xmlns:r="http://schemas.openxmlformats.org/officeDocument/2006/relationships" xmlns:p="http://schemas.openxmlformats.org/presentationml/2006/main">
   <p:cSld>
     <p:spTree>
@@ -10488,127 +11385,6 @@
 </p:sld>
 </file>
 
-<file path=ppt/slides/slide12.xml><?xml version="1.0" encoding="utf-8"?>
-<p:sld xmlns:a="http://schemas.openxmlformats.org/drawingml/2006/main" xmlns:r="http://schemas.openxmlformats.org/officeDocument/2006/relationships" xmlns:p="http://schemas.openxmlformats.org/presentationml/2006/main">
-  <p:cSld>
-    <p:spTree>
-      <p:nvGrpSpPr>
-        <p:cNvPr id="1" name=""/>
-        <p:cNvGrpSpPr/>
-        <p:nvPr/>
-      </p:nvGrpSpPr>
-      <p:grpSpPr>
-        <a:xfrm>
-          <a:off x="0" y="0"/>
-          <a:ext cx="0" cy="0"/>
-          <a:chOff x="0" y="0"/>
-          <a:chExt cx="0" cy="0"/>
-        </a:xfrm>
-      </p:grpSpPr>
-      <p:sp>
-        <p:nvSpPr>
-          <p:cNvPr id="3" name="Title 2"/>
-          <p:cNvSpPr>
-            <a:spLocks noGrp="1"/>
-          </p:cNvSpPr>
-          <p:nvPr>
-            <p:ph type="title"/>
-          </p:nvPr>
-        </p:nvSpPr>
-        <p:spPr/>
-        <p:txBody>
-          <a:bodyPr/>
-          <a:lstStyle/>
-          <a:p>
-            <a:r>
-              <a:rPr lang="en-US" dirty="0" smtClean="0"/>
-              <a:t>Benefits:</a:t>
-            </a:r>
-            <a:endParaRPr lang="en-US" dirty="0"/>
-          </a:p>
-        </p:txBody>
-      </p:sp>
-      <p:sp>
-        <p:nvSpPr>
-          <p:cNvPr id="2" name="Content Placeholder 1"/>
-          <p:cNvSpPr>
-            <a:spLocks noGrp="1"/>
-          </p:cNvSpPr>
-          <p:nvPr>
-            <p:ph idx="1"/>
-          </p:nvPr>
-        </p:nvSpPr>
-        <p:spPr/>
-        <p:txBody>
-          <a:bodyPr>
-            <a:normAutofit/>
-          </a:bodyPr>
-          <a:lstStyle/>
-          <a:p>
-            <a:r>
-              <a:rPr lang="en-US" dirty="0" smtClean="0"/>
-              <a:t>Requires discussion and analysis with business</a:t>
-            </a:r>
-          </a:p>
-          <a:p>
-            <a:pPr lvl="1"/>
-            <a:r>
-              <a:rPr lang="en-US" dirty="0" smtClean="0"/>
-              <a:t>Development gains greater understanding of domain</a:t>
-            </a:r>
-          </a:p>
-          <a:p>
-            <a:pPr lvl="1"/>
-            <a:r>
-              <a:rPr lang="en-US" dirty="0" smtClean="0"/>
-              <a:t>UI is modeled after actual business workflow</a:t>
-            </a:r>
-          </a:p>
-          <a:p>
-            <a:pPr lvl="1"/>
-            <a:r>
-              <a:rPr lang="en-US" dirty="0" smtClean="0"/>
-              <a:t>UI is more intuitive for new users</a:t>
-            </a:r>
-          </a:p>
-          <a:p>
-            <a:pPr lvl="1"/>
-            <a:r>
-              <a:rPr lang="en-US" dirty="0" smtClean="0"/>
-              <a:t>Removes dependency on users being trained to use the system</a:t>
-            </a:r>
-            <a:endParaRPr lang="en-US" dirty="0"/>
-          </a:p>
-        </p:txBody>
-      </p:sp>
-    </p:spTree>
-    <p:extLst>
-      <p:ext uri="{BB962C8B-B14F-4D97-AF65-F5344CB8AC3E}">
-        <p14:creationId xmlns:p14="http://schemas.microsoft.com/office/powerpoint/2010/main" val="3577022792"/>
-      </p:ext>
-    </p:extLst>
-  </p:cSld>
-  <p:clrMapOvr>
-    <a:masterClrMapping/>
-  </p:clrMapOvr>
-  <mc:AlternateContent xmlns:mc="http://schemas.openxmlformats.org/markup-compatibility/2006" xmlns:p14="http://schemas.microsoft.com/office/powerpoint/2010/main">
-    <mc:Choice Requires="p14">
-      <p:transition spd="slow" p14:dur="2000"/>
-    </mc:Choice>
-    <mc:Fallback xmlns="">
-      <p:transition spd="slow"/>
-    </mc:Fallback>
-  </mc:AlternateContent>
-  <p:timing>
-    <p:tnLst>
-      <p:par>
-        <p:cTn id="1" dur="indefinite" restart="never" nodeType="tmRoot"/>
-      </p:par>
-    </p:tnLst>
-  </p:timing>
-</p:sld>
-</file>
-
 <file path=ppt/slides/slide13.xml><?xml version="1.0" encoding="utf-8"?>
 <p:sld xmlns:a="http://schemas.openxmlformats.org/drawingml/2006/main" xmlns:r="http://schemas.openxmlformats.org/officeDocument/2006/relationships" xmlns:p="http://schemas.openxmlformats.org/presentationml/2006/main">
   <p:cSld>
@@ -10643,6 +11419,127 @@
           <a:p>
             <a:r>
               <a:rPr lang="en-US" dirty="0" smtClean="0"/>
+              <a:t>Benefits:</a:t>
+            </a:r>
+            <a:endParaRPr lang="en-US" dirty="0"/>
+          </a:p>
+        </p:txBody>
+      </p:sp>
+      <p:sp>
+        <p:nvSpPr>
+          <p:cNvPr id="2" name="Content Placeholder 1"/>
+          <p:cNvSpPr>
+            <a:spLocks noGrp="1"/>
+          </p:cNvSpPr>
+          <p:nvPr>
+            <p:ph idx="1"/>
+          </p:nvPr>
+        </p:nvSpPr>
+        <p:spPr/>
+        <p:txBody>
+          <a:bodyPr>
+            <a:normAutofit/>
+          </a:bodyPr>
+          <a:lstStyle/>
+          <a:p>
+            <a:r>
+              <a:rPr lang="en-US" dirty="0" smtClean="0"/>
+              <a:t>Requires discussion and analysis with business</a:t>
+            </a:r>
+          </a:p>
+          <a:p>
+            <a:pPr lvl="1"/>
+            <a:r>
+              <a:rPr lang="en-US" dirty="0" smtClean="0"/>
+              <a:t>Development gains greater understanding of domain</a:t>
+            </a:r>
+          </a:p>
+          <a:p>
+            <a:pPr lvl="1"/>
+            <a:r>
+              <a:rPr lang="en-US" dirty="0" smtClean="0"/>
+              <a:t>UI is modeled after actual business workflow</a:t>
+            </a:r>
+          </a:p>
+          <a:p>
+            <a:pPr lvl="1"/>
+            <a:r>
+              <a:rPr lang="en-US" dirty="0" smtClean="0"/>
+              <a:t>UI is more intuitive for new users</a:t>
+            </a:r>
+          </a:p>
+          <a:p>
+            <a:pPr lvl="1"/>
+            <a:r>
+              <a:rPr lang="en-US" dirty="0" smtClean="0"/>
+              <a:t>Removes dependency on users being trained to use the system</a:t>
+            </a:r>
+            <a:endParaRPr lang="en-US" dirty="0"/>
+          </a:p>
+        </p:txBody>
+      </p:sp>
+    </p:spTree>
+    <p:extLst>
+      <p:ext uri="{BB962C8B-B14F-4D97-AF65-F5344CB8AC3E}">
+        <p14:creationId xmlns:p14="http://schemas.microsoft.com/office/powerpoint/2010/main" val="3577022792"/>
+      </p:ext>
+    </p:extLst>
+  </p:cSld>
+  <p:clrMapOvr>
+    <a:masterClrMapping/>
+  </p:clrMapOvr>
+  <mc:AlternateContent xmlns:mc="http://schemas.openxmlformats.org/markup-compatibility/2006" xmlns:p14="http://schemas.microsoft.com/office/powerpoint/2010/main">
+    <mc:Choice Requires="p14">
+      <p:transition spd="slow" p14:dur="2000"/>
+    </mc:Choice>
+    <mc:Fallback xmlns="">
+      <p:transition spd="slow"/>
+    </mc:Fallback>
+  </mc:AlternateContent>
+  <p:timing>
+    <p:tnLst>
+      <p:par>
+        <p:cTn id="1" dur="indefinite" restart="never" nodeType="tmRoot"/>
+      </p:par>
+    </p:tnLst>
+  </p:timing>
+</p:sld>
+</file>
+
+<file path=ppt/slides/slide14.xml><?xml version="1.0" encoding="utf-8"?>
+<p:sld xmlns:a="http://schemas.openxmlformats.org/drawingml/2006/main" xmlns:r="http://schemas.openxmlformats.org/officeDocument/2006/relationships" xmlns:p="http://schemas.openxmlformats.org/presentationml/2006/main">
+  <p:cSld>
+    <p:spTree>
+      <p:nvGrpSpPr>
+        <p:cNvPr id="1" name=""/>
+        <p:cNvGrpSpPr/>
+        <p:nvPr/>
+      </p:nvGrpSpPr>
+      <p:grpSpPr>
+        <a:xfrm>
+          <a:off x="0" y="0"/>
+          <a:ext cx="0" cy="0"/>
+          <a:chOff x="0" y="0"/>
+          <a:chExt cx="0" cy="0"/>
+        </a:xfrm>
+      </p:grpSpPr>
+      <p:sp>
+        <p:nvSpPr>
+          <p:cNvPr id="3" name="Title 2"/>
+          <p:cNvSpPr>
+            <a:spLocks noGrp="1"/>
+          </p:cNvSpPr>
+          <p:nvPr>
+            <p:ph type="title"/>
+          </p:nvPr>
+        </p:nvSpPr>
+        <p:spPr/>
+        <p:txBody>
+          <a:bodyPr/>
+          <a:lstStyle/>
+          <a:p>
+            <a:r>
+              <a:rPr lang="en-US" dirty="0" smtClean="0"/>
               <a:t>Anti-Patterns:</a:t>
             </a:r>
             <a:endParaRPr lang="en-US" dirty="0"/>
@@ -10727,7 +11624,7 @@
 </p:sld>
 </file>
 
-<file path=ppt/slides/slide14.xml><?xml version="1.0" encoding="utf-8"?>
+<file path=ppt/slides/slide15.xml><?xml version="1.0" encoding="utf-8"?>
 <p:sld xmlns:a="http://schemas.openxmlformats.org/drawingml/2006/main" xmlns:r="http://schemas.openxmlformats.org/officeDocument/2006/relationships" xmlns:p="http://schemas.openxmlformats.org/presentationml/2006/main">
   <p:cSld>
     <p:spTree>
@@ -11071,7 +11968,7 @@
 </p:sld>
 </file>
 
-<file path=ppt/slides/slide15.xml><?xml version="1.0" encoding="utf-8"?>
+<file path=ppt/slides/slide16.xml><?xml version="1.0" encoding="utf-8"?>
 <p:sld xmlns:a="http://schemas.openxmlformats.org/drawingml/2006/main" xmlns:r="http://schemas.openxmlformats.org/officeDocument/2006/relationships" xmlns:p="http://schemas.openxmlformats.org/presentationml/2006/main">
   <p:cSld>
     <p:spTree>
@@ -11149,158 +12046,6 @@
 </p:sld>
 </file>
 
-<file path=ppt/slides/slide16.xml><?xml version="1.0" encoding="utf-8"?>
-<p:sld xmlns:a="http://schemas.openxmlformats.org/drawingml/2006/main" xmlns:r="http://schemas.openxmlformats.org/officeDocument/2006/relationships" xmlns:p="http://schemas.openxmlformats.org/presentationml/2006/main">
-  <p:cSld>
-    <p:spTree>
-      <p:nvGrpSpPr>
-        <p:cNvPr id="1" name=""/>
-        <p:cNvGrpSpPr/>
-        <p:nvPr/>
-      </p:nvGrpSpPr>
-      <p:grpSpPr>
-        <a:xfrm>
-          <a:off x="0" y="0"/>
-          <a:ext cx="0" cy="0"/>
-          <a:chOff x="0" y="0"/>
-          <a:chExt cx="0" cy="0"/>
-        </a:xfrm>
-      </p:grpSpPr>
-      <p:sp>
-        <p:nvSpPr>
-          <p:cNvPr id="3" name="Title 2"/>
-          <p:cNvSpPr>
-            <a:spLocks noGrp="1"/>
-          </p:cNvSpPr>
-          <p:nvPr>
-            <p:ph type="title"/>
-          </p:nvPr>
-        </p:nvSpPr>
-        <p:spPr/>
-        <p:txBody>
-          <a:bodyPr/>
-          <a:lstStyle/>
-          <a:p>
-            <a:r>
-              <a:rPr lang="en-US" dirty="0" smtClean="0"/>
-              <a:t>Benefits:</a:t>
-            </a:r>
-            <a:endParaRPr lang="en-US" dirty="0"/>
-          </a:p>
-        </p:txBody>
-      </p:sp>
-      <p:sp>
-        <p:nvSpPr>
-          <p:cNvPr id="2" name="Content Placeholder 1"/>
-          <p:cNvSpPr>
-            <a:spLocks noGrp="1"/>
-          </p:cNvSpPr>
-          <p:nvPr>
-            <p:ph idx="1"/>
-          </p:nvPr>
-        </p:nvSpPr>
-        <p:spPr/>
-        <p:txBody>
-          <a:bodyPr>
-            <a:normAutofit/>
-          </a:bodyPr>
-          <a:lstStyle/>
-          <a:p>
-            <a:r>
-              <a:rPr lang="en-US" dirty="0"/>
-              <a:t>Allows optimizations to be made on read and write models separately</a:t>
-            </a:r>
-          </a:p>
-          <a:p>
-            <a:r>
-              <a:rPr lang="en-US" dirty="0"/>
-              <a:t>CAP Theorem</a:t>
-            </a:r>
-          </a:p>
-          <a:p>
-            <a:r>
-              <a:rPr lang="en-US" dirty="0"/>
-              <a:t>Consistency, Availability , </a:t>
-            </a:r>
-            <a:r>
-              <a:rPr lang="en-US" dirty="0" err="1"/>
-              <a:t>Partionability</a:t>
-            </a:r>
-            <a:endParaRPr lang="en-US" dirty="0"/>
-          </a:p>
-          <a:p>
-            <a:r>
-              <a:rPr lang="en-US" dirty="0"/>
-              <a:t>Most systems are restricted to single CAP</a:t>
-            </a:r>
-          </a:p>
-          <a:p>
-            <a:pPr lvl="1"/>
-            <a:r>
-              <a:rPr lang="en-US" dirty="0"/>
-              <a:t>Typically Consistency and </a:t>
-            </a:r>
-            <a:r>
-              <a:rPr lang="en-US" dirty="0" err="1"/>
-              <a:t>Availablity</a:t>
-            </a:r>
-            <a:endParaRPr lang="en-US" dirty="0"/>
-          </a:p>
-          <a:p>
-            <a:r>
-              <a:rPr lang="en-US" dirty="0"/>
-              <a:t>CQRS allows for Read and Write to be optimized</a:t>
-            </a:r>
-          </a:p>
-          <a:p>
-            <a:pPr lvl="1"/>
-            <a:r>
-              <a:rPr lang="en-US" dirty="0"/>
-              <a:t>Read = Availability and </a:t>
-            </a:r>
-            <a:r>
-              <a:rPr lang="en-US" dirty="0" err="1"/>
-              <a:t>Partionability</a:t>
-            </a:r>
-            <a:endParaRPr lang="en-US" dirty="0"/>
-          </a:p>
-          <a:p>
-            <a:pPr lvl="1"/>
-            <a:r>
-              <a:rPr lang="en-US" dirty="0"/>
-              <a:t>Write = Consistency and Availability</a:t>
-            </a:r>
-          </a:p>
-        </p:txBody>
-      </p:sp>
-    </p:spTree>
-    <p:extLst>
-      <p:ext uri="{BB962C8B-B14F-4D97-AF65-F5344CB8AC3E}">
-        <p14:creationId xmlns:p14="http://schemas.microsoft.com/office/powerpoint/2010/main" val="3862665994"/>
-      </p:ext>
-    </p:extLst>
-  </p:cSld>
-  <p:clrMapOvr>
-    <a:masterClrMapping/>
-  </p:clrMapOvr>
-  <mc:AlternateContent xmlns:mc="http://schemas.openxmlformats.org/markup-compatibility/2006" xmlns:p14="http://schemas.microsoft.com/office/powerpoint/2010/main">
-    <mc:Choice Requires="p14">
-      <p:transition spd="slow" p14:dur="2000"/>
-    </mc:Choice>
-    <mc:Fallback xmlns="">
-      <p:transition spd="slow"/>
-    </mc:Fallback>
-  </mc:AlternateContent>
-  <p:timing>
-    <p:tnLst>
-      <p:par>
-        <p:cTn id="1" dur="indefinite" restart="never" nodeType="tmRoot"/>
-      </p:par>
-    </p:tnLst>
-  </p:timing>
-</p:sld>
-</file>
-
 <file path=ppt/slides/slide17.xml><?xml version="1.0" encoding="utf-8"?>
 <p:sld xmlns:a="http://schemas.openxmlformats.org/drawingml/2006/main" xmlns:r="http://schemas.openxmlformats.org/officeDocument/2006/relationships" xmlns:p="http://schemas.openxmlformats.org/presentationml/2006/main">
   <p:cSld>
@@ -11359,6 +12104,158 @@
           <a:lstStyle/>
           <a:p>
             <a:r>
+              <a:rPr lang="en-US" dirty="0"/>
+              <a:t>Allows optimizations to be made on read and write models separately</a:t>
+            </a:r>
+          </a:p>
+          <a:p>
+            <a:r>
+              <a:rPr lang="en-US" dirty="0"/>
+              <a:t>CAP Theorem</a:t>
+            </a:r>
+          </a:p>
+          <a:p>
+            <a:r>
+              <a:rPr lang="en-US" dirty="0"/>
+              <a:t>Consistency, Availability , </a:t>
+            </a:r>
+            <a:r>
+              <a:rPr lang="en-US" dirty="0" err="1"/>
+              <a:t>Partionability</a:t>
+            </a:r>
+            <a:endParaRPr lang="en-US" dirty="0"/>
+          </a:p>
+          <a:p>
+            <a:r>
+              <a:rPr lang="en-US" dirty="0"/>
+              <a:t>Most systems are restricted to single CAP</a:t>
+            </a:r>
+          </a:p>
+          <a:p>
+            <a:pPr lvl="1"/>
+            <a:r>
+              <a:rPr lang="en-US" dirty="0"/>
+              <a:t>Typically Consistency and </a:t>
+            </a:r>
+            <a:r>
+              <a:rPr lang="en-US" dirty="0" err="1"/>
+              <a:t>Availablity</a:t>
+            </a:r>
+            <a:endParaRPr lang="en-US" dirty="0"/>
+          </a:p>
+          <a:p>
+            <a:r>
+              <a:rPr lang="en-US" dirty="0"/>
+              <a:t>CQRS allows for Read and Write to be optimized</a:t>
+            </a:r>
+          </a:p>
+          <a:p>
+            <a:pPr lvl="1"/>
+            <a:r>
+              <a:rPr lang="en-US" dirty="0"/>
+              <a:t>Read = Availability and </a:t>
+            </a:r>
+            <a:r>
+              <a:rPr lang="en-US" dirty="0" err="1"/>
+              <a:t>Partionability</a:t>
+            </a:r>
+            <a:endParaRPr lang="en-US" dirty="0"/>
+          </a:p>
+          <a:p>
+            <a:pPr lvl="1"/>
+            <a:r>
+              <a:rPr lang="en-US" dirty="0"/>
+              <a:t>Write = Consistency and Availability</a:t>
+            </a:r>
+          </a:p>
+        </p:txBody>
+      </p:sp>
+    </p:spTree>
+    <p:extLst>
+      <p:ext uri="{BB962C8B-B14F-4D97-AF65-F5344CB8AC3E}">
+        <p14:creationId xmlns:p14="http://schemas.microsoft.com/office/powerpoint/2010/main" val="3862665994"/>
+      </p:ext>
+    </p:extLst>
+  </p:cSld>
+  <p:clrMapOvr>
+    <a:masterClrMapping/>
+  </p:clrMapOvr>
+  <mc:AlternateContent xmlns:mc="http://schemas.openxmlformats.org/markup-compatibility/2006" xmlns:p14="http://schemas.microsoft.com/office/powerpoint/2010/main">
+    <mc:Choice Requires="p14">
+      <p:transition spd="slow" p14:dur="2000"/>
+    </mc:Choice>
+    <mc:Fallback xmlns="">
+      <p:transition spd="slow"/>
+    </mc:Fallback>
+  </mc:AlternateContent>
+  <p:timing>
+    <p:tnLst>
+      <p:par>
+        <p:cTn id="1" dur="indefinite" restart="never" nodeType="tmRoot"/>
+      </p:par>
+    </p:tnLst>
+  </p:timing>
+</p:sld>
+</file>
+
+<file path=ppt/slides/slide18.xml><?xml version="1.0" encoding="utf-8"?>
+<p:sld xmlns:a="http://schemas.openxmlformats.org/drawingml/2006/main" xmlns:r="http://schemas.openxmlformats.org/officeDocument/2006/relationships" xmlns:p="http://schemas.openxmlformats.org/presentationml/2006/main">
+  <p:cSld>
+    <p:spTree>
+      <p:nvGrpSpPr>
+        <p:cNvPr id="1" name=""/>
+        <p:cNvGrpSpPr/>
+        <p:nvPr/>
+      </p:nvGrpSpPr>
+      <p:grpSpPr>
+        <a:xfrm>
+          <a:off x="0" y="0"/>
+          <a:ext cx="0" cy="0"/>
+          <a:chOff x="0" y="0"/>
+          <a:chExt cx="0" cy="0"/>
+        </a:xfrm>
+      </p:grpSpPr>
+      <p:sp>
+        <p:nvSpPr>
+          <p:cNvPr id="3" name="Title 2"/>
+          <p:cNvSpPr>
+            <a:spLocks noGrp="1"/>
+          </p:cNvSpPr>
+          <p:nvPr>
+            <p:ph type="title"/>
+          </p:nvPr>
+        </p:nvSpPr>
+        <p:spPr/>
+        <p:txBody>
+          <a:bodyPr/>
+          <a:lstStyle/>
+          <a:p>
+            <a:r>
+              <a:rPr lang="en-US" dirty="0" smtClean="0"/>
+              <a:t>Benefits:</a:t>
+            </a:r>
+            <a:endParaRPr lang="en-US" dirty="0"/>
+          </a:p>
+        </p:txBody>
+      </p:sp>
+      <p:sp>
+        <p:nvSpPr>
+          <p:cNvPr id="2" name="Content Placeholder 1"/>
+          <p:cNvSpPr>
+            <a:spLocks noGrp="1"/>
+          </p:cNvSpPr>
+          <p:nvPr>
+            <p:ph idx="1"/>
+          </p:nvPr>
+        </p:nvSpPr>
+        <p:spPr/>
+        <p:txBody>
+          <a:bodyPr>
+            <a:normAutofit/>
+          </a:bodyPr>
+          <a:lstStyle/>
+          <a:p>
+            <a:r>
               <a:rPr lang="en-US" dirty="0" smtClean="0"/>
               <a:t>Removes need for public properties on domain model</a:t>
             </a:r>
@@ -11464,7 +12361,7 @@
 </p:sld>
 </file>
 
-<file path=ppt/slides/slide18.xml><?xml version="1.0" encoding="utf-8"?>
+<file path=ppt/slides/slide19.xml><?xml version="1.0" encoding="utf-8"?>
 <p:sld xmlns:a="http://schemas.openxmlformats.org/drawingml/2006/main" xmlns:r="http://schemas.openxmlformats.org/officeDocument/2006/relationships" xmlns:p="http://schemas.openxmlformats.org/presentationml/2006/main">
   <p:cSld>
     <p:spTree>
@@ -11734,120 +12631,56 @@
           </a:p>
         </p:txBody>
       </p:sp>
-    </p:spTree>
-    <p:extLst>
-      <p:ext uri="{BB962C8B-B14F-4D97-AF65-F5344CB8AC3E}">
-        <p14:creationId xmlns:p14="http://schemas.microsoft.com/office/powerpoint/2010/main" val="3257965926"/>
-      </p:ext>
-    </p:extLst>
-  </p:cSld>
-  <p:clrMapOvr>
-    <a:masterClrMapping/>
-  </p:clrMapOvr>
-  <mc:AlternateContent xmlns:mc="http://schemas.openxmlformats.org/markup-compatibility/2006" xmlns:p14="http://schemas.microsoft.com/office/powerpoint/2010/main">
-    <mc:Choice Requires="p14">
-      <p:transition spd="slow" p14:dur="2000"/>
-    </mc:Choice>
-    <mc:Fallback xmlns="">
-      <p:transition spd="slow"/>
-    </mc:Fallback>
-  </mc:AlternateContent>
-  <p:timing>
-    <p:tnLst>
-      <p:par>
-        <p:cTn id="1" dur="indefinite" restart="never" nodeType="tmRoot"/>
-      </p:par>
-    </p:tnLst>
-  </p:timing>
-</p:sld>
-</file>
-
-<file path=ppt/slides/slide19.xml><?xml version="1.0" encoding="utf-8"?>
-<p:sld xmlns:a="http://schemas.openxmlformats.org/drawingml/2006/main" xmlns:r="http://schemas.openxmlformats.org/officeDocument/2006/relationships" xmlns:p="http://schemas.openxmlformats.org/presentationml/2006/main">
-  <p:cSld>
-    <p:spTree>
-      <p:nvGrpSpPr>
-        <p:cNvPr id="1" name=""/>
-        <p:cNvGrpSpPr/>
-        <p:nvPr/>
-      </p:nvGrpSpPr>
-      <p:grpSpPr>
-        <a:xfrm>
-          <a:off x="0" y="0"/>
-          <a:ext cx="0" cy="0"/>
-          <a:chOff x="0" y="0"/>
-          <a:chExt cx="0" cy="0"/>
-        </a:xfrm>
-      </p:grpSpPr>
       <p:sp>
         <p:nvSpPr>
-          <p:cNvPr id="3" name="Title 2"/>
-          <p:cNvSpPr>
-            <a:spLocks noGrp="1"/>
-          </p:cNvSpPr>
-          <p:nvPr>
-            <p:ph type="title"/>
-          </p:nvPr>
+          <p:cNvPr id="11" name="TextBox 10"/>
+          <p:cNvSpPr txBox="1"/>
+          <p:nvPr/>
         </p:nvSpPr>
-        <p:spPr/>
+        <p:spPr>
+          <a:xfrm>
+            <a:off x="0" y="0"/>
+            <a:ext cx="762000" cy="369332"/>
+          </a:xfrm>
+          <a:prstGeom prst="rect">
+            <a:avLst/>
+          </a:prstGeom>
+          <a:noFill/>
+        </p:spPr>
         <p:txBody>
-          <a:bodyPr/>
+          <a:bodyPr wrap="square" rtlCol="0">
+            <a:spAutoFit/>
+          </a:bodyPr>
           <a:lstStyle/>
           <a:p>
             <a:r>
-              <a:rPr lang="en-US" dirty="0" smtClean="0"/>
-              <a:t>Benefits:</a:t>
-            </a:r>
-            <a:endParaRPr lang="en-US" dirty="0"/>
-          </a:p>
-        </p:txBody>
-      </p:sp>
-      <p:sp>
-        <p:nvSpPr>
-          <p:cNvPr id="2" name="Content Placeholder 1"/>
-          <p:cNvSpPr>
-            <a:spLocks noGrp="1"/>
-          </p:cNvSpPr>
-          <p:nvPr>
-            <p:ph idx="1"/>
-          </p:nvPr>
-        </p:nvSpPr>
-        <p:spPr/>
-        <p:txBody>
-          <a:bodyPr/>
-          <a:lstStyle/>
-          <a:p>
-            <a:r>
-              <a:rPr lang="en-US" dirty="0"/>
-              <a:t>Ability to create new projections</a:t>
-            </a:r>
-          </a:p>
-          <a:p>
-            <a:pPr lvl="1"/>
-            <a:r>
-              <a:rPr lang="en-US" dirty="0"/>
-              <a:t>Can replay events to populate new views for business</a:t>
-            </a:r>
-          </a:p>
-          <a:p>
-            <a:r>
-              <a:rPr lang="en-US" dirty="0"/>
-              <a:t>Can switch to event sourcing if cost efficient</a:t>
-            </a:r>
-          </a:p>
-          <a:p>
-            <a:pPr lvl="1"/>
-            <a:r>
-              <a:rPr lang="en-US" dirty="0"/>
-              <a:t>Replace 3nf DB altogether and load aggregates from events</a:t>
-            </a:r>
+              <a:rPr lang="en-US" dirty="0" smtClean="0">
+                <a:solidFill>
+                  <a:schemeClr val="accent1">
+                    <a:lumMod val="60000"/>
+                    <a:lumOff val="40000"/>
+                  </a:schemeClr>
+                </a:solidFill>
+                <a:latin typeface="Berlin Sans FB" pitchFamily="34" charset="0"/>
+              </a:rPr>
+              <a:t>demo</a:t>
+            </a:r>
+            <a:endParaRPr lang="en-US" dirty="0">
+              <a:solidFill>
+                <a:schemeClr val="accent1">
+                  <a:lumMod val="60000"/>
+                  <a:lumOff val="40000"/>
+                </a:schemeClr>
+              </a:solidFill>
+              <a:latin typeface="Berlin Sans FB" pitchFamily="34" charset="0"/>
+            </a:endParaRPr>
           </a:p>
         </p:txBody>
       </p:sp>
     </p:spTree>
     <p:extLst>
       <p:ext uri="{BB962C8B-B14F-4D97-AF65-F5344CB8AC3E}">
-        <p14:creationId xmlns:p14="http://schemas.microsoft.com/office/powerpoint/2010/main" val="1411249776"/>
+        <p14:creationId xmlns:p14="http://schemas.microsoft.com/office/powerpoint/2010/main" val="3257965926"/>
       </p:ext>
     </p:extLst>
   </p:cSld>
@@ -11941,6 +12774,116 @@
 </file>
 
 <file path=ppt/slides/slide20.xml><?xml version="1.0" encoding="utf-8"?>
+<p:sld xmlns:a="http://schemas.openxmlformats.org/drawingml/2006/main" xmlns:r="http://schemas.openxmlformats.org/officeDocument/2006/relationships" xmlns:p="http://schemas.openxmlformats.org/presentationml/2006/main">
+  <p:cSld>
+    <p:spTree>
+      <p:nvGrpSpPr>
+        <p:cNvPr id="1" name=""/>
+        <p:cNvGrpSpPr/>
+        <p:nvPr/>
+      </p:nvGrpSpPr>
+      <p:grpSpPr>
+        <a:xfrm>
+          <a:off x="0" y="0"/>
+          <a:ext cx="0" cy="0"/>
+          <a:chOff x="0" y="0"/>
+          <a:chExt cx="0" cy="0"/>
+        </a:xfrm>
+      </p:grpSpPr>
+      <p:sp>
+        <p:nvSpPr>
+          <p:cNvPr id="3" name="Title 2"/>
+          <p:cNvSpPr>
+            <a:spLocks noGrp="1"/>
+          </p:cNvSpPr>
+          <p:nvPr>
+            <p:ph type="title"/>
+          </p:nvPr>
+        </p:nvSpPr>
+        <p:spPr/>
+        <p:txBody>
+          <a:bodyPr/>
+          <a:lstStyle/>
+          <a:p>
+            <a:r>
+              <a:rPr lang="en-US" dirty="0" smtClean="0"/>
+              <a:t>Benefits:</a:t>
+            </a:r>
+            <a:endParaRPr lang="en-US" dirty="0"/>
+          </a:p>
+        </p:txBody>
+      </p:sp>
+      <p:sp>
+        <p:nvSpPr>
+          <p:cNvPr id="2" name="Content Placeholder 1"/>
+          <p:cNvSpPr>
+            <a:spLocks noGrp="1"/>
+          </p:cNvSpPr>
+          <p:nvPr>
+            <p:ph idx="1"/>
+          </p:nvPr>
+        </p:nvSpPr>
+        <p:spPr/>
+        <p:txBody>
+          <a:bodyPr/>
+          <a:lstStyle/>
+          <a:p>
+            <a:r>
+              <a:rPr lang="en-US" dirty="0"/>
+              <a:t>Ability to create new projections</a:t>
+            </a:r>
+          </a:p>
+          <a:p>
+            <a:pPr lvl="1"/>
+            <a:r>
+              <a:rPr lang="en-US" dirty="0"/>
+              <a:t>Can replay events to populate new views for business</a:t>
+            </a:r>
+          </a:p>
+          <a:p>
+            <a:r>
+              <a:rPr lang="en-US" dirty="0"/>
+              <a:t>Can switch to event sourcing if cost efficient</a:t>
+            </a:r>
+          </a:p>
+          <a:p>
+            <a:pPr lvl="1"/>
+            <a:r>
+              <a:rPr lang="en-US" dirty="0"/>
+              <a:t>Replace 3nf DB altogether and load aggregates from events</a:t>
+            </a:r>
+          </a:p>
+        </p:txBody>
+      </p:sp>
+    </p:spTree>
+    <p:extLst>
+      <p:ext uri="{BB962C8B-B14F-4D97-AF65-F5344CB8AC3E}">
+        <p14:creationId xmlns:p14="http://schemas.microsoft.com/office/powerpoint/2010/main" val="1411249776"/>
+      </p:ext>
+    </p:extLst>
+  </p:cSld>
+  <p:clrMapOvr>
+    <a:masterClrMapping/>
+  </p:clrMapOvr>
+  <mc:AlternateContent xmlns:mc="http://schemas.openxmlformats.org/markup-compatibility/2006" xmlns:p14="http://schemas.microsoft.com/office/powerpoint/2010/main">
+    <mc:Choice Requires="p14">
+      <p:transition spd="slow" p14:dur="2000"/>
+    </mc:Choice>
+    <mc:Fallback xmlns="">
+      <p:transition spd="slow"/>
+    </mc:Fallback>
+  </mc:AlternateContent>
+  <p:timing>
+    <p:tnLst>
+      <p:par>
+        <p:cTn id="1" dur="indefinite" restart="never" nodeType="tmRoot"/>
+      </p:par>
+    </p:tnLst>
+  </p:timing>
+</p:sld>
+</file>
+
+<file path=ppt/slides/slide21.xml><?xml version="1.0" encoding="utf-8"?>
 <p:sld xmlns:a="http://schemas.openxmlformats.org/drawingml/2006/main" xmlns:r="http://schemas.openxmlformats.org/officeDocument/2006/relationships" xmlns:p="http://schemas.openxmlformats.org/presentationml/2006/main">
   <p:cSld>
     <p:spTree>
@@ -12008,7 +12951,7 @@
 </p:sld>
 </file>
 
-<file path=ppt/slides/slide21.xml><?xml version="1.0" encoding="utf-8"?>
+<file path=ppt/slides/slide22.xml><?xml version="1.0" encoding="utf-8"?>
 <p:sld xmlns:a="http://schemas.openxmlformats.org/drawingml/2006/main" xmlns:r="http://schemas.openxmlformats.org/officeDocument/2006/relationships" xmlns:p="http://schemas.openxmlformats.org/presentationml/2006/main">
   <p:cSld>
     <p:spTree>
@@ -12086,7 +13029,7 @@
 </p:sld>
 </file>
 
-<file path=ppt/slides/slide22.xml><?xml version="1.0" encoding="utf-8"?>
+<file path=ppt/slides/slide23.xml><?xml version="1.0" encoding="utf-8"?>
 <p:sld xmlns:a="http://schemas.openxmlformats.org/drawingml/2006/main" xmlns:r="http://schemas.openxmlformats.org/officeDocument/2006/relationships" xmlns:p="http://schemas.openxmlformats.org/presentationml/2006/main">
   <p:cSld>
     <p:spTree>
@@ -12155,7 +13098,7 @@
 </p:sld>
 </file>
 
-<file path=ppt/slides/slide23.xml><?xml version="1.0" encoding="utf-8"?>
+<file path=ppt/slides/slide24.xml><?xml version="1.0" encoding="utf-8"?>
 <p:sld xmlns:a="http://schemas.openxmlformats.org/drawingml/2006/main" xmlns:r="http://schemas.openxmlformats.org/officeDocument/2006/relationships" xmlns:p="http://schemas.openxmlformats.org/presentationml/2006/main">
   <p:cSld>
     <p:spTree>
@@ -12196,52 +13139,6 @@
           </a:graphicData>
         </a:graphic>
       </p:graphicFrame>
-      <p:sp>
-        <p:nvSpPr>
-          <p:cNvPr id="4" name="TextBox 3"/>
-          <p:cNvSpPr txBox="1"/>
-          <p:nvPr/>
-        </p:nvSpPr>
-        <p:spPr>
-          <a:xfrm>
-            <a:off x="0" y="0"/>
-            <a:ext cx="762000" cy="369332"/>
-          </a:xfrm>
-          <a:prstGeom prst="rect">
-            <a:avLst/>
-          </a:prstGeom>
-          <a:noFill/>
-        </p:spPr>
-        <p:txBody>
-          <a:bodyPr wrap="square" rtlCol="0">
-            <a:spAutoFit/>
-          </a:bodyPr>
-          <a:lstStyle/>
-          <a:p>
-            <a:r>
-              <a:rPr lang="en-US" dirty="0" smtClean="0">
-                <a:solidFill>
-                  <a:schemeClr val="accent1">
-                    <a:lumMod val="60000"/>
-                    <a:lumOff val="40000"/>
-                  </a:schemeClr>
-                </a:solidFill>
-                <a:latin typeface="Berlin Sans FB" pitchFamily="34" charset="0"/>
-              </a:rPr>
-              <a:t>demo</a:t>
-            </a:r>
-            <a:endParaRPr lang="en-US" dirty="0">
-              <a:solidFill>
-                <a:schemeClr val="accent1">
-                  <a:lumMod val="60000"/>
-                  <a:lumOff val="40000"/>
-                </a:schemeClr>
-              </a:solidFill>
-              <a:latin typeface="Berlin Sans FB" pitchFamily="34" charset="0"/>
-            </a:endParaRPr>
-          </a:p>
-        </p:txBody>
-      </p:sp>
     </p:spTree>
     <p:extLst>
       <p:ext uri="{BB962C8B-B14F-4D97-AF65-F5344CB8AC3E}">
@@ -12258,115 +13155,6 @@
     </mc:Choice>
     <mc:Fallback xmlns="">
       <p:transition/>
-    </mc:Fallback>
-  </mc:AlternateContent>
-  <p:timing>
-    <p:tnLst>
-      <p:par>
-        <p:cTn id="1" dur="indefinite" restart="never" nodeType="tmRoot"/>
-      </p:par>
-    </p:tnLst>
-  </p:timing>
-</p:sld>
-</file>
-
-<file path=ppt/slides/slide24.xml><?xml version="1.0" encoding="utf-8"?>
-<p:sld xmlns:a="http://schemas.openxmlformats.org/drawingml/2006/main" xmlns:r="http://schemas.openxmlformats.org/officeDocument/2006/relationships" xmlns:p="http://schemas.openxmlformats.org/presentationml/2006/main">
-  <p:cSld>
-    <p:spTree>
-      <p:nvGrpSpPr>
-        <p:cNvPr id="1" name=""/>
-        <p:cNvGrpSpPr/>
-        <p:nvPr/>
-      </p:nvGrpSpPr>
-      <p:grpSpPr>
-        <a:xfrm>
-          <a:off x="0" y="0"/>
-          <a:ext cx="0" cy="0"/>
-          <a:chOff x="0" y="0"/>
-          <a:chExt cx="0" cy="0"/>
-        </a:xfrm>
-      </p:grpSpPr>
-      <p:sp>
-        <p:nvSpPr>
-          <p:cNvPr id="3" name="Title 2"/>
-          <p:cNvSpPr>
-            <a:spLocks noGrp="1"/>
-          </p:cNvSpPr>
-          <p:nvPr>
-            <p:ph type="title"/>
-          </p:nvPr>
-        </p:nvSpPr>
-        <p:spPr/>
-        <p:txBody>
-          <a:bodyPr/>
-          <a:lstStyle/>
-          <a:p>
-            <a:r>
-              <a:rPr lang="en-US" dirty="0" smtClean="0"/>
-              <a:t>Anti-Patterns:</a:t>
-            </a:r>
-            <a:endParaRPr lang="en-US" dirty="0"/>
-          </a:p>
-        </p:txBody>
-      </p:sp>
-      <p:sp>
-        <p:nvSpPr>
-          <p:cNvPr id="2" name="Content Placeholder 1"/>
-          <p:cNvSpPr>
-            <a:spLocks noGrp="1"/>
-          </p:cNvSpPr>
-          <p:nvPr>
-            <p:ph idx="1"/>
-          </p:nvPr>
-        </p:nvSpPr>
-        <p:spPr/>
-        <p:txBody>
-          <a:bodyPr/>
-          <a:lstStyle/>
-          <a:p>
-            <a:r>
-              <a:rPr lang="en-US" dirty="0" smtClean="0"/>
-              <a:t>Events in present tense</a:t>
-            </a:r>
-          </a:p>
-          <a:p>
-            <a:pPr lvl="1"/>
-            <a:r>
-              <a:rPr lang="en-US" dirty="0" err="1" smtClean="0"/>
-              <a:t>MoveCustomer</a:t>
-            </a:r>
-            <a:endParaRPr lang="en-US" dirty="0" smtClean="0"/>
-          </a:p>
-          <a:p>
-            <a:r>
-              <a:rPr lang="en-US" dirty="0" smtClean="0"/>
-              <a:t>Events have already happened you cannot </a:t>
-            </a:r>
-            <a:r>
-              <a:rPr lang="en-US" smtClean="0"/>
-              <a:t>change them</a:t>
-            </a:r>
-            <a:endParaRPr lang="en-US" dirty="0" smtClean="0"/>
-          </a:p>
-        </p:txBody>
-      </p:sp>
-    </p:spTree>
-    <p:extLst>
-      <p:ext uri="{BB962C8B-B14F-4D97-AF65-F5344CB8AC3E}">
-        <p14:creationId xmlns:p14="http://schemas.microsoft.com/office/powerpoint/2010/main" val="1882474965"/>
-      </p:ext>
-    </p:extLst>
-  </p:cSld>
-  <p:clrMapOvr>
-    <a:masterClrMapping/>
-  </p:clrMapOvr>
-  <mc:AlternateContent xmlns:mc="http://schemas.openxmlformats.org/markup-compatibility/2006" xmlns:p14="http://schemas.microsoft.com/office/powerpoint/2010/main">
-    <mc:Choice Requires="p14">
-      <p:transition spd="slow" p14:dur="2000"/>
-    </mc:Choice>
-    <mc:Fallback xmlns="">
-      <p:transition spd="slow"/>
     </mc:Fallback>
   </mc:AlternateContent>
   <p:timing>
@@ -12406,29 +13194,22 @@
             <p:ph type="title"/>
           </p:nvPr>
         </p:nvSpPr>
-        <p:spPr>
-          <a:xfrm>
-            <a:off x="2686050" y="1752600"/>
-            <a:ext cx="3771900" cy="1981200"/>
-          </a:xfrm>
-        </p:spPr>
+        <p:spPr/>
         <p:txBody>
-          <a:bodyPr>
-            <a:noAutofit/>
-          </a:bodyPr>
+          <a:bodyPr/>
           <a:lstStyle/>
           <a:p>
             <a:r>
-              <a:rPr lang="en-US" sz="11500" dirty="0" smtClean="0"/>
-              <a:t>Q &amp; A</a:t>
-            </a:r>
-            <a:endParaRPr lang="en-US" sz="11500" dirty="0"/>
+              <a:rPr lang="en-US" dirty="0" smtClean="0"/>
+              <a:t>Anti-Patterns:</a:t>
+            </a:r>
+            <a:endParaRPr lang="en-US" dirty="0"/>
           </a:p>
         </p:txBody>
       </p:sp>
       <p:sp>
         <p:nvSpPr>
-          <p:cNvPr id="4" name="Content Placeholder 3"/>
+          <p:cNvPr id="2" name="Content Placeholder 1"/>
           <p:cNvSpPr>
             <a:spLocks noGrp="1"/>
           </p:cNvSpPr>
@@ -12436,33 +13217,41 @@
             <p:ph idx="1"/>
           </p:nvPr>
         </p:nvSpPr>
-        <p:spPr>
-          <a:xfrm>
-            <a:off x="2095500" y="3962400"/>
-            <a:ext cx="4953000" cy="1295400"/>
-          </a:xfrm>
-        </p:spPr>
+        <p:spPr/>
         <p:txBody>
-          <a:bodyPr>
-            <a:noAutofit/>
-          </a:bodyPr>
+          <a:bodyPr/>
           <a:lstStyle/>
           <a:p>
-            <a:pPr marL="0" indent="0">
-              <a:buNone/>
-            </a:pPr>
-            <a:r>
-              <a:rPr lang="en-US" sz="3600" dirty="0" smtClean="0"/>
-              <a:t>Who’s got a question?</a:t>
-            </a:r>
-            <a:endParaRPr lang="en-US" sz="3600" dirty="0"/>
+            <a:r>
+              <a:rPr lang="en-US" dirty="0" smtClean="0"/>
+              <a:t>Events in present tense</a:t>
+            </a:r>
+          </a:p>
+          <a:p>
+            <a:pPr lvl="1"/>
+            <a:r>
+              <a:rPr lang="en-US" dirty="0" err="1" smtClean="0"/>
+              <a:t>MoveCustomer</a:t>
+            </a:r>
+            <a:endParaRPr lang="en-US" dirty="0" smtClean="0"/>
+          </a:p>
+          <a:p>
+            <a:r>
+              <a:rPr lang="en-US" dirty="0" smtClean="0"/>
+              <a:t>Events have already happened you cannot </a:t>
+            </a:r>
+            <a:r>
+              <a:rPr lang="en-US" smtClean="0"/>
+              <a:t>change them</a:t>
+            </a:r>
+            <a:endParaRPr lang="en-US" dirty="0" smtClean="0"/>
           </a:p>
         </p:txBody>
       </p:sp>
     </p:spTree>
     <p:extLst>
       <p:ext uri="{BB962C8B-B14F-4D97-AF65-F5344CB8AC3E}">
-        <p14:creationId xmlns:p14="http://schemas.microsoft.com/office/powerpoint/2010/main" val="3889019984"/>
+        <p14:creationId xmlns:p14="http://schemas.microsoft.com/office/powerpoint/2010/main" val="1882474965"/>
       </p:ext>
     </p:extLst>
   </p:cSld>
@@ -12514,6 +13303,114 @@
             <p:ph type="title"/>
           </p:nvPr>
         </p:nvSpPr>
+        <p:spPr>
+          <a:xfrm>
+            <a:off x="2686050" y="1752600"/>
+            <a:ext cx="3771900" cy="1981200"/>
+          </a:xfrm>
+        </p:spPr>
+        <p:txBody>
+          <a:bodyPr>
+            <a:noAutofit/>
+          </a:bodyPr>
+          <a:lstStyle/>
+          <a:p>
+            <a:r>
+              <a:rPr lang="en-US" sz="11500" dirty="0" smtClean="0"/>
+              <a:t>Q &amp; A</a:t>
+            </a:r>
+            <a:endParaRPr lang="en-US" sz="11500" dirty="0"/>
+          </a:p>
+        </p:txBody>
+      </p:sp>
+      <p:sp>
+        <p:nvSpPr>
+          <p:cNvPr id="4" name="Content Placeholder 3"/>
+          <p:cNvSpPr>
+            <a:spLocks noGrp="1"/>
+          </p:cNvSpPr>
+          <p:nvPr>
+            <p:ph idx="1"/>
+          </p:nvPr>
+        </p:nvSpPr>
+        <p:spPr>
+          <a:xfrm>
+            <a:off x="2095500" y="3962400"/>
+            <a:ext cx="4953000" cy="1295400"/>
+          </a:xfrm>
+        </p:spPr>
+        <p:txBody>
+          <a:bodyPr>
+            <a:noAutofit/>
+          </a:bodyPr>
+          <a:lstStyle/>
+          <a:p>
+            <a:pPr marL="0" indent="0">
+              <a:buNone/>
+            </a:pPr>
+            <a:r>
+              <a:rPr lang="en-US" sz="3600" dirty="0" smtClean="0"/>
+              <a:t>Who’s got a question?</a:t>
+            </a:r>
+            <a:endParaRPr lang="en-US" sz="3600" dirty="0"/>
+          </a:p>
+        </p:txBody>
+      </p:sp>
+    </p:spTree>
+    <p:extLst>
+      <p:ext uri="{BB962C8B-B14F-4D97-AF65-F5344CB8AC3E}">
+        <p14:creationId xmlns:p14="http://schemas.microsoft.com/office/powerpoint/2010/main" val="3889019984"/>
+      </p:ext>
+    </p:extLst>
+  </p:cSld>
+  <p:clrMapOvr>
+    <a:masterClrMapping/>
+  </p:clrMapOvr>
+  <mc:AlternateContent xmlns:mc="http://schemas.openxmlformats.org/markup-compatibility/2006" xmlns:p14="http://schemas.microsoft.com/office/powerpoint/2010/main">
+    <mc:Choice Requires="p14">
+      <p:transition spd="slow" p14:dur="2000"/>
+    </mc:Choice>
+    <mc:Fallback xmlns="">
+      <p:transition spd="slow"/>
+    </mc:Fallback>
+  </mc:AlternateContent>
+  <p:timing>
+    <p:tnLst>
+      <p:par>
+        <p:cTn id="1" dur="indefinite" restart="never" nodeType="tmRoot"/>
+      </p:par>
+    </p:tnLst>
+  </p:timing>
+</p:sld>
+</file>
+
+<file path=ppt/slides/slide27.xml><?xml version="1.0" encoding="utf-8"?>
+<p:sld xmlns:a="http://schemas.openxmlformats.org/drawingml/2006/main" xmlns:r="http://schemas.openxmlformats.org/officeDocument/2006/relationships" xmlns:p="http://schemas.openxmlformats.org/presentationml/2006/main">
+  <p:cSld>
+    <p:spTree>
+      <p:nvGrpSpPr>
+        <p:cNvPr id="1" name=""/>
+        <p:cNvGrpSpPr/>
+        <p:nvPr/>
+      </p:nvGrpSpPr>
+      <p:grpSpPr>
+        <a:xfrm>
+          <a:off x="0" y="0"/>
+          <a:ext cx="0" cy="0"/>
+          <a:chOff x="0" y="0"/>
+          <a:chExt cx="0" cy="0"/>
+        </a:xfrm>
+      </p:grpSpPr>
+      <p:sp>
+        <p:nvSpPr>
+          <p:cNvPr id="3" name="Title 2"/>
+          <p:cNvSpPr>
+            <a:spLocks noGrp="1"/>
+          </p:cNvSpPr>
+          <p:nvPr>
+            <p:ph type="title"/>
+          </p:nvPr>
+        </p:nvSpPr>
         <p:spPr/>
         <p:txBody>
           <a:bodyPr/>
@@ -12611,7 +13508,7 @@
 </p:sld>
 </file>
 
-<file path=ppt/slides/slide27.xml><?xml version="1.0" encoding="utf-8"?>
+<file path=ppt/slides/slide28.xml><?xml version="1.0" encoding="utf-8"?>
 <p:sld xmlns:a="http://schemas.openxmlformats.org/drawingml/2006/main" xmlns:r="http://schemas.openxmlformats.org/officeDocument/2006/relationships" xmlns:p="http://schemas.openxmlformats.org/presentationml/2006/main">
   <p:cSld>
     <p:spTree>
@@ -12706,6 +13603,89 @@
           <a:chExt cx="0" cy="0"/>
         </a:xfrm>
       </p:grpSpPr>
+      <p:sp>
+        <p:nvSpPr>
+          <p:cNvPr id="2" name="Title 1"/>
+          <p:cNvSpPr>
+            <a:spLocks noGrp="1"/>
+          </p:cNvSpPr>
+          <p:nvPr>
+            <p:ph type="title"/>
+          </p:nvPr>
+        </p:nvSpPr>
+        <p:spPr>
+          <a:xfrm>
+            <a:off x="1524000" y="2857500"/>
+            <a:ext cx="6096000" cy="1143000"/>
+          </a:xfrm>
+        </p:spPr>
+        <p:txBody>
+          <a:bodyPr>
+            <a:normAutofit/>
+          </a:bodyPr>
+          <a:lstStyle/>
+          <a:p>
+            <a:r>
+              <a:rPr lang="en-US" sz="7200" dirty="0" smtClean="0"/>
+              <a:t>Why ‘</a:t>
+            </a:r>
+            <a:r>
+              <a:rPr lang="en-US" sz="7200" dirty="0" err="1" smtClean="0"/>
+              <a:t>Yo</a:t>
+            </a:r>
+            <a:r>
+              <a:rPr lang="en-US" sz="7200" dirty="0" smtClean="0"/>
+              <a:t> </a:t>
+            </a:r>
+            <a:r>
+              <a:rPr lang="en-US" sz="7200" dirty="0" err="1" smtClean="0"/>
+              <a:t>Dawg</a:t>
+            </a:r>
+            <a:r>
+              <a:rPr lang="en-US" sz="7200" dirty="0" smtClean="0"/>
+              <a:t>’?</a:t>
+            </a:r>
+            <a:endParaRPr lang="en-US" sz="7200" dirty="0"/>
+          </a:p>
+        </p:txBody>
+      </p:sp>
+    </p:spTree>
+    <p:extLst>
+      <p:ext uri="{BB962C8B-B14F-4D97-AF65-F5344CB8AC3E}">
+        <p14:creationId xmlns:p14="http://schemas.microsoft.com/office/powerpoint/2010/main" val="1727371608"/>
+      </p:ext>
+    </p:extLst>
+  </p:cSld>
+  <p:clrMapOvr>
+    <a:masterClrMapping/>
+  </p:clrMapOvr>
+  <p:timing>
+    <p:tnLst>
+      <p:par>
+        <p:cTn id="1" dur="indefinite" restart="never" nodeType="tmRoot"/>
+      </p:par>
+    </p:tnLst>
+  </p:timing>
+</p:sld>
+</file>
+
+<file path=ppt/slides/slide4.xml><?xml version="1.0" encoding="utf-8"?>
+<p:sld xmlns:a="http://schemas.openxmlformats.org/drawingml/2006/main" xmlns:r="http://schemas.openxmlformats.org/officeDocument/2006/relationships" xmlns:p="http://schemas.openxmlformats.org/presentationml/2006/main">
+  <p:cSld>
+    <p:spTree>
+      <p:nvGrpSpPr>
+        <p:cNvPr id="1" name=""/>
+        <p:cNvGrpSpPr/>
+        <p:nvPr/>
+      </p:nvGrpSpPr>
+      <p:grpSpPr>
+        <a:xfrm>
+          <a:off x="0" y="0"/>
+          <a:ext cx="0" cy="0"/>
+          <a:chOff x="0" y="0"/>
+          <a:chExt cx="0" cy="0"/>
+        </a:xfrm>
+      </p:grpSpPr>
       <p:pic>
         <p:nvPicPr>
           <p:cNvPr id="1036" name="Picture 12" descr="C:\Users\hansenr\Desktop\crashwhileucrash-480x360.jpg"/>
@@ -12767,7 +13747,7 @@
 </p:sld>
 </file>
 
-<file path=ppt/slides/slide4.xml><?xml version="1.0" encoding="utf-8"?>
+<file path=ppt/slides/slide5.xml><?xml version="1.0" encoding="utf-8"?>
 <p:sld xmlns:a="http://schemas.openxmlformats.org/drawingml/2006/main" xmlns:r="http://schemas.openxmlformats.org/officeDocument/2006/relationships" xmlns:p="http://schemas.openxmlformats.org/presentationml/2006/main">
   <p:cSld>
     <p:spTree>
@@ -12845,7 +13825,7 @@
 </p:sld>
 </file>
 
-<file path=ppt/slides/slide5.xml><?xml version="1.0" encoding="utf-8"?>
+<file path=ppt/slides/slide6.xml><?xml version="1.0" encoding="utf-8"?>
 <p:sld xmlns:a="http://schemas.openxmlformats.org/drawingml/2006/main" xmlns:r="http://schemas.openxmlformats.org/officeDocument/2006/relationships" xmlns:p="http://schemas.openxmlformats.org/presentationml/2006/main">
   <p:cSld>
     <p:spTree>
@@ -13234,7 +14214,7 @@
 </p:sld>
 </file>
 
-<file path=ppt/slides/slide6.xml><?xml version="1.0" encoding="utf-8"?>
+<file path=ppt/slides/slide7.xml><?xml version="1.0" encoding="utf-8"?>
 <p:sld xmlns:a="http://schemas.openxmlformats.org/drawingml/2006/main" xmlns:r="http://schemas.openxmlformats.org/officeDocument/2006/relationships" xmlns:p="http://schemas.openxmlformats.org/presentationml/2006/main">
   <p:cSld>
     <p:spTree>
@@ -13862,7 +14842,7 @@
 </p:sld>
 </file>
 
-<file path=ppt/slides/slide7.xml><?xml version="1.0" encoding="utf-8"?>
+<file path=ppt/slides/slide8.xml><?xml version="1.0" encoding="utf-8"?>
 <p:sld xmlns:a="http://schemas.openxmlformats.org/drawingml/2006/main" xmlns:r="http://schemas.openxmlformats.org/officeDocument/2006/relationships" xmlns:p="http://schemas.openxmlformats.org/presentationml/2006/main">
   <p:cSld>
     <p:spTree>
@@ -13940,7 +14920,7 @@
 </p:sld>
 </file>
 
-<file path=ppt/slides/slide8.xml><?xml version="1.0" encoding="utf-8"?>
+<file path=ppt/slides/slide9.xml><?xml version="1.0" encoding="utf-8"?>
 <p:sld xmlns:a="http://schemas.openxmlformats.org/drawingml/2006/main" xmlns:r="http://schemas.openxmlformats.org/officeDocument/2006/relationships" xmlns:p="http://schemas.openxmlformats.org/presentationml/2006/main">
   <p:cSld>
     <p:spTree>
@@ -14025,856 +15005,6 @@
     <p:extLst>
       <p:ext uri="{BB962C8B-B14F-4D97-AF65-F5344CB8AC3E}">
         <p14:creationId xmlns:p14="http://schemas.microsoft.com/office/powerpoint/2010/main" val="2532130263"/>
-      </p:ext>
-    </p:extLst>
-  </p:cSld>
-  <p:clrMapOvr>
-    <a:masterClrMapping/>
-  </p:clrMapOvr>
-  <mc:AlternateContent xmlns:mc="http://schemas.openxmlformats.org/markup-compatibility/2006" xmlns:p14="http://schemas.microsoft.com/office/powerpoint/2010/main">
-    <mc:Choice Requires="p14">
-      <p:transition spd="slow" p14:dur="2000"/>
-    </mc:Choice>
-    <mc:Fallback xmlns="">
-      <p:transition spd="slow"/>
-    </mc:Fallback>
-  </mc:AlternateContent>
-  <p:timing>
-    <p:tnLst>
-      <p:par>
-        <p:cTn id="1" dur="indefinite" restart="never" nodeType="tmRoot"/>
-      </p:par>
-    </p:tnLst>
-  </p:timing>
-</p:sld>
-</file>
-
-<file path=ppt/slides/slide9.xml><?xml version="1.0" encoding="utf-8"?>
-<p:sld xmlns:a="http://schemas.openxmlformats.org/drawingml/2006/main" xmlns:r="http://schemas.openxmlformats.org/officeDocument/2006/relationships" xmlns:p="http://schemas.openxmlformats.org/presentationml/2006/main">
-  <p:cSld>
-    <p:spTree>
-      <p:nvGrpSpPr>
-        <p:cNvPr id="1" name=""/>
-        <p:cNvGrpSpPr/>
-        <p:nvPr/>
-      </p:nvGrpSpPr>
-      <p:grpSpPr>
-        <a:xfrm>
-          <a:off x="0" y="0"/>
-          <a:ext cx="0" cy="0"/>
-          <a:chOff x="0" y="0"/>
-          <a:chExt cx="0" cy="0"/>
-        </a:xfrm>
-      </p:grpSpPr>
-      <p:sp>
-        <p:nvSpPr>
-          <p:cNvPr id="2" name="Flowchart: Magnetic Disk 1"/>
-          <p:cNvSpPr/>
-          <p:nvPr/>
-        </p:nvSpPr>
-        <p:spPr>
-          <a:xfrm>
-            <a:off x="3429000" y="76200"/>
-            <a:ext cx="2362200" cy="1219200"/>
-          </a:xfrm>
-          <a:prstGeom prst="flowChartMagneticDisk">
-            <a:avLst/>
-          </a:prstGeom>
-        </p:spPr>
-        <p:style>
-          <a:lnRef idx="2">
-            <a:schemeClr val="accent1">
-              <a:shade val="50000"/>
-            </a:schemeClr>
-          </a:lnRef>
-          <a:fillRef idx="1">
-            <a:schemeClr val="accent1"/>
-          </a:fillRef>
-          <a:effectRef idx="0">
-            <a:schemeClr val="accent1"/>
-          </a:effectRef>
-          <a:fontRef idx="minor">
-            <a:schemeClr val="lt1"/>
-          </a:fontRef>
-        </p:style>
-        <p:txBody>
-          <a:bodyPr rtlCol="0" anchor="ctr"/>
-          <a:lstStyle/>
-          <a:p>
-            <a:pPr algn="ctr"/>
-            <a:r>
-              <a:rPr lang="en-US" dirty="0" smtClean="0"/>
-              <a:t>Data         Storage</a:t>
-            </a:r>
-            <a:endParaRPr lang="en-US" dirty="0"/>
-          </a:p>
-        </p:txBody>
-      </p:sp>
-      <p:sp>
-        <p:nvSpPr>
-          <p:cNvPr id="3" name="Rectangle 2"/>
-          <p:cNvSpPr/>
-          <p:nvPr/>
-        </p:nvSpPr>
-        <p:spPr>
-          <a:xfrm>
-            <a:off x="228600" y="1459832"/>
-            <a:ext cx="3505200" cy="990600"/>
-          </a:xfrm>
-          <a:prstGeom prst="rect">
-            <a:avLst/>
-          </a:prstGeom>
-          <a:noFill/>
-        </p:spPr>
-        <p:style>
-          <a:lnRef idx="2">
-            <a:schemeClr val="accent1">
-              <a:shade val="50000"/>
-            </a:schemeClr>
-          </a:lnRef>
-          <a:fillRef idx="1">
-            <a:schemeClr val="accent1"/>
-          </a:fillRef>
-          <a:effectRef idx="0">
-            <a:schemeClr val="accent1"/>
-          </a:effectRef>
-          <a:fontRef idx="minor">
-            <a:schemeClr val="lt1"/>
-          </a:fontRef>
-        </p:style>
-        <p:txBody>
-          <a:bodyPr rtlCol="0" anchor="ctr"/>
-          <a:lstStyle/>
-          <a:p>
-            <a:pPr algn="ctr"/>
-            <a:endParaRPr lang="en-US"/>
-          </a:p>
-        </p:txBody>
-      </p:sp>
-      <p:sp>
-        <p:nvSpPr>
-          <p:cNvPr id="4" name="Rectangle 3"/>
-          <p:cNvSpPr/>
-          <p:nvPr/>
-        </p:nvSpPr>
-        <p:spPr>
-          <a:xfrm>
-            <a:off x="228600" y="2526632"/>
-            <a:ext cx="3505200" cy="457200"/>
-          </a:xfrm>
-          <a:prstGeom prst="rect">
-            <a:avLst/>
-          </a:prstGeom>
-        </p:spPr>
-        <p:style>
-          <a:lnRef idx="2">
-            <a:schemeClr val="accent1">
-              <a:shade val="50000"/>
-            </a:schemeClr>
-          </a:lnRef>
-          <a:fillRef idx="1">
-            <a:schemeClr val="accent1"/>
-          </a:fillRef>
-          <a:effectRef idx="0">
-            <a:schemeClr val="accent1"/>
-          </a:effectRef>
-          <a:fontRef idx="minor">
-            <a:schemeClr val="lt1"/>
-          </a:fontRef>
-        </p:style>
-        <p:txBody>
-          <a:bodyPr rtlCol="0" anchor="ctr"/>
-          <a:lstStyle/>
-          <a:p>
-            <a:pPr algn="ctr"/>
-            <a:r>
-              <a:rPr lang="en-US" dirty="0" smtClean="0"/>
-              <a:t>Application Services</a:t>
-            </a:r>
-            <a:endParaRPr lang="en-US" dirty="0"/>
-          </a:p>
-        </p:txBody>
-      </p:sp>
-      <p:sp>
-        <p:nvSpPr>
-          <p:cNvPr id="5" name="Rectangle 4"/>
-          <p:cNvSpPr/>
-          <p:nvPr/>
-        </p:nvSpPr>
-        <p:spPr>
-          <a:xfrm>
-            <a:off x="685800" y="1536032"/>
-            <a:ext cx="1143000" cy="762000"/>
-          </a:xfrm>
-          <a:prstGeom prst="rect">
-            <a:avLst/>
-          </a:prstGeom>
-        </p:spPr>
-        <p:style>
-          <a:lnRef idx="2">
-            <a:schemeClr val="accent1">
-              <a:shade val="50000"/>
-            </a:schemeClr>
-          </a:lnRef>
-          <a:fillRef idx="1">
-            <a:schemeClr val="accent1"/>
-          </a:fillRef>
-          <a:effectRef idx="0">
-            <a:schemeClr val="accent1"/>
-          </a:effectRef>
-          <a:fontRef idx="minor">
-            <a:schemeClr val="lt1"/>
-          </a:fontRef>
-        </p:style>
-        <p:txBody>
-          <a:bodyPr rtlCol="0" anchor="ctr"/>
-          <a:lstStyle/>
-          <a:p>
-            <a:pPr algn="ctr"/>
-            <a:r>
-              <a:rPr lang="en-US" dirty="0" smtClean="0"/>
-              <a:t>Domain Object</a:t>
-            </a:r>
-            <a:endParaRPr lang="en-US" dirty="0"/>
-          </a:p>
-        </p:txBody>
-      </p:sp>
-      <p:sp>
-        <p:nvSpPr>
-          <p:cNvPr id="6" name="Cloud 5"/>
-          <p:cNvSpPr/>
-          <p:nvPr/>
-        </p:nvSpPr>
-        <p:spPr>
-          <a:xfrm>
-            <a:off x="152400" y="3593432"/>
-            <a:ext cx="3733800" cy="1447800"/>
-          </a:xfrm>
-          <a:prstGeom prst="cloud">
-            <a:avLst/>
-          </a:prstGeom>
-        </p:spPr>
-        <p:style>
-          <a:lnRef idx="2">
-            <a:schemeClr val="accent1">
-              <a:shade val="50000"/>
-            </a:schemeClr>
-          </a:lnRef>
-          <a:fillRef idx="1">
-            <a:schemeClr val="accent1"/>
-          </a:fillRef>
-          <a:effectRef idx="0">
-            <a:schemeClr val="accent1"/>
-          </a:effectRef>
-          <a:fontRef idx="minor">
-            <a:schemeClr val="lt1"/>
-          </a:fontRef>
-        </p:style>
-        <p:txBody>
-          <a:bodyPr rtlCol="0" anchor="ctr"/>
-          <a:lstStyle/>
-          <a:p>
-            <a:pPr algn="ctr"/>
-            <a:endParaRPr lang="en-US"/>
-          </a:p>
-        </p:txBody>
-      </p:sp>
-      <p:sp>
-        <p:nvSpPr>
-          <p:cNvPr id="7" name="Rectangle 6"/>
-          <p:cNvSpPr/>
-          <p:nvPr/>
-        </p:nvSpPr>
-        <p:spPr>
-          <a:xfrm>
-            <a:off x="228600" y="3060032"/>
-            <a:ext cx="3505200" cy="457200"/>
-          </a:xfrm>
-          <a:prstGeom prst="rect">
-            <a:avLst/>
-          </a:prstGeom>
-        </p:spPr>
-        <p:style>
-          <a:lnRef idx="2">
-            <a:schemeClr val="accent1">
-              <a:shade val="50000"/>
-            </a:schemeClr>
-          </a:lnRef>
-          <a:fillRef idx="1">
-            <a:schemeClr val="accent1"/>
-          </a:fillRef>
-          <a:effectRef idx="0">
-            <a:schemeClr val="accent1"/>
-          </a:effectRef>
-          <a:fontRef idx="minor">
-            <a:schemeClr val="lt1"/>
-          </a:fontRef>
-        </p:style>
-        <p:txBody>
-          <a:bodyPr rtlCol="0" anchor="ctr"/>
-          <a:lstStyle/>
-          <a:p>
-            <a:pPr algn="ctr"/>
-            <a:r>
-              <a:rPr lang="en-US" dirty="0" smtClean="0"/>
-              <a:t>Remote Facade</a:t>
-            </a:r>
-            <a:endParaRPr lang="en-US" dirty="0"/>
-          </a:p>
-        </p:txBody>
-      </p:sp>
-      <p:sp>
-        <p:nvSpPr>
-          <p:cNvPr id="8" name="Rectangle 7"/>
-          <p:cNvSpPr/>
-          <p:nvPr/>
-        </p:nvSpPr>
-        <p:spPr>
-          <a:xfrm>
-            <a:off x="2057400" y="1536032"/>
-            <a:ext cx="1143000" cy="762000"/>
-          </a:xfrm>
-          <a:prstGeom prst="rect">
-            <a:avLst/>
-          </a:prstGeom>
-        </p:spPr>
-        <p:style>
-          <a:lnRef idx="2">
-            <a:schemeClr val="accent1">
-              <a:shade val="50000"/>
-            </a:schemeClr>
-          </a:lnRef>
-          <a:fillRef idx="1">
-            <a:schemeClr val="accent1"/>
-          </a:fillRef>
-          <a:effectRef idx="0">
-            <a:schemeClr val="accent1"/>
-          </a:effectRef>
-          <a:fontRef idx="minor">
-            <a:schemeClr val="lt1"/>
-          </a:fontRef>
-        </p:style>
-        <p:txBody>
-          <a:bodyPr rtlCol="0" anchor="ctr"/>
-          <a:lstStyle/>
-          <a:p>
-            <a:pPr algn="ctr"/>
-            <a:r>
-              <a:rPr lang="en-US" dirty="0" smtClean="0"/>
-              <a:t>Domain Object</a:t>
-            </a:r>
-            <a:endParaRPr lang="en-US" dirty="0"/>
-          </a:p>
-        </p:txBody>
-      </p:sp>
-      <p:sp>
-        <p:nvSpPr>
-          <p:cNvPr id="9" name="Rectangle 8"/>
-          <p:cNvSpPr/>
-          <p:nvPr/>
-        </p:nvSpPr>
-        <p:spPr>
-          <a:xfrm>
-            <a:off x="1219200" y="6256420"/>
-            <a:ext cx="6553200" cy="449180"/>
-          </a:xfrm>
-          <a:prstGeom prst="rect">
-            <a:avLst/>
-          </a:prstGeom>
-        </p:spPr>
-        <p:style>
-          <a:lnRef idx="2">
-            <a:schemeClr val="accent1">
-              <a:shade val="50000"/>
-            </a:schemeClr>
-          </a:lnRef>
-          <a:fillRef idx="1">
-            <a:schemeClr val="accent1"/>
-          </a:fillRef>
-          <a:effectRef idx="0">
-            <a:schemeClr val="accent1"/>
-          </a:effectRef>
-          <a:fontRef idx="minor">
-            <a:schemeClr val="lt1"/>
-          </a:fontRef>
-        </p:style>
-        <p:txBody>
-          <a:bodyPr rtlCol="0" anchor="ctr"/>
-          <a:lstStyle/>
-          <a:p>
-            <a:pPr lvl="3"/>
-            <a:r>
-              <a:rPr lang="en-US" dirty="0" smtClean="0"/>
-              <a:t>Client        			</a:t>
-            </a:r>
-            <a:r>
-              <a:rPr lang="en-US" dirty="0" err="1" smtClean="0"/>
-              <a:t>Client</a:t>
-            </a:r>
-            <a:endParaRPr lang="en-US" dirty="0"/>
-          </a:p>
-        </p:txBody>
-      </p:sp>
-      <p:sp>
-        <p:nvSpPr>
-          <p:cNvPr id="10" name="Up-Down Arrow 9"/>
-          <p:cNvSpPr/>
-          <p:nvPr/>
-        </p:nvSpPr>
-        <p:spPr>
-          <a:xfrm>
-            <a:off x="2667000" y="5105400"/>
-            <a:ext cx="762000" cy="1066800"/>
-          </a:xfrm>
-          <a:prstGeom prst="upDownArrow">
-            <a:avLst/>
-          </a:prstGeom>
-        </p:spPr>
-        <p:style>
-          <a:lnRef idx="2">
-            <a:schemeClr val="accent1">
-              <a:shade val="50000"/>
-            </a:schemeClr>
-          </a:lnRef>
-          <a:fillRef idx="1">
-            <a:schemeClr val="accent1"/>
-          </a:fillRef>
-          <a:effectRef idx="0">
-            <a:schemeClr val="accent1"/>
-          </a:effectRef>
-          <a:fontRef idx="minor">
-            <a:schemeClr val="lt1"/>
-          </a:fontRef>
-        </p:style>
-        <p:txBody>
-          <a:bodyPr rtlCol="0" anchor="ctr"/>
-          <a:lstStyle/>
-          <a:p>
-            <a:pPr algn="ctr"/>
-            <a:endParaRPr lang="en-US"/>
-          </a:p>
-        </p:txBody>
-      </p:sp>
-      <p:sp>
-        <p:nvSpPr>
-          <p:cNvPr id="11" name="Line Callout 1 10"/>
-          <p:cNvSpPr/>
-          <p:nvPr/>
-        </p:nvSpPr>
-        <p:spPr>
-          <a:xfrm>
-            <a:off x="228600" y="5105400"/>
-            <a:ext cx="2209800" cy="990600"/>
-          </a:xfrm>
-          <a:prstGeom prst="borderCallout1">
-            <a:avLst>
-              <a:gd name="adj1" fmla="val -1230"/>
-              <a:gd name="adj2" fmla="val 100868"/>
-              <a:gd name="adj3" fmla="val 72883"/>
-              <a:gd name="adj4" fmla="val 117918"/>
-            </a:avLst>
-          </a:prstGeom>
-        </p:spPr>
-        <p:style>
-          <a:lnRef idx="2">
-            <a:schemeClr val="accent1">
-              <a:shade val="50000"/>
-            </a:schemeClr>
-          </a:lnRef>
-          <a:fillRef idx="1">
-            <a:schemeClr val="accent1"/>
-          </a:fillRef>
-          <a:effectRef idx="0">
-            <a:schemeClr val="accent1"/>
-          </a:effectRef>
-          <a:fontRef idx="minor">
-            <a:schemeClr val="lt1"/>
-          </a:fontRef>
-        </p:style>
-        <p:txBody>
-          <a:bodyPr rtlCol="0" anchor="ctr"/>
-          <a:lstStyle/>
-          <a:p>
-            <a:pPr algn="ctr"/>
-            <a:r>
-              <a:rPr lang="en-US" b="1" dirty="0" smtClean="0"/>
-              <a:t>Message Sent</a:t>
-            </a:r>
-          </a:p>
-          <a:p>
-            <a:pPr algn="ctr"/>
-            <a:r>
-              <a:rPr lang="en-US" b="1" dirty="0" err="1" smtClean="0"/>
-              <a:t>Ack</a:t>
-            </a:r>
-            <a:r>
-              <a:rPr lang="en-US" b="1" dirty="0" smtClean="0"/>
-              <a:t>/</a:t>
-            </a:r>
-            <a:r>
-              <a:rPr lang="en-US" b="1" dirty="0" err="1" smtClean="0"/>
-              <a:t>Nak</a:t>
-            </a:r>
-            <a:r>
-              <a:rPr lang="en-US" b="1" dirty="0" smtClean="0"/>
-              <a:t> Response</a:t>
-            </a:r>
-            <a:endParaRPr lang="en-US" b="1" dirty="0"/>
-          </a:p>
-        </p:txBody>
-      </p:sp>
-      <p:sp>
-        <p:nvSpPr>
-          <p:cNvPr id="13" name="Cloud 12"/>
-          <p:cNvSpPr/>
-          <p:nvPr/>
-        </p:nvSpPr>
-        <p:spPr>
-          <a:xfrm>
-            <a:off x="5257800" y="3505200"/>
-            <a:ext cx="3733800" cy="1447800"/>
-          </a:xfrm>
-          <a:prstGeom prst="cloud">
-            <a:avLst/>
-          </a:prstGeom>
-        </p:spPr>
-        <p:style>
-          <a:lnRef idx="2">
-            <a:schemeClr val="accent1">
-              <a:shade val="50000"/>
-            </a:schemeClr>
-          </a:lnRef>
-          <a:fillRef idx="1">
-            <a:schemeClr val="accent1"/>
-          </a:fillRef>
-          <a:effectRef idx="0">
-            <a:schemeClr val="accent1"/>
-          </a:effectRef>
-          <a:fontRef idx="minor">
-            <a:schemeClr val="lt1"/>
-          </a:fontRef>
-        </p:style>
-        <p:txBody>
-          <a:bodyPr rtlCol="0" anchor="ctr"/>
-          <a:lstStyle/>
-          <a:p>
-            <a:pPr algn="ctr"/>
-            <a:endParaRPr lang="en-US"/>
-          </a:p>
-        </p:txBody>
-      </p:sp>
-      <p:sp>
-        <p:nvSpPr>
-          <p:cNvPr id="14" name="Rectangle 13"/>
-          <p:cNvSpPr/>
-          <p:nvPr/>
-        </p:nvSpPr>
-        <p:spPr>
-          <a:xfrm>
-            <a:off x="5334000" y="2438400"/>
-            <a:ext cx="3505200" cy="457200"/>
-          </a:xfrm>
-          <a:prstGeom prst="rect">
-            <a:avLst/>
-          </a:prstGeom>
-        </p:spPr>
-        <p:style>
-          <a:lnRef idx="2">
-            <a:schemeClr val="accent1">
-              <a:shade val="50000"/>
-            </a:schemeClr>
-          </a:lnRef>
-          <a:fillRef idx="1">
-            <a:schemeClr val="accent1"/>
-          </a:fillRef>
-          <a:effectRef idx="0">
-            <a:schemeClr val="accent1"/>
-          </a:effectRef>
-          <a:fontRef idx="minor">
-            <a:schemeClr val="lt1"/>
-          </a:fontRef>
-        </p:style>
-        <p:txBody>
-          <a:bodyPr rtlCol="0" anchor="ctr"/>
-          <a:lstStyle/>
-          <a:p>
-            <a:pPr algn="ctr"/>
-            <a:r>
-              <a:rPr lang="en-US" dirty="0" smtClean="0"/>
-              <a:t>Thin Read Layer (Direct to DTO)</a:t>
-            </a:r>
-            <a:endParaRPr lang="en-US" dirty="0"/>
-          </a:p>
-        </p:txBody>
-      </p:sp>
-      <p:sp>
-        <p:nvSpPr>
-          <p:cNvPr id="15" name="Rectangle 14"/>
-          <p:cNvSpPr/>
-          <p:nvPr/>
-        </p:nvSpPr>
-        <p:spPr>
-          <a:xfrm>
-            <a:off x="5334000" y="2971800"/>
-            <a:ext cx="3505200" cy="457200"/>
-          </a:xfrm>
-          <a:prstGeom prst="rect">
-            <a:avLst/>
-          </a:prstGeom>
-        </p:spPr>
-        <p:style>
-          <a:lnRef idx="2">
-            <a:schemeClr val="accent1">
-              <a:shade val="50000"/>
-            </a:schemeClr>
-          </a:lnRef>
-          <a:fillRef idx="1">
-            <a:schemeClr val="accent1"/>
-          </a:fillRef>
-          <a:effectRef idx="0">
-            <a:schemeClr val="accent1"/>
-          </a:effectRef>
-          <a:fontRef idx="minor">
-            <a:schemeClr val="lt1"/>
-          </a:fontRef>
-        </p:style>
-        <p:txBody>
-          <a:bodyPr rtlCol="0" anchor="ctr"/>
-          <a:lstStyle/>
-          <a:p>
-            <a:pPr algn="ctr"/>
-            <a:r>
-              <a:rPr lang="en-US" dirty="0" smtClean="0"/>
-              <a:t>Remote Facade</a:t>
-            </a:r>
-            <a:endParaRPr lang="en-US" dirty="0"/>
-          </a:p>
-        </p:txBody>
-      </p:sp>
-      <p:sp>
-        <p:nvSpPr>
-          <p:cNvPr id="17" name="Up-Down Arrow 16"/>
-          <p:cNvSpPr/>
-          <p:nvPr/>
-        </p:nvSpPr>
-        <p:spPr>
-          <a:xfrm>
-            <a:off x="5410200" y="5105400"/>
-            <a:ext cx="762000" cy="1066800"/>
-          </a:xfrm>
-          <a:prstGeom prst="upDownArrow">
-            <a:avLst/>
-          </a:prstGeom>
-        </p:spPr>
-        <p:style>
-          <a:lnRef idx="2">
-            <a:schemeClr val="accent1">
-              <a:shade val="50000"/>
-            </a:schemeClr>
-          </a:lnRef>
-          <a:fillRef idx="1">
-            <a:schemeClr val="accent1"/>
-          </a:fillRef>
-          <a:effectRef idx="0">
-            <a:schemeClr val="accent1"/>
-          </a:effectRef>
-          <a:fontRef idx="minor">
-            <a:schemeClr val="lt1"/>
-          </a:fontRef>
-        </p:style>
-        <p:txBody>
-          <a:bodyPr rtlCol="0" anchor="ctr"/>
-          <a:lstStyle/>
-          <a:p>
-            <a:pPr algn="ctr"/>
-            <a:endParaRPr lang="en-US"/>
-          </a:p>
-        </p:txBody>
-      </p:sp>
-      <p:sp>
-        <p:nvSpPr>
-          <p:cNvPr id="18" name="Line Callout 1 17"/>
-          <p:cNvSpPr/>
-          <p:nvPr/>
-        </p:nvSpPr>
-        <p:spPr>
-          <a:xfrm>
-            <a:off x="6781800" y="5029200"/>
-            <a:ext cx="2209800" cy="1066800"/>
-          </a:xfrm>
-          <a:prstGeom prst="borderCallout1">
-            <a:avLst>
-              <a:gd name="adj1" fmla="val 1607"/>
-              <a:gd name="adj2" fmla="val -57"/>
-              <a:gd name="adj3" fmla="val 69355"/>
-              <a:gd name="adj4" fmla="val -33666"/>
-            </a:avLst>
-          </a:prstGeom>
-        </p:spPr>
-        <p:style>
-          <a:lnRef idx="2">
-            <a:schemeClr val="accent1">
-              <a:shade val="50000"/>
-            </a:schemeClr>
-          </a:lnRef>
-          <a:fillRef idx="1">
-            <a:schemeClr val="accent1"/>
-          </a:fillRef>
-          <a:effectRef idx="0">
-            <a:schemeClr val="accent1"/>
-          </a:effectRef>
-          <a:fontRef idx="minor">
-            <a:schemeClr val="lt1"/>
-          </a:fontRef>
-        </p:style>
-        <p:txBody>
-          <a:bodyPr rtlCol="0" anchor="ctr"/>
-          <a:lstStyle/>
-          <a:p>
-            <a:pPr algn="ctr"/>
-            <a:r>
-              <a:rPr lang="en-US" b="1" dirty="0" smtClean="0"/>
-              <a:t>Request DTO</a:t>
-            </a:r>
-          </a:p>
-          <a:p>
-            <a:pPr algn="ctr"/>
-            <a:r>
-              <a:rPr lang="en-US" b="1" dirty="0" smtClean="0"/>
-              <a:t>DTO returned</a:t>
-            </a:r>
-            <a:endParaRPr lang="en-US" b="1" dirty="0"/>
-          </a:p>
-        </p:txBody>
-      </p:sp>
-      <p:cxnSp>
-        <p:nvCxnSpPr>
-          <p:cNvPr id="20" name="Straight Connector 19"/>
-          <p:cNvCxnSpPr/>
-          <p:nvPr/>
-        </p:nvCxnSpPr>
-        <p:spPr>
-          <a:xfrm rot="16200000" flipH="1">
-            <a:off x="1087916" y="3390900"/>
-            <a:ext cx="6858000" cy="76200"/>
-          </a:xfrm>
-          <a:prstGeom prst="line">
-            <a:avLst/>
-          </a:prstGeom>
-          <a:ln w="69850">
-            <a:solidFill>
-              <a:srgbClr val="C00000"/>
-            </a:solidFill>
-            <a:prstDash val="sysDash"/>
-          </a:ln>
-        </p:spPr>
-        <p:style>
-          <a:lnRef idx="1">
-            <a:schemeClr val="accent1"/>
-          </a:lnRef>
-          <a:fillRef idx="0">
-            <a:schemeClr val="accent1"/>
-          </a:fillRef>
-          <a:effectRef idx="0">
-            <a:schemeClr val="accent1"/>
-          </a:effectRef>
-          <a:fontRef idx="minor">
-            <a:schemeClr val="tx1"/>
-          </a:fontRef>
-        </p:style>
-      </p:cxnSp>
-      <p:sp>
-        <p:nvSpPr>
-          <p:cNvPr id="23" name="Rounded Rectangle 22"/>
-          <p:cNvSpPr/>
-          <p:nvPr/>
-        </p:nvSpPr>
-        <p:spPr>
-          <a:xfrm>
-            <a:off x="304800" y="152400"/>
-            <a:ext cx="2971800" cy="1066800"/>
-          </a:xfrm>
-          <a:prstGeom prst="roundRect">
-            <a:avLst/>
-          </a:prstGeom>
-        </p:spPr>
-        <p:style>
-          <a:lnRef idx="2">
-            <a:schemeClr val="accent2">
-              <a:shade val="50000"/>
-            </a:schemeClr>
-          </a:lnRef>
-          <a:fillRef idx="1">
-            <a:schemeClr val="accent2"/>
-          </a:fillRef>
-          <a:effectRef idx="0">
-            <a:schemeClr val="accent2"/>
-          </a:effectRef>
-          <a:fontRef idx="minor">
-            <a:schemeClr val="lt1"/>
-          </a:fontRef>
-        </p:style>
-        <p:txBody>
-          <a:bodyPr rtlCol="0" anchor="ctr"/>
-          <a:lstStyle/>
-          <a:p>
-            <a:pPr algn="ctr"/>
-            <a:r>
-              <a:rPr lang="en-US" dirty="0" smtClean="0"/>
-              <a:t>Write (Command)</a:t>
-            </a:r>
-            <a:endParaRPr lang="en-US" dirty="0"/>
-          </a:p>
-        </p:txBody>
-      </p:sp>
-      <p:sp>
-        <p:nvSpPr>
-          <p:cNvPr id="24" name="Rounded Rectangle 23"/>
-          <p:cNvSpPr/>
-          <p:nvPr/>
-        </p:nvSpPr>
-        <p:spPr>
-          <a:xfrm>
-            <a:off x="5943600" y="152400"/>
-            <a:ext cx="2971800" cy="1066800"/>
-          </a:xfrm>
-          <a:prstGeom prst="roundRect">
-            <a:avLst/>
-          </a:prstGeom>
-        </p:spPr>
-        <p:style>
-          <a:lnRef idx="2">
-            <a:schemeClr val="accent2">
-              <a:shade val="50000"/>
-            </a:schemeClr>
-          </a:lnRef>
-          <a:fillRef idx="1">
-            <a:schemeClr val="accent2"/>
-          </a:fillRef>
-          <a:effectRef idx="0">
-            <a:schemeClr val="accent2"/>
-          </a:effectRef>
-          <a:fontRef idx="minor">
-            <a:schemeClr val="lt1"/>
-          </a:fontRef>
-        </p:style>
-        <p:txBody>
-          <a:bodyPr rtlCol="0" anchor="ctr"/>
-          <a:lstStyle/>
-          <a:p>
-            <a:pPr algn="ctr"/>
-            <a:r>
-              <a:rPr lang="en-US" dirty="0" smtClean="0"/>
-              <a:t>Read (Query)</a:t>
-            </a:r>
-            <a:endParaRPr lang="en-US" dirty="0"/>
-          </a:p>
-        </p:txBody>
-      </p:sp>
-    </p:spTree>
-    <p:extLst>
-      <p:ext uri="{BB962C8B-B14F-4D97-AF65-F5344CB8AC3E}">
-        <p14:creationId xmlns:p14="http://schemas.microsoft.com/office/powerpoint/2010/main" val="481785143"/>
       </p:ext>
     </p:extLst>
   </p:cSld>

--- a/Presentation/CQRS.pptx
+++ b/Presentation/CQRS.pptx
@@ -5,7 +5,7 @@
     <p:sldMasterId id="2147484476" r:id="rId1"/>
   </p:sldMasterIdLst>
   <p:notesMasterIdLst>
-    <p:notesMasterId r:id="rId30"/>
+    <p:notesMasterId r:id="rId27"/>
   </p:notesMasterIdLst>
   <p:sldIdLst>
     <p:sldId id="288" r:id="rId2"/>
@@ -15,27 +15,24 @@
     <p:sldId id="346" r:id="rId6"/>
     <p:sldId id="291" r:id="rId7"/>
     <p:sldId id="311" r:id="rId8"/>
-    <p:sldId id="345" r:id="rId9"/>
-    <p:sldId id="294" r:id="rId10"/>
-    <p:sldId id="310" r:id="rId11"/>
-    <p:sldId id="293" r:id="rId12"/>
-    <p:sldId id="331" r:id="rId13"/>
-    <p:sldId id="337" r:id="rId14"/>
-    <p:sldId id="338" r:id="rId15"/>
-    <p:sldId id="336" r:id="rId16"/>
-    <p:sldId id="342" r:id="rId17"/>
-    <p:sldId id="308" r:id="rId18"/>
-    <p:sldId id="307" r:id="rId19"/>
-    <p:sldId id="335" r:id="rId20"/>
-    <p:sldId id="339" r:id="rId21"/>
-    <p:sldId id="332" r:id="rId22"/>
-    <p:sldId id="344" r:id="rId23"/>
-    <p:sldId id="315" r:id="rId24"/>
-    <p:sldId id="316" r:id="rId25"/>
-    <p:sldId id="340" r:id="rId26"/>
-    <p:sldId id="334" r:id="rId27"/>
-    <p:sldId id="326" r:id="rId28"/>
-    <p:sldId id="343" r:id="rId29"/>
+    <p:sldId id="294" r:id="rId9"/>
+    <p:sldId id="310" r:id="rId10"/>
+    <p:sldId id="293" r:id="rId11"/>
+    <p:sldId id="331" r:id="rId12"/>
+    <p:sldId id="337" r:id="rId13"/>
+    <p:sldId id="338" r:id="rId14"/>
+    <p:sldId id="335" r:id="rId15"/>
+    <p:sldId id="339" r:id="rId16"/>
+    <p:sldId id="332" r:id="rId17"/>
+    <p:sldId id="315" r:id="rId18"/>
+    <p:sldId id="316" r:id="rId19"/>
+    <p:sldId id="340" r:id="rId20"/>
+    <p:sldId id="336" r:id="rId21"/>
+    <p:sldId id="308" r:id="rId22"/>
+    <p:sldId id="307" r:id="rId23"/>
+    <p:sldId id="334" r:id="rId24"/>
+    <p:sldId id="343" r:id="rId25"/>
+    <p:sldId id="326" r:id="rId26"/>
   </p:sldIdLst>
   <p:sldSz cx="9144000" cy="6858000" type="screen4x3"/>
   <p:notesSz cx="6858000" cy="9144000"/>
@@ -9910,902 +9907,6 @@
       </p:grpSpPr>
       <p:sp>
         <p:nvSpPr>
-          <p:cNvPr id="2" name="Flowchart: Magnetic Disk 1"/>
-          <p:cNvSpPr/>
-          <p:nvPr/>
-        </p:nvSpPr>
-        <p:spPr>
-          <a:xfrm>
-            <a:off x="3429000" y="76200"/>
-            <a:ext cx="2362200" cy="1219200"/>
-          </a:xfrm>
-          <a:prstGeom prst="flowChartMagneticDisk">
-            <a:avLst/>
-          </a:prstGeom>
-        </p:spPr>
-        <p:style>
-          <a:lnRef idx="2">
-            <a:schemeClr val="accent1">
-              <a:shade val="50000"/>
-            </a:schemeClr>
-          </a:lnRef>
-          <a:fillRef idx="1">
-            <a:schemeClr val="accent1"/>
-          </a:fillRef>
-          <a:effectRef idx="0">
-            <a:schemeClr val="accent1"/>
-          </a:effectRef>
-          <a:fontRef idx="minor">
-            <a:schemeClr val="lt1"/>
-          </a:fontRef>
-        </p:style>
-        <p:txBody>
-          <a:bodyPr rtlCol="0" anchor="ctr"/>
-          <a:lstStyle/>
-          <a:p>
-            <a:pPr algn="ctr"/>
-            <a:r>
-              <a:rPr lang="en-US" dirty="0" smtClean="0"/>
-              <a:t>Data         Storage</a:t>
-            </a:r>
-            <a:endParaRPr lang="en-US" dirty="0"/>
-          </a:p>
-        </p:txBody>
-      </p:sp>
-      <p:sp>
-        <p:nvSpPr>
-          <p:cNvPr id="3" name="Rectangle 2"/>
-          <p:cNvSpPr/>
-          <p:nvPr/>
-        </p:nvSpPr>
-        <p:spPr>
-          <a:xfrm>
-            <a:off x="228600" y="1459832"/>
-            <a:ext cx="3505200" cy="990600"/>
-          </a:xfrm>
-          <a:prstGeom prst="rect">
-            <a:avLst/>
-          </a:prstGeom>
-          <a:noFill/>
-        </p:spPr>
-        <p:style>
-          <a:lnRef idx="2">
-            <a:schemeClr val="accent1">
-              <a:shade val="50000"/>
-            </a:schemeClr>
-          </a:lnRef>
-          <a:fillRef idx="1">
-            <a:schemeClr val="accent1"/>
-          </a:fillRef>
-          <a:effectRef idx="0">
-            <a:schemeClr val="accent1"/>
-          </a:effectRef>
-          <a:fontRef idx="minor">
-            <a:schemeClr val="lt1"/>
-          </a:fontRef>
-        </p:style>
-        <p:txBody>
-          <a:bodyPr rtlCol="0" anchor="ctr"/>
-          <a:lstStyle/>
-          <a:p>
-            <a:pPr algn="ctr"/>
-            <a:endParaRPr lang="en-US"/>
-          </a:p>
-        </p:txBody>
-      </p:sp>
-      <p:sp>
-        <p:nvSpPr>
-          <p:cNvPr id="4" name="Rectangle 3"/>
-          <p:cNvSpPr/>
-          <p:nvPr/>
-        </p:nvSpPr>
-        <p:spPr>
-          <a:xfrm>
-            <a:off x="228600" y="2526632"/>
-            <a:ext cx="3505200" cy="457200"/>
-          </a:xfrm>
-          <a:prstGeom prst="rect">
-            <a:avLst/>
-          </a:prstGeom>
-        </p:spPr>
-        <p:style>
-          <a:lnRef idx="2">
-            <a:schemeClr val="accent1">
-              <a:shade val="50000"/>
-            </a:schemeClr>
-          </a:lnRef>
-          <a:fillRef idx="1">
-            <a:schemeClr val="accent1"/>
-          </a:fillRef>
-          <a:effectRef idx="0">
-            <a:schemeClr val="accent1"/>
-          </a:effectRef>
-          <a:fontRef idx="minor">
-            <a:schemeClr val="lt1"/>
-          </a:fontRef>
-        </p:style>
-        <p:txBody>
-          <a:bodyPr rtlCol="0" anchor="ctr"/>
-          <a:lstStyle/>
-          <a:p>
-            <a:pPr algn="ctr"/>
-            <a:r>
-              <a:rPr lang="en-US" dirty="0" smtClean="0"/>
-              <a:t>Application Services</a:t>
-            </a:r>
-            <a:endParaRPr lang="en-US" dirty="0"/>
-          </a:p>
-        </p:txBody>
-      </p:sp>
-      <p:sp>
-        <p:nvSpPr>
-          <p:cNvPr id="5" name="Rectangle 4"/>
-          <p:cNvSpPr/>
-          <p:nvPr/>
-        </p:nvSpPr>
-        <p:spPr>
-          <a:xfrm>
-            <a:off x="685800" y="1536032"/>
-            <a:ext cx="1143000" cy="762000"/>
-          </a:xfrm>
-          <a:prstGeom prst="rect">
-            <a:avLst/>
-          </a:prstGeom>
-        </p:spPr>
-        <p:style>
-          <a:lnRef idx="2">
-            <a:schemeClr val="accent1">
-              <a:shade val="50000"/>
-            </a:schemeClr>
-          </a:lnRef>
-          <a:fillRef idx="1">
-            <a:schemeClr val="accent1"/>
-          </a:fillRef>
-          <a:effectRef idx="0">
-            <a:schemeClr val="accent1"/>
-          </a:effectRef>
-          <a:fontRef idx="minor">
-            <a:schemeClr val="lt1"/>
-          </a:fontRef>
-        </p:style>
-        <p:txBody>
-          <a:bodyPr rtlCol="0" anchor="ctr"/>
-          <a:lstStyle/>
-          <a:p>
-            <a:pPr algn="ctr"/>
-            <a:r>
-              <a:rPr lang="en-US" dirty="0" smtClean="0"/>
-              <a:t>Domain Object</a:t>
-            </a:r>
-            <a:endParaRPr lang="en-US" dirty="0"/>
-          </a:p>
-        </p:txBody>
-      </p:sp>
-      <p:sp>
-        <p:nvSpPr>
-          <p:cNvPr id="6" name="Cloud 5"/>
-          <p:cNvSpPr/>
-          <p:nvPr/>
-        </p:nvSpPr>
-        <p:spPr>
-          <a:xfrm>
-            <a:off x="152400" y="3593432"/>
-            <a:ext cx="3733800" cy="1447800"/>
-          </a:xfrm>
-          <a:prstGeom prst="cloud">
-            <a:avLst/>
-          </a:prstGeom>
-        </p:spPr>
-        <p:style>
-          <a:lnRef idx="2">
-            <a:schemeClr val="accent1">
-              <a:shade val="50000"/>
-            </a:schemeClr>
-          </a:lnRef>
-          <a:fillRef idx="1">
-            <a:schemeClr val="accent1"/>
-          </a:fillRef>
-          <a:effectRef idx="0">
-            <a:schemeClr val="accent1"/>
-          </a:effectRef>
-          <a:fontRef idx="minor">
-            <a:schemeClr val="lt1"/>
-          </a:fontRef>
-        </p:style>
-        <p:txBody>
-          <a:bodyPr rtlCol="0" anchor="ctr"/>
-          <a:lstStyle/>
-          <a:p>
-            <a:pPr algn="ctr"/>
-            <a:endParaRPr lang="en-US"/>
-          </a:p>
-        </p:txBody>
-      </p:sp>
-      <p:sp>
-        <p:nvSpPr>
-          <p:cNvPr id="7" name="Rectangle 6"/>
-          <p:cNvSpPr/>
-          <p:nvPr/>
-        </p:nvSpPr>
-        <p:spPr>
-          <a:xfrm>
-            <a:off x="228600" y="3060032"/>
-            <a:ext cx="3505200" cy="457200"/>
-          </a:xfrm>
-          <a:prstGeom prst="rect">
-            <a:avLst/>
-          </a:prstGeom>
-        </p:spPr>
-        <p:style>
-          <a:lnRef idx="2">
-            <a:schemeClr val="accent1">
-              <a:shade val="50000"/>
-            </a:schemeClr>
-          </a:lnRef>
-          <a:fillRef idx="1">
-            <a:schemeClr val="accent1"/>
-          </a:fillRef>
-          <a:effectRef idx="0">
-            <a:schemeClr val="accent1"/>
-          </a:effectRef>
-          <a:fontRef idx="minor">
-            <a:schemeClr val="lt1"/>
-          </a:fontRef>
-        </p:style>
-        <p:txBody>
-          <a:bodyPr rtlCol="0" anchor="ctr"/>
-          <a:lstStyle/>
-          <a:p>
-            <a:pPr algn="ctr"/>
-            <a:r>
-              <a:rPr lang="en-US" dirty="0" smtClean="0"/>
-              <a:t>Remote Facade</a:t>
-            </a:r>
-            <a:endParaRPr lang="en-US" dirty="0"/>
-          </a:p>
-        </p:txBody>
-      </p:sp>
-      <p:sp>
-        <p:nvSpPr>
-          <p:cNvPr id="8" name="Rectangle 7"/>
-          <p:cNvSpPr/>
-          <p:nvPr/>
-        </p:nvSpPr>
-        <p:spPr>
-          <a:xfrm>
-            <a:off x="2057400" y="1536032"/>
-            <a:ext cx="1143000" cy="762000"/>
-          </a:xfrm>
-          <a:prstGeom prst="rect">
-            <a:avLst/>
-          </a:prstGeom>
-        </p:spPr>
-        <p:style>
-          <a:lnRef idx="2">
-            <a:schemeClr val="accent1">
-              <a:shade val="50000"/>
-            </a:schemeClr>
-          </a:lnRef>
-          <a:fillRef idx="1">
-            <a:schemeClr val="accent1"/>
-          </a:fillRef>
-          <a:effectRef idx="0">
-            <a:schemeClr val="accent1"/>
-          </a:effectRef>
-          <a:fontRef idx="minor">
-            <a:schemeClr val="lt1"/>
-          </a:fontRef>
-        </p:style>
-        <p:txBody>
-          <a:bodyPr rtlCol="0" anchor="ctr"/>
-          <a:lstStyle/>
-          <a:p>
-            <a:pPr algn="ctr"/>
-            <a:r>
-              <a:rPr lang="en-US" dirty="0" smtClean="0"/>
-              <a:t>Domain Object</a:t>
-            </a:r>
-            <a:endParaRPr lang="en-US" dirty="0"/>
-          </a:p>
-        </p:txBody>
-      </p:sp>
-      <p:sp>
-        <p:nvSpPr>
-          <p:cNvPr id="9" name="Rectangle 8"/>
-          <p:cNvSpPr/>
-          <p:nvPr/>
-        </p:nvSpPr>
-        <p:spPr>
-          <a:xfrm>
-            <a:off x="1219200" y="6256420"/>
-            <a:ext cx="6553200" cy="449180"/>
-          </a:xfrm>
-          <a:prstGeom prst="rect">
-            <a:avLst/>
-          </a:prstGeom>
-        </p:spPr>
-        <p:style>
-          <a:lnRef idx="2">
-            <a:schemeClr val="accent1">
-              <a:shade val="50000"/>
-            </a:schemeClr>
-          </a:lnRef>
-          <a:fillRef idx="1">
-            <a:schemeClr val="accent1"/>
-          </a:fillRef>
-          <a:effectRef idx="0">
-            <a:schemeClr val="accent1"/>
-          </a:effectRef>
-          <a:fontRef idx="minor">
-            <a:schemeClr val="lt1"/>
-          </a:fontRef>
-        </p:style>
-        <p:txBody>
-          <a:bodyPr rtlCol="0" anchor="ctr"/>
-          <a:lstStyle/>
-          <a:p>
-            <a:pPr lvl="3"/>
-            <a:r>
-              <a:rPr lang="en-US" dirty="0" smtClean="0"/>
-              <a:t>Client        			</a:t>
-            </a:r>
-            <a:r>
-              <a:rPr lang="en-US" dirty="0" err="1" smtClean="0"/>
-              <a:t>Client</a:t>
-            </a:r>
-            <a:endParaRPr lang="en-US" dirty="0"/>
-          </a:p>
-        </p:txBody>
-      </p:sp>
-      <p:sp>
-        <p:nvSpPr>
-          <p:cNvPr id="10" name="Up-Down Arrow 9"/>
-          <p:cNvSpPr/>
-          <p:nvPr/>
-        </p:nvSpPr>
-        <p:spPr>
-          <a:xfrm>
-            <a:off x="2667000" y="5105400"/>
-            <a:ext cx="762000" cy="1066800"/>
-          </a:xfrm>
-          <a:prstGeom prst="upDownArrow">
-            <a:avLst/>
-          </a:prstGeom>
-        </p:spPr>
-        <p:style>
-          <a:lnRef idx="2">
-            <a:schemeClr val="accent1">
-              <a:shade val="50000"/>
-            </a:schemeClr>
-          </a:lnRef>
-          <a:fillRef idx="1">
-            <a:schemeClr val="accent1"/>
-          </a:fillRef>
-          <a:effectRef idx="0">
-            <a:schemeClr val="accent1"/>
-          </a:effectRef>
-          <a:fontRef idx="minor">
-            <a:schemeClr val="lt1"/>
-          </a:fontRef>
-        </p:style>
-        <p:txBody>
-          <a:bodyPr rtlCol="0" anchor="ctr"/>
-          <a:lstStyle/>
-          <a:p>
-            <a:pPr algn="ctr"/>
-            <a:endParaRPr lang="en-US"/>
-          </a:p>
-        </p:txBody>
-      </p:sp>
-      <p:sp>
-        <p:nvSpPr>
-          <p:cNvPr id="11" name="Line Callout 1 10"/>
-          <p:cNvSpPr/>
-          <p:nvPr/>
-        </p:nvSpPr>
-        <p:spPr>
-          <a:xfrm>
-            <a:off x="228600" y="5105400"/>
-            <a:ext cx="2209800" cy="990600"/>
-          </a:xfrm>
-          <a:prstGeom prst="borderCallout1">
-            <a:avLst>
-              <a:gd name="adj1" fmla="val -1230"/>
-              <a:gd name="adj2" fmla="val 100868"/>
-              <a:gd name="adj3" fmla="val 72883"/>
-              <a:gd name="adj4" fmla="val 117918"/>
-            </a:avLst>
-          </a:prstGeom>
-        </p:spPr>
-        <p:style>
-          <a:lnRef idx="2">
-            <a:schemeClr val="accent1">
-              <a:shade val="50000"/>
-            </a:schemeClr>
-          </a:lnRef>
-          <a:fillRef idx="1">
-            <a:schemeClr val="accent1"/>
-          </a:fillRef>
-          <a:effectRef idx="0">
-            <a:schemeClr val="accent1"/>
-          </a:effectRef>
-          <a:fontRef idx="minor">
-            <a:schemeClr val="lt1"/>
-          </a:fontRef>
-        </p:style>
-        <p:txBody>
-          <a:bodyPr rtlCol="0" anchor="ctr"/>
-          <a:lstStyle/>
-          <a:p>
-            <a:pPr algn="ctr"/>
-            <a:r>
-              <a:rPr lang="en-US" b="1" dirty="0" smtClean="0"/>
-              <a:t>Message Sent</a:t>
-            </a:r>
-          </a:p>
-          <a:p>
-            <a:pPr algn="ctr"/>
-            <a:r>
-              <a:rPr lang="en-US" b="1" dirty="0" err="1" smtClean="0"/>
-              <a:t>Ack</a:t>
-            </a:r>
-            <a:r>
-              <a:rPr lang="en-US" b="1" dirty="0" smtClean="0"/>
-              <a:t>/</a:t>
-            </a:r>
-            <a:r>
-              <a:rPr lang="en-US" b="1" dirty="0" err="1" smtClean="0"/>
-              <a:t>Nak</a:t>
-            </a:r>
-            <a:r>
-              <a:rPr lang="en-US" b="1" dirty="0" smtClean="0"/>
-              <a:t> Response</a:t>
-            </a:r>
-            <a:endParaRPr lang="en-US" b="1" dirty="0"/>
-          </a:p>
-        </p:txBody>
-      </p:sp>
-      <p:sp>
-        <p:nvSpPr>
-          <p:cNvPr id="13" name="Cloud 12"/>
-          <p:cNvSpPr/>
-          <p:nvPr/>
-        </p:nvSpPr>
-        <p:spPr>
-          <a:xfrm>
-            <a:off x="5257800" y="3505200"/>
-            <a:ext cx="3733800" cy="1447800"/>
-          </a:xfrm>
-          <a:prstGeom prst="cloud">
-            <a:avLst/>
-          </a:prstGeom>
-        </p:spPr>
-        <p:style>
-          <a:lnRef idx="2">
-            <a:schemeClr val="accent1">
-              <a:shade val="50000"/>
-            </a:schemeClr>
-          </a:lnRef>
-          <a:fillRef idx="1">
-            <a:schemeClr val="accent1"/>
-          </a:fillRef>
-          <a:effectRef idx="0">
-            <a:schemeClr val="accent1"/>
-          </a:effectRef>
-          <a:fontRef idx="minor">
-            <a:schemeClr val="lt1"/>
-          </a:fontRef>
-        </p:style>
-        <p:txBody>
-          <a:bodyPr rtlCol="0" anchor="ctr"/>
-          <a:lstStyle/>
-          <a:p>
-            <a:pPr algn="ctr"/>
-            <a:endParaRPr lang="en-US"/>
-          </a:p>
-        </p:txBody>
-      </p:sp>
-      <p:sp>
-        <p:nvSpPr>
-          <p:cNvPr id="14" name="Rectangle 13"/>
-          <p:cNvSpPr/>
-          <p:nvPr/>
-        </p:nvSpPr>
-        <p:spPr>
-          <a:xfrm>
-            <a:off x="5334000" y="2438400"/>
-            <a:ext cx="3505200" cy="457200"/>
-          </a:xfrm>
-          <a:prstGeom prst="rect">
-            <a:avLst/>
-          </a:prstGeom>
-        </p:spPr>
-        <p:style>
-          <a:lnRef idx="2">
-            <a:schemeClr val="accent1">
-              <a:shade val="50000"/>
-            </a:schemeClr>
-          </a:lnRef>
-          <a:fillRef idx="1">
-            <a:schemeClr val="accent1"/>
-          </a:fillRef>
-          <a:effectRef idx="0">
-            <a:schemeClr val="accent1"/>
-          </a:effectRef>
-          <a:fontRef idx="minor">
-            <a:schemeClr val="lt1"/>
-          </a:fontRef>
-        </p:style>
-        <p:txBody>
-          <a:bodyPr rtlCol="0" anchor="ctr"/>
-          <a:lstStyle/>
-          <a:p>
-            <a:pPr algn="ctr"/>
-            <a:r>
-              <a:rPr lang="en-US" dirty="0" smtClean="0"/>
-              <a:t>Thin Read Layer (Direct to DTO)</a:t>
-            </a:r>
-            <a:endParaRPr lang="en-US" dirty="0"/>
-          </a:p>
-        </p:txBody>
-      </p:sp>
-      <p:sp>
-        <p:nvSpPr>
-          <p:cNvPr id="15" name="Rectangle 14"/>
-          <p:cNvSpPr/>
-          <p:nvPr/>
-        </p:nvSpPr>
-        <p:spPr>
-          <a:xfrm>
-            <a:off x="5334000" y="2971800"/>
-            <a:ext cx="3505200" cy="457200"/>
-          </a:xfrm>
-          <a:prstGeom prst="rect">
-            <a:avLst/>
-          </a:prstGeom>
-        </p:spPr>
-        <p:style>
-          <a:lnRef idx="2">
-            <a:schemeClr val="accent1">
-              <a:shade val="50000"/>
-            </a:schemeClr>
-          </a:lnRef>
-          <a:fillRef idx="1">
-            <a:schemeClr val="accent1"/>
-          </a:fillRef>
-          <a:effectRef idx="0">
-            <a:schemeClr val="accent1"/>
-          </a:effectRef>
-          <a:fontRef idx="minor">
-            <a:schemeClr val="lt1"/>
-          </a:fontRef>
-        </p:style>
-        <p:txBody>
-          <a:bodyPr rtlCol="0" anchor="ctr"/>
-          <a:lstStyle/>
-          <a:p>
-            <a:pPr algn="ctr"/>
-            <a:r>
-              <a:rPr lang="en-US" dirty="0" smtClean="0"/>
-              <a:t>Remote Facade</a:t>
-            </a:r>
-            <a:endParaRPr lang="en-US" dirty="0"/>
-          </a:p>
-        </p:txBody>
-      </p:sp>
-      <p:sp>
-        <p:nvSpPr>
-          <p:cNvPr id="17" name="Up-Down Arrow 16"/>
-          <p:cNvSpPr/>
-          <p:nvPr/>
-        </p:nvSpPr>
-        <p:spPr>
-          <a:xfrm>
-            <a:off x="5410200" y="5105400"/>
-            <a:ext cx="762000" cy="1066800"/>
-          </a:xfrm>
-          <a:prstGeom prst="upDownArrow">
-            <a:avLst/>
-          </a:prstGeom>
-        </p:spPr>
-        <p:style>
-          <a:lnRef idx="2">
-            <a:schemeClr val="accent1">
-              <a:shade val="50000"/>
-            </a:schemeClr>
-          </a:lnRef>
-          <a:fillRef idx="1">
-            <a:schemeClr val="accent1"/>
-          </a:fillRef>
-          <a:effectRef idx="0">
-            <a:schemeClr val="accent1"/>
-          </a:effectRef>
-          <a:fontRef idx="minor">
-            <a:schemeClr val="lt1"/>
-          </a:fontRef>
-        </p:style>
-        <p:txBody>
-          <a:bodyPr rtlCol="0" anchor="ctr"/>
-          <a:lstStyle/>
-          <a:p>
-            <a:pPr algn="ctr"/>
-            <a:endParaRPr lang="en-US"/>
-          </a:p>
-        </p:txBody>
-      </p:sp>
-      <p:sp>
-        <p:nvSpPr>
-          <p:cNvPr id="18" name="Line Callout 1 17"/>
-          <p:cNvSpPr/>
-          <p:nvPr/>
-        </p:nvSpPr>
-        <p:spPr>
-          <a:xfrm>
-            <a:off x="6781800" y="5029200"/>
-            <a:ext cx="2209800" cy="1066800"/>
-          </a:xfrm>
-          <a:prstGeom prst="borderCallout1">
-            <a:avLst>
-              <a:gd name="adj1" fmla="val 1607"/>
-              <a:gd name="adj2" fmla="val -57"/>
-              <a:gd name="adj3" fmla="val 69355"/>
-              <a:gd name="adj4" fmla="val -33666"/>
-            </a:avLst>
-          </a:prstGeom>
-        </p:spPr>
-        <p:style>
-          <a:lnRef idx="2">
-            <a:schemeClr val="accent1">
-              <a:shade val="50000"/>
-            </a:schemeClr>
-          </a:lnRef>
-          <a:fillRef idx="1">
-            <a:schemeClr val="accent1"/>
-          </a:fillRef>
-          <a:effectRef idx="0">
-            <a:schemeClr val="accent1"/>
-          </a:effectRef>
-          <a:fontRef idx="minor">
-            <a:schemeClr val="lt1"/>
-          </a:fontRef>
-        </p:style>
-        <p:txBody>
-          <a:bodyPr rtlCol="0" anchor="ctr"/>
-          <a:lstStyle/>
-          <a:p>
-            <a:pPr algn="ctr"/>
-            <a:r>
-              <a:rPr lang="en-US" b="1" dirty="0" smtClean="0"/>
-              <a:t>Request DTO</a:t>
-            </a:r>
-          </a:p>
-          <a:p>
-            <a:pPr algn="ctr"/>
-            <a:r>
-              <a:rPr lang="en-US" b="1" dirty="0" smtClean="0"/>
-              <a:t>DTO returned</a:t>
-            </a:r>
-            <a:endParaRPr lang="en-US" b="1" dirty="0"/>
-          </a:p>
-        </p:txBody>
-      </p:sp>
-      <p:cxnSp>
-        <p:nvCxnSpPr>
-          <p:cNvPr id="20" name="Straight Connector 19"/>
-          <p:cNvCxnSpPr/>
-          <p:nvPr/>
-        </p:nvCxnSpPr>
-        <p:spPr>
-          <a:xfrm rot="16200000" flipH="1">
-            <a:off x="1087916" y="3390900"/>
-            <a:ext cx="6858000" cy="76200"/>
-          </a:xfrm>
-          <a:prstGeom prst="line">
-            <a:avLst/>
-          </a:prstGeom>
-          <a:ln w="69850">
-            <a:solidFill>
-              <a:srgbClr val="C00000"/>
-            </a:solidFill>
-            <a:prstDash val="sysDash"/>
-          </a:ln>
-        </p:spPr>
-        <p:style>
-          <a:lnRef idx="1">
-            <a:schemeClr val="accent1"/>
-          </a:lnRef>
-          <a:fillRef idx="0">
-            <a:schemeClr val="accent1"/>
-          </a:fillRef>
-          <a:effectRef idx="0">
-            <a:schemeClr val="accent1"/>
-          </a:effectRef>
-          <a:fontRef idx="minor">
-            <a:schemeClr val="tx1"/>
-          </a:fontRef>
-        </p:style>
-      </p:cxnSp>
-      <p:sp>
-        <p:nvSpPr>
-          <p:cNvPr id="23" name="Rounded Rectangle 22"/>
-          <p:cNvSpPr/>
-          <p:nvPr/>
-        </p:nvSpPr>
-        <p:spPr>
-          <a:xfrm>
-            <a:off x="304800" y="152400"/>
-            <a:ext cx="2971800" cy="1066800"/>
-          </a:xfrm>
-          <a:prstGeom prst="roundRect">
-            <a:avLst/>
-          </a:prstGeom>
-        </p:spPr>
-        <p:style>
-          <a:lnRef idx="2">
-            <a:schemeClr val="accent2">
-              <a:shade val="50000"/>
-            </a:schemeClr>
-          </a:lnRef>
-          <a:fillRef idx="1">
-            <a:schemeClr val="accent2"/>
-          </a:fillRef>
-          <a:effectRef idx="0">
-            <a:schemeClr val="accent2"/>
-          </a:effectRef>
-          <a:fontRef idx="minor">
-            <a:schemeClr val="lt1"/>
-          </a:fontRef>
-        </p:style>
-        <p:txBody>
-          <a:bodyPr rtlCol="0" anchor="ctr"/>
-          <a:lstStyle/>
-          <a:p>
-            <a:pPr algn="ctr"/>
-            <a:r>
-              <a:rPr lang="en-US" dirty="0" smtClean="0"/>
-              <a:t>Write (Command)</a:t>
-            </a:r>
-            <a:endParaRPr lang="en-US" dirty="0"/>
-          </a:p>
-        </p:txBody>
-      </p:sp>
-      <p:sp>
-        <p:nvSpPr>
-          <p:cNvPr id="24" name="Rounded Rectangle 23"/>
-          <p:cNvSpPr/>
-          <p:nvPr/>
-        </p:nvSpPr>
-        <p:spPr>
-          <a:xfrm>
-            <a:off x="5943600" y="152400"/>
-            <a:ext cx="2971800" cy="1066800"/>
-          </a:xfrm>
-          <a:prstGeom prst="roundRect">
-            <a:avLst/>
-          </a:prstGeom>
-        </p:spPr>
-        <p:style>
-          <a:lnRef idx="2">
-            <a:schemeClr val="accent2">
-              <a:shade val="50000"/>
-            </a:schemeClr>
-          </a:lnRef>
-          <a:fillRef idx="1">
-            <a:schemeClr val="accent2"/>
-          </a:fillRef>
-          <a:effectRef idx="0">
-            <a:schemeClr val="accent2"/>
-          </a:effectRef>
-          <a:fontRef idx="minor">
-            <a:schemeClr val="lt1"/>
-          </a:fontRef>
-        </p:style>
-        <p:txBody>
-          <a:bodyPr rtlCol="0" anchor="ctr"/>
-          <a:lstStyle/>
-          <a:p>
-            <a:pPr algn="ctr"/>
-            <a:r>
-              <a:rPr lang="en-US" dirty="0" smtClean="0"/>
-              <a:t>Read (Query)</a:t>
-            </a:r>
-            <a:endParaRPr lang="en-US" dirty="0"/>
-          </a:p>
-        </p:txBody>
-      </p:sp>
-      <p:sp>
-        <p:nvSpPr>
-          <p:cNvPr id="21" name="TextBox 20"/>
-          <p:cNvSpPr txBox="1"/>
-          <p:nvPr/>
-        </p:nvSpPr>
-        <p:spPr>
-          <a:xfrm>
-            <a:off x="0" y="0"/>
-            <a:ext cx="762000" cy="369332"/>
-          </a:xfrm>
-          <a:prstGeom prst="rect">
-            <a:avLst/>
-          </a:prstGeom>
-          <a:noFill/>
-        </p:spPr>
-        <p:txBody>
-          <a:bodyPr wrap="square" rtlCol="0">
-            <a:spAutoFit/>
-          </a:bodyPr>
-          <a:lstStyle/>
-          <a:p>
-            <a:r>
-              <a:rPr lang="en-US" dirty="0" smtClean="0">
-                <a:solidFill>
-                  <a:schemeClr val="accent1">
-                    <a:lumMod val="60000"/>
-                    <a:lumOff val="40000"/>
-                  </a:schemeClr>
-                </a:solidFill>
-                <a:latin typeface="Berlin Sans FB" pitchFamily="34" charset="0"/>
-              </a:rPr>
-              <a:t>demo</a:t>
-            </a:r>
-            <a:endParaRPr lang="en-US" dirty="0">
-              <a:solidFill>
-                <a:schemeClr val="accent1">
-                  <a:lumMod val="60000"/>
-                  <a:lumOff val="40000"/>
-                </a:schemeClr>
-              </a:solidFill>
-              <a:latin typeface="Berlin Sans FB" pitchFamily="34" charset="0"/>
-            </a:endParaRPr>
-          </a:p>
-        </p:txBody>
-      </p:sp>
-    </p:spTree>
-    <p:extLst>
-      <p:ext uri="{BB962C8B-B14F-4D97-AF65-F5344CB8AC3E}">
-        <p14:creationId xmlns:p14="http://schemas.microsoft.com/office/powerpoint/2010/main" val="481785143"/>
-      </p:ext>
-    </p:extLst>
-  </p:cSld>
-  <p:clrMapOvr>
-    <a:masterClrMapping/>
-  </p:clrMapOvr>
-  <mc:AlternateContent xmlns:mc="http://schemas.openxmlformats.org/markup-compatibility/2006" xmlns:p14="http://schemas.microsoft.com/office/powerpoint/2010/main">
-    <mc:Choice Requires="p14">
-      <p:transition spd="slow" p14:dur="2000"/>
-    </mc:Choice>
-    <mc:Fallback xmlns="">
-      <p:transition spd="slow"/>
-    </mc:Fallback>
-  </mc:AlternateContent>
-  <p:timing>
-    <p:tnLst>
-      <p:par>
-        <p:cTn id="1" dur="indefinite" restart="never" nodeType="tmRoot"/>
-      </p:par>
-    </p:tnLst>
-  </p:timing>
-</p:sld>
-</file>
-
-<file path=ppt/slides/slide11.xml><?xml version="1.0" encoding="utf-8"?>
-<p:sld xmlns:a="http://schemas.openxmlformats.org/drawingml/2006/main" xmlns:r="http://schemas.openxmlformats.org/officeDocument/2006/relationships" xmlns:p="http://schemas.openxmlformats.org/presentationml/2006/main">
-  <p:cSld>
-    <p:spTree>
-      <p:nvGrpSpPr>
-        <p:cNvPr id="1" name=""/>
-        <p:cNvGrpSpPr/>
-        <p:nvPr/>
-      </p:nvGrpSpPr>
-      <p:grpSpPr>
-        <a:xfrm>
-          <a:off x="0" y="0"/>
-          <a:ext cx="0" cy="0"/>
-          <a:chOff x="0" y="0"/>
-          <a:chExt cx="0" cy="0"/>
-        </a:xfrm>
-      </p:grpSpPr>
-      <p:sp>
-        <p:nvSpPr>
           <p:cNvPr id="3" name="Title 2"/>
           <p:cNvSpPr>
             <a:spLocks noGrp="1"/>
@@ -11041,7 +10142,7 @@
 </p:sld>
 </file>
 
-<file path=ppt/slides/slide12.xml><?xml version="1.0" encoding="utf-8"?>
+<file path=ppt/slides/slide11.xml><?xml version="1.0" encoding="utf-8"?>
 <p:sld xmlns:a="http://schemas.openxmlformats.org/drawingml/2006/main" xmlns:r="http://schemas.openxmlformats.org/officeDocument/2006/relationships" xmlns:p="http://schemas.openxmlformats.org/presentationml/2006/main">
   <p:cSld>
     <p:spTree>
@@ -11385,6 +10486,127 @@
 </p:sld>
 </file>
 
+<file path=ppt/slides/slide12.xml><?xml version="1.0" encoding="utf-8"?>
+<p:sld xmlns:a="http://schemas.openxmlformats.org/drawingml/2006/main" xmlns:r="http://schemas.openxmlformats.org/officeDocument/2006/relationships" xmlns:p="http://schemas.openxmlformats.org/presentationml/2006/main">
+  <p:cSld>
+    <p:spTree>
+      <p:nvGrpSpPr>
+        <p:cNvPr id="1" name=""/>
+        <p:cNvGrpSpPr/>
+        <p:nvPr/>
+      </p:nvGrpSpPr>
+      <p:grpSpPr>
+        <a:xfrm>
+          <a:off x="0" y="0"/>
+          <a:ext cx="0" cy="0"/>
+          <a:chOff x="0" y="0"/>
+          <a:chExt cx="0" cy="0"/>
+        </a:xfrm>
+      </p:grpSpPr>
+      <p:sp>
+        <p:nvSpPr>
+          <p:cNvPr id="3" name="Title 2"/>
+          <p:cNvSpPr>
+            <a:spLocks noGrp="1"/>
+          </p:cNvSpPr>
+          <p:nvPr>
+            <p:ph type="title"/>
+          </p:nvPr>
+        </p:nvSpPr>
+        <p:spPr/>
+        <p:txBody>
+          <a:bodyPr/>
+          <a:lstStyle/>
+          <a:p>
+            <a:r>
+              <a:rPr lang="en-US" dirty="0" smtClean="0"/>
+              <a:t>Benefits:</a:t>
+            </a:r>
+            <a:endParaRPr lang="en-US" dirty="0"/>
+          </a:p>
+        </p:txBody>
+      </p:sp>
+      <p:sp>
+        <p:nvSpPr>
+          <p:cNvPr id="2" name="Content Placeholder 1"/>
+          <p:cNvSpPr>
+            <a:spLocks noGrp="1"/>
+          </p:cNvSpPr>
+          <p:nvPr>
+            <p:ph idx="1"/>
+          </p:nvPr>
+        </p:nvSpPr>
+        <p:spPr/>
+        <p:txBody>
+          <a:bodyPr>
+            <a:normAutofit/>
+          </a:bodyPr>
+          <a:lstStyle/>
+          <a:p>
+            <a:r>
+              <a:rPr lang="en-US" dirty="0" smtClean="0"/>
+              <a:t>Requires discussion and analysis with business</a:t>
+            </a:r>
+          </a:p>
+          <a:p>
+            <a:pPr lvl="1"/>
+            <a:r>
+              <a:rPr lang="en-US" dirty="0" smtClean="0"/>
+              <a:t>Development gains greater understanding of domain</a:t>
+            </a:r>
+          </a:p>
+          <a:p>
+            <a:pPr lvl="1"/>
+            <a:r>
+              <a:rPr lang="en-US" dirty="0" smtClean="0"/>
+              <a:t>UI is modeled after actual business workflow</a:t>
+            </a:r>
+          </a:p>
+          <a:p>
+            <a:pPr lvl="1"/>
+            <a:r>
+              <a:rPr lang="en-US" dirty="0" smtClean="0"/>
+              <a:t>UI is more intuitive for new users</a:t>
+            </a:r>
+          </a:p>
+          <a:p>
+            <a:pPr lvl="1"/>
+            <a:r>
+              <a:rPr lang="en-US" dirty="0" smtClean="0"/>
+              <a:t>Removes dependency on users being trained to use the system</a:t>
+            </a:r>
+            <a:endParaRPr lang="en-US" dirty="0"/>
+          </a:p>
+        </p:txBody>
+      </p:sp>
+    </p:spTree>
+    <p:extLst>
+      <p:ext uri="{BB962C8B-B14F-4D97-AF65-F5344CB8AC3E}">
+        <p14:creationId xmlns:p14="http://schemas.microsoft.com/office/powerpoint/2010/main" val="3577022792"/>
+      </p:ext>
+    </p:extLst>
+  </p:cSld>
+  <p:clrMapOvr>
+    <a:masterClrMapping/>
+  </p:clrMapOvr>
+  <mc:AlternateContent xmlns:mc="http://schemas.openxmlformats.org/markup-compatibility/2006" xmlns:p14="http://schemas.microsoft.com/office/powerpoint/2010/main">
+    <mc:Choice Requires="p14">
+      <p:transition spd="slow" p14:dur="2000"/>
+    </mc:Choice>
+    <mc:Fallback xmlns="">
+      <p:transition spd="slow"/>
+    </mc:Fallback>
+  </mc:AlternateContent>
+  <p:timing>
+    <p:tnLst>
+      <p:par>
+        <p:cTn id="1" dur="indefinite" restart="never" nodeType="tmRoot"/>
+      </p:par>
+    </p:tnLst>
+  </p:timing>
+</p:sld>
+</file>
+
 <file path=ppt/slides/slide13.xml><?xml version="1.0" encoding="utf-8"?>
 <p:sld xmlns:a="http://schemas.openxmlformats.org/drawingml/2006/main" xmlns:r="http://schemas.openxmlformats.org/officeDocument/2006/relationships" xmlns:p="http://schemas.openxmlformats.org/presentationml/2006/main">
   <p:cSld>
@@ -11419,7 +10641,7 @@
           <a:p>
             <a:r>
               <a:rPr lang="en-US" dirty="0" smtClean="0"/>
-              <a:t>Benefits:</a:t>
+              <a:t>Anti-Patterns:</a:t>
             </a:r>
             <a:endParaRPr lang="en-US" dirty="0"/>
           </a:p>
@@ -11437,51 +10659,64 @@
         </p:nvSpPr>
         <p:spPr/>
         <p:txBody>
-          <a:bodyPr>
-            <a:normAutofit/>
-          </a:bodyPr>
+          <a:bodyPr/>
           <a:lstStyle/>
           <a:p>
             <a:r>
               <a:rPr lang="en-US" dirty="0" smtClean="0"/>
-              <a:t>Requires discussion and analysis with business</a:t>
+              <a:t>Commands in the past tense</a:t>
             </a:r>
           </a:p>
           <a:p>
             <a:pPr lvl="1"/>
             <a:r>
               <a:rPr lang="en-US" dirty="0" smtClean="0"/>
-              <a:t>Development gains greater understanding of domain</a:t>
+              <a:t>Commands can be accepted or rejected</a:t>
             </a:r>
           </a:p>
           <a:p>
             <a:pPr lvl="1"/>
             <a:r>
               <a:rPr lang="en-US" dirty="0" smtClean="0"/>
-              <a:t>UI is modeled after actual business workflow</a:t>
+              <a:t>Example: Permissions on invoking an action</a:t>
+            </a:r>
+          </a:p>
+          <a:p>
+            <a:r>
+              <a:rPr lang="en-US" dirty="0" smtClean="0"/>
+              <a:t>CRUD based commands</a:t>
             </a:r>
           </a:p>
           <a:p>
             <a:pPr lvl="1"/>
             <a:r>
               <a:rPr lang="en-US" dirty="0" smtClean="0"/>
-              <a:t>UI is more intuitive for new users</a:t>
-            </a:r>
+              <a:t>Bad – </a:t>
+            </a:r>
+            <a:r>
+              <a:rPr lang="en-US" dirty="0" err="1" smtClean="0"/>
+              <a:t>ChangeAddress</a:t>
+            </a:r>
+            <a:endParaRPr lang="en-US" dirty="0" smtClean="0"/>
           </a:p>
           <a:p>
             <a:pPr lvl="1"/>
             <a:r>
               <a:rPr lang="en-US" dirty="0" smtClean="0"/>
-              <a:t>Removes dependency on users being trained to use the system</a:t>
-            </a:r>
-            <a:endParaRPr lang="en-US" dirty="0"/>
+              <a:t>Good - </a:t>
+            </a:r>
+            <a:r>
+              <a:rPr lang="en-US" dirty="0" err="1" smtClean="0"/>
+              <a:t>MoveEmployee</a:t>
+            </a:r>
+            <a:endParaRPr lang="en-US" dirty="0" smtClean="0"/>
           </a:p>
         </p:txBody>
       </p:sp>
     </p:spTree>
     <p:extLst>
       <p:ext uri="{BB962C8B-B14F-4D97-AF65-F5344CB8AC3E}">
-        <p14:creationId xmlns:p14="http://schemas.microsoft.com/office/powerpoint/2010/main" val="3577022792"/>
+        <p14:creationId xmlns:p14="http://schemas.microsoft.com/office/powerpoint/2010/main" val="386919599"/>
       </p:ext>
     </p:extLst>
   </p:cSld>
@@ -11523,9 +10758,71 @@
           <a:chExt cx="0" cy="0"/>
         </a:xfrm>
       </p:grpSpPr>
+      <p:pic>
+        <p:nvPicPr>
+          <p:cNvPr id="7" name="Picture 2"/>
+          <p:cNvPicPr>
+            <a:picLocks noChangeAspect="1" noChangeArrowheads="1"/>
+          </p:cNvPicPr>
+          <p:nvPr/>
+        </p:nvPicPr>
+        <p:blipFill rotWithShape="1">
+          <a:blip r:embed="rId2">
+            <a:extLst>
+              <a:ext uri="{28A0092B-C50C-407E-A947-70E740481C1C}">
+                <a14:useLocalDpi xmlns:a14="http://schemas.microsoft.com/office/drawing/2010/main" val="0"/>
+              </a:ext>
+            </a:extLst>
+          </a:blip>
+          <a:srcRect l="-851" t="-7324" r="-2831"/>
+          <a:stretch/>
+        </p:blipFill>
+        <p:spPr bwMode="auto">
+          <a:xfrm>
+            <a:off x="1585475" y="1935163"/>
+            <a:ext cx="5973050" cy="4465637"/>
+          </a:xfrm>
+          <a:prstGeom prst="rect">
+            <a:avLst/>
+          </a:prstGeom>
+          <a:noFill/>
+          <a:ln>
+            <a:noFill/>
+          </a:ln>
+          <a:effectLst/>
+          <a:extLst>
+            <a:ext uri="{909E8E84-426E-40DD-AFC4-6F175D3DCCD1}">
+              <a14:hiddenFill xmlns:a14="http://schemas.microsoft.com/office/drawing/2010/main">
+                <a:solidFill>
+                  <a:schemeClr val="accent1"/>
+                </a:solidFill>
+              </a14:hiddenFill>
+            </a:ext>
+            <a:ext uri="{91240B29-F687-4F45-9708-019B960494DF}">
+              <a14:hiddenLine xmlns:a14="http://schemas.microsoft.com/office/drawing/2010/main" w="9525">
+                <a:solidFill>
+                  <a:schemeClr val="tx1"/>
+                </a:solidFill>
+                <a:miter lim="800000"/>
+                <a:headEnd/>
+                <a:tailEnd/>
+              </a14:hiddenLine>
+            </a:ext>
+            <a:ext uri="{AF507438-7753-43E0-B8FC-AC1667EBCBE1}">
+              <a14:hiddenEffects xmlns:a14="http://schemas.microsoft.com/office/drawing/2010/main">
+                <a:effectLst>
+                  <a:outerShdw dist="35921" dir="2700000" algn="ctr" rotWithShape="0">
+                    <a:schemeClr val="bg2"/>
+                  </a:outerShdw>
+                </a:effectLst>
+              </a14:hiddenEffects>
+            </a:ext>
+          </a:extLst>
+        </p:spPr>
+      </p:pic>
       <p:sp>
         <p:nvSpPr>
-          <p:cNvPr id="3" name="Title 2"/>
+          <p:cNvPr id="2" name="Title 1"/>
           <p:cNvSpPr>
             <a:spLocks noGrp="1"/>
           </p:cNvSpPr>
@@ -11535,71 +10832,235 @@
         </p:nvSpPr>
         <p:spPr/>
         <p:txBody>
-          <a:bodyPr/>
+          <a:bodyPr>
+            <a:noAutofit/>
+          </a:bodyPr>
           <a:lstStyle/>
           <a:p>
             <a:r>
-              <a:rPr lang="en-US" dirty="0" smtClean="0"/>
-              <a:t>Anti-Patterns:</a:t>
-            </a:r>
-            <a:endParaRPr lang="en-US" dirty="0"/>
+              <a:rPr lang="en-US" sz="5400" dirty="0" smtClean="0"/>
+              <a:t>Events</a:t>
+            </a:r>
+            <a:endParaRPr lang="en-US" sz="5400" dirty="0"/>
+          </a:p>
+        </p:txBody>
+      </p:sp>
+      <p:grpSp>
+        <p:nvGrpSpPr>
+          <p:cNvPr id="8" name="Group 7"/>
+          <p:cNvGrpSpPr/>
+          <p:nvPr/>
+        </p:nvGrpSpPr>
+        <p:grpSpPr>
+          <a:xfrm>
+            <a:off x="609600" y="2306200"/>
+            <a:ext cx="914400" cy="1219200"/>
+            <a:chOff x="609600" y="2438400"/>
+            <a:chExt cx="914400" cy="1219200"/>
+          </a:xfrm>
+          <a:solidFill>
+            <a:srgbClr val="0070C0"/>
+          </a:solidFill>
+        </p:grpSpPr>
+        <p:sp>
+          <p:nvSpPr>
+            <p:cNvPr id="9" name="Flowchart: Magnetic Disk 8"/>
+            <p:cNvSpPr/>
+            <p:nvPr/>
+          </p:nvSpPr>
+          <p:spPr>
+            <a:xfrm>
+              <a:off x="609600" y="2438400"/>
+              <a:ext cx="914400" cy="1219200"/>
+            </a:xfrm>
+            <a:prstGeom prst="flowChartMagneticDisk">
+              <a:avLst/>
+            </a:prstGeom>
+            <a:grpFill/>
+          </p:spPr>
+          <p:style>
+            <a:lnRef idx="2">
+              <a:schemeClr val="accent1">
+                <a:shade val="50000"/>
+              </a:schemeClr>
+            </a:lnRef>
+            <a:fillRef idx="1">
+              <a:schemeClr val="accent1"/>
+            </a:fillRef>
+            <a:effectRef idx="0">
+              <a:schemeClr val="accent1"/>
+            </a:effectRef>
+            <a:fontRef idx="minor">
+              <a:schemeClr val="lt1"/>
+            </a:fontRef>
+          </p:style>
+          <p:txBody>
+            <a:bodyPr rtlCol="0" anchor="ctr"/>
+            <a:lstStyle/>
+            <a:p>
+              <a:pPr algn="ctr"/>
+              <a:endParaRPr lang="en-US" b="1">
+                <a:ln w="12700">
+                  <a:solidFill>
+                    <a:schemeClr val="tx2">
+                      <a:satMod val="155000"/>
+                    </a:schemeClr>
+                  </a:solidFill>
+                  <a:prstDash val="solid"/>
+                </a:ln>
+                <a:solidFill>
+                  <a:schemeClr val="bg2">
+                    <a:tint val="85000"/>
+                    <a:satMod val="155000"/>
+                  </a:schemeClr>
+                </a:solidFill>
+                <a:effectLst>
+                  <a:outerShdw blurRad="41275" dist="20320" dir="1800000" algn="tl" rotWithShape="0">
+                    <a:srgbClr val="000000">
+                      <a:alpha val="40000"/>
+                    </a:srgbClr>
+                  </a:outerShdw>
+                </a:effectLst>
+              </a:endParaRPr>
+            </a:p>
+          </p:txBody>
+        </p:sp>
+        <p:sp>
+          <p:nvSpPr>
+            <p:cNvPr id="10" name="TextBox 9"/>
+            <p:cNvSpPr txBox="1"/>
+            <p:nvPr/>
+          </p:nvSpPr>
+          <p:spPr>
+            <a:xfrm>
+              <a:off x="685800" y="2877236"/>
+              <a:ext cx="762000" cy="646331"/>
+            </a:xfrm>
+            <a:prstGeom prst="rect">
+              <a:avLst/>
+            </a:prstGeom>
+            <a:grpFill/>
+          </p:spPr>
+          <p:txBody>
+            <a:bodyPr wrap="square" rtlCol="0">
+              <a:spAutoFit/>
+            </a:bodyPr>
+            <a:lstStyle/>
+            <a:p>
+              <a:pPr algn="ctr"/>
+              <a:r>
+                <a:rPr lang="en-US" dirty="0" smtClean="0">
+                  <a:solidFill>
+                    <a:schemeClr val="bg1"/>
+                  </a:solidFill>
+                </a:rPr>
+                <a:t>Event Log</a:t>
+              </a:r>
+              <a:endParaRPr lang="en-US" dirty="0">
+                <a:solidFill>
+                  <a:schemeClr val="bg1"/>
+                </a:solidFill>
+              </a:endParaRPr>
+            </a:p>
+          </p:txBody>
+        </p:sp>
+      </p:grpSp>
+      <p:sp>
+        <p:nvSpPr>
+          <p:cNvPr id="6" name="Oval 5"/>
+          <p:cNvSpPr/>
+          <p:nvPr/>
+        </p:nvSpPr>
+        <p:spPr>
+          <a:xfrm rot="15954761">
+            <a:off x="1803446" y="214052"/>
+            <a:ext cx="1880931" cy="5338738"/>
+          </a:xfrm>
+          <a:prstGeom prst="ellipse">
+            <a:avLst/>
+          </a:prstGeom>
+          <a:noFill/>
+          <a:ln>
+            <a:solidFill>
+              <a:srgbClr val="FF0000"/>
+            </a:solidFill>
+          </a:ln>
+        </p:spPr>
+        <p:style>
+          <a:lnRef idx="2">
+            <a:schemeClr val="accent1">
+              <a:shade val="50000"/>
+            </a:schemeClr>
+          </a:lnRef>
+          <a:fillRef idx="1">
+            <a:schemeClr val="accent1"/>
+          </a:fillRef>
+          <a:effectRef idx="0">
+            <a:schemeClr val="accent1"/>
+          </a:effectRef>
+          <a:fontRef idx="minor">
+            <a:schemeClr val="lt1"/>
+          </a:fontRef>
+        </p:style>
+        <p:txBody>
+          <a:bodyPr rtlCol="0" anchor="ctr"/>
+          <a:lstStyle/>
+          <a:p>
+            <a:pPr algn="ctr"/>
+            <a:endParaRPr lang="en-US"/>
           </a:p>
         </p:txBody>
       </p:sp>
       <p:sp>
         <p:nvSpPr>
-          <p:cNvPr id="2" name="Content Placeholder 1"/>
-          <p:cNvSpPr>
-            <a:spLocks noGrp="1"/>
-          </p:cNvSpPr>
-          <p:nvPr>
-            <p:ph idx="1"/>
-          </p:nvPr>
+          <p:cNvPr id="11" name="TextBox 10"/>
+          <p:cNvSpPr txBox="1"/>
+          <p:nvPr/>
         </p:nvSpPr>
-        <p:spPr/>
+        <p:spPr>
+          <a:xfrm>
+            <a:off x="0" y="0"/>
+            <a:ext cx="762000" cy="369332"/>
+          </a:xfrm>
+          <a:prstGeom prst="rect">
+            <a:avLst/>
+          </a:prstGeom>
+          <a:noFill/>
+        </p:spPr>
         <p:txBody>
-          <a:bodyPr/>
+          <a:bodyPr wrap="square" rtlCol="0">
+            <a:spAutoFit/>
+          </a:bodyPr>
           <a:lstStyle/>
           <a:p>
             <a:r>
-              <a:rPr lang="en-US" dirty="0" smtClean="0"/>
-              <a:t>Commands in the past tense</a:t>
-            </a:r>
-          </a:p>
-          <a:p>
-            <a:pPr lvl="1"/>
-            <a:r>
-              <a:rPr lang="en-US" dirty="0" smtClean="0"/>
-              <a:t>Commands can be accepted or rejected</a:t>
-            </a:r>
-          </a:p>
-          <a:p>
-            <a:pPr lvl="1"/>
-            <a:r>
-              <a:rPr lang="en-US" dirty="0" smtClean="0"/>
-              <a:t>Example: Permissions on invoking an action</a:t>
-            </a:r>
-          </a:p>
-          <a:p>
-            <a:r>
-              <a:rPr lang="en-US" dirty="0" smtClean="0"/>
-              <a:t>CRUD based commands</a:t>
-            </a:r>
-          </a:p>
-          <a:p>
-            <a:pPr lvl="1"/>
-            <a:r>
-              <a:rPr lang="en-US" dirty="0" err="1" smtClean="0"/>
-              <a:t>ChangeAddressCommand</a:t>
-            </a:r>
-            <a:endParaRPr lang="en-US" dirty="0" smtClean="0"/>
+              <a:rPr lang="en-US" dirty="0" smtClean="0">
+                <a:solidFill>
+                  <a:schemeClr val="accent1">
+                    <a:lumMod val="60000"/>
+                    <a:lumOff val="40000"/>
+                  </a:schemeClr>
+                </a:solidFill>
+                <a:latin typeface="Berlin Sans FB" pitchFamily="34" charset="0"/>
+              </a:rPr>
+              <a:t>demo</a:t>
+            </a:r>
+            <a:endParaRPr lang="en-US" dirty="0">
+              <a:solidFill>
+                <a:schemeClr val="accent1">
+                  <a:lumMod val="60000"/>
+                  <a:lumOff val="40000"/>
+                </a:schemeClr>
+              </a:solidFill>
+              <a:latin typeface="Berlin Sans FB" pitchFamily="34" charset="0"/>
+            </a:endParaRPr>
           </a:p>
         </p:txBody>
       </p:sp>
     </p:spTree>
     <p:extLst>
       <p:ext uri="{BB962C8B-B14F-4D97-AF65-F5344CB8AC3E}">
-        <p14:creationId xmlns:p14="http://schemas.microsoft.com/office/powerpoint/2010/main" val="386919599"/>
+        <p14:creationId xmlns:p14="http://schemas.microsoft.com/office/powerpoint/2010/main" val="3257965926"/>
       </p:ext>
     </p:extLst>
   </p:cSld>
@@ -11625,6 +11086,532 @@
 </file>
 
 <file path=ppt/slides/slide15.xml><?xml version="1.0" encoding="utf-8"?>
+<p:sld xmlns:a="http://schemas.openxmlformats.org/drawingml/2006/main" xmlns:r="http://schemas.openxmlformats.org/officeDocument/2006/relationships" xmlns:p="http://schemas.openxmlformats.org/presentationml/2006/main">
+  <p:cSld>
+    <p:spTree>
+      <p:nvGrpSpPr>
+        <p:cNvPr id="1" name=""/>
+        <p:cNvGrpSpPr/>
+        <p:nvPr/>
+      </p:nvGrpSpPr>
+      <p:grpSpPr>
+        <a:xfrm>
+          <a:off x="0" y="0"/>
+          <a:ext cx="0" cy="0"/>
+          <a:chOff x="0" y="0"/>
+          <a:chExt cx="0" cy="0"/>
+        </a:xfrm>
+      </p:grpSpPr>
+      <p:sp>
+        <p:nvSpPr>
+          <p:cNvPr id="3" name="Title 2"/>
+          <p:cNvSpPr>
+            <a:spLocks noGrp="1"/>
+          </p:cNvSpPr>
+          <p:nvPr>
+            <p:ph type="title"/>
+          </p:nvPr>
+        </p:nvSpPr>
+        <p:spPr/>
+        <p:txBody>
+          <a:bodyPr/>
+          <a:lstStyle/>
+          <a:p>
+            <a:r>
+              <a:rPr lang="en-US" dirty="0" smtClean="0"/>
+              <a:t>Benefits:</a:t>
+            </a:r>
+            <a:endParaRPr lang="en-US" dirty="0"/>
+          </a:p>
+        </p:txBody>
+      </p:sp>
+      <p:sp>
+        <p:nvSpPr>
+          <p:cNvPr id="2" name="Content Placeholder 1"/>
+          <p:cNvSpPr>
+            <a:spLocks noGrp="1"/>
+          </p:cNvSpPr>
+          <p:nvPr>
+            <p:ph idx="1"/>
+          </p:nvPr>
+        </p:nvSpPr>
+        <p:spPr/>
+        <p:txBody>
+          <a:bodyPr/>
+          <a:lstStyle/>
+          <a:p>
+            <a:r>
+              <a:rPr lang="en-US" dirty="0"/>
+              <a:t>Ability to create new projections</a:t>
+            </a:r>
+          </a:p>
+          <a:p>
+            <a:pPr lvl="1"/>
+            <a:r>
+              <a:rPr lang="en-US" dirty="0"/>
+              <a:t>Can replay events to populate new views for business</a:t>
+            </a:r>
+          </a:p>
+          <a:p>
+            <a:r>
+              <a:rPr lang="en-US" dirty="0"/>
+              <a:t>Can switch to event sourcing if cost efficient</a:t>
+            </a:r>
+          </a:p>
+          <a:p>
+            <a:pPr lvl="1"/>
+            <a:r>
+              <a:rPr lang="en-US" dirty="0"/>
+              <a:t>Replace 3nf DB altogether and load aggregates from events</a:t>
+            </a:r>
+          </a:p>
+        </p:txBody>
+      </p:sp>
+    </p:spTree>
+    <p:extLst>
+      <p:ext uri="{BB962C8B-B14F-4D97-AF65-F5344CB8AC3E}">
+        <p14:creationId xmlns:p14="http://schemas.microsoft.com/office/powerpoint/2010/main" val="1411249776"/>
+      </p:ext>
+    </p:extLst>
+  </p:cSld>
+  <p:clrMapOvr>
+    <a:masterClrMapping/>
+  </p:clrMapOvr>
+  <mc:AlternateContent xmlns:mc="http://schemas.openxmlformats.org/markup-compatibility/2006" xmlns:p14="http://schemas.microsoft.com/office/powerpoint/2010/main">
+    <mc:Choice Requires="p14">
+      <p:transition spd="slow" p14:dur="2000"/>
+    </mc:Choice>
+    <mc:Fallback xmlns="">
+      <p:transition spd="slow"/>
+    </mc:Fallback>
+  </mc:AlternateContent>
+  <p:timing>
+    <p:tnLst>
+      <p:par>
+        <p:cTn id="1" dur="indefinite" restart="never" nodeType="tmRoot"/>
+      </p:par>
+    </p:tnLst>
+  </p:timing>
+</p:sld>
+</file>
+
+<file path=ppt/slides/slide16.xml><?xml version="1.0" encoding="utf-8"?>
+<p:sld xmlns:a="http://schemas.openxmlformats.org/drawingml/2006/main" xmlns:r="http://schemas.openxmlformats.org/officeDocument/2006/relationships" xmlns:p="http://schemas.openxmlformats.org/presentationml/2006/main">
+  <p:cSld>
+    <p:spTree>
+      <p:nvGrpSpPr>
+        <p:cNvPr id="1" name=""/>
+        <p:cNvGrpSpPr/>
+        <p:nvPr/>
+      </p:nvGrpSpPr>
+      <p:grpSpPr>
+        <a:xfrm>
+          <a:off x="0" y="0"/>
+          <a:ext cx="0" cy="0"/>
+          <a:chOff x="0" y="0"/>
+          <a:chExt cx="0" cy="0"/>
+        </a:xfrm>
+      </p:grpSpPr>
+      <p:pic>
+        <p:nvPicPr>
+          <p:cNvPr id="2" name="Picture Placeholder 5"/>
+          <p:cNvPicPr>
+            <a:picLocks noChangeAspect="1"/>
+          </p:cNvPicPr>
+          <p:nvPr/>
+        </p:nvPicPr>
+        <p:blipFill>
+          <a:blip r:embed="rId2">
+            <a:extLst>
+              <a:ext uri="{28A0092B-C50C-407E-A947-70E740481C1C}">
+                <a14:useLocalDpi xmlns:a14="http://schemas.microsoft.com/office/drawing/2010/main" val="0"/>
+              </a:ext>
+            </a:extLst>
+          </a:blip>
+          <a:srcRect l="8725" r="8725"/>
+          <a:stretch>
+            <a:fillRect/>
+          </a:stretch>
+        </p:blipFill>
+        <p:spPr>
+          <a:xfrm>
+            <a:off x="745340" y="170656"/>
+            <a:ext cx="7653321" cy="6516689"/>
+          </a:xfrm>
+          <a:prstGeom prst="rect">
+            <a:avLst/>
+          </a:prstGeom>
+        </p:spPr>
+      </p:pic>
+    </p:spTree>
+    <p:extLst>
+      <p:ext uri="{BB962C8B-B14F-4D97-AF65-F5344CB8AC3E}">
+        <p14:creationId xmlns:p14="http://schemas.microsoft.com/office/powerpoint/2010/main" val="2702923953"/>
+      </p:ext>
+    </p:extLst>
+  </p:cSld>
+  <p:clrMapOvr>
+    <a:masterClrMapping/>
+  </p:clrMapOvr>
+  <p:timing>
+    <p:tnLst>
+      <p:par>
+        <p:cTn id="1" dur="indefinite" restart="never" nodeType="tmRoot"/>
+      </p:par>
+    </p:tnLst>
+  </p:timing>
+</p:sld>
+</file>
+
+<file path=ppt/slides/slide17.xml><?xml version="1.0" encoding="utf-8"?>
+<p:sld xmlns:a="http://schemas.openxmlformats.org/drawingml/2006/main" xmlns:r="http://schemas.openxmlformats.org/officeDocument/2006/relationships" xmlns:p="http://schemas.openxmlformats.org/presentationml/2006/main">
+  <p:cSld>
+    <p:spTree>
+      <p:nvGrpSpPr>
+        <p:cNvPr id="1" name=""/>
+        <p:cNvGrpSpPr/>
+        <p:nvPr/>
+      </p:nvGrpSpPr>
+      <p:grpSpPr>
+        <a:xfrm>
+          <a:off x="0" y="0"/>
+          <a:ext cx="0" cy="0"/>
+          <a:chOff x="0" y="0"/>
+          <a:chExt cx="0" cy="0"/>
+        </a:xfrm>
+      </p:grpSpPr>
+      <p:graphicFrame>
+        <p:nvGraphicFramePr>
+          <p:cNvPr id="2" name="Content Placeholder 3"/>
+          <p:cNvGraphicFramePr>
+            <a:graphicFrameLocks/>
+          </p:cNvGraphicFramePr>
+          <p:nvPr>
+            <p:extLst>
+              <p:ext uri="{D42A27DB-BD31-4B8C-83A1-F6EECF244321}">
+                <p14:modId xmlns:p14="http://schemas.microsoft.com/office/powerpoint/2010/main" val="987027396"/>
+              </p:ext>
+            </p:extLst>
+          </p:nvPr>
+        </p:nvGraphicFramePr>
+        <p:xfrm>
+          <a:off x="304800" y="722313"/>
+          <a:ext cx="8534401" cy="5413375"/>
+        </p:xfrm>
+        <a:graphic>
+          <a:graphicData uri="http://schemas.openxmlformats.org/drawingml/2006/diagram">
+            <dgm:relIds xmlns:dgm="http://schemas.openxmlformats.org/drawingml/2006/diagram" xmlns:r="http://schemas.openxmlformats.org/officeDocument/2006/relationships" r:dm="rId2" r:lo="rId3" r:qs="rId4" r:cs="rId5"/>
+          </a:graphicData>
+        </a:graphic>
+      </p:graphicFrame>
+    </p:spTree>
+    <p:extLst>
+      <p:ext uri="{BB962C8B-B14F-4D97-AF65-F5344CB8AC3E}">
+        <p14:creationId xmlns:p14="http://schemas.microsoft.com/office/powerpoint/2010/main" val="2397426191"/>
+      </p:ext>
+    </p:extLst>
+  </p:cSld>
+  <p:clrMapOvr>
+    <a:masterClrMapping/>
+  </p:clrMapOvr>
+  <mc:AlternateContent xmlns:mc="http://schemas.openxmlformats.org/markup-compatibility/2006" xmlns:p14="http://schemas.microsoft.com/office/powerpoint/2010/main">
+    <mc:Choice Requires="p14">
+      <p:transition spd="slow" p14:dur="2000"/>
+    </mc:Choice>
+    <mc:Fallback xmlns="">
+      <p:transition spd="slow"/>
+    </mc:Fallback>
+  </mc:AlternateContent>
+  <p:timing>
+    <p:tnLst>
+      <p:par>
+        <p:cTn id="1" dur="indefinite" restart="never" nodeType="tmRoot"/>
+      </p:par>
+    </p:tnLst>
+  </p:timing>
+</p:sld>
+</file>
+
+<file path=ppt/slides/slide18.xml><?xml version="1.0" encoding="utf-8"?>
+<p:sld xmlns:a="http://schemas.openxmlformats.org/drawingml/2006/main" xmlns:r="http://schemas.openxmlformats.org/officeDocument/2006/relationships" xmlns:p="http://schemas.openxmlformats.org/presentationml/2006/main">
+  <p:cSld>
+    <p:spTree>
+      <p:nvGrpSpPr>
+        <p:cNvPr id="1" name=""/>
+        <p:cNvGrpSpPr/>
+        <p:nvPr/>
+      </p:nvGrpSpPr>
+      <p:grpSpPr>
+        <a:xfrm>
+          <a:off x="0" y="0"/>
+          <a:ext cx="0" cy="0"/>
+          <a:chOff x="0" y="0"/>
+          <a:chExt cx="0" cy="0"/>
+        </a:xfrm>
+      </p:grpSpPr>
+      <p:graphicFrame>
+        <p:nvGraphicFramePr>
+          <p:cNvPr id="3" name="Content Placeholder 3"/>
+          <p:cNvGraphicFramePr>
+            <a:graphicFrameLocks/>
+          </p:cNvGraphicFramePr>
+          <p:nvPr>
+            <p:extLst>
+              <p:ext uri="{D42A27DB-BD31-4B8C-83A1-F6EECF244321}">
+                <p14:modId xmlns:p14="http://schemas.microsoft.com/office/powerpoint/2010/main" val="3558920446"/>
+              </p:ext>
+            </p:extLst>
+          </p:nvPr>
+        </p:nvGraphicFramePr>
+        <p:xfrm>
+          <a:off x="304800" y="722313"/>
+          <a:ext cx="8534401" cy="5413375"/>
+        </p:xfrm>
+        <a:graphic>
+          <a:graphicData uri="http://schemas.openxmlformats.org/drawingml/2006/diagram">
+            <dgm:relIds xmlns:dgm="http://schemas.openxmlformats.org/drawingml/2006/diagram" xmlns:r="http://schemas.openxmlformats.org/officeDocument/2006/relationships" r:dm="rId2" r:lo="rId3" r:qs="rId4" r:cs="rId5"/>
+          </a:graphicData>
+        </a:graphic>
+      </p:graphicFrame>
+    </p:spTree>
+    <p:extLst>
+      <p:ext uri="{BB962C8B-B14F-4D97-AF65-F5344CB8AC3E}">
+        <p14:creationId xmlns:p14="http://schemas.microsoft.com/office/powerpoint/2010/main" val="1395429002"/>
+      </p:ext>
+    </p:extLst>
+  </p:cSld>
+  <p:clrMapOvr>
+    <a:masterClrMapping/>
+  </p:clrMapOvr>
+  <mc:AlternateContent xmlns:mc="http://schemas.openxmlformats.org/markup-compatibility/2006" xmlns:p14="http://schemas.microsoft.com/office/powerpoint/2010/main">
+    <mc:Choice Requires="p14">
+      <p:transition p14:dur="0"/>
+    </mc:Choice>
+    <mc:Fallback xmlns="">
+      <p:transition/>
+    </mc:Fallback>
+  </mc:AlternateContent>
+  <p:timing>
+    <p:tnLst>
+      <p:par>
+        <p:cTn id="1" dur="indefinite" restart="never" nodeType="tmRoot"/>
+      </p:par>
+    </p:tnLst>
+  </p:timing>
+</p:sld>
+</file>
+
+<file path=ppt/slides/slide19.xml><?xml version="1.0" encoding="utf-8"?>
+<p:sld xmlns:a="http://schemas.openxmlformats.org/drawingml/2006/main" xmlns:r="http://schemas.openxmlformats.org/officeDocument/2006/relationships" xmlns:p="http://schemas.openxmlformats.org/presentationml/2006/main">
+  <p:cSld>
+    <p:spTree>
+      <p:nvGrpSpPr>
+        <p:cNvPr id="1" name=""/>
+        <p:cNvGrpSpPr/>
+        <p:nvPr/>
+      </p:nvGrpSpPr>
+      <p:grpSpPr>
+        <a:xfrm>
+          <a:off x="0" y="0"/>
+          <a:ext cx="0" cy="0"/>
+          <a:chOff x="0" y="0"/>
+          <a:chExt cx="0" cy="0"/>
+        </a:xfrm>
+      </p:grpSpPr>
+      <p:sp>
+        <p:nvSpPr>
+          <p:cNvPr id="3" name="Title 2"/>
+          <p:cNvSpPr>
+            <a:spLocks noGrp="1"/>
+          </p:cNvSpPr>
+          <p:nvPr>
+            <p:ph type="title"/>
+          </p:nvPr>
+        </p:nvSpPr>
+        <p:spPr/>
+        <p:txBody>
+          <a:bodyPr/>
+          <a:lstStyle/>
+          <a:p>
+            <a:r>
+              <a:rPr lang="en-US" dirty="0" smtClean="0"/>
+              <a:t>Anti-Patterns:</a:t>
+            </a:r>
+            <a:endParaRPr lang="en-US" dirty="0"/>
+          </a:p>
+        </p:txBody>
+      </p:sp>
+      <p:sp>
+        <p:nvSpPr>
+          <p:cNvPr id="2" name="Content Placeholder 1"/>
+          <p:cNvSpPr>
+            <a:spLocks noGrp="1"/>
+          </p:cNvSpPr>
+          <p:nvPr>
+            <p:ph idx="1"/>
+          </p:nvPr>
+        </p:nvSpPr>
+        <p:spPr/>
+        <p:txBody>
+          <a:bodyPr/>
+          <a:lstStyle/>
+          <a:p>
+            <a:r>
+              <a:rPr lang="en-US" dirty="0" smtClean="0"/>
+              <a:t>Events in present </a:t>
+            </a:r>
+            <a:r>
+              <a:rPr lang="en-US" dirty="0" smtClean="0"/>
+              <a:t>tense</a:t>
+            </a:r>
+          </a:p>
+          <a:p>
+            <a:pPr lvl="1"/>
+            <a:r>
+              <a:rPr lang="en-US" dirty="0" smtClean="0"/>
+              <a:t>Bad – </a:t>
+            </a:r>
+            <a:r>
+              <a:rPr lang="en-US" dirty="0" err="1" smtClean="0"/>
+              <a:t>MoveCustomer</a:t>
+            </a:r>
+            <a:endParaRPr lang="en-US" dirty="0" smtClean="0"/>
+          </a:p>
+          <a:p>
+            <a:pPr lvl="1"/>
+            <a:r>
+              <a:rPr lang="en-US" dirty="0" smtClean="0"/>
+              <a:t>Good - </a:t>
+            </a:r>
+            <a:r>
+              <a:rPr lang="en-US" dirty="0" err="1" smtClean="0"/>
+              <a:t>CustomerMoved</a:t>
+            </a:r>
+            <a:endParaRPr lang="en-US" dirty="0" smtClean="0"/>
+          </a:p>
+          <a:p>
+            <a:r>
+              <a:rPr lang="en-US" dirty="0" smtClean="0"/>
+              <a:t>Events have already happened you cannot change them</a:t>
+            </a:r>
+          </a:p>
+        </p:txBody>
+      </p:sp>
+    </p:spTree>
+    <p:extLst>
+      <p:ext uri="{BB962C8B-B14F-4D97-AF65-F5344CB8AC3E}">
+        <p14:creationId xmlns:p14="http://schemas.microsoft.com/office/powerpoint/2010/main" val="1882474965"/>
+      </p:ext>
+    </p:extLst>
+  </p:cSld>
+  <p:clrMapOvr>
+    <a:masterClrMapping/>
+  </p:clrMapOvr>
+  <mc:AlternateContent xmlns:mc="http://schemas.openxmlformats.org/markup-compatibility/2006" xmlns:p14="http://schemas.microsoft.com/office/powerpoint/2010/main">
+    <mc:Choice Requires="p14">
+      <p:transition spd="slow" p14:dur="2000"/>
+    </mc:Choice>
+    <mc:Fallback xmlns="">
+      <p:transition spd="slow"/>
+    </mc:Fallback>
+  </mc:AlternateContent>
+  <p:timing>
+    <p:tnLst>
+      <p:par>
+        <p:cTn id="1" dur="indefinite" restart="never" nodeType="tmRoot"/>
+      </p:par>
+    </p:tnLst>
+  </p:timing>
+</p:sld>
+</file>
+
+<file path=ppt/slides/slide2.xml><?xml version="1.0" encoding="utf-8"?>
+<p:sld xmlns:a="http://schemas.openxmlformats.org/drawingml/2006/main" xmlns:r="http://schemas.openxmlformats.org/officeDocument/2006/relationships" xmlns:p="http://schemas.openxmlformats.org/presentationml/2006/main">
+  <p:cSld>
+    <p:spTree>
+      <p:nvGrpSpPr>
+        <p:cNvPr id="1" name=""/>
+        <p:cNvGrpSpPr/>
+        <p:nvPr/>
+      </p:nvGrpSpPr>
+      <p:grpSpPr>
+        <a:xfrm>
+          <a:off x="0" y="0"/>
+          <a:ext cx="0" cy="0"/>
+          <a:chOff x="0" y="0"/>
+          <a:chExt cx="0" cy="0"/>
+        </a:xfrm>
+      </p:grpSpPr>
+      <p:pic>
+        <p:nvPicPr>
+          <p:cNvPr id="1026" name="Picture 2" descr="C:\Users\hansenr\Downloads\Sponsor Slide.png"/>
+          <p:cNvPicPr>
+            <a:picLocks noChangeAspect="1" noChangeArrowheads="1"/>
+          </p:cNvPicPr>
+          <p:nvPr/>
+        </p:nvPicPr>
+        <p:blipFill>
+          <a:blip r:embed="rId2">
+            <a:extLst>
+              <a:ext uri="{28A0092B-C50C-407E-A947-70E740481C1C}">
+                <a14:useLocalDpi xmlns:a14="http://schemas.microsoft.com/office/drawing/2010/main" val="0"/>
+              </a:ext>
+            </a:extLst>
+          </a:blip>
+          <a:srcRect/>
+          <a:stretch>
+            <a:fillRect/>
+          </a:stretch>
+        </p:blipFill>
+        <p:spPr bwMode="auto">
+          <a:xfrm>
+            <a:off x="3990" y="2754"/>
+            <a:ext cx="9136020" cy="6852492"/>
+          </a:xfrm>
+          <a:prstGeom prst="rect">
+            <a:avLst/>
+          </a:prstGeom>
+          <a:noFill/>
+          <a:extLst>
+            <a:ext uri="{909E8E84-426E-40DD-AFC4-6F175D3DCCD1}">
+              <a14:hiddenFill xmlns:a14="http://schemas.microsoft.com/office/drawing/2010/main">
+                <a:solidFill>
+                  <a:srgbClr val="FFFFFF"/>
+                </a:solidFill>
+              </a14:hiddenFill>
+            </a:ext>
+          </a:extLst>
+        </p:spPr>
+      </p:pic>
+    </p:spTree>
+    <p:extLst>
+      <p:ext uri="{BB962C8B-B14F-4D97-AF65-F5344CB8AC3E}">
+        <p14:creationId xmlns:p14="http://schemas.microsoft.com/office/powerpoint/2010/main" val="4263277224"/>
+      </p:ext>
+    </p:extLst>
+  </p:cSld>
+  <p:clrMapOvr>
+    <a:masterClrMapping/>
+  </p:clrMapOvr>
+  <mc:AlternateContent xmlns:mc="http://schemas.openxmlformats.org/markup-compatibility/2006" xmlns:p14="http://schemas.microsoft.com/office/powerpoint/2010/main">
+    <mc:Choice Requires="p14">
+      <p:transition spd="slow" p14:dur="2000"/>
+    </mc:Choice>
+    <mc:Fallback xmlns="">
+      <p:transition spd="slow"/>
+    </mc:Fallback>
+  </mc:AlternateContent>
+  <p:timing>
+    <p:tnLst>
+      <p:par>
+        <p:cTn id="1" dur="indefinite" restart="never" nodeType="tmRoot"/>
+      </p:par>
+    </p:tnLst>
+  </p:timing>
+</p:sld>
+</file>
+
+<file path=ppt/slides/slide20.xml><?xml version="1.0" encoding="utf-8"?>
 <p:sld xmlns:a="http://schemas.openxmlformats.org/drawingml/2006/main" xmlns:r="http://schemas.openxmlformats.org/officeDocument/2006/relationships" xmlns:p="http://schemas.openxmlformats.org/presentationml/2006/main">
   <p:cSld>
     <p:spTree>
@@ -11968,85 +11955,7 @@
 </p:sld>
 </file>
 
-<file path=ppt/slides/slide16.xml><?xml version="1.0" encoding="utf-8"?>
-<p:sld xmlns:a="http://schemas.openxmlformats.org/drawingml/2006/main" xmlns:r="http://schemas.openxmlformats.org/officeDocument/2006/relationships" xmlns:p="http://schemas.openxmlformats.org/presentationml/2006/main">
-  <p:cSld>
-    <p:spTree>
-      <p:nvGrpSpPr>
-        <p:cNvPr id="1" name=""/>
-        <p:cNvGrpSpPr/>
-        <p:nvPr/>
-      </p:nvGrpSpPr>
-      <p:grpSpPr>
-        <a:xfrm>
-          <a:off x="0" y="0"/>
-          <a:ext cx="0" cy="0"/>
-          <a:chOff x="0" y="0"/>
-          <a:chExt cx="0" cy="0"/>
-        </a:xfrm>
-      </p:grpSpPr>
-      <p:pic>
-        <p:nvPicPr>
-          <p:cNvPr id="2051" name="Picture 3" descr="C:\Users\hansenr\Desktop\10379589.jpg"/>
-          <p:cNvPicPr>
-            <a:picLocks noChangeAspect="1" noChangeArrowheads="1"/>
-          </p:cNvPicPr>
-          <p:nvPr/>
-        </p:nvPicPr>
-        <p:blipFill>
-          <a:blip r:embed="rId2">
-            <a:extLst>
-              <a:ext uri="{28A0092B-C50C-407E-A947-70E740481C1C}">
-                <a14:useLocalDpi xmlns:a14="http://schemas.microsoft.com/office/drawing/2010/main" val="0"/>
-              </a:ext>
-            </a:extLst>
-          </a:blip>
-          <a:srcRect/>
-          <a:stretch>
-            <a:fillRect/>
-          </a:stretch>
-        </p:blipFill>
-        <p:spPr bwMode="auto">
-          <a:xfrm>
-            <a:off x="2786063" y="1643063"/>
-            <a:ext cx="3571875" cy="3571875"/>
-          </a:xfrm>
-          <a:prstGeom prst="rect">
-            <a:avLst/>
-          </a:prstGeom>
-          <a:noFill/>
-          <a:extLst>
-            <a:ext uri="{909E8E84-426E-40DD-AFC4-6F175D3DCCD1}">
-              <a14:hiddenFill xmlns:a14="http://schemas.microsoft.com/office/drawing/2010/main">
-                <a:solidFill>
-                  <a:srgbClr val="FFFFFF"/>
-                </a:solidFill>
-              </a14:hiddenFill>
-            </a:ext>
-          </a:extLst>
-        </p:spPr>
-      </p:pic>
-    </p:spTree>
-    <p:extLst>
-      <p:ext uri="{BB962C8B-B14F-4D97-AF65-F5344CB8AC3E}">
-        <p14:creationId xmlns:p14="http://schemas.microsoft.com/office/powerpoint/2010/main" val="1994598091"/>
-      </p:ext>
-    </p:extLst>
-  </p:cSld>
-  <p:clrMapOvr>
-    <a:masterClrMapping/>
-  </p:clrMapOvr>
-  <p:timing>
-    <p:tnLst>
-      <p:par>
-        <p:cTn id="1" dur="indefinite" restart="never" nodeType="tmRoot"/>
-      </p:par>
-    </p:tnLst>
-  </p:timing>
-</p:sld>
-</file>
-
-<file path=ppt/slides/slide17.xml><?xml version="1.0" encoding="utf-8"?>
+<file path=ppt/slides/slide21.xml><?xml version="1.0" encoding="utf-8"?>
 <p:sld xmlns:a="http://schemas.openxmlformats.org/drawingml/2006/main" xmlns:r="http://schemas.openxmlformats.org/officeDocument/2006/relationships" xmlns:p="http://schemas.openxmlformats.org/presentationml/2006/main">
   <p:cSld>
     <p:spTree>
@@ -12198,7 +12107,7 @@
 </p:sld>
 </file>
 
-<file path=ppt/slides/slide18.xml><?xml version="1.0" encoding="utf-8"?>
+<file path=ppt/slides/slide22.xml><?xml version="1.0" encoding="utf-8"?>
 <p:sld xmlns:a="http://schemas.openxmlformats.org/drawingml/2006/main" xmlns:r="http://schemas.openxmlformats.org/officeDocument/2006/relationships" xmlns:p="http://schemas.openxmlformats.org/presentationml/2006/main">
   <p:cSld>
     <p:spTree>
@@ -12361,922 +12270,7 @@
 </p:sld>
 </file>
 
-<file path=ppt/slides/slide19.xml><?xml version="1.0" encoding="utf-8"?>
-<p:sld xmlns:a="http://schemas.openxmlformats.org/drawingml/2006/main" xmlns:r="http://schemas.openxmlformats.org/officeDocument/2006/relationships" xmlns:p="http://schemas.openxmlformats.org/presentationml/2006/main">
-  <p:cSld>
-    <p:spTree>
-      <p:nvGrpSpPr>
-        <p:cNvPr id="1" name=""/>
-        <p:cNvGrpSpPr/>
-        <p:nvPr/>
-      </p:nvGrpSpPr>
-      <p:grpSpPr>
-        <a:xfrm>
-          <a:off x="0" y="0"/>
-          <a:ext cx="0" cy="0"/>
-          <a:chOff x="0" y="0"/>
-          <a:chExt cx="0" cy="0"/>
-        </a:xfrm>
-      </p:grpSpPr>
-      <p:pic>
-        <p:nvPicPr>
-          <p:cNvPr id="7" name="Picture 2"/>
-          <p:cNvPicPr>
-            <a:picLocks noChangeAspect="1" noChangeArrowheads="1"/>
-          </p:cNvPicPr>
-          <p:nvPr/>
-        </p:nvPicPr>
-        <p:blipFill rotWithShape="1">
-          <a:blip r:embed="rId2">
-            <a:extLst>
-              <a:ext uri="{28A0092B-C50C-407E-A947-70E740481C1C}">
-                <a14:useLocalDpi xmlns:a14="http://schemas.microsoft.com/office/drawing/2010/main" val="0"/>
-              </a:ext>
-            </a:extLst>
-          </a:blip>
-          <a:srcRect l="-851" t="-7324" r="-2831"/>
-          <a:stretch/>
-        </p:blipFill>
-        <p:spPr bwMode="auto">
-          <a:xfrm>
-            <a:off x="1585475" y="1935163"/>
-            <a:ext cx="5973050" cy="4465637"/>
-          </a:xfrm>
-          <a:prstGeom prst="rect">
-            <a:avLst/>
-          </a:prstGeom>
-          <a:noFill/>
-          <a:ln>
-            <a:noFill/>
-          </a:ln>
-          <a:effectLst/>
-          <a:extLst>
-            <a:ext uri="{909E8E84-426E-40DD-AFC4-6F175D3DCCD1}">
-              <a14:hiddenFill xmlns:a14="http://schemas.microsoft.com/office/drawing/2010/main">
-                <a:solidFill>
-                  <a:schemeClr val="accent1"/>
-                </a:solidFill>
-              </a14:hiddenFill>
-            </a:ext>
-            <a:ext uri="{91240B29-F687-4F45-9708-019B960494DF}">
-              <a14:hiddenLine xmlns:a14="http://schemas.microsoft.com/office/drawing/2010/main" w="9525">
-                <a:solidFill>
-                  <a:schemeClr val="tx1"/>
-                </a:solidFill>
-                <a:miter lim="800000"/>
-                <a:headEnd/>
-                <a:tailEnd/>
-              </a14:hiddenLine>
-            </a:ext>
-            <a:ext uri="{AF507438-7753-43E0-B8FC-AC1667EBCBE1}">
-              <a14:hiddenEffects xmlns:a14="http://schemas.microsoft.com/office/drawing/2010/main">
-                <a:effectLst>
-                  <a:outerShdw dist="35921" dir="2700000" algn="ctr" rotWithShape="0">
-                    <a:schemeClr val="bg2"/>
-                  </a:outerShdw>
-                </a:effectLst>
-              </a14:hiddenEffects>
-            </a:ext>
-          </a:extLst>
-        </p:spPr>
-      </p:pic>
-      <p:sp>
-        <p:nvSpPr>
-          <p:cNvPr id="2" name="Title 1"/>
-          <p:cNvSpPr>
-            <a:spLocks noGrp="1"/>
-          </p:cNvSpPr>
-          <p:nvPr>
-            <p:ph type="title"/>
-          </p:nvPr>
-        </p:nvSpPr>
-        <p:spPr/>
-        <p:txBody>
-          <a:bodyPr>
-            <a:noAutofit/>
-          </a:bodyPr>
-          <a:lstStyle/>
-          <a:p>
-            <a:r>
-              <a:rPr lang="en-US" sz="5400" dirty="0" smtClean="0"/>
-              <a:t>Events</a:t>
-            </a:r>
-            <a:endParaRPr lang="en-US" sz="5400" dirty="0"/>
-          </a:p>
-        </p:txBody>
-      </p:sp>
-      <p:grpSp>
-        <p:nvGrpSpPr>
-          <p:cNvPr id="8" name="Group 7"/>
-          <p:cNvGrpSpPr/>
-          <p:nvPr/>
-        </p:nvGrpSpPr>
-        <p:grpSpPr>
-          <a:xfrm>
-            <a:off x="609600" y="2306200"/>
-            <a:ext cx="914400" cy="1219200"/>
-            <a:chOff x="609600" y="2438400"/>
-            <a:chExt cx="914400" cy="1219200"/>
-          </a:xfrm>
-          <a:solidFill>
-            <a:srgbClr val="0070C0"/>
-          </a:solidFill>
-        </p:grpSpPr>
-        <p:sp>
-          <p:nvSpPr>
-            <p:cNvPr id="9" name="Flowchart: Magnetic Disk 8"/>
-            <p:cNvSpPr/>
-            <p:nvPr/>
-          </p:nvSpPr>
-          <p:spPr>
-            <a:xfrm>
-              <a:off x="609600" y="2438400"/>
-              <a:ext cx="914400" cy="1219200"/>
-            </a:xfrm>
-            <a:prstGeom prst="flowChartMagneticDisk">
-              <a:avLst/>
-            </a:prstGeom>
-            <a:grpFill/>
-          </p:spPr>
-          <p:style>
-            <a:lnRef idx="2">
-              <a:schemeClr val="accent1">
-                <a:shade val="50000"/>
-              </a:schemeClr>
-            </a:lnRef>
-            <a:fillRef idx="1">
-              <a:schemeClr val="accent1"/>
-            </a:fillRef>
-            <a:effectRef idx="0">
-              <a:schemeClr val="accent1"/>
-            </a:effectRef>
-            <a:fontRef idx="minor">
-              <a:schemeClr val="lt1"/>
-            </a:fontRef>
-          </p:style>
-          <p:txBody>
-            <a:bodyPr rtlCol="0" anchor="ctr"/>
-            <a:lstStyle/>
-            <a:p>
-              <a:pPr algn="ctr"/>
-              <a:endParaRPr lang="en-US" b="1">
-                <a:ln w="12700">
-                  <a:solidFill>
-                    <a:schemeClr val="tx2">
-                      <a:satMod val="155000"/>
-                    </a:schemeClr>
-                  </a:solidFill>
-                  <a:prstDash val="solid"/>
-                </a:ln>
-                <a:solidFill>
-                  <a:schemeClr val="bg2">
-                    <a:tint val="85000"/>
-                    <a:satMod val="155000"/>
-                  </a:schemeClr>
-                </a:solidFill>
-                <a:effectLst>
-                  <a:outerShdw blurRad="41275" dist="20320" dir="1800000" algn="tl" rotWithShape="0">
-                    <a:srgbClr val="000000">
-                      <a:alpha val="40000"/>
-                    </a:srgbClr>
-                  </a:outerShdw>
-                </a:effectLst>
-              </a:endParaRPr>
-            </a:p>
-          </p:txBody>
-        </p:sp>
-        <p:sp>
-          <p:nvSpPr>
-            <p:cNvPr id="10" name="TextBox 9"/>
-            <p:cNvSpPr txBox="1"/>
-            <p:nvPr/>
-          </p:nvSpPr>
-          <p:spPr>
-            <a:xfrm>
-              <a:off x="685800" y="2877236"/>
-              <a:ext cx="762000" cy="646331"/>
-            </a:xfrm>
-            <a:prstGeom prst="rect">
-              <a:avLst/>
-            </a:prstGeom>
-            <a:grpFill/>
-          </p:spPr>
-          <p:txBody>
-            <a:bodyPr wrap="square" rtlCol="0">
-              <a:spAutoFit/>
-            </a:bodyPr>
-            <a:lstStyle/>
-            <a:p>
-              <a:pPr algn="ctr"/>
-              <a:r>
-                <a:rPr lang="en-US" dirty="0" smtClean="0">
-                  <a:solidFill>
-                    <a:schemeClr val="bg1"/>
-                  </a:solidFill>
-                </a:rPr>
-                <a:t>Event Log</a:t>
-              </a:r>
-              <a:endParaRPr lang="en-US" dirty="0">
-                <a:solidFill>
-                  <a:schemeClr val="bg1"/>
-                </a:solidFill>
-              </a:endParaRPr>
-            </a:p>
-          </p:txBody>
-        </p:sp>
-      </p:grpSp>
-      <p:sp>
-        <p:nvSpPr>
-          <p:cNvPr id="6" name="Oval 5"/>
-          <p:cNvSpPr/>
-          <p:nvPr/>
-        </p:nvSpPr>
-        <p:spPr>
-          <a:xfrm rot="15954761">
-            <a:off x="1803446" y="214052"/>
-            <a:ext cx="1880931" cy="5338738"/>
-          </a:xfrm>
-          <a:prstGeom prst="ellipse">
-            <a:avLst/>
-          </a:prstGeom>
-          <a:noFill/>
-          <a:ln>
-            <a:solidFill>
-              <a:srgbClr val="FF0000"/>
-            </a:solidFill>
-          </a:ln>
-        </p:spPr>
-        <p:style>
-          <a:lnRef idx="2">
-            <a:schemeClr val="accent1">
-              <a:shade val="50000"/>
-            </a:schemeClr>
-          </a:lnRef>
-          <a:fillRef idx="1">
-            <a:schemeClr val="accent1"/>
-          </a:fillRef>
-          <a:effectRef idx="0">
-            <a:schemeClr val="accent1"/>
-          </a:effectRef>
-          <a:fontRef idx="minor">
-            <a:schemeClr val="lt1"/>
-          </a:fontRef>
-        </p:style>
-        <p:txBody>
-          <a:bodyPr rtlCol="0" anchor="ctr"/>
-          <a:lstStyle/>
-          <a:p>
-            <a:pPr algn="ctr"/>
-            <a:endParaRPr lang="en-US"/>
-          </a:p>
-        </p:txBody>
-      </p:sp>
-      <p:sp>
-        <p:nvSpPr>
-          <p:cNvPr id="11" name="TextBox 10"/>
-          <p:cNvSpPr txBox="1"/>
-          <p:nvPr/>
-        </p:nvSpPr>
-        <p:spPr>
-          <a:xfrm>
-            <a:off x="0" y="0"/>
-            <a:ext cx="762000" cy="369332"/>
-          </a:xfrm>
-          <a:prstGeom prst="rect">
-            <a:avLst/>
-          </a:prstGeom>
-          <a:noFill/>
-        </p:spPr>
-        <p:txBody>
-          <a:bodyPr wrap="square" rtlCol="0">
-            <a:spAutoFit/>
-          </a:bodyPr>
-          <a:lstStyle/>
-          <a:p>
-            <a:r>
-              <a:rPr lang="en-US" dirty="0" smtClean="0">
-                <a:solidFill>
-                  <a:schemeClr val="accent1">
-                    <a:lumMod val="60000"/>
-                    <a:lumOff val="40000"/>
-                  </a:schemeClr>
-                </a:solidFill>
-                <a:latin typeface="Berlin Sans FB" pitchFamily="34" charset="0"/>
-              </a:rPr>
-              <a:t>demo</a:t>
-            </a:r>
-            <a:endParaRPr lang="en-US" dirty="0">
-              <a:solidFill>
-                <a:schemeClr val="accent1">
-                  <a:lumMod val="60000"/>
-                  <a:lumOff val="40000"/>
-                </a:schemeClr>
-              </a:solidFill>
-              <a:latin typeface="Berlin Sans FB" pitchFamily="34" charset="0"/>
-            </a:endParaRPr>
-          </a:p>
-        </p:txBody>
-      </p:sp>
-    </p:spTree>
-    <p:extLst>
-      <p:ext uri="{BB962C8B-B14F-4D97-AF65-F5344CB8AC3E}">
-        <p14:creationId xmlns:p14="http://schemas.microsoft.com/office/powerpoint/2010/main" val="3257965926"/>
-      </p:ext>
-    </p:extLst>
-  </p:cSld>
-  <p:clrMapOvr>
-    <a:masterClrMapping/>
-  </p:clrMapOvr>
-  <mc:AlternateContent xmlns:mc="http://schemas.openxmlformats.org/markup-compatibility/2006" xmlns:p14="http://schemas.microsoft.com/office/powerpoint/2010/main">
-    <mc:Choice Requires="p14">
-      <p:transition spd="slow" p14:dur="2000"/>
-    </mc:Choice>
-    <mc:Fallback xmlns="">
-      <p:transition spd="slow"/>
-    </mc:Fallback>
-  </mc:AlternateContent>
-  <p:timing>
-    <p:tnLst>
-      <p:par>
-        <p:cTn id="1" dur="indefinite" restart="never" nodeType="tmRoot"/>
-      </p:par>
-    </p:tnLst>
-  </p:timing>
-</p:sld>
-</file>
-
-<file path=ppt/slides/slide2.xml><?xml version="1.0" encoding="utf-8"?>
-<p:sld xmlns:a="http://schemas.openxmlformats.org/drawingml/2006/main" xmlns:r="http://schemas.openxmlformats.org/officeDocument/2006/relationships" xmlns:p="http://schemas.openxmlformats.org/presentationml/2006/main">
-  <p:cSld>
-    <p:spTree>
-      <p:nvGrpSpPr>
-        <p:cNvPr id="1" name=""/>
-        <p:cNvGrpSpPr/>
-        <p:nvPr/>
-      </p:nvGrpSpPr>
-      <p:grpSpPr>
-        <a:xfrm>
-          <a:off x="0" y="0"/>
-          <a:ext cx="0" cy="0"/>
-          <a:chOff x="0" y="0"/>
-          <a:chExt cx="0" cy="0"/>
-        </a:xfrm>
-      </p:grpSpPr>
-      <p:sp>
-        <p:nvSpPr>
-          <p:cNvPr id="2" name="Title 1"/>
-          <p:cNvSpPr>
-            <a:spLocks noGrp="1"/>
-          </p:cNvSpPr>
-          <p:nvPr>
-            <p:ph type="title"/>
-          </p:nvPr>
-        </p:nvSpPr>
-        <p:spPr/>
-        <p:txBody>
-          <a:bodyPr/>
-          <a:lstStyle/>
-          <a:p>
-            <a:r>
-              <a:rPr lang="en-US" dirty="0" smtClean="0"/>
-              <a:t>Sponsors</a:t>
-            </a:r>
-            <a:endParaRPr lang="en-US" dirty="0"/>
-          </a:p>
-        </p:txBody>
-      </p:sp>
-    </p:spTree>
-    <p:extLst>
-      <p:ext uri="{BB962C8B-B14F-4D97-AF65-F5344CB8AC3E}">
-        <p14:creationId xmlns:p14="http://schemas.microsoft.com/office/powerpoint/2010/main" val="4263277224"/>
-      </p:ext>
-    </p:extLst>
-  </p:cSld>
-  <p:clrMapOvr>
-    <a:masterClrMapping/>
-  </p:clrMapOvr>
-  <mc:AlternateContent xmlns:mc="http://schemas.openxmlformats.org/markup-compatibility/2006" xmlns:p14="http://schemas.microsoft.com/office/powerpoint/2010/main">
-    <mc:Choice Requires="p14">
-      <p:transition spd="slow" p14:dur="2000"/>
-    </mc:Choice>
-    <mc:Fallback xmlns="">
-      <p:transition spd="slow"/>
-    </mc:Fallback>
-  </mc:AlternateContent>
-  <p:timing>
-    <p:tnLst>
-      <p:par>
-        <p:cTn id="1" dur="indefinite" restart="never" nodeType="tmRoot"/>
-      </p:par>
-    </p:tnLst>
-  </p:timing>
-</p:sld>
-</file>
-
-<file path=ppt/slides/slide20.xml><?xml version="1.0" encoding="utf-8"?>
-<p:sld xmlns:a="http://schemas.openxmlformats.org/drawingml/2006/main" xmlns:r="http://schemas.openxmlformats.org/officeDocument/2006/relationships" xmlns:p="http://schemas.openxmlformats.org/presentationml/2006/main">
-  <p:cSld>
-    <p:spTree>
-      <p:nvGrpSpPr>
-        <p:cNvPr id="1" name=""/>
-        <p:cNvGrpSpPr/>
-        <p:nvPr/>
-      </p:nvGrpSpPr>
-      <p:grpSpPr>
-        <a:xfrm>
-          <a:off x="0" y="0"/>
-          <a:ext cx="0" cy="0"/>
-          <a:chOff x="0" y="0"/>
-          <a:chExt cx="0" cy="0"/>
-        </a:xfrm>
-      </p:grpSpPr>
-      <p:sp>
-        <p:nvSpPr>
-          <p:cNvPr id="3" name="Title 2"/>
-          <p:cNvSpPr>
-            <a:spLocks noGrp="1"/>
-          </p:cNvSpPr>
-          <p:nvPr>
-            <p:ph type="title"/>
-          </p:nvPr>
-        </p:nvSpPr>
-        <p:spPr/>
-        <p:txBody>
-          <a:bodyPr/>
-          <a:lstStyle/>
-          <a:p>
-            <a:r>
-              <a:rPr lang="en-US" dirty="0" smtClean="0"/>
-              <a:t>Benefits:</a:t>
-            </a:r>
-            <a:endParaRPr lang="en-US" dirty="0"/>
-          </a:p>
-        </p:txBody>
-      </p:sp>
-      <p:sp>
-        <p:nvSpPr>
-          <p:cNvPr id="2" name="Content Placeholder 1"/>
-          <p:cNvSpPr>
-            <a:spLocks noGrp="1"/>
-          </p:cNvSpPr>
-          <p:nvPr>
-            <p:ph idx="1"/>
-          </p:nvPr>
-        </p:nvSpPr>
-        <p:spPr/>
-        <p:txBody>
-          <a:bodyPr/>
-          <a:lstStyle/>
-          <a:p>
-            <a:r>
-              <a:rPr lang="en-US" dirty="0"/>
-              <a:t>Ability to create new projections</a:t>
-            </a:r>
-          </a:p>
-          <a:p>
-            <a:pPr lvl="1"/>
-            <a:r>
-              <a:rPr lang="en-US" dirty="0"/>
-              <a:t>Can replay events to populate new views for business</a:t>
-            </a:r>
-          </a:p>
-          <a:p>
-            <a:r>
-              <a:rPr lang="en-US" dirty="0"/>
-              <a:t>Can switch to event sourcing if cost efficient</a:t>
-            </a:r>
-          </a:p>
-          <a:p>
-            <a:pPr lvl="1"/>
-            <a:r>
-              <a:rPr lang="en-US" dirty="0"/>
-              <a:t>Replace 3nf DB altogether and load aggregates from events</a:t>
-            </a:r>
-          </a:p>
-        </p:txBody>
-      </p:sp>
-    </p:spTree>
-    <p:extLst>
-      <p:ext uri="{BB962C8B-B14F-4D97-AF65-F5344CB8AC3E}">
-        <p14:creationId xmlns:p14="http://schemas.microsoft.com/office/powerpoint/2010/main" val="1411249776"/>
-      </p:ext>
-    </p:extLst>
-  </p:cSld>
-  <p:clrMapOvr>
-    <a:masterClrMapping/>
-  </p:clrMapOvr>
-  <mc:AlternateContent xmlns:mc="http://schemas.openxmlformats.org/markup-compatibility/2006" xmlns:p14="http://schemas.microsoft.com/office/powerpoint/2010/main">
-    <mc:Choice Requires="p14">
-      <p:transition spd="slow" p14:dur="2000"/>
-    </mc:Choice>
-    <mc:Fallback xmlns="">
-      <p:transition spd="slow"/>
-    </mc:Fallback>
-  </mc:AlternateContent>
-  <p:timing>
-    <p:tnLst>
-      <p:par>
-        <p:cTn id="1" dur="indefinite" restart="never" nodeType="tmRoot"/>
-      </p:par>
-    </p:tnLst>
-  </p:timing>
-</p:sld>
-</file>
-
-<file path=ppt/slides/slide21.xml><?xml version="1.0" encoding="utf-8"?>
-<p:sld xmlns:a="http://schemas.openxmlformats.org/drawingml/2006/main" xmlns:r="http://schemas.openxmlformats.org/officeDocument/2006/relationships" xmlns:p="http://schemas.openxmlformats.org/presentationml/2006/main">
-  <p:cSld>
-    <p:spTree>
-      <p:nvGrpSpPr>
-        <p:cNvPr id="1" name=""/>
-        <p:cNvGrpSpPr/>
-        <p:nvPr/>
-      </p:nvGrpSpPr>
-      <p:grpSpPr>
-        <a:xfrm>
-          <a:off x="0" y="0"/>
-          <a:ext cx="0" cy="0"/>
-          <a:chOff x="0" y="0"/>
-          <a:chExt cx="0" cy="0"/>
-        </a:xfrm>
-      </p:grpSpPr>
-      <p:pic>
-        <p:nvPicPr>
-          <p:cNvPr id="2" name="Picture Placeholder 5"/>
-          <p:cNvPicPr>
-            <a:picLocks noChangeAspect="1"/>
-          </p:cNvPicPr>
-          <p:nvPr/>
-        </p:nvPicPr>
-        <p:blipFill>
-          <a:blip r:embed="rId2">
-            <a:extLst>
-              <a:ext uri="{28A0092B-C50C-407E-A947-70E740481C1C}">
-                <a14:useLocalDpi xmlns:a14="http://schemas.microsoft.com/office/drawing/2010/main" val="0"/>
-              </a:ext>
-            </a:extLst>
-          </a:blip>
-          <a:srcRect l="8725" r="8725"/>
-          <a:stretch>
-            <a:fillRect/>
-          </a:stretch>
-        </p:blipFill>
-        <p:spPr>
-          <a:xfrm>
-            <a:off x="745340" y="170656"/>
-            <a:ext cx="7653321" cy="6516689"/>
-          </a:xfrm>
-          <a:prstGeom prst="rect">
-            <a:avLst/>
-          </a:prstGeom>
-        </p:spPr>
-      </p:pic>
-    </p:spTree>
-    <p:extLst>
-      <p:ext uri="{BB962C8B-B14F-4D97-AF65-F5344CB8AC3E}">
-        <p14:creationId xmlns:p14="http://schemas.microsoft.com/office/powerpoint/2010/main" val="2702923953"/>
-      </p:ext>
-    </p:extLst>
-  </p:cSld>
-  <p:clrMapOvr>
-    <a:masterClrMapping/>
-  </p:clrMapOvr>
-  <p:timing>
-    <p:tnLst>
-      <p:par>
-        <p:cTn id="1" dur="indefinite" restart="never" nodeType="tmRoot"/>
-      </p:par>
-    </p:tnLst>
-  </p:timing>
-</p:sld>
-</file>
-
-<file path=ppt/slides/slide22.xml><?xml version="1.0" encoding="utf-8"?>
-<p:sld xmlns:a="http://schemas.openxmlformats.org/drawingml/2006/main" xmlns:r="http://schemas.openxmlformats.org/officeDocument/2006/relationships" xmlns:p="http://schemas.openxmlformats.org/presentationml/2006/main">
-  <p:cSld>
-    <p:spTree>
-      <p:nvGrpSpPr>
-        <p:cNvPr id="1" name=""/>
-        <p:cNvGrpSpPr/>
-        <p:nvPr/>
-      </p:nvGrpSpPr>
-      <p:grpSpPr>
-        <a:xfrm>
-          <a:off x="0" y="0"/>
-          <a:ext cx="0" cy="0"/>
-          <a:chOff x="0" y="0"/>
-          <a:chExt cx="0" cy="0"/>
-        </a:xfrm>
-      </p:grpSpPr>
-      <p:pic>
-        <p:nvPicPr>
-          <p:cNvPr id="4098" name="Picture 2" descr="C:\Users\hansenr\Desktop\15533439.jpg"/>
-          <p:cNvPicPr>
-            <a:picLocks noChangeAspect="1" noChangeArrowheads="1"/>
-          </p:cNvPicPr>
-          <p:nvPr/>
-        </p:nvPicPr>
-        <p:blipFill>
-          <a:blip r:embed="rId2">
-            <a:extLst>
-              <a:ext uri="{28A0092B-C50C-407E-A947-70E740481C1C}">
-                <a14:useLocalDpi xmlns:a14="http://schemas.microsoft.com/office/drawing/2010/main" val="0"/>
-              </a:ext>
-            </a:extLst>
-          </a:blip>
-          <a:srcRect/>
-          <a:stretch>
-            <a:fillRect/>
-          </a:stretch>
-        </p:blipFill>
-        <p:spPr bwMode="auto">
-          <a:xfrm>
-            <a:off x="2786063" y="1643063"/>
-            <a:ext cx="3571875" cy="3571875"/>
-          </a:xfrm>
-          <a:prstGeom prst="rect">
-            <a:avLst/>
-          </a:prstGeom>
-          <a:noFill/>
-          <a:extLst>
-            <a:ext uri="{909E8E84-426E-40DD-AFC4-6F175D3DCCD1}">
-              <a14:hiddenFill xmlns:a14="http://schemas.microsoft.com/office/drawing/2010/main">
-                <a:solidFill>
-                  <a:srgbClr val="FFFFFF"/>
-                </a:solidFill>
-              </a14:hiddenFill>
-            </a:ext>
-          </a:extLst>
-        </p:spPr>
-      </p:pic>
-    </p:spTree>
-    <p:extLst>
-      <p:ext uri="{BB962C8B-B14F-4D97-AF65-F5344CB8AC3E}">
-        <p14:creationId xmlns:p14="http://schemas.microsoft.com/office/powerpoint/2010/main" val="4024320437"/>
-      </p:ext>
-    </p:extLst>
-  </p:cSld>
-  <p:clrMapOvr>
-    <a:masterClrMapping/>
-  </p:clrMapOvr>
-  <p:timing>
-    <p:tnLst>
-      <p:par>
-        <p:cTn id="1" dur="indefinite" restart="never" nodeType="tmRoot"/>
-      </p:par>
-    </p:tnLst>
-  </p:timing>
-</p:sld>
-</file>
-
 <file path=ppt/slides/slide23.xml><?xml version="1.0" encoding="utf-8"?>
-<p:sld xmlns:a="http://schemas.openxmlformats.org/drawingml/2006/main" xmlns:r="http://schemas.openxmlformats.org/officeDocument/2006/relationships" xmlns:p="http://schemas.openxmlformats.org/presentationml/2006/main">
-  <p:cSld>
-    <p:spTree>
-      <p:nvGrpSpPr>
-        <p:cNvPr id="1" name=""/>
-        <p:cNvGrpSpPr/>
-        <p:nvPr/>
-      </p:nvGrpSpPr>
-      <p:grpSpPr>
-        <a:xfrm>
-          <a:off x="0" y="0"/>
-          <a:ext cx="0" cy="0"/>
-          <a:chOff x="0" y="0"/>
-          <a:chExt cx="0" cy="0"/>
-        </a:xfrm>
-      </p:grpSpPr>
-      <p:graphicFrame>
-        <p:nvGraphicFramePr>
-          <p:cNvPr id="2" name="Content Placeholder 3"/>
-          <p:cNvGraphicFramePr>
-            <a:graphicFrameLocks/>
-          </p:cNvGraphicFramePr>
-          <p:nvPr>
-            <p:extLst>
-              <p:ext uri="{D42A27DB-BD31-4B8C-83A1-F6EECF244321}">
-                <p14:modId xmlns:p14="http://schemas.microsoft.com/office/powerpoint/2010/main" val="987027396"/>
-              </p:ext>
-            </p:extLst>
-          </p:nvPr>
-        </p:nvGraphicFramePr>
-        <p:xfrm>
-          <a:off x="304800" y="722313"/>
-          <a:ext cx="8534401" cy="5413375"/>
-        </p:xfrm>
-        <a:graphic>
-          <a:graphicData uri="http://schemas.openxmlformats.org/drawingml/2006/diagram">
-            <dgm:relIds xmlns:dgm="http://schemas.openxmlformats.org/drawingml/2006/diagram" xmlns:r="http://schemas.openxmlformats.org/officeDocument/2006/relationships" r:dm="rId2" r:lo="rId3" r:qs="rId4" r:cs="rId5"/>
-          </a:graphicData>
-        </a:graphic>
-      </p:graphicFrame>
-    </p:spTree>
-    <p:extLst>
-      <p:ext uri="{BB962C8B-B14F-4D97-AF65-F5344CB8AC3E}">
-        <p14:creationId xmlns:p14="http://schemas.microsoft.com/office/powerpoint/2010/main" val="2397426191"/>
-      </p:ext>
-    </p:extLst>
-  </p:cSld>
-  <p:clrMapOvr>
-    <a:masterClrMapping/>
-  </p:clrMapOvr>
-  <mc:AlternateContent xmlns:mc="http://schemas.openxmlformats.org/markup-compatibility/2006" xmlns:p14="http://schemas.microsoft.com/office/powerpoint/2010/main">
-    <mc:Choice Requires="p14">
-      <p:transition spd="slow" p14:dur="2000"/>
-    </mc:Choice>
-    <mc:Fallback xmlns="">
-      <p:transition spd="slow"/>
-    </mc:Fallback>
-  </mc:AlternateContent>
-  <p:timing>
-    <p:tnLst>
-      <p:par>
-        <p:cTn id="1" dur="indefinite" restart="never" nodeType="tmRoot"/>
-      </p:par>
-    </p:tnLst>
-  </p:timing>
-</p:sld>
-</file>
-
-<file path=ppt/slides/slide24.xml><?xml version="1.0" encoding="utf-8"?>
-<p:sld xmlns:a="http://schemas.openxmlformats.org/drawingml/2006/main" xmlns:r="http://schemas.openxmlformats.org/officeDocument/2006/relationships" xmlns:p="http://schemas.openxmlformats.org/presentationml/2006/main">
-  <p:cSld>
-    <p:spTree>
-      <p:nvGrpSpPr>
-        <p:cNvPr id="1" name=""/>
-        <p:cNvGrpSpPr/>
-        <p:nvPr/>
-      </p:nvGrpSpPr>
-      <p:grpSpPr>
-        <a:xfrm>
-          <a:off x="0" y="0"/>
-          <a:ext cx="0" cy="0"/>
-          <a:chOff x="0" y="0"/>
-          <a:chExt cx="0" cy="0"/>
-        </a:xfrm>
-      </p:grpSpPr>
-      <p:graphicFrame>
-        <p:nvGraphicFramePr>
-          <p:cNvPr id="3" name="Content Placeholder 3"/>
-          <p:cNvGraphicFramePr>
-            <a:graphicFrameLocks/>
-          </p:cNvGraphicFramePr>
-          <p:nvPr>
-            <p:extLst>
-              <p:ext uri="{D42A27DB-BD31-4B8C-83A1-F6EECF244321}">
-                <p14:modId xmlns:p14="http://schemas.microsoft.com/office/powerpoint/2010/main" val="3558920446"/>
-              </p:ext>
-            </p:extLst>
-          </p:nvPr>
-        </p:nvGraphicFramePr>
-        <p:xfrm>
-          <a:off x="304800" y="722313"/>
-          <a:ext cx="8534401" cy="5413375"/>
-        </p:xfrm>
-        <a:graphic>
-          <a:graphicData uri="http://schemas.openxmlformats.org/drawingml/2006/diagram">
-            <dgm:relIds xmlns:dgm="http://schemas.openxmlformats.org/drawingml/2006/diagram" xmlns:r="http://schemas.openxmlformats.org/officeDocument/2006/relationships" r:dm="rId2" r:lo="rId3" r:qs="rId4" r:cs="rId5"/>
-          </a:graphicData>
-        </a:graphic>
-      </p:graphicFrame>
-    </p:spTree>
-    <p:extLst>
-      <p:ext uri="{BB962C8B-B14F-4D97-AF65-F5344CB8AC3E}">
-        <p14:creationId xmlns:p14="http://schemas.microsoft.com/office/powerpoint/2010/main" val="1395429002"/>
-      </p:ext>
-    </p:extLst>
-  </p:cSld>
-  <p:clrMapOvr>
-    <a:masterClrMapping/>
-  </p:clrMapOvr>
-  <mc:AlternateContent xmlns:mc="http://schemas.openxmlformats.org/markup-compatibility/2006" xmlns:p14="http://schemas.microsoft.com/office/powerpoint/2010/main">
-    <mc:Choice Requires="p14">
-      <p:transition p14:dur="0"/>
-    </mc:Choice>
-    <mc:Fallback xmlns="">
-      <p:transition/>
-    </mc:Fallback>
-  </mc:AlternateContent>
-  <p:timing>
-    <p:tnLst>
-      <p:par>
-        <p:cTn id="1" dur="indefinite" restart="never" nodeType="tmRoot"/>
-      </p:par>
-    </p:tnLst>
-  </p:timing>
-</p:sld>
-</file>
-
-<file path=ppt/slides/slide25.xml><?xml version="1.0" encoding="utf-8"?>
-<p:sld xmlns:a="http://schemas.openxmlformats.org/drawingml/2006/main" xmlns:r="http://schemas.openxmlformats.org/officeDocument/2006/relationships" xmlns:p="http://schemas.openxmlformats.org/presentationml/2006/main">
-  <p:cSld>
-    <p:spTree>
-      <p:nvGrpSpPr>
-        <p:cNvPr id="1" name=""/>
-        <p:cNvGrpSpPr/>
-        <p:nvPr/>
-      </p:nvGrpSpPr>
-      <p:grpSpPr>
-        <a:xfrm>
-          <a:off x="0" y="0"/>
-          <a:ext cx="0" cy="0"/>
-          <a:chOff x="0" y="0"/>
-          <a:chExt cx="0" cy="0"/>
-        </a:xfrm>
-      </p:grpSpPr>
-      <p:sp>
-        <p:nvSpPr>
-          <p:cNvPr id="3" name="Title 2"/>
-          <p:cNvSpPr>
-            <a:spLocks noGrp="1"/>
-          </p:cNvSpPr>
-          <p:nvPr>
-            <p:ph type="title"/>
-          </p:nvPr>
-        </p:nvSpPr>
-        <p:spPr/>
-        <p:txBody>
-          <a:bodyPr/>
-          <a:lstStyle/>
-          <a:p>
-            <a:r>
-              <a:rPr lang="en-US" dirty="0" smtClean="0"/>
-              <a:t>Anti-Patterns:</a:t>
-            </a:r>
-            <a:endParaRPr lang="en-US" dirty="0"/>
-          </a:p>
-        </p:txBody>
-      </p:sp>
-      <p:sp>
-        <p:nvSpPr>
-          <p:cNvPr id="2" name="Content Placeholder 1"/>
-          <p:cNvSpPr>
-            <a:spLocks noGrp="1"/>
-          </p:cNvSpPr>
-          <p:nvPr>
-            <p:ph idx="1"/>
-          </p:nvPr>
-        </p:nvSpPr>
-        <p:spPr/>
-        <p:txBody>
-          <a:bodyPr/>
-          <a:lstStyle/>
-          <a:p>
-            <a:r>
-              <a:rPr lang="en-US" dirty="0" smtClean="0"/>
-              <a:t>Events in present tense</a:t>
-            </a:r>
-          </a:p>
-          <a:p>
-            <a:pPr lvl="1"/>
-            <a:r>
-              <a:rPr lang="en-US" dirty="0" err="1" smtClean="0"/>
-              <a:t>MoveCustomer</a:t>
-            </a:r>
-            <a:endParaRPr lang="en-US" dirty="0" smtClean="0"/>
-          </a:p>
-          <a:p>
-            <a:r>
-              <a:rPr lang="en-US" dirty="0" smtClean="0"/>
-              <a:t>Events have already happened you cannot </a:t>
-            </a:r>
-            <a:r>
-              <a:rPr lang="en-US" smtClean="0"/>
-              <a:t>change them</a:t>
-            </a:r>
-            <a:endParaRPr lang="en-US" dirty="0" smtClean="0"/>
-          </a:p>
-        </p:txBody>
-      </p:sp>
-    </p:spTree>
-    <p:extLst>
-      <p:ext uri="{BB962C8B-B14F-4D97-AF65-F5344CB8AC3E}">
-        <p14:creationId xmlns:p14="http://schemas.microsoft.com/office/powerpoint/2010/main" val="1882474965"/>
-      </p:ext>
-    </p:extLst>
-  </p:cSld>
-  <p:clrMapOvr>
-    <a:masterClrMapping/>
-  </p:clrMapOvr>
-  <mc:AlternateContent xmlns:mc="http://schemas.openxmlformats.org/markup-compatibility/2006" xmlns:p14="http://schemas.microsoft.com/office/powerpoint/2010/main">
-    <mc:Choice Requires="p14">
-      <p:transition spd="slow" p14:dur="2000"/>
-    </mc:Choice>
-    <mc:Fallback xmlns="">
-      <p:transition spd="slow"/>
-    </mc:Fallback>
-  </mc:AlternateContent>
-  <p:timing>
-    <p:tnLst>
-      <p:par>
-        <p:cTn id="1" dur="indefinite" restart="never" nodeType="tmRoot"/>
-      </p:par>
-    </p:tnLst>
-  </p:timing>
-</p:sld>
-</file>
-
-<file path=ppt/slides/slide26.xml><?xml version="1.0" encoding="utf-8"?>
 <p:sld xmlns:a="http://schemas.openxmlformats.org/drawingml/2006/main" xmlns:r="http://schemas.openxmlformats.org/officeDocument/2006/relationships" xmlns:p="http://schemas.openxmlformats.org/presentationml/2006/main">
   <p:cSld>
     <p:spTree>
@@ -13384,131 +12378,7 @@
 </p:sld>
 </file>
 
-<file path=ppt/slides/slide27.xml><?xml version="1.0" encoding="utf-8"?>
-<p:sld xmlns:a="http://schemas.openxmlformats.org/drawingml/2006/main" xmlns:r="http://schemas.openxmlformats.org/officeDocument/2006/relationships" xmlns:p="http://schemas.openxmlformats.org/presentationml/2006/main">
-  <p:cSld>
-    <p:spTree>
-      <p:nvGrpSpPr>
-        <p:cNvPr id="1" name=""/>
-        <p:cNvGrpSpPr/>
-        <p:nvPr/>
-      </p:nvGrpSpPr>
-      <p:grpSpPr>
-        <a:xfrm>
-          <a:off x="0" y="0"/>
-          <a:ext cx="0" cy="0"/>
-          <a:chOff x="0" y="0"/>
-          <a:chExt cx="0" cy="0"/>
-        </a:xfrm>
-      </p:grpSpPr>
-      <p:sp>
-        <p:nvSpPr>
-          <p:cNvPr id="3" name="Title 2"/>
-          <p:cNvSpPr>
-            <a:spLocks noGrp="1"/>
-          </p:cNvSpPr>
-          <p:nvPr>
-            <p:ph type="title"/>
-          </p:nvPr>
-        </p:nvSpPr>
-        <p:spPr/>
-        <p:txBody>
-          <a:bodyPr/>
-          <a:lstStyle/>
-          <a:p>
-            <a:r>
-              <a:rPr lang="en-US" dirty="0" smtClean="0"/>
-              <a:t>More Resources</a:t>
-            </a:r>
-            <a:endParaRPr lang="en-US" dirty="0"/>
-          </a:p>
-        </p:txBody>
-      </p:sp>
-      <p:sp>
-        <p:nvSpPr>
-          <p:cNvPr id="2" name="Content Placeholder 1"/>
-          <p:cNvSpPr>
-            <a:spLocks noGrp="1"/>
-          </p:cNvSpPr>
-          <p:nvPr>
-            <p:ph idx="1"/>
-          </p:nvPr>
-        </p:nvSpPr>
-        <p:spPr/>
-        <p:txBody>
-          <a:bodyPr/>
-          <a:lstStyle/>
-          <a:p>
-            <a:r>
-              <a:rPr lang="en-US" dirty="0" smtClean="0"/>
-              <a:t>Presentation located at </a:t>
-            </a:r>
-            <a:r>
-              <a:rPr lang="en-US" dirty="0" smtClean="0">
-                <a:hlinkClick r:id="rId2"/>
-              </a:rPr>
-              <a:t>http://github.com/ketikochofax/CQRS.Presentation</a:t>
-            </a:r>
-            <a:endParaRPr lang="en-US" dirty="0" smtClean="0"/>
-          </a:p>
-          <a:p>
-            <a:endParaRPr lang="en-US" dirty="0" smtClean="0"/>
-          </a:p>
-          <a:p>
-            <a:r>
-              <a:rPr lang="en-US" dirty="0">
-                <a:hlinkClick r:id="rId3"/>
-              </a:rPr>
-              <a:t>http://</a:t>
-            </a:r>
-            <a:r>
-              <a:rPr lang="en-US" dirty="0" smtClean="0">
-                <a:hlinkClick r:id="rId3"/>
-              </a:rPr>
-              <a:t>martinfowler.com/bliki/CQRS.html</a:t>
-            </a:r>
-            <a:endParaRPr lang="en-US" dirty="0" smtClean="0"/>
-          </a:p>
-          <a:p>
-            <a:r>
-              <a:rPr lang="en-US" dirty="0">
-                <a:hlinkClick r:id="rId4"/>
-              </a:rPr>
-              <a:t>http://cqrs.wordpress.com/documents/</a:t>
-            </a:r>
-            <a:endParaRPr lang="en-US" dirty="0"/>
-          </a:p>
-        </p:txBody>
-      </p:sp>
-    </p:spTree>
-    <p:extLst>
-      <p:ext uri="{BB962C8B-B14F-4D97-AF65-F5344CB8AC3E}">
-        <p14:creationId xmlns:p14="http://schemas.microsoft.com/office/powerpoint/2010/main" val="3105702350"/>
-      </p:ext>
-    </p:extLst>
-  </p:cSld>
-  <p:clrMapOvr>
-    <a:masterClrMapping/>
-  </p:clrMapOvr>
-  <mc:AlternateContent xmlns:mc="http://schemas.openxmlformats.org/markup-compatibility/2006" xmlns:p14="http://schemas.microsoft.com/office/powerpoint/2010/main">
-    <mc:Choice Requires="p14">
-      <p:transition spd="slow" p14:dur="2000"/>
-    </mc:Choice>
-    <mc:Fallback xmlns="">
-      <p:transition spd="slow"/>
-    </mc:Fallback>
-  </mc:AlternateContent>
-  <p:timing>
-    <p:tnLst>
-      <p:par>
-        <p:cTn id="1" dur="indefinite" restart="never" nodeType="tmRoot"/>
-      </p:par>
-    </p:tnLst>
-  </p:timing>
-</p:sld>
-</file>
-
-<file path=ppt/slides/slide28.xml><?xml version="1.0" encoding="utf-8"?>
+<file path=ppt/slides/slide24.xml><?xml version="1.0" encoding="utf-8"?>
 <p:sld xmlns:a="http://schemas.openxmlformats.org/drawingml/2006/main" xmlns:r="http://schemas.openxmlformats.org/officeDocument/2006/relationships" xmlns:p="http://schemas.openxmlformats.org/presentationml/2006/main">
   <p:cSld>
     <p:spTree>
@@ -13576,6 +12446,130 @@
   <p:clrMapOvr>
     <a:masterClrMapping/>
   </p:clrMapOvr>
+  <p:timing>
+    <p:tnLst>
+      <p:par>
+        <p:cTn id="1" dur="indefinite" restart="never" nodeType="tmRoot"/>
+      </p:par>
+    </p:tnLst>
+  </p:timing>
+</p:sld>
+</file>
+
+<file path=ppt/slides/slide25.xml><?xml version="1.0" encoding="utf-8"?>
+<p:sld xmlns:a="http://schemas.openxmlformats.org/drawingml/2006/main" xmlns:r="http://schemas.openxmlformats.org/officeDocument/2006/relationships" xmlns:p="http://schemas.openxmlformats.org/presentationml/2006/main">
+  <p:cSld>
+    <p:spTree>
+      <p:nvGrpSpPr>
+        <p:cNvPr id="1" name=""/>
+        <p:cNvGrpSpPr/>
+        <p:nvPr/>
+      </p:nvGrpSpPr>
+      <p:grpSpPr>
+        <a:xfrm>
+          <a:off x="0" y="0"/>
+          <a:ext cx="0" cy="0"/>
+          <a:chOff x="0" y="0"/>
+          <a:chExt cx="0" cy="0"/>
+        </a:xfrm>
+      </p:grpSpPr>
+      <p:sp>
+        <p:nvSpPr>
+          <p:cNvPr id="3" name="Title 2"/>
+          <p:cNvSpPr>
+            <a:spLocks noGrp="1"/>
+          </p:cNvSpPr>
+          <p:nvPr>
+            <p:ph type="title"/>
+          </p:nvPr>
+        </p:nvSpPr>
+        <p:spPr/>
+        <p:txBody>
+          <a:bodyPr/>
+          <a:lstStyle/>
+          <a:p>
+            <a:r>
+              <a:rPr lang="en-US" dirty="0" smtClean="0"/>
+              <a:t>More Resources</a:t>
+            </a:r>
+            <a:endParaRPr lang="en-US" dirty="0"/>
+          </a:p>
+        </p:txBody>
+      </p:sp>
+      <p:sp>
+        <p:nvSpPr>
+          <p:cNvPr id="2" name="Content Placeholder 1"/>
+          <p:cNvSpPr>
+            <a:spLocks noGrp="1"/>
+          </p:cNvSpPr>
+          <p:nvPr>
+            <p:ph idx="1"/>
+          </p:nvPr>
+        </p:nvSpPr>
+        <p:spPr/>
+        <p:txBody>
+          <a:bodyPr/>
+          <a:lstStyle/>
+          <a:p>
+            <a:r>
+              <a:rPr lang="en-US" dirty="0" smtClean="0"/>
+              <a:t>Presentation located at </a:t>
+            </a:r>
+            <a:r>
+              <a:rPr lang="en-US" dirty="0" smtClean="0">
+                <a:hlinkClick r:id="rId2"/>
+              </a:rPr>
+              <a:t>http://github.com/ketikochofax/CQRS.Presentation</a:t>
+            </a:r>
+            <a:endParaRPr lang="en-US" dirty="0" smtClean="0"/>
+          </a:p>
+          <a:p>
+            <a:endParaRPr lang="en-US" dirty="0" smtClean="0"/>
+          </a:p>
+          <a:p>
+            <a:r>
+              <a:rPr lang="en-US" dirty="0">
+                <a:hlinkClick r:id="rId3"/>
+              </a:rPr>
+              <a:t>http://</a:t>
+            </a:r>
+            <a:r>
+              <a:rPr lang="en-US" dirty="0" smtClean="0">
+                <a:hlinkClick r:id="rId3"/>
+              </a:rPr>
+              <a:t>martinfowler.com/bliki/CQRS.html</a:t>
+            </a:r>
+            <a:endParaRPr lang="en-US" dirty="0" smtClean="0"/>
+          </a:p>
+          <a:p>
+            <a:r>
+              <a:rPr lang="en-US" dirty="0">
+                <a:hlinkClick r:id="rId4"/>
+              </a:rPr>
+              <a:t>http://cqrs.wordpress.com/documents/</a:t>
+            </a:r>
+            <a:endParaRPr lang="en-US" dirty="0"/>
+          </a:p>
+        </p:txBody>
+      </p:sp>
+    </p:spTree>
+    <p:extLst>
+      <p:ext uri="{BB962C8B-B14F-4D97-AF65-F5344CB8AC3E}">
+        <p14:creationId xmlns:p14="http://schemas.microsoft.com/office/powerpoint/2010/main" val="3105702350"/>
+      </p:ext>
+    </p:extLst>
+  </p:cSld>
+  <p:clrMapOvr>
+    <a:masterClrMapping/>
+  </p:clrMapOvr>
+  <mc:AlternateContent xmlns:mc="http://schemas.openxmlformats.org/markup-compatibility/2006" xmlns:p14="http://schemas.microsoft.com/office/powerpoint/2010/main">
+    <mc:Choice Requires="p14">
+      <p:transition spd="slow" p14:dur="2000"/>
+    </mc:Choice>
+    <mc:Fallback xmlns="">
+      <p:transition spd="slow"/>
+    </mc:Fallback>
+  </mc:AlternateContent>
   <p:timing>
     <p:tnLst>
       <p:par>
@@ -14861,84 +13855,6 @@
       </p:grpSpPr>
       <p:pic>
         <p:nvPicPr>
-          <p:cNvPr id="5122" name="Picture 2" descr="C:\Users\hansenr\Desktop\10413121.jpg"/>
-          <p:cNvPicPr>
-            <a:picLocks noChangeAspect="1" noChangeArrowheads="1"/>
-          </p:cNvPicPr>
-          <p:nvPr/>
-        </p:nvPicPr>
-        <p:blipFill>
-          <a:blip r:embed="rId2">
-            <a:extLst>
-              <a:ext uri="{28A0092B-C50C-407E-A947-70E740481C1C}">
-                <a14:useLocalDpi xmlns:a14="http://schemas.microsoft.com/office/drawing/2010/main" val="0"/>
-              </a:ext>
-            </a:extLst>
-          </a:blip>
-          <a:srcRect/>
-          <a:stretch>
-            <a:fillRect/>
-          </a:stretch>
-        </p:blipFill>
-        <p:spPr bwMode="auto">
-          <a:xfrm>
-            <a:off x="2786063" y="1643063"/>
-            <a:ext cx="3571875" cy="3571875"/>
-          </a:xfrm>
-          <a:prstGeom prst="rect">
-            <a:avLst/>
-          </a:prstGeom>
-          <a:noFill/>
-          <a:extLst>
-            <a:ext uri="{909E8E84-426E-40DD-AFC4-6F175D3DCCD1}">
-              <a14:hiddenFill xmlns:a14="http://schemas.microsoft.com/office/drawing/2010/main">
-                <a:solidFill>
-                  <a:srgbClr val="FFFFFF"/>
-                </a:solidFill>
-              </a14:hiddenFill>
-            </a:ext>
-          </a:extLst>
-        </p:spPr>
-      </p:pic>
-    </p:spTree>
-    <p:extLst>
-      <p:ext uri="{BB962C8B-B14F-4D97-AF65-F5344CB8AC3E}">
-        <p14:creationId xmlns:p14="http://schemas.microsoft.com/office/powerpoint/2010/main" val="2784380815"/>
-      </p:ext>
-    </p:extLst>
-  </p:cSld>
-  <p:clrMapOvr>
-    <a:masterClrMapping/>
-  </p:clrMapOvr>
-  <p:timing>
-    <p:tnLst>
-      <p:par>
-        <p:cTn id="1" dur="indefinite" restart="never" nodeType="tmRoot"/>
-      </p:par>
-    </p:tnLst>
-  </p:timing>
-</p:sld>
-</file>
-
-<file path=ppt/slides/slide9.xml><?xml version="1.0" encoding="utf-8"?>
-<p:sld xmlns:a="http://schemas.openxmlformats.org/drawingml/2006/main" xmlns:r="http://schemas.openxmlformats.org/officeDocument/2006/relationships" xmlns:p="http://schemas.openxmlformats.org/presentationml/2006/main">
-  <p:cSld>
-    <p:spTree>
-      <p:nvGrpSpPr>
-        <p:cNvPr id="1" name=""/>
-        <p:cNvGrpSpPr/>
-        <p:nvPr/>
-      </p:nvGrpSpPr>
-      <p:grpSpPr>
-        <a:xfrm>
-          <a:off x="0" y="0"/>
-          <a:ext cx="0" cy="0"/>
-          <a:chOff x="0" y="0"/>
-          <a:chExt cx="0" cy="0"/>
-        </a:xfrm>
-      </p:grpSpPr>
-      <p:pic>
-        <p:nvPicPr>
           <p:cNvPr id="4" name="Picture 2"/>
           <p:cNvPicPr>
             <a:picLocks noChangeAspect="1" noChangeArrowheads="1"/>
@@ -15005,6 +13921,898 @@
     <p:extLst>
       <p:ext uri="{BB962C8B-B14F-4D97-AF65-F5344CB8AC3E}">
         <p14:creationId xmlns:p14="http://schemas.microsoft.com/office/powerpoint/2010/main" val="2532130263"/>
+      </p:ext>
+    </p:extLst>
+  </p:cSld>
+  <p:clrMapOvr>
+    <a:masterClrMapping/>
+  </p:clrMapOvr>
+  <mc:AlternateContent xmlns:mc="http://schemas.openxmlformats.org/markup-compatibility/2006" xmlns:p14="http://schemas.microsoft.com/office/powerpoint/2010/main">
+    <mc:Choice Requires="p14">
+      <p:transition spd="slow" p14:dur="2000"/>
+    </mc:Choice>
+    <mc:Fallback xmlns="">
+      <p:transition spd="slow"/>
+    </mc:Fallback>
+  </mc:AlternateContent>
+  <p:timing>
+    <p:tnLst>
+      <p:par>
+        <p:cTn id="1" dur="indefinite" restart="never" nodeType="tmRoot"/>
+      </p:par>
+    </p:tnLst>
+  </p:timing>
+</p:sld>
+</file>
+
+<file path=ppt/slides/slide9.xml><?xml version="1.0" encoding="utf-8"?>
+<p:sld xmlns:a="http://schemas.openxmlformats.org/drawingml/2006/main" xmlns:r="http://schemas.openxmlformats.org/officeDocument/2006/relationships" xmlns:p="http://schemas.openxmlformats.org/presentationml/2006/main">
+  <p:cSld>
+    <p:spTree>
+      <p:nvGrpSpPr>
+        <p:cNvPr id="1" name=""/>
+        <p:cNvGrpSpPr/>
+        <p:nvPr/>
+      </p:nvGrpSpPr>
+      <p:grpSpPr>
+        <a:xfrm>
+          <a:off x="0" y="0"/>
+          <a:ext cx="0" cy="0"/>
+          <a:chOff x="0" y="0"/>
+          <a:chExt cx="0" cy="0"/>
+        </a:xfrm>
+      </p:grpSpPr>
+      <p:sp>
+        <p:nvSpPr>
+          <p:cNvPr id="2" name="Flowchart: Magnetic Disk 1"/>
+          <p:cNvSpPr/>
+          <p:nvPr/>
+        </p:nvSpPr>
+        <p:spPr>
+          <a:xfrm>
+            <a:off x="3429000" y="76200"/>
+            <a:ext cx="2362200" cy="1219200"/>
+          </a:xfrm>
+          <a:prstGeom prst="flowChartMagneticDisk">
+            <a:avLst/>
+          </a:prstGeom>
+        </p:spPr>
+        <p:style>
+          <a:lnRef idx="2">
+            <a:schemeClr val="accent1">
+              <a:shade val="50000"/>
+            </a:schemeClr>
+          </a:lnRef>
+          <a:fillRef idx="1">
+            <a:schemeClr val="accent1"/>
+          </a:fillRef>
+          <a:effectRef idx="0">
+            <a:schemeClr val="accent1"/>
+          </a:effectRef>
+          <a:fontRef idx="minor">
+            <a:schemeClr val="lt1"/>
+          </a:fontRef>
+        </p:style>
+        <p:txBody>
+          <a:bodyPr rtlCol="0" anchor="ctr"/>
+          <a:lstStyle/>
+          <a:p>
+            <a:pPr algn="ctr"/>
+            <a:r>
+              <a:rPr lang="en-US" dirty="0" smtClean="0"/>
+              <a:t>Data         Storage</a:t>
+            </a:r>
+            <a:endParaRPr lang="en-US" dirty="0"/>
+          </a:p>
+        </p:txBody>
+      </p:sp>
+      <p:sp>
+        <p:nvSpPr>
+          <p:cNvPr id="3" name="Rectangle 2"/>
+          <p:cNvSpPr/>
+          <p:nvPr/>
+        </p:nvSpPr>
+        <p:spPr>
+          <a:xfrm>
+            <a:off x="228600" y="1459832"/>
+            <a:ext cx="3505200" cy="990600"/>
+          </a:xfrm>
+          <a:prstGeom prst="rect">
+            <a:avLst/>
+          </a:prstGeom>
+          <a:noFill/>
+        </p:spPr>
+        <p:style>
+          <a:lnRef idx="2">
+            <a:schemeClr val="accent1">
+              <a:shade val="50000"/>
+            </a:schemeClr>
+          </a:lnRef>
+          <a:fillRef idx="1">
+            <a:schemeClr val="accent1"/>
+          </a:fillRef>
+          <a:effectRef idx="0">
+            <a:schemeClr val="accent1"/>
+          </a:effectRef>
+          <a:fontRef idx="minor">
+            <a:schemeClr val="lt1"/>
+          </a:fontRef>
+        </p:style>
+        <p:txBody>
+          <a:bodyPr rtlCol="0" anchor="ctr"/>
+          <a:lstStyle/>
+          <a:p>
+            <a:pPr algn="ctr"/>
+            <a:endParaRPr lang="en-US"/>
+          </a:p>
+        </p:txBody>
+      </p:sp>
+      <p:sp>
+        <p:nvSpPr>
+          <p:cNvPr id="4" name="Rectangle 3"/>
+          <p:cNvSpPr/>
+          <p:nvPr/>
+        </p:nvSpPr>
+        <p:spPr>
+          <a:xfrm>
+            <a:off x="228600" y="2526632"/>
+            <a:ext cx="3505200" cy="457200"/>
+          </a:xfrm>
+          <a:prstGeom prst="rect">
+            <a:avLst/>
+          </a:prstGeom>
+        </p:spPr>
+        <p:style>
+          <a:lnRef idx="2">
+            <a:schemeClr val="accent1">
+              <a:shade val="50000"/>
+            </a:schemeClr>
+          </a:lnRef>
+          <a:fillRef idx="1">
+            <a:schemeClr val="accent1"/>
+          </a:fillRef>
+          <a:effectRef idx="0">
+            <a:schemeClr val="accent1"/>
+          </a:effectRef>
+          <a:fontRef idx="minor">
+            <a:schemeClr val="lt1"/>
+          </a:fontRef>
+        </p:style>
+        <p:txBody>
+          <a:bodyPr rtlCol="0" anchor="ctr"/>
+          <a:lstStyle/>
+          <a:p>
+            <a:pPr algn="ctr"/>
+            <a:r>
+              <a:rPr lang="en-US" dirty="0" smtClean="0"/>
+              <a:t>Application Services</a:t>
+            </a:r>
+            <a:endParaRPr lang="en-US" dirty="0"/>
+          </a:p>
+        </p:txBody>
+      </p:sp>
+      <p:sp>
+        <p:nvSpPr>
+          <p:cNvPr id="5" name="Rectangle 4"/>
+          <p:cNvSpPr/>
+          <p:nvPr/>
+        </p:nvSpPr>
+        <p:spPr>
+          <a:xfrm>
+            <a:off x="685800" y="1536032"/>
+            <a:ext cx="1143000" cy="762000"/>
+          </a:xfrm>
+          <a:prstGeom prst="rect">
+            <a:avLst/>
+          </a:prstGeom>
+        </p:spPr>
+        <p:style>
+          <a:lnRef idx="2">
+            <a:schemeClr val="accent1">
+              <a:shade val="50000"/>
+            </a:schemeClr>
+          </a:lnRef>
+          <a:fillRef idx="1">
+            <a:schemeClr val="accent1"/>
+          </a:fillRef>
+          <a:effectRef idx="0">
+            <a:schemeClr val="accent1"/>
+          </a:effectRef>
+          <a:fontRef idx="minor">
+            <a:schemeClr val="lt1"/>
+          </a:fontRef>
+        </p:style>
+        <p:txBody>
+          <a:bodyPr rtlCol="0" anchor="ctr"/>
+          <a:lstStyle/>
+          <a:p>
+            <a:pPr algn="ctr"/>
+            <a:r>
+              <a:rPr lang="en-US" dirty="0" smtClean="0"/>
+              <a:t>Domain Object</a:t>
+            </a:r>
+            <a:endParaRPr lang="en-US" dirty="0"/>
+          </a:p>
+        </p:txBody>
+      </p:sp>
+      <p:sp>
+        <p:nvSpPr>
+          <p:cNvPr id="6" name="Cloud 5"/>
+          <p:cNvSpPr/>
+          <p:nvPr/>
+        </p:nvSpPr>
+        <p:spPr>
+          <a:xfrm>
+            <a:off x="152400" y="3593432"/>
+            <a:ext cx="3733800" cy="1447800"/>
+          </a:xfrm>
+          <a:prstGeom prst="cloud">
+            <a:avLst/>
+          </a:prstGeom>
+        </p:spPr>
+        <p:style>
+          <a:lnRef idx="2">
+            <a:schemeClr val="accent1">
+              <a:shade val="50000"/>
+            </a:schemeClr>
+          </a:lnRef>
+          <a:fillRef idx="1">
+            <a:schemeClr val="accent1"/>
+          </a:fillRef>
+          <a:effectRef idx="0">
+            <a:schemeClr val="accent1"/>
+          </a:effectRef>
+          <a:fontRef idx="minor">
+            <a:schemeClr val="lt1"/>
+          </a:fontRef>
+        </p:style>
+        <p:txBody>
+          <a:bodyPr rtlCol="0" anchor="ctr"/>
+          <a:lstStyle/>
+          <a:p>
+            <a:pPr algn="ctr"/>
+            <a:endParaRPr lang="en-US"/>
+          </a:p>
+        </p:txBody>
+      </p:sp>
+      <p:sp>
+        <p:nvSpPr>
+          <p:cNvPr id="7" name="Rectangle 6"/>
+          <p:cNvSpPr/>
+          <p:nvPr/>
+        </p:nvSpPr>
+        <p:spPr>
+          <a:xfrm>
+            <a:off x="228600" y="3060032"/>
+            <a:ext cx="3505200" cy="457200"/>
+          </a:xfrm>
+          <a:prstGeom prst="rect">
+            <a:avLst/>
+          </a:prstGeom>
+        </p:spPr>
+        <p:style>
+          <a:lnRef idx="2">
+            <a:schemeClr val="accent1">
+              <a:shade val="50000"/>
+            </a:schemeClr>
+          </a:lnRef>
+          <a:fillRef idx="1">
+            <a:schemeClr val="accent1"/>
+          </a:fillRef>
+          <a:effectRef idx="0">
+            <a:schemeClr val="accent1"/>
+          </a:effectRef>
+          <a:fontRef idx="minor">
+            <a:schemeClr val="lt1"/>
+          </a:fontRef>
+        </p:style>
+        <p:txBody>
+          <a:bodyPr rtlCol="0" anchor="ctr"/>
+          <a:lstStyle/>
+          <a:p>
+            <a:pPr algn="ctr"/>
+            <a:r>
+              <a:rPr lang="en-US" dirty="0" smtClean="0"/>
+              <a:t>Remote Facade</a:t>
+            </a:r>
+            <a:endParaRPr lang="en-US" dirty="0"/>
+          </a:p>
+        </p:txBody>
+      </p:sp>
+      <p:sp>
+        <p:nvSpPr>
+          <p:cNvPr id="8" name="Rectangle 7"/>
+          <p:cNvSpPr/>
+          <p:nvPr/>
+        </p:nvSpPr>
+        <p:spPr>
+          <a:xfrm>
+            <a:off x="2057400" y="1536032"/>
+            <a:ext cx="1143000" cy="762000"/>
+          </a:xfrm>
+          <a:prstGeom prst="rect">
+            <a:avLst/>
+          </a:prstGeom>
+        </p:spPr>
+        <p:style>
+          <a:lnRef idx="2">
+            <a:schemeClr val="accent1">
+              <a:shade val="50000"/>
+            </a:schemeClr>
+          </a:lnRef>
+          <a:fillRef idx="1">
+            <a:schemeClr val="accent1"/>
+          </a:fillRef>
+          <a:effectRef idx="0">
+            <a:schemeClr val="accent1"/>
+          </a:effectRef>
+          <a:fontRef idx="minor">
+            <a:schemeClr val="lt1"/>
+          </a:fontRef>
+        </p:style>
+        <p:txBody>
+          <a:bodyPr rtlCol="0" anchor="ctr"/>
+          <a:lstStyle/>
+          <a:p>
+            <a:pPr algn="ctr"/>
+            <a:r>
+              <a:rPr lang="en-US" dirty="0" smtClean="0"/>
+              <a:t>Domain Object</a:t>
+            </a:r>
+            <a:endParaRPr lang="en-US" dirty="0"/>
+          </a:p>
+        </p:txBody>
+      </p:sp>
+      <p:sp>
+        <p:nvSpPr>
+          <p:cNvPr id="9" name="Rectangle 8"/>
+          <p:cNvSpPr/>
+          <p:nvPr/>
+        </p:nvSpPr>
+        <p:spPr>
+          <a:xfrm>
+            <a:off x="1219200" y="6256420"/>
+            <a:ext cx="6553200" cy="449180"/>
+          </a:xfrm>
+          <a:prstGeom prst="rect">
+            <a:avLst/>
+          </a:prstGeom>
+        </p:spPr>
+        <p:style>
+          <a:lnRef idx="2">
+            <a:schemeClr val="accent1">
+              <a:shade val="50000"/>
+            </a:schemeClr>
+          </a:lnRef>
+          <a:fillRef idx="1">
+            <a:schemeClr val="accent1"/>
+          </a:fillRef>
+          <a:effectRef idx="0">
+            <a:schemeClr val="accent1"/>
+          </a:effectRef>
+          <a:fontRef idx="minor">
+            <a:schemeClr val="lt1"/>
+          </a:fontRef>
+        </p:style>
+        <p:txBody>
+          <a:bodyPr rtlCol="0" anchor="ctr"/>
+          <a:lstStyle/>
+          <a:p>
+            <a:pPr lvl="3"/>
+            <a:r>
+              <a:rPr lang="en-US" dirty="0" smtClean="0"/>
+              <a:t>Client        			Client</a:t>
+            </a:r>
+            <a:endParaRPr lang="en-US" dirty="0"/>
+          </a:p>
+        </p:txBody>
+      </p:sp>
+      <p:sp>
+        <p:nvSpPr>
+          <p:cNvPr id="10" name="Up-Down Arrow 9"/>
+          <p:cNvSpPr/>
+          <p:nvPr/>
+        </p:nvSpPr>
+        <p:spPr>
+          <a:xfrm>
+            <a:off x="2667000" y="5105400"/>
+            <a:ext cx="762000" cy="1066800"/>
+          </a:xfrm>
+          <a:prstGeom prst="upDownArrow">
+            <a:avLst/>
+          </a:prstGeom>
+        </p:spPr>
+        <p:style>
+          <a:lnRef idx="2">
+            <a:schemeClr val="accent1">
+              <a:shade val="50000"/>
+            </a:schemeClr>
+          </a:lnRef>
+          <a:fillRef idx="1">
+            <a:schemeClr val="accent1"/>
+          </a:fillRef>
+          <a:effectRef idx="0">
+            <a:schemeClr val="accent1"/>
+          </a:effectRef>
+          <a:fontRef idx="minor">
+            <a:schemeClr val="lt1"/>
+          </a:fontRef>
+        </p:style>
+        <p:txBody>
+          <a:bodyPr rtlCol="0" anchor="ctr"/>
+          <a:lstStyle/>
+          <a:p>
+            <a:pPr algn="ctr"/>
+            <a:endParaRPr lang="en-US"/>
+          </a:p>
+        </p:txBody>
+      </p:sp>
+      <p:sp>
+        <p:nvSpPr>
+          <p:cNvPr id="11" name="Line Callout 1 10"/>
+          <p:cNvSpPr/>
+          <p:nvPr/>
+        </p:nvSpPr>
+        <p:spPr>
+          <a:xfrm>
+            <a:off x="228600" y="5105400"/>
+            <a:ext cx="2209800" cy="990600"/>
+          </a:xfrm>
+          <a:prstGeom prst="borderCallout1">
+            <a:avLst>
+              <a:gd name="adj1" fmla="val -1230"/>
+              <a:gd name="adj2" fmla="val 100868"/>
+              <a:gd name="adj3" fmla="val 72883"/>
+              <a:gd name="adj4" fmla="val 117918"/>
+            </a:avLst>
+          </a:prstGeom>
+        </p:spPr>
+        <p:style>
+          <a:lnRef idx="2">
+            <a:schemeClr val="accent1">
+              <a:shade val="50000"/>
+            </a:schemeClr>
+          </a:lnRef>
+          <a:fillRef idx="1">
+            <a:schemeClr val="accent1"/>
+          </a:fillRef>
+          <a:effectRef idx="0">
+            <a:schemeClr val="accent1"/>
+          </a:effectRef>
+          <a:fontRef idx="minor">
+            <a:schemeClr val="lt1"/>
+          </a:fontRef>
+        </p:style>
+        <p:txBody>
+          <a:bodyPr rtlCol="0" anchor="ctr"/>
+          <a:lstStyle/>
+          <a:p>
+            <a:pPr algn="ctr"/>
+            <a:r>
+              <a:rPr lang="en-US" b="1" dirty="0" smtClean="0"/>
+              <a:t>Message Sent</a:t>
+            </a:r>
+          </a:p>
+          <a:p>
+            <a:pPr algn="ctr"/>
+            <a:r>
+              <a:rPr lang="en-US" b="1" dirty="0" err="1" smtClean="0"/>
+              <a:t>Ack</a:t>
+            </a:r>
+            <a:r>
+              <a:rPr lang="en-US" b="1" dirty="0" smtClean="0"/>
+              <a:t>/</a:t>
+            </a:r>
+            <a:r>
+              <a:rPr lang="en-US" b="1" dirty="0" err="1" smtClean="0"/>
+              <a:t>Nak</a:t>
+            </a:r>
+            <a:r>
+              <a:rPr lang="en-US" b="1" dirty="0" smtClean="0"/>
+              <a:t> Response</a:t>
+            </a:r>
+            <a:endParaRPr lang="en-US" b="1" dirty="0"/>
+          </a:p>
+        </p:txBody>
+      </p:sp>
+      <p:sp>
+        <p:nvSpPr>
+          <p:cNvPr id="13" name="Cloud 12"/>
+          <p:cNvSpPr/>
+          <p:nvPr/>
+        </p:nvSpPr>
+        <p:spPr>
+          <a:xfrm>
+            <a:off x="5257800" y="3505200"/>
+            <a:ext cx="3733800" cy="1447800"/>
+          </a:xfrm>
+          <a:prstGeom prst="cloud">
+            <a:avLst/>
+          </a:prstGeom>
+        </p:spPr>
+        <p:style>
+          <a:lnRef idx="2">
+            <a:schemeClr val="accent1">
+              <a:shade val="50000"/>
+            </a:schemeClr>
+          </a:lnRef>
+          <a:fillRef idx="1">
+            <a:schemeClr val="accent1"/>
+          </a:fillRef>
+          <a:effectRef idx="0">
+            <a:schemeClr val="accent1"/>
+          </a:effectRef>
+          <a:fontRef idx="minor">
+            <a:schemeClr val="lt1"/>
+          </a:fontRef>
+        </p:style>
+        <p:txBody>
+          <a:bodyPr rtlCol="0" anchor="ctr"/>
+          <a:lstStyle/>
+          <a:p>
+            <a:pPr algn="ctr"/>
+            <a:endParaRPr lang="en-US"/>
+          </a:p>
+        </p:txBody>
+      </p:sp>
+      <p:sp>
+        <p:nvSpPr>
+          <p:cNvPr id="14" name="Rectangle 13"/>
+          <p:cNvSpPr/>
+          <p:nvPr/>
+        </p:nvSpPr>
+        <p:spPr>
+          <a:xfrm>
+            <a:off x="5334000" y="2438400"/>
+            <a:ext cx="3505200" cy="457200"/>
+          </a:xfrm>
+          <a:prstGeom prst="rect">
+            <a:avLst/>
+          </a:prstGeom>
+        </p:spPr>
+        <p:style>
+          <a:lnRef idx="2">
+            <a:schemeClr val="accent1">
+              <a:shade val="50000"/>
+            </a:schemeClr>
+          </a:lnRef>
+          <a:fillRef idx="1">
+            <a:schemeClr val="accent1"/>
+          </a:fillRef>
+          <a:effectRef idx="0">
+            <a:schemeClr val="accent1"/>
+          </a:effectRef>
+          <a:fontRef idx="minor">
+            <a:schemeClr val="lt1"/>
+          </a:fontRef>
+        </p:style>
+        <p:txBody>
+          <a:bodyPr rtlCol="0" anchor="ctr"/>
+          <a:lstStyle/>
+          <a:p>
+            <a:pPr algn="ctr"/>
+            <a:r>
+              <a:rPr lang="en-US" dirty="0" smtClean="0"/>
+              <a:t>Thin Read Layer (Direct to DTO)</a:t>
+            </a:r>
+            <a:endParaRPr lang="en-US" dirty="0"/>
+          </a:p>
+        </p:txBody>
+      </p:sp>
+      <p:sp>
+        <p:nvSpPr>
+          <p:cNvPr id="15" name="Rectangle 14"/>
+          <p:cNvSpPr/>
+          <p:nvPr/>
+        </p:nvSpPr>
+        <p:spPr>
+          <a:xfrm>
+            <a:off x="5334000" y="2971800"/>
+            <a:ext cx="3505200" cy="457200"/>
+          </a:xfrm>
+          <a:prstGeom prst="rect">
+            <a:avLst/>
+          </a:prstGeom>
+        </p:spPr>
+        <p:style>
+          <a:lnRef idx="2">
+            <a:schemeClr val="accent1">
+              <a:shade val="50000"/>
+            </a:schemeClr>
+          </a:lnRef>
+          <a:fillRef idx="1">
+            <a:schemeClr val="accent1"/>
+          </a:fillRef>
+          <a:effectRef idx="0">
+            <a:schemeClr val="accent1"/>
+          </a:effectRef>
+          <a:fontRef idx="minor">
+            <a:schemeClr val="lt1"/>
+          </a:fontRef>
+        </p:style>
+        <p:txBody>
+          <a:bodyPr rtlCol="0" anchor="ctr"/>
+          <a:lstStyle/>
+          <a:p>
+            <a:pPr algn="ctr"/>
+            <a:r>
+              <a:rPr lang="en-US" dirty="0" smtClean="0"/>
+              <a:t>Remote Facade</a:t>
+            </a:r>
+            <a:endParaRPr lang="en-US" dirty="0"/>
+          </a:p>
+        </p:txBody>
+      </p:sp>
+      <p:sp>
+        <p:nvSpPr>
+          <p:cNvPr id="17" name="Up-Down Arrow 16"/>
+          <p:cNvSpPr/>
+          <p:nvPr/>
+        </p:nvSpPr>
+        <p:spPr>
+          <a:xfrm>
+            <a:off x="5410200" y="5105400"/>
+            <a:ext cx="762000" cy="1066800"/>
+          </a:xfrm>
+          <a:prstGeom prst="upDownArrow">
+            <a:avLst/>
+          </a:prstGeom>
+        </p:spPr>
+        <p:style>
+          <a:lnRef idx="2">
+            <a:schemeClr val="accent1">
+              <a:shade val="50000"/>
+            </a:schemeClr>
+          </a:lnRef>
+          <a:fillRef idx="1">
+            <a:schemeClr val="accent1"/>
+          </a:fillRef>
+          <a:effectRef idx="0">
+            <a:schemeClr val="accent1"/>
+          </a:effectRef>
+          <a:fontRef idx="minor">
+            <a:schemeClr val="lt1"/>
+          </a:fontRef>
+        </p:style>
+        <p:txBody>
+          <a:bodyPr rtlCol="0" anchor="ctr"/>
+          <a:lstStyle/>
+          <a:p>
+            <a:pPr algn="ctr"/>
+            <a:endParaRPr lang="en-US"/>
+          </a:p>
+        </p:txBody>
+      </p:sp>
+      <p:sp>
+        <p:nvSpPr>
+          <p:cNvPr id="18" name="Line Callout 1 17"/>
+          <p:cNvSpPr/>
+          <p:nvPr/>
+        </p:nvSpPr>
+        <p:spPr>
+          <a:xfrm>
+            <a:off x="6781800" y="5029200"/>
+            <a:ext cx="2209800" cy="1066800"/>
+          </a:xfrm>
+          <a:prstGeom prst="borderCallout1">
+            <a:avLst>
+              <a:gd name="adj1" fmla="val 1607"/>
+              <a:gd name="adj2" fmla="val -57"/>
+              <a:gd name="adj3" fmla="val 69355"/>
+              <a:gd name="adj4" fmla="val -33666"/>
+            </a:avLst>
+          </a:prstGeom>
+        </p:spPr>
+        <p:style>
+          <a:lnRef idx="2">
+            <a:schemeClr val="accent1">
+              <a:shade val="50000"/>
+            </a:schemeClr>
+          </a:lnRef>
+          <a:fillRef idx="1">
+            <a:schemeClr val="accent1"/>
+          </a:fillRef>
+          <a:effectRef idx="0">
+            <a:schemeClr val="accent1"/>
+          </a:effectRef>
+          <a:fontRef idx="minor">
+            <a:schemeClr val="lt1"/>
+          </a:fontRef>
+        </p:style>
+        <p:txBody>
+          <a:bodyPr rtlCol="0" anchor="ctr"/>
+          <a:lstStyle/>
+          <a:p>
+            <a:pPr algn="ctr"/>
+            <a:r>
+              <a:rPr lang="en-US" b="1" dirty="0" smtClean="0"/>
+              <a:t>Request DTO</a:t>
+            </a:r>
+          </a:p>
+          <a:p>
+            <a:pPr algn="ctr"/>
+            <a:r>
+              <a:rPr lang="en-US" b="1" dirty="0" smtClean="0"/>
+              <a:t>DTO returned</a:t>
+            </a:r>
+            <a:endParaRPr lang="en-US" b="1" dirty="0"/>
+          </a:p>
+        </p:txBody>
+      </p:sp>
+      <p:cxnSp>
+        <p:nvCxnSpPr>
+          <p:cNvPr id="20" name="Straight Connector 19"/>
+          <p:cNvCxnSpPr/>
+          <p:nvPr/>
+        </p:nvCxnSpPr>
+        <p:spPr>
+          <a:xfrm rot="16200000" flipH="1">
+            <a:off x="1087916" y="3390900"/>
+            <a:ext cx="6858000" cy="76200"/>
+          </a:xfrm>
+          <a:prstGeom prst="line">
+            <a:avLst/>
+          </a:prstGeom>
+          <a:ln w="69850">
+            <a:solidFill>
+              <a:srgbClr val="C00000"/>
+            </a:solidFill>
+            <a:prstDash val="sysDash"/>
+          </a:ln>
+        </p:spPr>
+        <p:style>
+          <a:lnRef idx="1">
+            <a:schemeClr val="accent1"/>
+          </a:lnRef>
+          <a:fillRef idx="0">
+            <a:schemeClr val="accent1"/>
+          </a:fillRef>
+          <a:effectRef idx="0">
+            <a:schemeClr val="accent1"/>
+          </a:effectRef>
+          <a:fontRef idx="minor">
+            <a:schemeClr val="tx1"/>
+          </a:fontRef>
+        </p:style>
+      </p:cxnSp>
+      <p:sp>
+        <p:nvSpPr>
+          <p:cNvPr id="23" name="Rounded Rectangle 22"/>
+          <p:cNvSpPr/>
+          <p:nvPr/>
+        </p:nvSpPr>
+        <p:spPr>
+          <a:xfrm>
+            <a:off x="304800" y="152400"/>
+            <a:ext cx="2971800" cy="1066800"/>
+          </a:xfrm>
+          <a:prstGeom prst="roundRect">
+            <a:avLst/>
+          </a:prstGeom>
+        </p:spPr>
+        <p:style>
+          <a:lnRef idx="2">
+            <a:schemeClr val="accent2">
+              <a:shade val="50000"/>
+            </a:schemeClr>
+          </a:lnRef>
+          <a:fillRef idx="1">
+            <a:schemeClr val="accent2"/>
+          </a:fillRef>
+          <a:effectRef idx="0">
+            <a:schemeClr val="accent2"/>
+          </a:effectRef>
+          <a:fontRef idx="minor">
+            <a:schemeClr val="lt1"/>
+          </a:fontRef>
+        </p:style>
+        <p:txBody>
+          <a:bodyPr rtlCol="0" anchor="ctr"/>
+          <a:lstStyle/>
+          <a:p>
+            <a:pPr algn="ctr"/>
+            <a:r>
+              <a:rPr lang="en-US" dirty="0" smtClean="0"/>
+              <a:t>Write (Command)</a:t>
+            </a:r>
+            <a:endParaRPr lang="en-US" dirty="0"/>
+          </a:p>
+        </p:txBody>
+      </p:sp>
+      <p:sp>
+        <p:nvSpPr>
+          <p:cNvPr id="24" name="Rounded Rectangle 23"/>
+          <p:cNvSpPr/>
+          <p:nvPr/>
+        </p:nvSpPr>
+        <p:spPr>
+          <a:xfrm>
+            <a:off x="5943600" y="152400"/>
+            <a:ext cx="2971800" cy="1066800"/>
+          </a:xfrm>
+          <a:prstGeom prst="roundRect">
+            <a:avLst/>
+          </a:prstGeom>
+        </p:spPr>
+        <p:style>
+          <a:lnRef idx="2">
+            <a:schemeClr val="accent2">
+              <a:shade val="50000"/>
+            </a:schemeClr>
+          </a:lnRef>
+          <a:fillRef idx="1">
+            <a:schemeClr val="accent2"/>
+          </a:fillRef>
+          <a:effectRef idx="0">
+            <a:schemeClr val="accent2"/>
+          </a:effectRef>
+          <a:fontRef idx="minor">
+            <a:schemeClr val="lt1"/>
+          </a:fontRef>
+        </p:style>
+        <p:txBody>
+          <a:bodyPr rtlCol="0" anchor="ctr"/>
+          <a:lstStyle/>
+          <a:p>
+            <a:pPr algn="ctr"/>
+            <a:r>
+              <a:rPr lang="en-US" dirty="0" smtClean="0"/>
+              <a:t>Read (Query)</a:t>
+            </a:r>
+            <a:endParaRPr lang="en-US" dirty="0"/>
+          </a:p>
+        </p:txBody>
+      </p:sp>
+      <p:sp>
+        <p:nvSpPr>
+          <p:cNvPr id="21" name="TextBox 20"/>
+          <p:cNvSpPr txBox="1"/>
+          <p:nvPr/>
+        </p:nvSpPr>
+        <p:spPr>
+          <a:xfrm>
+            <a:off x="0" y="0"/>
+            <a:ext cx="762000" cy="369332"/>
+          </a:xfrm>
+          <a:prstGeom prst="rect">
+            <a:avLst/>
+          </a:prstGeom>
+          <a:noFill/>
+        </p:spPr>
+        <p:txBody>
+          <a:bodyPr wrap="square" rtlCol="0">
+            <a:spAutoFit/>
+          </a:bodyPr>
+          <a:lstStyle/>
+          <a:p>
+            <a:r>
+              <a:rPr lang="en-US" dirty="0" smtClean="0">
+                <a:solidFill>
+                  <a:schemeClr val="accent1">
+                    <a:lumMod val="60000"/>
+                    <a:lumOff val="40000"/>
+                  </a:schemeClr>
+                </a:solidFill>
+                <a:latin typeface="Berlin Sans FB" pitchFamily="34" charset="0"/>
+              </a:rPr>
+              <a:t>demo</a:t>
+            </a:r>
+            <a:endParaRPr lang="en-US" dirty="0">
+              <a:solidFill>
+                <a:schemeClr val="accent1">
+                  <a:lumMod val="60000"/>
+                  <a:lumOff val="40000"/>
+                </a:schemeClr>
+              </a:solidFill>
+              <a:latin typeface="Berlin Sans FB" pitchFamily="34" charset="0"/>
+            </a:endParaRPr>
+          </a:p>
+        </p:txBody>
+      </p:sp>
+    </p:spTree>
+    <p:extLst>
+      <p:ext uri="{BB962C8B-B14F-4D97-AF65-F5344CB8AC3E}">
+        <p14:creationId xmlns:p14="http://schemas.microsoft.com/office/powerpoint/2010/main" val="481785143"/>
       </p:ext>
     </p:extLst>
   </p:cSld>

--- a/Presentation/CQRS.pptx
+++ b/Presentation/CQRS.pptx
@@ -11458,11 +11458,7 @@
           <a:p>
             <a:r>
               <a:rPr lang="en-US" dirty="0" smtClean="0"/>
-              <a:t>Events in present </a:t>
-            </a:r>
-            <a:r>
-              <a:rPr lang="en-US" dirty="0" smtClean="0"/>
-              <a:t>tense</a:t>
+              <a:t>Events in present tense</a:t>
             </a:r>
           </a:p>
           <a:p>
@@ -12607,12 +12603,7 @@
             <p:ph type="title"/>
           </p:nvPr>
         </p:nvSpPr>
-        <p:spPr>
-          <a:xfrm>
-            <a:off x="1524000" y="2857500"/>
-            <a:ext cx="6096000" cy="1143000"/>
-          </a:xfrm>
-        </p:spPr>
+        <p:spPr/>
         <p:txBody>
           <a:bodyPr>
             <a:normAutofit/>
@@ -12620,29 +12611,93 @@
           <a:lstStyle/>
           <a:p>
             <a:r>
-              <a:rPr lang="en-US" sz="7200" dirty="0" smtClean="0"/>
+              <a:rPr lang="en-US" dirty="0" smtClean="0"/>
               <a:t>Why ‘</a:t>
             </a:r>
             <a:r>
-              <a:rPr lang="en-US" sz="7200" dirty="0" err="1" smtClean="0"/>
+              <a:rPr lang="en-US" dirty="0" err="1" smtClean="0"/>
               <a:t>Yo</a:t>
             </a:r>
             <a:r>
-              <a:rPr lang="en-US" sz="7200" dirty="0" smtClean="0"/>
+              <a:rPr lang="en-US" dirty="0" smtClean="0"/>
               <a:t> </a:t>
             </a:r>
             <a:r>
-              <a:rPr lang="en-US" sz="7200" dirty="0" err="1" smtClean="0"/>
+              <a:rPr lang="en-US" dirty="0" err="1" smtClean="0"/>
               <a:t>Dawg</a:t>
             </a:r>
             <a:r>
-              <a:rPr lang="en-US" sz="7200" dirty="0" smtClean="0"/>
+              <a:rPr lang="en-US" dirty="0" smtClean="0"/>
               <a:t>’?</a:t>
             </a:r>
-            <a:endParaRPr lang="en-US" sz="7200" dirty="0"/>
+            <a:endParaRPr lang="en-US" dirty="0"/>
           </a:p>
         </p:txBody>
       </p:sp>
+      <p:pic>
+        <p:nvPicPr>
+          <p:cNvPr id="1026" name="Picture 2"/>
+          <p:cNvPicPr>
+            <a:picLocks noChangeAspect="1" noChangeArrowheads="1"/>
+          </p:cNvPicPr>
+          <p:nvPr/>
+        </p:nvPicPr>
+        <p:blipFill>
+          <a:blip r:embed="rId2">
+            <a:extLst>
+              <a:ext uri="{28A0092B-C50C-407E-A947-70E740481C1C}">
+                <a14:useLocalDpi xmlns:a14="http://schemas.microsoft.com/office/drawing/2010/main" val="0"/>
+              </a:ext>
+            </a:extLst>
+          </a:blip>
+          <a:srcRect/>
+          <a:stretch>
+            <a:fillRect/>
+          </a:stretch>
+        </p:blipFill>
+        <p:spPr bwMode="auto">
+          <a:xfrm>
+            <a:off x="554065" y="2133600"/>
+            <a:ext cx="8035871" cy="2590800"/>
+          </a:xfrm>
+          <a:prstGeom prst="rect">
+            <a:avLst/>
+          </a:prstGeom>
+          <a:noFill/>
+          <a:ln>
+            <a:noFill/>
+          </a:ln>
+          <a:effectLst/>
+          <a:extLst>
+            <a:ext uri="{909E8E84-426E-40DD-AFC4-6F175D3DCCD1}">
+              <a14:hiddenFill xmlns:a14="http://schemas.microsoft.com/office/drawing/2010/main">
+                <a:solidFill>
+                  <a:schemeClr val="accent1"/>
+                </a:solidFill>
+              </a14:hiddenFill>
+            </a:ext>
+            <a:ext uri="{91240B29-F687-4F45-9708-019B960494DF}">
+              <a14:hiddenLine xmlns:a14="http://schemas.microsoft.com/office/drawing/2010/main" w="9525">
+                <a:solidFill>
+                  <a:schemeClr val="tx1"/>
+                </a:solidFill>
+                <a:miter lim="800000"/>
+                <a:headEnd/>
+                <a:tailEnd/>
+              </a14:hiddenLine>
+            </a:ext>
+            <a:ext uri="{AF507438-7753-43E0-B8FC-AC1667EBCBE1}">
+              <a14:hiddenEffects xmlns:a14="http://schemas.microsoft.com/office/drawing/2010/main">
+                <a:effectLst>
+                  <a:outerShdw dist="35921" dir="2700000" algn="ctr" rotWithShape="0">
+                    <a:schemeClr val="bg2"/>
+                  </a:outerShdw>
+                </a:effectLst>
+              </a14:hiddenEffects>
+            </a:ext>
+          </a:extLst>
+        </p:spPr>
+      </p:pic>
     </p:spTree>
     <p:extLst>
       <p:ext uri="{BB962C8B-B14F-4D97-AF65-F5344CB8AC3E}">
@@ -12656,7 +12711,83 @@
   <p:timing>
     <p:tnLst>
       <p:par>
-        <p:cTn id="1" dur="indefinite" restart="never" nodeType="tmRoot"/>
+        <p:cTn id="1" dur="indefinite" restart="never" nodeType="tmRoot">
+          <p:childTnLst>
+            <p:seq concurrent="1" nextAc="seek">
+              <p:cTn id="2" dur="indefinite" nodeType="mainSeq">
+                <p:childTnLst>
+                  <p:par>
+                    <p:cTn id="3" fill="hold">
+                      <p:stCondLst>
+                        <p:cond delay="indefinite"/>
+                      </p:stCondLst>
+                      <p:childTnLst>
+                        <p:par>
+                          <p:cTn id="4" fill="hold">
+                            <p:stCondLst>
+                              <p:cond delay="0"/>
+                            </p:stCondLst>
+                            <p:childTnLst>
+                              <p:par>
+                                <p:cTn id="5" presetID="10" presetClass="entr" presetSubtype="0" fill="hold" nodeType="clickEffect">
+                                  <p:stCondLst>
+                                    <p:cond delay="0"/>
+                                  </p:stCondLst>
+                                  <p:childTnLst>
+                                    <p:set>
+                                      <p:cBhvr>
+                                        <p:cTn id="6" dur="1" fill="hold">
+                                          <p:stCondLst>
+                                            <p:cond delay="0"/>
+                                          </p:stCondLst>
+                                        </p:cTn>
+                                        <p:tgtEl>
+                                          <p:spTgt spid="1026"/>
+                                        </p:tgtEl>
+                                        <p:attrNameLst>
+                                          <p:attrName>style.visibility</p:attrName>
+                                        </p:attrNameLst>
+                                      </p:cBhvr>
+                                      <p:to>
+                                        <p:strVal val="visible"/>
+                                      </p:to>
+                                    </p:set>
+                                    <p:animEffect transition="in" filter="fade">
+                                      <p:cBhvr>
+                                        <p:cTn id="7" dur="500"/>
+                                        <p:tgtEl>
+                                          <p:spTgt spid="1026"/>
+                                        </p:tgtEl>
+                                      </p:cBhvr>
+                                    </p:animEffect>
+                                  </p:childTnLst>
+                                </p:cTn>
+                              </p:par>
+                            </p:childTnLst>
+                          </p:cTn>
+                        </p:par>
+                      </p:childTnLst>
+                    </p:cTn>
+                  </p:par>
+                </p:childTnLst>
+              </p:cTn>
+              <p:prevCondLst>
+                <p:cond evt="onPrev" delay="0">
+                  <p:tgtEl>
+                    <p:sldTgt/>
+                  </p:tgtEl>
+                </p:cond>
+              </p:prevCondLst>
+              <p:nextCondLst>
+                <p:cond evt="onNext" delay="0">
+                  <p:tgtEl>
+                    <p:sldTgt/>
+                  </p:tgtEl>
+                </p:cond>
+              </p:nextCondLst>
+            </p:seq>
+          </p:childTnLst>
+        </p:cTn>
       </p:par>
     </p:tnLst>
   </p:timing>
@@ -14760,52 +14891,6 @@
               <a:t>Read (Query)</a:t>
             </a:r>
             <a:endParaRPr lang="en-US" dirty="0"/>
-          </a:p>
-        </p:txBody>
-      </p:sp>
-      <p:sp>
-        <p:nvSpPr>
-          <p:cNvPr id="21" name="TextBox 20"/>
-          <p:cNvSpPr txBox="1"/>
-          <p:nvPr/>
-        </p:nvSpPr>
-        <p:spPr>
-          <a:xfrm>
-            <a:off x="0" y="0"/>
-            <a:ext cx="762000" cy="369332"/>
-          </a:xfrm>
-          <a:prstGeom prst="rect">
-            <a:avLst/>
-          </a:prstGeom>
-          <a:noFill/>
-        </p:spPr>
-        <p:txBody>
-          <a:bodyPr wrap="square" rtlCol="0">
-            <a:spAutoFit/>
-          </a:bodyPr>
-          <a:lstStyle/>
-          <a:p>
-            <a:r>
-              <a:rPr lang="en-US" dirty="0" smtClean="0">
-                <a:solidFill>
-                  <a:schemeClr val="accent1">
-                    <a:lumMod val="60000"/>
-                    <a:lumOff val="40000"/>
-                  </a:schemeClr>
-                </a:solidFill>
-                <a:latin typeface="Berlin Sans FB" pitchFamily="34" charset="0"/>
-              </a:rPr>
-              <a:t>demo</a:t>
-            </a:r>
-            <a:endParaRPr lang="en-US" dirty="0">
-              <a:solidFill>
-                <a:schemeClr val="accent1">
-                  <a:lumMod val="60000"/>
-                  <a:lumOff val="40000"/>
-                </a:schemeClr>
-              </a:solidFill>
-              <a:latin typeface="Berlin Sans FB" pitchFamily="34" charset="0"/>
-            </a:endParaRPr>
           </a:p>
         </p:txBody>
       </p:sp>
